--- a/powerpoint/第6回　クラス①.pptx
+++ b/powerpoint/第6回　クラス①.pptx
@@ -14804,18 +14804,18 @@
           </a:p>
           <a:p>
             <a:r>
-              <a:rPr lang="ja-JP" altLang="en-US" sz="2400" dirty="0"/>
+              <a:rPr lang="ja-JP" altLang="en-US" sz="2400" b="1" dirty="0"/>
               <a:t>・</a:t>
             </a:r>
             <a:r>
-              <a:rPr lang="en-US" altLang="ja-JP" sz="2400" dirty="0"/>
+              <a:rPr lang="en-US" altLang="ja-JP" sz="2400" b="1" dirty="0"/>
               <a:t>self</a:t>
             </a:r>
             <a:r>
-              <a:rPr lang="ja-JP" altLang="en-US" sz="2400" dirty="0"/>
-              <a:t>はインスタンス自体を示す</a:t>
-            </a:r>
-            <a:endParaRPr lang="en-US" altLang="ja-JP" sz="2400" dirty="0"/>
+              <a:rPr lang="ja-JP" altLang="en-US" sz="2400" b="1" dirty="0"/>
+              <a:t>はインスタンス自身を示す</a:t>
+            </a:r>
+            <a:endParaRPr lang="en-US" altLang="ja-JP" sz="2400" b="1" dirty="0"/>
           </a:p>
           <a:p>
             <a:r>

--- a/powerpoint/第6回　クラス①.pptx
+++ b/powerpoint/第6回　クラス①.pptx
@@ -5,10 +5,10 @@
     <p:sldMasterId id="2147484080" r:id="rId1"/>
   </p:sldMasterIdLst>
   <p:notesMasterIdLst>
-    <p:notesMasterId r:id="rId21"/>
+    <p:notesMasterId r:id="rId22"/>
   </p:notesMasterIdLst>
   <p:handoutMasterIdLst>
-    <p:handoutMasterId r:id="rId22"/>
+    <p:handoutMasterId r:id="rId23"/>
   </p:handoutMasterIdLst>
   <p:sldIdLst>
     <p:sldId id="256" r:id="rId2"/>
@@ -21,15 +21,16 @@
     <p:sldId id="263" r:id="rId9"/>
     <p:sldId id="264" r:id="rId10"/>
     <p:sldId id="265" r:id="rId11"/>
-    <p:sldId id="266" r:id="rId12"/>
-    <p:sldId id="267" r:id="rId13"/>
-    <p:sldId id="268" r:id="rId14"/>
-    <p:sldId id="269" r:id="rId15"/>
-    <p:sldId id="270" r:id="rId16"/>
-    <p:sldId id="271" r:id="rId17"/>
-    <p:sldId id="272" r:id="rId18"/>
-    <p:sldId id="273" r:id="rId19"/>
-    <p:sldId id="274" r:id="rId20"/>
+    <p:sldId id="275" r:id="rId12"/>
+    <p:sldId id="266" r:id="rId13"/>
+    <p:sldId id="267" r:id="rId14"/>
+    <p:sldId id="268" r:id="rId15"/>
+    <p:sldId id="269" r:id="rId16"/>
+    <p:sldId id="270" r:id="rId17"/>
+    <p:sldId id="271" r:id="rId18"/>
+    <p:sldId id="272" r:id="rId19"/>
+    <p:sldId id="273" r:id="rId20"/>
+    <p:sldId id="274" r:id="rId21"/>
   </p:sldIdLst>
   <p:sldSz cx="12192000" cy="6858000"/>
   <p:notesSz cx="6858000" cy="9144000"/>
@@ -5860,7 +5861,7 @@
           <p:cNvPr id="2" name="タイトル 1">
             <a:extLst>
               <a:ext uri="{FF2B5EF4-FFF2-40B4-BE49-F238E27FC236}">
-                <a16:creationId xmlns:a16="http://schemas.microsoft.com/office/drawing/2014/main" id="{9ABD96D1-E26B-4C14-AD3E-36887877A5CF}"/>
+                <a16:creationId xmlns:a16="http://schemas.microsoft.com/office/drawing/2014/main" id="{53254064-EFF3-4880-8182-D63A1FFA9423}"/>
               </a:ext>
             </a:extLst>
           </p:cNvPr>
@@ -5877,9 +5878,10 @@
           <a:lstStyle/>
           <a:p>
             <a:r>
-              <a:rPr kumimoji="1" lang="ja-JP" altLang="en-US" dirty="0"/>
-              <a:t>補足　データ型のクラスとメソッド</a:t>
-            </a:r>
+              <a:rPr lang="ja-JP" altLang="en-US" dirty="0"/>
+              <a:t>メソッド</a:t>
+            </a:r>
+            <a:endParaRPr kumimoji="1" lang="ja-JP" altLang="en-US" dirty="0"/>
           </a:p>
         </p:txBody>
       </p:sp>
@@ -5888,7 +5890,7 @@
           <p:cNvPr id="3" name="コンテンツ プレースホルダー 2">
             <a:extLst>
               <a:ext uri="{FF2B5EF4-FFF2-40B4-BE49-F238E27FC236}">
-                <a16:creationId xmlns:a16="http://schemas.microsoft.com/office/drawing/2014/main" id="{4F193679-A858-4A33-9E28-CCD9C1B11C4E}"/>
+                <a16:creationId xmlns:a16="http://schemas.microsoft.com/office/drawing/2014/main" id="{596A3CAC-E57F-4CDA-8230-3D25A79DEF22}"/>
               </a:ext>
             </a:extLst>
           </p:cNvPr>
@@ -5906,7 +5908,15 @@
           <a:p>
             <a:r>
               <a:rPr kumimoji="1" lang="ja-JP" altLang="en-US" dirty="0"/>
-              <a:t>通常の変数もクラスに属している</a:t>
+              <a:t>クラス内に作成された関数を</a:t>
+            </a:r>
+            <a:r>
+              <a:rPr kumimoji="1" lang="ja-JP" altLang="en-US" b="1" dirty="0"/>
+              <a:t>メソッド</a:t>
+            </a:r>
+            <a:r>
+              <a:rPr kumimoji="1" lang="ja-JP" altLang="en-US" dirty="0"/>
+              <a:t>という</a:t>
             </a:r>
           </a:p>
         </p:txBody>
@@ -5916,7 +5926,7 @@
           <p:cNvPr id="4" name="スライド番号プレースホルダー 3">
             <a:extLst>
               <a:ext uri="{FF2B5EF4-FFF2-40B4-BE49-F238E27FC236}">
-                <a16:creationId xmlns:a16="http://schemas.microsoft.com/office/drawing/2014/main" id="{867904E4-3AAF-4DFD-83B4-AB7FBD937F59}"/>
+                <a16:creationId xmlns:a16="http://schemas.microsoft.com/office/drawing/2014/main" id="{2986B03B-E7F4-42EC-B29D-6137875B354E}"/>
               </a:ext>
             </a:extLst>
           </p:cNvPr>
@@ -5946,7 +5956,7 @@
           <p:cNvPr id="5" name="コンテンツ プレースホルダー 4">
             <a:extLst>
               <a:ext uri="{FF2B5EF4-FFF2-40B4-BE49-F238E27FC236}">
-                <a16:creationId xmlns:a16="http://schemas.microsoft.com/office/drawing/2014/main" id="{18B322AA-A427-463D-A129-B51C6CD731C5}"/>
+                <a16:creationId xmlns:a16="http://schemas.microsoft.com/office/drawing/2014/main" id="{20104D55-82D5-4443-9DC2-A14BDED06E57}"/>
               </a:ext>
             </a:extLst>
           </p:cNvPr>
@@ -5964,7 +5974,7 @@
           </a:bodyPr>
           <a:lstStyle/>
           <a:p>
-            <a:endParaRPr kumimoji="1" lang="ja-JP" altLang="en-US" dirty="0"/>
+            <a:endParaRPr kumimoji="1" lang="ja-JP" altLang="en-US"/>
           </a:p>
         </p:txBody>
       </p:sp>
@@ -5973,7 +5983,7 @@
           <p:cNvPr id="6" name="正方形/長方形 5">
             <a:extLst>
               <a:ext uri="{FF2B5EF4-FFF2-40B4-BE49-F238E27FC236}">
-                <a16:creationId xmlns:a16="http://schemas.microsoft.com/office/drawing/2014/main" id="{5C7ECDDB-5E3F-4F2A-80D6-318B119BC1EF}"/>
+                <a16:creationId xmlns:a16="http://schemas.microsoft.com/office/drawing/2014/main" id="{7A3D0EE0-9959-44EC-8D4A-4C74DE1FBC54}"/>
               </a:ext>
             </a:extLst>
           </p:cNvPr>
@@ -5982,7 +5992,7 @@
         </p:nvSpPr>
         <p:spPr>
           <a:xfrm>
-            <a:off x="1061960" y="2001335"/>
+            <a:off x="659099" y="2407753"/>
             <a:ext cx="4271120" cy="2677656"/>
           </a:xfrm>
           <a:prstGeom prst="rect">
@@ -6067,25 +6077,25 @@
           <a:p>
             <a:r>
               <a:rPr lang="en-US" altLang="ja-JP" sz="2400" dirty="0"/>
-              <a:t>print(type(</a:t>
+              <a:t>print(</a:t>
             </a:r>
             <a:r>
               <a:rPr lang="en-US" altLang="ja-JP" sz="2400" dirty="0" err="1"/>
-              <a:t>red_car</a:t>
+              <a:t>red_car.car_run</a:t>
             </a:r>
             <a:r>
               <a:rPr lang="en-US" altLang="ja-JP" sz="2400" dirty="0"/>
-              <a:t>))</a:t>
-            </a:r>
-          </a:p>
-        </p:txBody>
-      </p:sp>
-      <p:sp>
-        <p:nvSpPr>
-          <p:cNvPr id="7" name="テキスト ボックス 6">
-            <a:extLst>
-              <a:ext uri="{FF2B5EF4-FFF2-40B4-BE49-F238E27FC236}">
-                <a16:creationId xmlns:a16="http://schemas.microsoft.com/office/drawing/2014/main" id="{C25AD4A0-D72E-4041-826F-262BC5D76A1A}"/>
+              <a:t>)</a:t>
+            </a:r>
+          </a:p>
+        </p:txBody>
+      </p:sp>
+      <p:sp>
+        <p:nvSpPr>
+          <p:cNvPr id="8" name="テキスト ボックス 7">
+            <a:extLst>
+              <a:ext uri="{FF2B5EF4-FFF2-40B4-BE49-F238E27FC236}">
+                <a16:creationId xmlns:a16="http://schemas.microsoft.com/office/drawing/2014/main" id="{097F8669-62BD-421B-A5D5-ADDF3D481E98}"/>
               </a:ext>
             </a:extLst>
           </p:cNvPr>
@@ -6094,8 +6104,8 @@
         </p:nvSpPr>
         <p:spPr>
           <a:xfrm>
-            <a:off x="1061960" y="4725099"/>
-            <a:ext cx="2620652" cy="461665"/>
+            <a:off x="5807227" y="2955546"/>
+            <a:ext cx="5265160" cy="2554545"/>
           </a:xfrm>
           <a:prstGeom prst="rect">
             <a:avLst/>
@@ -6108,6 +6118,182 @@
           </a:bodyPr>
           <a:lstStyle/>
           <a:p>
+            <a:pPr>
+              <a:spcBef>
+                <a:spcPts val="600"/>
+              </a:spcBef>
+              <a:spcAft>
+                <a:spcPts val="600"/>
+              </a:spcAft>
+            </a:pPr>
+            <a:r>
+              <a:rPr lang="ja-JP" altLang="en-US" sz="2400" dirty="0"/>
+              <a:t>①クラス内でメソッドを作成</a:t>
+            </a:r>
+            <a:endParaRPr lang="en-US" altLang="ja-JP" sz="2400" dirty="0"/>
+          </a:p>
+          <a:p>
+            <a:pPr>
+              <a:spcBef>
+                <a:spcPts val="600"/>
+              </a:spcBef>
+              <a:spcAft>
+                <a:spcPts val="600"/>
+              </a:spcAft>
+            </a:pPr>
+            <a:r>
+              <a:rPr lang="ja-JP" altLang="en-US" sz="2400" dirty="0"/>
+              <a:t>②インスタンスを作成</a:t>
+            </a:r>
+            <a:endParaRPr lang="en-US" altLang="ja-JP" sz="2400" dirty="0"/>
+          </a:p>
+          <a:p>
+            <a:pPr>
+              <a:spcBef>
+                <a:spcPts val="600"/>
+              </a:spcBef>
+              <a:spcAft>
+                <a:spcPts val="600"/>
+              </a:spcAft>
+            </a:pPr>
+            <a:r>
+              <a:rPr lang="ja-JP" altLang="en-US" sz="2400" dirty="0"/>
+              <a:t>③インスタンス名</a:t>
+            </a:r>
+            <a:r>
+              <a:rPr lang="en-US" altLang="ja-JP" sz="2400" dirty="0"/>
+              <a:t>.</a:t>
+            </a:r>
+            <a:r>
+              <a:rPr lang="ja-JP" altLang="en-US" sz="2400" dirty="0"/>
+              <a:t>メソッド名</a:t>
+            </a:r>
+            <a:endParaRPr lang="en-US" altLang="ja-JP" sz="2400" dirty="0"/>
+          </a:p>
+          <a:p>
+            <a:pPr>
+              <a:spcBef>
+                <a:spcPts val="600"/>
+              </a:spcBef>
+              <a:spcAft>
+                <a:spcPts val="600"/>
+              </a:spcAft>
+            </a:pPr>
+            <a:r>
+              <a:rPr lang="ja-JP" altLang="en-US" sz="2400" dirty="0"/>
+              <a:t>　でインスタンスのメソッドを実行</a:t>
+            </a:r>
+            <a:endParaRPr lang="en-US" altLang="ja-JP" sz="2400" dirty="0"/>
+          </a:p>
+          <a:p>
+            <a:pPr>
+              <a:spcBef>
+                <a:spcPts val="600"/>
+              </a:spcBef>
+              <a:spcAft>
+                <a:spcPts val="600"/>
+              </a:spcAft>
+            </a:pPr>
+            <a:r>
+              <a:rPr lang="en-US" altLang="ja-JP" sz="2400" dirty="0"/>
+              <a:t>※</a:t>
+            </a:r>
+            <a:r>
+              <a:rPr lang="ja-JP" altLang="en-US" sz="2400" dirty="0"/>
+              <a:t>左の場合</a:t>
+            </a:r>
+            <a:r>
+              <a:rPr lang="en-US" altLang="ja-JP" sz="2400" dirty="0"/>
+              <a:t> </a:t>
+            </a:r>
+            <a:r>
+              <a:rPr lang="en-US" altLang="ja-JP" sz="2400" dirty="0" err="1"/>
+              <a:t>red_car.car_run</a:t>
+            </a:r>
+            <a:r>
+              <a:rPr lang="ja-JP" altLang="en-US" sz="2400" dirty="0"/>
+              <a:t> で実行</a:t>
+            </a:r>
+            <a:endParaRPr lang="en-US" altLang="ja-JP" sz="2400" dirty="0"/>
+          </a:p>
+        </p:txBody>
+      </p:sp>
+      <p:sp>
+        <p:nvSpPr>
+          <p:cNvPr id="9" name="正方形/長方形 8">
+            <a:extLst>
+              <a:ext uri="{FF2B5EF4-FFF2-40B4-BE49-F238E27FC236}">
+                <a16:creationId xmlns:a16="http://schemas.microsoft.com/office/drawing/2014/main" id="{F69F01A9-8B28-486D-9A8A-A8435B88FB7A}"/>
+              </a:ext>
+            </a:extLst>
+          </p:cNvPr>
+          <p:cNvSpPr/>
+          <p:nvPr/>
+        </p:nvSpPr>
+        <p:spPr>
+          <a:xfrm>
+            <a:off x="5586299" y="2718836"/>
+            <a:ext cx="5707016" cy="2946671"/>
+          </a:xfrm>
+          <a:prstGeom prst="rect">
+            <a:avLst/>
+          </a:prstGeom>
+          <a:noFill/>
+          <a:ln w="57150"/>
+        </p:spPr>
+        <p:style>
+          <a:lnRef idx="2">
+            <a:schemeClr val="accent1">
+              <a:shade val="50000"/>
+            </a:schemeClr>
+          </a:lnRef>
+          <a:fillRef idx="1">
+            <a:schemeClr val="accent1"/>
+          </a:fillRef>
+          <a:effectRef idx="0">
+            <a:schemeClr val="accent1"/>
+          </a:effectRef>
+          <a:fontRef idx="minor">
+            <a:schemeClr val="lt1"/>
+          </a:fontRef>
+        </p:style>
+        <p:txBody>
+          <a:bodyPr rtlCol="0" anchor="ctr"/>
+          <a:lstStyle/>
+          <a:p>
+            <a:pPr algn="ctr"/>
+            <a:endParaRPr kumimoji="1" lang="ja-JP" altLang="en-US"/>
+          </a:p>
+        </p:txBody>
+      </p:sp>
+      <p:sp>
+        <p:nvSpPr>
+          <p:cNvPr id="10" name="テキスト ボックス 9">
+            <a:extLst>
+              <a:ext uri="{FF2B5EF4-FFF2-40B4-BE49-F238E27FC236}">
+                <a16:creationId xmlns:a16="http://schemas.microsoft.com/office/drawing/2014/main" id="{2439385B-36DB-47DB-AACE-5A1E2DAB7585}"/>
+              </a:ext>
+            </a:extLst>
+          </p:cNvPr>
+          <p:cNvSpPr txBox="1"/>
+          <p:nvPr/>
+        </p:nvSpPr>
+        <p:spPr>
+          <a:xfrm>
+            <a:off x="659099" y="5279259"/>
+            <a:ext cx="4176852" cy="461665"/>
+          </a:xfrm>
+          <a:prstGeom prst="rect">
+            <a:avLst/>
+          </a:prstGeom>
+          <a:noFill/>
+        </p:spPr>
+        <p:txBody>
+          <a:bodyPr wrap="square" rtlCol="0">
+            <a:spAutoFit/>
+          </a:bodyPr>
+          <a:lstStyle/>
+          <a:p>
             <a:r>
               <a:rPr kumimoji="1" lang="ja-JP" altLang="en-US" sz="2400" b="1" dirty="0"/>
               <a:t>結果</a:t>
@@ -6117,10 +6303,10 @@
       </p:sp>
       <p:sp>
         <p:nvSpPr>
-          <p:cNvPr id="8" name="テキスト ボックス 7">
-            <a:extLst>
-              <a:ext uri="{FF2B5EF4-FFF2-40B4-BE49-F238E27FC236}">
-                <a16:creationId xmlns:a16="http://schemas.microsoft.com/office/drawing/2014/main" id="{B72B794E-A615-4034-9C48-1FCE3C7F9EC8}"/>
+          <p:cNvPr id="11" name="テキスト ボックス 10">
+            <a:extLst>
+              <a:ext uri="{FF2B5EF4-FFF2-40B4-BE49-F238E27FC236}">
+                <a16:creationId xmlns:a16="http://schemas.microsoft.com/office/drawing/2014/main" id="{B4BD7D80-CB9D-4D3C-BA84-9B205C144721}"/>
               </a:ext>
             </a:extLst>
           </p:cNvPr>
@@ -6129,8 +6315,8 @@
         </p:nvSpPr>
         <p:spPr>
           <a:xfrm>
-            <a:off x="1096588" y="5129548"/>
-            <a:ext cx="4236491" cy="461665"/>
+            <a:off x="659098" y="5740924"/>
+            <a:ext cx="4271119" cy="400110"/>
           </a:xfrm>
           <a:prstGeom prst="rect">
             <a:avLst/>
@@ -6149,27 +6335,199 @@
           <a:lstStyle/>
           <a:p>
             <a:r>
-              <a:rPr lang="en-US" altLang="ja-JP" sz="2400" dirty="0"/>
-              <a:t>&lt;class '__</a:t>
-            </a:r>
-            <a:r>
-              <a:rPr lang="en-US" altLang="ja-JP" sz="2400" dirty="0" err="1"/>
-              <a:t>main__.Car</a:t>
-            </a:r>
-            <a:r>
-              <a:rPr lang="en-US" altLang="ja-JP" sz="2400" dirty="0"/>
-              <a:t>'&gt;</a:t>
-            </a:r>
-            <a:endParaRPr kumimoji="1" lang="ja-JP" altLang="en-US" sz="2400" dirty="0"/>
-          </a:p>
-        </p:txBody>
-      </p:sp>
-      <p:sp>
-        <p:nvSpPr>
-          <p:cNvPr id="9" name="テキスト ボックス 8">
-            <a:extLst>
-              <a:ext uri="{FF2B5EF4-FFF2-40B4-BE49-F238E27FC236}">
-                <a16:creationId xmlns:a16="http://schemas.microsoft.com/office/drawing/2014/main" id="{F068D542-3ED3-4FCF-AA2E-F365DCDF638C}"/>
+              <a:rPr kumimoji="1" lang="en-US" altLang="ja-JP" sz="2000" dirty="0"/>
+              <a:t>run</a:t>
+            </a:r>
+            <a:endParaRPr kumimoji="1" lang="ja-JP" altLang="en-US" sz="2000" dirty="0"/>
+          </a:p>
+        </p:txBody>
+      </p:sp>
+      <p:sp>
+        <p:nvSpPr>
+          <p:cNvPr id="7" name="フレーム 6">
+            <a:extLst>
+              <a:ext uri="{FF2B5EF4-FFF2-40B4-BE49-F238E27FC236}">
+                <a16:creationId xmlns:a16="http://schemas.microsoft.com/office/drawing/2014/main" id="{85733F5D-5A87-4F33-ADA6-CB74EDC9F099}"/>
+              </a:ext>
+            </a:extLst>
+          </p:cNvPr>
+          <p:cNvSpPr/>
+          <p:nvPr/>
+        </p:nvSpPr>
+        <p:spPr>
+          <a:xfrm>
+            <a:off x="979997" y="2732119"/>
+            <a:ext cx="3629319" cy="1585357"/>
+          </a:xfrm>
+          <a:prstGeom prst="frame">
+            <a:avLst>
+              <a:gd name="adj1" fmla="val 3504"/>
+            </a:avLst>
+          </a:prstGeom>
+          <a:solidFill>
+            <a:srgbClr val="FF0000"/>
+          </a:solidFill>
+          <a:ln>
+            <a:solidFill>
+              <a:srgbClr val="C00000"/>
+            </a:solidFill>
+          </a:ln>
+        </p:spPr>
+        <p:style>
+          <a:lnRef idx="2">
+            <a:schemeClr val="accent1">
+              <a:shade val="50000"/>
+            </a:schemeClr>
+          </a:lnRef>
+          <a:fillRef idx="1">
+            <a:schemeClr val="accent1"/>
+          </a:fillRef>
+          <a:effectRef idx="0">
+            <a:schemeClr val="accent1"/>
+          </a:effectRef>
+          <a:fontRef idx="minor">
+            <a:schemeClr val="lt1"/>
+          </a:fontRef>
+        </p:style>
+        <p:txBody>
+          <a:bodyPr rtlCol="0" anchor="ctr"/>
+          <a:lstStyle/>
+          <a:p>
+            <a:pPr algn="ctr"/>
+            <a:endParaRPr kumimoji="1" lang="ja-JP" altLang="en-US">
+              <a:solidFill>
+                <a:schemeClr val="tx1"/>
+              </a:solidFill>
+            </a:endParaRPr>
+          </a:p>
+        </p:txBody>
+      </p:sp>
+      <p:sp>
+        <p:nvSpPr>
+          <p:cNvPr id="12" name="フレーム 11">
+            <a:extLst>
+              <a:ext uri="{FF2B5EF4-FFF2-40B4-BE49-F238E27FC236}">
+                <a16:creationId xmlns:a16="http://schemas.microsoft.com/office/drawing/2014/main" id="{CBA2F04E-00DD-4FCF-B56E-617E1B7FD313}"/>
+              </a:ext>
+            </a:extLst>
+          </p:cNvPr>
+          <p:cNvSpPr/>
+          <p:nvPr/>
+        </p:nvSpPr>
+        <p:spPr>
+          <a:xfrm>
+            <a:off x="659095" y="4273524"/>
+            <a:ext cx="3026786" cy="432952"/>
+          </a:xfrm>
+          <a:prstGeom prst="frame">
+            <a:avLst>
+              <a:gd name="adj1" fmla="val 13381"/>
+            </a:avLst>
+          </a:prstGeom>
+          <a:solidFill>
+            <a:srgbClr val="FF0000"/>
+          </a:solidFill>
+          <a:ln>
+            <a:solidFill>
+              <a:srgbClr val="C00000"/>
+            </a:solidFill>
+          </a:ln>
+        </p:spPr>
+        <p:style>
+          <a:lnRef idx="2">
+            <a:schemeClr val="accent1">
+              <a:shade val="50000"/>
+            </a:schemeClr>
+          </a:lnRef>
+          <a:fillRef idx="1">
+            <a:schemeClr val="accent1"/>
+          </a:fillRef>
+          <a:effectRef idx="0">
+            <a:schemeClr val="accent1"/>
+          </a:effectRef>
+          <a:fontRef idx="minor">
+            <a:schemeClr val="lt1"/>
+          </a:fontRef>
+        </p:style>
+        <p:txBody>
+          <a:bodyPr rtlCol="0" anchor="ctr"/>
+          <a:lstStyle/>
+          <a:p>
+            <a:pPr algn="ctr"/>
+            <a:endParaRPr kumimoji="1" lang="ja-JP" altLang="en-US">
+              <a:solidFill>
+                <a:schemeClr val="tx1"/>
+              </a:solidFill>
+            </a:endParaRPr>
+          </a:p>
+        </p:txBody>
+      </p:sp>
+      <p:sp>
+        <p:nvSpPr>
+          <p:cNvPr id="13" name="フレーム 12">
+            <a:extLst>
+              <a:ext uri="{FF2B5EF4-FFF2-40B4-BE49-F238E27FC236}">
+                <a16:creationId xmlns:a16="http://schemas.microsoft.com/office/drawing/2014/main" id="{C60172A8-F246-49B0-9C6A-EF37554E3855}"/>
+              </a:ext>
+            </a:extLst>
+          </p:cNvPr>
+          <p:cNvSpPr/>
+          <p:nvPr/>
+        </p:nvSpPr>
+        <p:spPr>
+          <a:xfrm>
+            <a:off x="659095" y="4632404"/>
+            <a:ext cx="3026786" cy="432952"/>
+          </a:xfrm>
+          <a:prstGeom prst="frame">
+            <a:avLst>
+              <a:gd name="adj1" fmla="val 13381"/>
+            </a:avLst>
+          </a:prstGeom>
+          <a:solidFill>
+            <a:srgbClr val="FF0000"/>
+          </a:solidFill>
+          <a:ln>
+            <a:solidFill>
+              <a:srgbClr val="C00000"/>
+            </a:solidFill>
+          </a:ln>
+        </p:spPr>
+        <p:style>
+          <a:lnRef idx="2">
+            <a:schemeClr val="accent1">
+              <a:shade val="50000"/>
+            </a:schemeClr>
+          </a:lnRef>
+          <a:fillRef idx="1">
+            <a:schemeClr val="accent1"/>
+          </a:fillRef>
+          <a:effectRef idx="0">
+            <a:schemeClr val="accent1"/>
+          </a:effectRef>
+          <a:fontRef idx="minor">
+            <a:schemeClr val="lt1"/>
+          </a:fontRef>
+        </p:style>
+        <p:txBody>
+          <a:bodyPr rtlCol="0" anchor="ctr"/>
+          <a:lstStyle/>
+          <a:p>
+            <a:pPr algn="ctr"/>
+            <a:endParaRPr kumimoji="1" lang="ja-JP" altLang="en-US">
+              <a:solidFill>
+                <a:schemeClr val="tx1"/>
+              </a:solidFill>
+            </a:endParaRPr>
+          </a:p>
+        </p:txBody>
+      </p:sp>
+      <p:sp>
+        <p:nvSpPr>
+          <p:cNvPr id="14" name="テキスト ボックス 13">
+            <a:extLst>
+              <a:ext uri="{FF2B5EF4-FFF2-40B4-BE49-F238E27FC236}">
+                <a16:creationId xmlns:a16="http://schemas.microsoft.com/office/drawing/2014/main" id="{6759C770-A698-4AF3-825B-A13BEBD674CD}"/>
               </a:ext>
             </a:extLst>
           </p:cNvPr>
@@ -6178,18 +6536,13 @@
         </p:nvSpPr>
         <p:spPr>
           <a:xfrm>
-            <a:off x="417794" y="5754181"/>
-            <a:ext cx="5668779" cy="830997"/>
+            <a:off x="482035" y="2867025"/>
+            <a:ext cx="564826" cy="523220"/>
           </a:xfrm>
           <a:prstGeom prst="rect">
             <a:avLst/>
           </a:prstGeom>
           <a:noFill/>
-          <a:ln w="38100">
-            <a:solidFill>
-              <a:srgbClr val="218A00"/>
-            </a:solidFill>
-          </a:ln>
         </p:spPr>
         <p:txBody>
           <a:bodyPr wrap="square" rtlCol="0">
@@ -6198,92 +6551,22 @@
           <a:lstStyle/>
           <a:p>
             <a:r>
-              <a:rPr kumimoji="1" lang="en-US" altLang="ja-JP" sz="2400" dirty="0" err="1"/>
-              <a:t>red_car</a:t>
-            </a:r>
-            <a:r>
-              <a:rPr kumimoji="1" lang="ja-JP" altLang="en-US" sz="2400" dirty="0"/>
-              <a:t>は</a:t>
-            </a:r>
-            <a:r>
-              <a:rPr kumimoji="1" lang="en-US" altLang="ja-JP" sz="2400" dirty="0"/>
-              <a:t>Car</a:t>
-            </a:r>
-            <a:r>
-              <a:rPr kumimoji="1" lang="ja-JP" altLang="en-US" sz="2400" dirty="0"/>
-              <a:t>というクラスに属している</a:t>
-            </a:r>
-            <a:endParaRPr kumimoji="1" lang="en-US" altLang="ja-JP" sz="2400" dirty="0"/>
-          </a:p>
-          <a:p>
-            <a:r>
-              <a:rPr lang="ja-JP" altLang="en-US" sz="2400" dirty="0"/>
-              <a:t>（今回は</a:t>
-            </a:r>
-            <a:r>
-              <a:rPr lang="en-US" altLang="ja-JP" sz="2400" dirty="0"/>
-              <a:t>__main__</a:t>
-            </a:r>
-            <a:r>
-              <a:rPr lang="ja-JP" altLang="en-US" sz="2400" dirty="0"/>
-              <a:t>は無視）</a:t>
-            </a:r>
-            <a:endParaRPr kumimoji="1" lang="ja-JP" altLang="en-US" sz="2400" dirty="0"/>
-          </a:p>
-        </p:txBody>
-      </p:sp>
-      <p:sp>
-        <p:nvSpPr>
-          <p:cNvPr id="10" name="正方形/長方形 9">
-            <a:extLst>
-              <a:ext uri="{FF2B5EF4-FFF2-40B4-BE49-F238E27FC236}">
-                <a16:creationId xmlns:a16="http://schemas.microsoft.com/office/drawing/2014/main" id="{57E2B075-D4BF-4974-816E-A8B4DD97A254}"/>
-              </a:ext>
-            </a:extLst>
-          </p:cNvPr>
-          <p:cNvSpPr/>
-          <p:nvPr/>
-        </p:nvSpPr>
-        <p:spPr>
-          <a:xfrm>
-            <a:off x="6962522" y="3443173"/>
-            <a:ext cx="4218997" cy="830997"/>
-          </a:xfrm>
-          <a:prstGeom prst="rect">
-            <a:avLst/>
-          </a:prstGeom>
-          <a:solidFill>
-            <a:schemeClr val="accent1">
-              <a:lumMod val="20000"/>
-              <a:lumOff val="80000"/>
-            </a:schemeClr>
-          </a:solidFill>
-        </p:spPr>
-        <p:txBody>
-          <a:bodyPr wrap="square">
-            <a:spAutoFit/>
-          </a:bodyPr>
-          <a:lstStyle/>
-          <a:p>
-            <a:r>
-              <a:rPr lang="en-US" altLang="ja-JP" sz="2400" dirty="0"/>
-              <a:t>a = [1,2,3,4]</a:t>
-            </a:r>
-          </a:p>
-          <a:p>
-            <a:r>
-              <a:rPr lang="en-US" altLang="ja-JP" sz="2400" dirty="0"/>
-              <a:t>print(type(a))</a:t>
-            </a:r>
-          </a:p>
-        </p:txBody>
-      </p:sp>
-      <p:sp>
-        <p:nvSpPr>
-          <p:cNvPr id="11" name="テキスト ボックス 10">
-            <a:extLst>
-              <a:ext uri="{FF2B5EF4-FFF2-40B4-BE49-F238E27FC236}">
-                <a16:creationId xmlns:a16="http://schemas.microsoft.com/office/drawing/2014/main" id="{A026B5EB-9775-40E8-9529-1025F16523B7}"/>
+              <a:rPr kumimoji="1" lang="ja-JP" altLang="en-US" sz="2800" b="1" dirty="0">
+                <a:solidFill>
+                  <a:srgbClr val="FF0000"/>
+                </a:solidFill>
+              </a:rPr>
+              <a:t>①</a:t>
+            </a:r>
+          </a:p>
+        </p:txBody>
+      </p:sp>
+      <p:sp>
+        <p:nvSpPr>
+          <p:cNvPr id="15" name="テキスト ボックス 14">
+            <a:extLst>
+              <a:ext uri="{FF2B5EF4-FFF2-40B4-BE49-F238E27FC236}">
+                <a16:creationId xmlns:a16="http://schemas.microsoft.com/office/drawing/2014/main" id="{0DD63421-28D7-44E3-B5D9-71D01A7D9888}"/>
               </a:ext>
             </a:extLst>
           </p:cNvPr>
@@ -6292,8 +6575,8 @@
         </p:nvSpPr>
         <p:spPr>
           <a:xfrm>
-            <a:off x="6910400" y="4765251"/>
-            <a:ext cx="2620652" cy="461665"/>
+            <a:off x="132756" y="4257802"/>
+            <a:ext cx="564826" cy="523220"/>
           </a:xfrm>
           <a:prstGeom prst="rect">
             <a:avLst/>
@@ -6307,18 +6590,22 @@
           <a:lstStyle/>
           <a:p>
             <a:r>
-              <a:rPr kumimoji="1" lang="ja-JP" altLang="en-US" sz="2400" b="1" dirty="0"/>
-              <a:t>結果</a:t>
-            </a:r>
-          </a:p>
-        </p:txBody>
-      </p:sp>
-      <p:sp>
-        <p:nvSpPr>
-          <p:cNvPr id="12" name="テキスト ボックス 11">
-            <a:extLst>
-              <a:ext uri="{FF2B5EF4-FFF2-40B4-BE49-F238E27FC236}">
-                <a16:creationId xmlns:a16="http://schemas.microsoft.com/office/drawing/2014/main" id="{46B1C978-30B6-4BA2-B30F-EFEF471C7085}"/>
+              <a:rPr kumimoji="1" lang="ja-JP" altLang="en-US" sz="2800" b="1" dirty="0">
+                <a:solidFill>
+                  <a:srgbClr val="FF0000"/>
+                </a:solidFill>
+              </a:rPr>
+              <a:t>②</a:t>
+            </a:r>
+          </a:p>
+        </p:txBody>
+      </p:sp>
+      <p:sp>
+        <p:nvSpPr>
+          <p:cNvPr id="16" name="テキスト ボックス 15">
+            <a:extLst>
+              <a:ext uri="{FF2B5EF4-FFF2-40B4-BE49-F238E27FC236}">
+                <a16:creationId xmlns:a16="http://schemas.microsoft.com/office/drawing/2014/main" id="{85134855-6238-4A98-91CA-4E3BA8991172}"/>
               </a:ext>
             </a:extLst>
           </p:cNvPr>
@@ -6327,59 +6614,13 @@
         </p:nvSpPr>
         <p:spPr>
           <a:xfrm>
-            <a:off x="6945028" y="5169700"/>
-            <a:ext cx="4236491" cy="461665"/>
-          </a:xfrm>
-          <a:prstGeom prst="rect">
-            <a:avLst/>
-          </a:prstGeom>
-          <a:solidFill>
-            <a:schemeClr val="accent1">
-              <a:lumMod val="20000"/>
-              <a:lumOff val="80000"/>
-            </a:schemeClr>
-          </a:solidFill>
-        </p:spPr>
-        <p:txBody>
-          <a:bodyPr wrap="square" rtlCol="0">
-            <a:spAutoFit/>
-          </a:bodyPr>
-          <a:lstStyle/>
-          <a:p>
-            <a:r>
-              <a:rPr lang="en-US" altLang="ja-JP" sz="2400" dirty="0"/>
-              <a:t>&lt;class ‘list'&gt;</a:t>
-            </a:r>
-            <a:endParaRPr kumimoji="1" lang="ja-JP" altLang="en-US" sz="2400" dirty="0"/>
-          </a:p>
-        </p:txBody>
-      </p:sp>
-      <p:sp>
-        <p:nvSpPr>
-          <p:cNvPr id="13" name="テキスト ボックス 12">
-            <a:extLst>
-              <a:ext uri="{FF2B5EF4-FFF2-40B4-BE49-F238E27FC236}">
-                <a16:creationId xmlns:a16="http://schemas.microsoft.com/office/drawing/2014/main" id="{74165EB0-41BD-4EC2-BE1A-A99F1B117ACA}"/>
-              </a:ext>
-            </a:extLst>
-          </p:cNvPr>
-          <p:cNvSpPr txBox="1"/>
-          <p:nvPr/>
-        </p:nvSpPr>
-        <p:spPr>
-          <a:xfrm>
-            <a:off x="6882123" y="5888603"/>
-            <a:ext cx="4759984" cy="461665"/>
+            <a:off x="132756" y="4669141"/>
+            <a:ext cx="564826" cy="523220"/>
           </a:xfrm>
           <a:prstGeom prst="rect">
             <a:avLst/>
           </a:prstGeom>
           <a:noFill/>
-          <a:ln w="38100">
-            <a:solidFill>
-              <a:srgbClr val="218A00"/>
-            </a:solidFill>
-          </a:ln>
         </p:spPr>
         <p:txBody>
           <a:bodyPr wrap="square" rtlCol="0">
@@ -6388,29 +6629,25 @@
           <a:lstStyle/>
           <a:p>
             <a:r>
-              <a:rPr lang="en-US" altLang="ja-JP" sz="2400" dirty="0"/>
-              <a:t>a</a:t>
-            </a:r>
-            <a:r>
-              <a:rPr lang="ja-JP" altLang="en-US" sz="2400" dirty="0"/>
-              <a:t>は</a:t>
-            </a:r>
-            <a:r>
-              <a:rPr lang="en-US" altLang="ja-JP" sz="2400" dirty="0"/>
-              <a:t>list</a:t>
-            </a:r>
-            <a:r>
-              <a:rPr kumimoji="1" lang="ja-JP" altLang="en-US" sz="2400" dirty="0"/>
-              <a:t>というクラスに属している</a:t>
-            </a:r>
-            <a:endParaRPr kumimoji="1" lang="en-US" altLang="ja-JP" sz="2400" dirty="0"/>
+              <a:rPr kumimoji="1" lang="ja-JP" altLang="en-US" sz="2800" b="1">
+                <a:solidFill>
+                  <a:srgbClr val="FF0000"/>
+                </a:solidFill>
+              </a:rPr>
+              <a:t>③</a:t>
+            </a:r>
+            <a:endParaRPr kumimoji="1" lang="ja-JP" altLang="en-US" sz="2800" b="1" dirty="0">
+              <a:solidFill>
+                <a:srgbClr val="FF0000"/>
+              </a:solidFill>
+            </a:endParaRPr>
           </a:p>
         </p:txBody>
       </p:sp>
     </p:spTree>
     <p:extLst>
       <p:ext uri="{BB962C8B-B14F-4D97-AF65-F5344CB8AC3E}">
-        <p14:creationId xmlns:p14="http://schemas.microsoft.com/office/powerpoint/2010/main" val="713057082"/>
+        <p14:creationId xmlns:p14="http://schemas.microsoft.com/office/powerpoint/2010/main" val="1685418506"/>
       </p:ext>
     </p:extLst>
   </p:cSld>
@@ -6481,25 +6718,14 @@
             <p:ph idx="1"/>
           </p:nvPr>
         </p:nvSpPr>
-        <p:spPr>
-          <a:xfrm>
-            <a:off x="449215" y="1183596"/>
-            <a:ext cx="11522826" cy="949305"/>
-          </a:xfrm>
-        </p:spPr>
-        <p:txBody>
-          <a:bodyPr>
-            <a:normAutofit/>
-          </a:bodyPr>
-          <a:lstStyle/>
-          <a:p>
-            <a:r>
-              <a:rPr lang="ja-JP" altLang="en-US" dirty="0"/>
-              <a:t>通常の変数もクラスに属しているため</a:t>
-            </a:r>
+        <p:spPr/>
+        <p:txBody>
+          <a:bodyPr/>
+          <a:lstStyle/>
+          <a:p>
             <a:r>
               <a:rPr kumimoji="1" lang="ja-JP" altLang="en-US" dirty="0"/>
-              <a:t>メソッドが存在</a:t>
+              <a:t>通常の変数もクラスに属している</a:t>
             </a:r>
           </a:p>
         </p:txBody>
@@ -6536,10 +6762,10 @@
       </p:sp>
       <p:sp>
         <p:nvSpPr>
-          <p:cNvPr id="14" name="コンテンツ プレースホルダー 4">
-            <a:extLst>
-              <a:ext uri="{FF2B5EF4-FFF2-40B4-BE49-F238E27FC236}">
-                <a16:creationId xmlns:a16="http://schemas.microsoft.com/office/drawing/2014/main" id="{592656BD-AE02-4B17-B857-0D8B11EE2A58}"/>
+          <p:cNvPr id="5" name="コンテンツ プレースホルダー 4">
+            <a:extLst>
+              <a:ext uri="{FF2B5EF4-FFF2-40B4-BE49-F238E27FC236}">
+                <a16:creationId xmlns:a16="http://schemas.microsoft.com/office/drawing/2014/main" id="{18B322AA-A427-463D-A129-B51C6CD731C5}"/>
               </a:ext>
             </a:extLst>
           </p:cNvPr>
@@ -6550,34 +6776,23 @@
             <p:ph sz="quarter" idx="13"/>
           </p:nvPr>
         </p:nvSpPr>
-        <p:spPr>
-          <a:xfrm>
-            <a:off x="8540685" y="6494710"/>
-            <a:ext cx="3647228" cy="365125"/>
-          </a:xfrm>
-        </p:spPr>
+        <p:spPr/>
         <p:txBody>
           <a:bodyPr>
-            <a:normAutofit fontScale="92500"/>
+            <a:normAutofit fontScale="92500" lnSpcReduction="10000"/>
           </a:bodyPr>
           <a:lstStyle/>
           <a:p>
-            <a:r>
-              <a:rPr lang="en-US" altLang="ja-JP" dirty="0">
-                <a:hlinkClick r:id="rId2"/>
-              </a:rPr>
-              <a:t>https://www.sejuku.net/blog/40530</a:t>
-            </a:r>
             <a:endParaRPr kumimoji="1" lang="ja-JP" altLang="en-US" dirty="0"/>
           </a:p>
         </p:txBody>
       </p:sp>
       <p:sp>
         <p:nvSpPr>
-          <p:cNvPr id="15" name="正方形/長方形 14">
-            <a:extLst>
-              <a:ext uri="{FF2B5EF4-FFF2-40B4-BE49-F238E27FC236}">
-                <a16:creationId xmlns:a16="http://schemas.microsoft.com/office/drawing/2014/main" id="{C4A34867-869D-4E3C-AB71-6ED21CDA329D}"/>
+          <p:cNvPr id="6" name="正方形/長方形 5">
+            <a:extLst>
+              <a:ext uri="{FF2B5EF4-FFF2-40B4-BE49-F238E27FC236}">
+                <a16:creationId xmlns:a16="http://schemas.microsoft.com/office/drawing/2014/main" id="{5C7ECDDB-5E3F-4F2A-80D6-318B119BC1EF}"/>
               </a:ext>
             </a:extLst>
           </p:cNvPr>
@@ -6670,19 +6885,26 @@
           </a:p>
           <a:p>
             <a:r>
+              <a:rPr lang="en-US" altLang="ja-JP" sz="2400" dirty="0"/>
+              <a:t>print(type(</a:t>
+            </a:r>
+            <a:r>
               <a:rPr lang="en-US" altLang="ja-JP" sz="2400" dirty="0" err="1"/>
-              <a:t>red_car.car_run</a:t>
-            </a:r>
-            <a:endParaRPr lang="en-US" altLang="ja-JP" sz="2400" dirty="0"/>
-          </a:p>
-        </p:txBody>
-      </p:sp>
-      <p:sp>
-        <p:nvSpPr>
-          <p:cNvPr id="16" name="テキスト ボックス 15">
-            <a:extLst>
-              <a:ext uri="{FF2B5EF4-FFF2-40B4-BE49-F238E27FC236}">
-                <a16:creationId xmlns:a16="http://schemas.microsoft.com/office/drawing/2014/main" id="{D9F54426-A1AE-4796-B187-A5D36B8AD6DE}"/>
+              <a:t>red_car</a:t>
+            </a:r>
+            <a:r>
+              <a:rPr lang="en-US" altLang="ja-JP" sz="2400" dirty="0"/>
+              <a:t>))</a:t>
+            </a:r>
+          </a:p>
+        </p:txBody>
+      </p:sp>
+      <p:sp>
+        <p:nvSpPr>
+          <p:cNvPr id="7" name="テキスト ボックス 6">
+            <a:extLst>
+              <a:ext uri="{FF2B5EF4-FFF2-40B4-BE49-F238E27FC236}">
+                <a16:creationId xmlns:a16="http://schemas.microsoft.com/office/drawing/2014/main" id="{C25AD4A0-D72E-4041-826F-262BC5D76A1A}"/>
               </a:ext>
             </a:extLst>
           </p:cNvPr>
@@ -6714,10 +6936,10 @@
       </p:sp>
       <p:sp>
         <p:nvSpPr>
-          <p:cNvPr id="17" name="テキスト ボックス 16">
-            <a:extLst>
-              <a:ext uri="{FF2B5EF4-FFF2-40B4-BE49-F238E27FC236}">
-                <a16:creationId xmlns:a16="http://schemas.microsoft.com/office/drawing/2014/main" id="{25D822E2-62B3-4042-B582-0CF7F1B70994}"/>
+          <p:cNvPr id="8" name="テキスト ボックス 7">
+            <a:extLst>
+              <a:ext uri="{FF2B5EF4-FFF2-40B4-BE49-F238E27FC236}">
+                <a16:creationId xmlns:a16="http://schemas.microsoft.com/office/drawing/2014/main" id="{B72B794E-A615-4034-9C48-1FCE3C7F9EC8}"/>
               </a:ext>
             </a:extLst>
           </p:cNvPr>
@@ -6747,7 +6969,15 @@
           <a:p>
             <a:r>
               <a:rPr lang="en-US" altLang="ja-JP" sz="2400" dirty="0"/>
-              <a:t>run</a:t>
+              <a:t>&lt;class '__</a:t>
+            </a:r>
+            <a:r>
+              <a:rPr lang="en-US" altLang="ja-JP" sz="2400" dirty="0" err="1"/>
+              <a:t>main__.Car</a:t>
+            </a:r>
+            <a:r>
+              <a:rPr lang="en-US" altLang="ja-JP" sz="2400" dirty="0"/>
+              <a:t>'&gt;</a:t>
             </a:r>
             <a:endParaRPr kumimoji="1" lang="ja-JP" altLang="en-US" sz="2400" dirty="0"/>
           </a:p>
@@ -6755,10 +6985,10 @@
       </p:sp>
       <p:sp>
         <p:nvSpPr>
-          <p:cNvPr id="18" name="テキスト ボックス 17">
-            <a:extLst>
-              <a:ext uri="{FF2B5EF4-FFF2-40B4-BE49-F238E27FC236}">
-                <a16:creationId xmlns:a16="http://schemas.microsoft.com/office/drawing/2014/main" id="{67DF8AC0-F7E9-487B-B98B-FCE94571D6F9}"/>
+          <p:cNvPr id="9" name="テキスト ボックス 8">
+            <a:extLst>
+              <a:ext uri="{FF2B5EF4-FFF2-40B4-BE49-F238E27FC236}">
+                <a16:creationId xmlns:a16="http://schemas.microsoft.com/office/drawing/2014/main" id="{F068D542-3ED3-4FCF-AA2E-F365DCDF638C}"/>
               </a:ext>
             </a:extLst>
           </p:cNvPr>
@@ -6767,8 +6997,8 @@
         </p:nvSpPr>
         <p:spPr>
           <a:xfrm>
-            <a:off x="1061960" y="5820168"/>
-            <a:ext cx="4236492" cy="461665"/>
+            <a:off x="417794" y="5754181"/>
+            <a:ext cx="5668779" cy="830997"/>
           </a:xfrm>
           <a:prstGeom prst="rect">
             <a:avLst/>
@@ -6787,30 +7017,46 @@
           <a:lstStyle/>
           <a:p>
             <a:r>
+              <a:rPr kumimoji="1" lang="en-US" altLang="ja-JP" sz="2400" dirty="0" err="1"/>
+              <a:t>red_car</a:t>
+            </a:r>
+            <a:r>
+              <a:rPr kumimoji="1" lang="ja-JP" altLang="en-US" sz="2400" dirty="0"/>
+              <a:t>は</a:t>
+            </a:r>
+            <a:r>
               <a:rPr kumimoji="1" lang="en-US" altLang="ja-JP" sz="2400" dirty="0"/>
               <a:t>Car</a:t>
             </a:r>
             <a:r>
               <a:rPr kumimoji="1" lang="ja-JP" altLang="en-US" sz="2400" dirty="0"/>
-              <a:t>のメソッド</a:t>
-            </a:r>
-            <a:r>
-              <a:rPr kumimoji="1" lang="en-US" altLang="ja-JP" sz="2400" dirty="0" err="1"/>
-              <a:t>car_run</a:t>
-            </a:r>
-            <a:r>
-              <a:rPr kumimoji="1" lang="ja-JP" altLang="en-US" sz="2400" dirty="0"/>
-              <a:t>を実行</a:t>
-            </a:r>
-          </a:p>
-        </p:txBody>
-      </p:sp>
-      <p:sp>
-        <p:nvSpPr>
-          <p:cNvPr id="19" name="正方形/長方形 18">
-            <a:extLst>
-              <a:ext uri="{FF2B5EF4-FFF2-40B4-BE49-F238E27FC236}">
-                <a16:creationId xmlns:a16="http://schemas.microsoft.com/office/drawing/2014/main" id="{60D07245-53A7-407F-9C11-BF9E6989AD6D}"/>
+              <a:t>というクラスに属している</a:t>
+            </a:r>
+            <a:endParaRPr kumimoji="1" lang="en-US" altLang="ja-JP" sz="2400" dirty="0"/>
+          </a:p>
+          <a:p>
+            <a:r>
+              <a:rPr lang="ja-JP" altLang="en-US" sz="2400" dirty="0"/>
+              <a:t>（今回は</a:t>
+            </a:r>
+            <a:r>
+              <a:rPr lang="en-US" altLang="ja-JP" sz="2400" dirty="0"/>
+              <a:t>__main__</a:t>
+            </a:r>
+            <a:r>
+              <a:rPr lang="ja-JP" altLang="en-US" sz="2400" dirty="0"/>
+              <a:t>は無視）</a:t>
+            </a:r>
+            <a:endParaRPr kumimoji="1" lang="ja-JP" altLang="en-US" sz="2400" dirty="0"/>
+          </a:p>
+        </p:txBody>
+      </p:sp>
+      <p:sp>
+        <p:nvSpPr>
+          <p:cNvPr id="10" name="正方形/長方形 9">
+            <a:extLst>
+              <a:ext uri="{FF2B5EF4-FFF2-40B4-BE49-F238E27FC236}">
+                <a16:creationId xmlns:a16="http://schemas.microsoft.com/office/drawing/2014/main" id="{57E2B075-D4BF-4974-816E-A8B4DD97A254}"/>
               </a:ext>
             </a:extLst>
           </p:cNvPr>
@@ -6819,8 +7065,8 @@
         </p:nvSpPr>
         <p:spPr>
           <a:xfrm>
-            <a:off x="6953774" y="3279547"/>
-            <a:ext cx="4218997" cy="1200329"/>
+            <a:off x="6962522" y="3443173"/>
+            <a:ext cx="4218997" cy="830997"/>
           </a:xfrm>
           <a:prstGeom prst="rect">
             <a:avLst/>
@@ -6840,33 +7086,23 @@
           <a:p>
             <a:r>
               <a:rPr lang="en-US" altLang="ja-JP" sz="2400" dirty="0"/>
-              <a:t>a = [1, 2, 3, 4]</a:t>
-            </a:r>
-          </a:p>
-          <a:p>
-            <a:r>
-              <a:rPr lang="en-US" altLang="ja-JP" sz="2400" dirty="0" err="1"/>
-              <a:t>a.append</a:t>
-            </a:r>
+              <a:t>a = [1,2,3,4]</a:t>
+            </a:r>
+          </a:p>
+          <a:p>
             <a:r>
               <a:rPr lang="en-US" altLang="ja-JP" sz="2400" dirty="0"/>
-              <a:t>(5)</a:t>
-            </a:r>
-          </a:p>
-          <a:p>
-            <a:r>
-              <a:rPr lang="en-US" altLang="ja-JP" sz="2400" dirty="0"/>
-              <a:t>print(a)</a:t>
-            </a:r>
-          </a:p>
-        </p:txBody>
-      </p:sp>
-      <p:sp>
-        <p:nvSpPr>
-          <p:cNvPr id="20" name="テキスト ボックス 19">
-            <a:extLst>
-              <a:ext uri="{FF2B5EF4-FFF2-40B4-BE49-F238E27FC236}">
-                <a16:creationId xmlns:a16="http://schemas.microsoft.com/office/drawing/2014/main" id="{E4EE59EC-B139-4AA5-8D7A-FB57A788C1C7}"/>
+              <a:t>print(type(a))</a:t>
+            </a:r>
+          </a:p>
+        </p:txBody>
+      </p:sp>
+      <p:sp>
+        <p:nvSpPr>
+          <p:cNvPr id="11" name="テキスト ボックス 10">
+            <a:extLst>
+              <a:ext uri="{FF2B5EF4-FFF2-40B4-BE49-F238E27FC236}">
+                <a16:creationId xmlns:a16="http://schemas.microsoft.com/office/drawing/2014/main" id="{A026B5EB-9775-40E8-9529-1025F16523B7}"/>
               </a:ext>
             </a:extLst>
           </p:cNvPr>
@@ -6898,10 +7134,10 @@
       </p:sp>
       <p:sp>
         <p:nvSpPr>
-          <p:cNvPr id="21" name="テキスト ボックス 20">
-            <a:extLst>
-              <a:ext uri="{FF2B5EF4-FFF2-40B4-BE49-F238E27FC236}">
-                <a16:creationId xmlns:a16="http://schemas.microsoft.com/office/drawing/2014/main" id="{374DCD8C-0DA0-4228-A1EE-5DC106AE677C}"/>
+          <p:cNvPr id="12" name="テキスト ボックス 11">
+            <a:extLst>
+              <a:ext uri="{FF2B5EF4-FFF2-40B4-BE49-F238E27FC236}">
+                <a16:creationId xmlns:a16="http://schemas.microsoft.com/office/drawing/2014/main" id="{46B1C978-30B6-4BA2-B30F-EFEF471C7085}"/>
               </a:ext>
             </a:extLst>
           </p:cNvPr>
@@ -6930,8 +7166,8 @@
           <a:lstStyle/>
           <a:p>
             <a:r>
-              <a:rPr kumimoji="1" lang="en-US" altLang="ja-JP" sz="2400" dirty="0"/>
-              <a:t>[1, 2, 3, 4, 5]</a:t>
+              <a:rPr lang="en-US" altLang="ja-JP" sz="2400" dirty="0"/>
+              <a:t>&lt;class ‘list'&gt;</a:t>
             </a:r>
             <a:endParaRPr kumimoji="1" lang="ja-JP" altLang="en-US" sz="2400" dirty="0"/>
           </a:p>
@@ -6939,10 +7175,10 @@
       </p:sp>
       <p:sp>
         <p:nvSpPr>
-          <p:cNvPr id="22" name="テキスト ボックス 21">
-            <a:extLst>
-              <a:ext uri="{FF2B5EF4-FFF2-40B4-BE49-F238E27FC236}">
-                <a16:creationId xmlns:a16="http://schemas.microsoft.com/office/drawing/2014/main" id="{1497B76E-AFE0-42CE-B7F0-0BCB123AC5B7}"/>
+          <p:cNvPr id="13" name="テキスト ボックス 12">
+            <a:extLst>
+              <a:ext uri="{FF2B5EF4-FFF2-40B4-BE49-F238E27FC236}">
+                <a16:creationId xmlns:a16="http://schemas.microsoft.com/office/drawing/2014/main" id="{74165EB0-41BD-4EC2-BE1A-A99F1B117ACA}"/>
               </a:ext>
             </a:extLst>
           </p:cNvPr>
@@ -6951,8 +7187,8 @@
         </p:nvSpPr>
         <p:spPr>
           <a:xfrm>
-            <a:off x="7015428" y="5804981"/>
-            <a:ext cx="4166091" cy="461665"/>
+            <a:off x="6882123" y="5888603"/>
+            <a:ext cx="4759984" cy="461665"/>
           </a:xfrm>
           <a:prstGeom prst="rect">
             <a:avLst/>
@@ -6972,19 +7208,19 @@
           <a:p>
             <a:r>
               <a:rPr lang="en-US" altLang="ja-JP" sz="2400" dirty="0"/>
+              <a:t>a</a:t>
+            </a:r>
+            <a:r>
+              <a:rPr lang="ja-JP" altLang="en-US" sz="2400" dirty="0"/>
+              <a:t>は</a:t>
+            </a:r>
+            <a:r>
+              <a:rPr lang="en-US" altLang="ja-JP" sz="2400" dirty="0"/>
               <a:t>list</a:t>
             </a:r>
             <a:r>
-              <a:rPr lang="ja-JP" altLang="en-US" sz="2400" dirty="0"/>
-              <a:t>のメソッド</a:t>
-            </a:r>
-            <a:r>
-              <a:rPr lang="en-US" altLang="ja-JP" sz="2400" dirty="0"/>
-              <a:t>append</a:t>
-            </a:r>
-            <a:r>
-              <a:rPr lang="ja-JP" altLang="en-US" sz="2400" dirty="0"/>
-              <a:t>を実行</a:t>
+              <a:rPr kumimoji="1" lang="ja-JP" altLang="en-US" sz="2400" dirty="0"/>
+              <a:t>というクラスに属している</a:t>
             </a:r>
             <a:endParaRPr kumimoji="1" lang="en-US" altLang="ja-JP" sz="2400" dirty="0"/>
           </a:p>
@@ -6993,7 +7229,7 @@
     </p:spTree>
     <p:extLst>
       <p:ext uri="{BB962C8B-B14F-4D97-AF65-F5344CB8AC3E}">
-        <p14:creationId xmlns:p14="http://schemas.microsoft.com/office/powerpoint/2010/main" val="3975569586"/>
+        <p14:creationId xmlns:p14="http://schemas.microsoft.com/office/powerpoint/2010/main" val="713057082"/>
       </p:ext>
     </p:extLst>
   </p:cSld>
@@ -7025,7 +7261,7 @@
           <p:cNvPr id="2" name="タイトル 1">
             <a:extLst>
               <a:ext uri="{FF2B5EF4-FFF2-40B4-BE49-F238E27FC236}">
-                <a16:creationId xmlns:a16="http://schemas.microsoft.com/office/drawing/2014/main" id="{208C9E34-35DC-4647-B200-C894344625DA}"/>
+                <a16:creationId xmlns:a16="http://schemas.microsoft.com/office/drawing/2014/main" id="{9ABD96D1-E26B-4C14-AD3E-36887877A5CF}"/>
               </a:ext>
             </a:extLst>
           </p:cNvPr>
@@ -7042,10 +7278,9 @@
           <a:lstStyle/>
           <a:p>
             <a:r>
-              <a:rPr lang="ja-JP" altLang="en-US" dirty="0"/>
-              <a:t>クラスのコードの例</a:t>
-            </a:r>
-            <a:endParaRPr kumimoji="1" lang="ja-JP" altLang="en-US" dirty="0"/>
+              <a:rPr kumimoji="1" lang="ja-JP" altLang="en-US" dirty="0"/>
+              <a:t>補足　データ型のクラスとメソッド</a:t>
+            </a:r>
           </a:p>
         </p:txBody>
       </p:sp>
@@ -7054,7 +7289,7 @@
           <p:cNvPr id="3" name="コンテンツ プレースホルダー 2">
             <a:extLst>
               <a:ext uri="{FF2B5EF4-FFF2-40B4-BE49-F238E27FC236}">
-                <a16:creationId xmlns:a16="http://schemas.microsoft.com/office/drawing/2014/main" id="{771AE650-420E-4F6E-B153-EF8F3856826E}"/>
+                <a16:creationId xmlns:a16="http://schemas.microsoft.com/office/drawing/2014/main" id="{4F193679-A858-4A33-9E28-CCD9C1B11C4E}"/>
               </a:ext>
             </a:extLst>
           </p:cNvPr>
@@ -7067,8 +7302,8 @@
         </p:nvSpPr>
         <p:spPr>
           <a:xfrm>
-            <a:off x="354948" y="1284633"/>
-            <a:ext cx="11029615" cy="810110"/>
+            <a:off x="449215" y="1183596"/>
+            <a:ext cx="11522826" cy="949305"/>
           </a:xfrm>
         </p:spPr>
         <p:txBody>
@@ -7079,9 +7314,12 @@
           <a:p>
             <a:r>
               <a:rPr lang="ja-JP" altLang="en-US" dirty="0"/>
-              <a:t>インスタンスの生成</a:t>
-            </a:r>
-            <a:endParaRPr kumimoji="1" lang="en-US" altLang="ja-JP" dirty="0"/>
+              <a:t>通常の変数もクラスに属しているため</a:t>
+            </a:r>
+            <a:r>
+              <a:rPr kumimoji="1" lang="ja-JP" altLang="en-US" dirty="0"/>
+              <a:t>メソッドが存在</a:t>
+            </a:r>
           </a:p>
         </p:txBody>
       </p:sp>
@@ -7090,7 +7328,7 @@
           <p:cNvPr id="4" name="スライド番号プレースホルダー 3">
             <a:extLst>
               <a:ext uri="{FF2B5EF4-FFF2-40B4-BE49-F238E27FC236}">
-                <a16:creationId xmlns:a16="http://schemas.microsoft.com/office/drawing/2014/main" id="{8E09DA4E-282D-4C46-9A0B-E35E05D6C19A}"/>
+                <a16:creationId xmlns:a16="http://schemas.microsoft.com/office/drawing/2014/main" id="{867904E4-3AAF-4DFD-83B4-AB7FBD937F59}"/>
               </a:ext>
             </a:extLst>
           </p:cNvPr>
@@ -7117,10 +7355,48 @@
       </p:sp>
       <p:sp>
         <p:nvSpPr>
-          <p:cNvPr id="12" name="正方形/長方形 11">
-            <a:extLst>
-              <a:ext uri="{FF2B5EF4-FFF2-40B4-BE49-F238E27FC236}">
-                <a16:creationId xmlns:a16="http://schemas.microsoft.com/office/drawing/2014/main" id="{0D26369A-A911-46A1-AB42-F6E1BF3D4CD7}"/>
+          <p:cNvPr id="14" name="コンテンツ プレースホルダー 4">
+            <a:extLst>
+              <a:ext uri="{FF2B5EF4-FFF2-40B4-BE49-F238E27FC236}">
+                <a16:creationId xmlns:a16="http://schemas.microsoft.com/office/drawing/2014/main" id="{592656BD-AE02-4B17-B857-0D8B11EE2A58}"/>
+              </a:ext>
+            </a:extLst>
+          </p:cNvPr>
+          <p:cNvSpPr>
+            <a:spLocks noGrp="1"/>
+          </p:cNvSpPr>
+          <p:nvPr>
+            <p:ph sz="quarter" idx="13"/>
+          </p:nvPr>
+        </p:nvSpPr>
+        <p:spPr>
+          <a:xfrm>
+            <a:off x="8540685" y="6494710"/>
+            <a:ext cx="3647228" cy="365125"/>
+          </a:xfrm>
+        </p:spPr>
+        <p:txBody>
+          <a:bodyPr>
+            <a:normAutofit fontScale="92500"/>
+          </a:bodyPr>
+          <a:lstStyle/>
+          <a:p>
+            <a:r>
+              <a:rPr lang="en-US" altLang="ja-JP" dirty="0">
+                <a:hlinkClick r:id="rId2"/>
+              </a:rPr>
+              <a:t>https://www.sejuku.net/blog/40530</a:t>
+            </a:r>
+            <a:endParaRPr kumimoji="1" lang="ja-JP" altLang="en-US" dirty="0"/>
+          </a:p>
+        </p:txBody>
+      </p:sp>
+      <p:sp>
+        <p:nvSpPr>
+          <p:cNvPr id="15" name="正方形/長方形 14">
+            <a:extLst>
+              <a:ext uri="{FF2B5EF4-FFF2-40B4-BE49-F238E27FC236}">
+                <a16:creationId xmlns:a16="http://schemas.microsoft.com/office/drawing/2014/main" id="{C4A34867-869D-4E3C-AB71-6ED21CDA329D}"/>
               </a:ext>
             </a:extLst>
           </p:cNvPr>
@@ -7129,8 +7405,8 @@
         </p:nvSpPr>
         <p:spPr>
           <a:xfrm>
-            <a:off x="659099" y="2407753"/>
-            <a:ext cx="4271120" cy="3785652"/>
+            <a:off x="1061960" y="2001335"/>
+            <a:ext cx="4271120" cy="2677656"/>
           </a:xfrm>
           <a:prstGeom prst="rect">
             <a:avLst/>
@@ -7203,26 +7479,6 @@
           </a:p>
           <a:p>
             <a:r>
-              <a:rPr lang="en-US" altLang="ja-JP" sz="2400" dirty="0"/>
-              <a:t>    def </a:t>
-            </a:r>
-            <a:r>
-              <a:rPr lang="en-US" altLang="ja-JP" sz="2400" dirty="0" err="1"/>
-              <a:t>car_stop</a:t>
-            </a:r>
-            <a:r>
-              <a:rPr lang="en-US" altLang="ja-JP" sz="2400" dirty="0"/>
-              <a:t>(self):</a:t>
-            </a:r>
-          </a:p>
-          <a:p>
-            <a:r>
-              <a:rPr lang="en-US" altLang="ja-JP" sz="2400" dirty="0"/>
-              <a:t>        print("stop")</a:t>
-            </a:r>
-          </a:p>
-          <a:p>
-            <a:r>
               <a:rPr lang="en-US" altLang="ja-JP" sz="2400" dirty="0" err="1"/>
               <a:t>red_car</a:t>
             </a:r>
@@ -7234,91 +7490,18 @@
           <a:p>
             <a:r>
               <a:rPr lang="en-US" altLang="ja-JP" sz="2400" dirty="0" err="1"/>
-              <a:t>blue_car</a:t>
-            </a:r>
-            <a:r>
-              <a:rPr lang="en-US" altLang="ja-JP" sz="2400" dirty="0"/>
-              <a:t> = Car("blue")</a:t>
-            </a:r>
-          </a:p>
-          <a:p>
-            <a:r>
-              <a:rPr lang="en-US" altLang="ja-JP" sz="2400" dirty="0" err="1"/>
-              <a:t>yellow_car</a:t>
-            </a:r>
-            <a:r>
-              <a:rPr lang="en-US" altLang="ja-JP" sz="2400" dirty="0"/>
-              <a:t> = Car("yellow")</a:t>
-            </a:r>
-          </a:p>
-        </p:txBody>
-      </p:sp>
-      <p:sp>
-        <p:nvSpPr>
-          <p:cNvPr id="5" name="フレーム 4">
-            <a:extLst>
-              <a:ext uri="{FF2B5EF4-FFF2-40B4-BE49-F238E27FC236}">
-                <a16:creationId xmlns:a16="http://schemas.microsoft.com/office/drawing/2014/main" id="{5D375150-76E6-4678-9ABD-3F251E947ECA}"/>
-              </a:ext>
-            </a:extLst>
-          </p:cNvPr>
-          <p:cNvSpPr/>
-          <p:nvPr/>
-        </p:nvSpPr>
-        <p:spPr>
-          <a:xfrm>
-            <a:off x="659099" y="4994544"/>
-            <a:ext cx="3828060" cy="1198861"/>
-          </a:xfrm>
-          <a:prstGeom prst="frame">
-            <a:avLst>
-              <a:gd name="adj1" fmla="val 4098"/>
-            </a:avLst>
-          </a:prstGeom>
-          <a:solidFill>
-            <a:srgbClr val="FF0000"/>
-          </a:solidFill>
-          <a:ln>
-            <a:solidFill>
-              <a:srgbClr val="C00000"/>
-            </a:solidFill>
-          </a:ln>
-        </p:spPr>
-        <p:style>
-          <a:lnRef idx="2">
-            <a:schemeClr val="accent1">
-              <a:shade val="50000"/>
-            </a:schemeClr>
-          </a:lnRef>
-          <a:fillRef idx="1">
-            <a:schemeClr val="accent1"/>
-          </a:fillRef>
-          <a:effectRef idx="0">
-            <a:schemeClr val="accent1"/>
-          </a:effectRef>
-          <a:fontRef idx="minor">
-            <a:schemeClr val="lt1"/>
-          </a:fontRef>
-        </p:style>
-        <p:txBody>
-          <a:bodyPr rtlCol="0" anchor="ctr"/>
-          <a:lstStyle/>
-          <a:p>
-            <a:pPr algn="ctr"/>
-            <a:endParaRPr kumimoji="1" lang="ja-JP" altLang="en-US">
-              <a:solidFill>
-                <a:schemeClr val="tx1"/>
-              </a:solidFill>
-            </a:endParaRPr>
-          </a:p>
-        </p:txBody>
-      </p:sp>
-      <p:sp>
-        <p:nvSpPr>
-          <p:cNvPr id="17" name="テキスト ボックス 16">
-            <a:extLst>
-              <a:ext uri="{FF2B5EF4-FFF2-40B4-BE49-F238E27FC236}">
-                <a16:creationId xmlns:a16="http://schemas.microsoft.com/office/drawing/2014/main" id="{7A860C97-957E-448F-9FCD-F6A6ACC75E9A}"/>
+              <a:t>red_car.car_run</a:t>
+            </a:r>
+            <a:endParaRPr lang="en-US" altLang="ja-JP" sz="2400" dirty="0"/>
+          </a:p>
+        </p:txBody>
+      </p:sp>
+      <p:sp>
+        <p:nvSpPr>
+          <p:cNvPr id="16" name="テキスト ボックス 15">
+            <a:extLst>
+              <a:ext uri="{FF2B5EF4-FFF2-40B4-BE49-F238E27FC236}">
+                <a16:creationId xmlns:a16="http://schemas.microsoft.com/office/drawing/2014/main" id="{D9F54426-A1AE-4796-B187-A5D36B8AD6DE}"/>
               </a:ext>
             </a:extLst>
           </p:cNvPr>
@@ -7327,8 +7510,8 @@
         </p:nvSpPr>
         <p:spPr>
           <a:xfrm>
-            <a:off x="5165887" y="3447023"/>
-            <a:ext cx="6931843" cy="3077766"/>
+            <a:off x="1061960" y="4725099"/>
+            <a:ext cx="2620652" cy="461665"/>
           </a:xfrm>
           <a:prstGeom prst="rect">
             <a:avLst/>
@@ -7341,282 +7524,295 @@
           </a:bodyPr>
           <a:lstStyle/>
           <a:p>
-            <a:pPr>
-              <a:spcBef>
-                <a:spcPts val="600"/>
-              </a:spcBef>
-              <a:spcAft>
-                <a:spcPts val="600"/>
-              </a:spcAft>
-            </a:pPr>
-            <a:r>
-              <a:rPr lang="ja-JP" altLang="en-US" sz="2400" dirty="0"/>
-              <a:t>インスタンス名　</a:t>
-            </a:r>
+            <a:r>
+              <a:rPr kumimoji="1" lang="ja-JP" altLang="en-US" sz="2400" b="1" dirty="0"/>
+              <a:t>結果</a:t>
+            </a:r>
+          </a:p>
+        </p:txBody>
+      </p:sp>
+      <p:sp>
+        <p:nvSpPr>
+          <p:cNvPr id="17" name="テキスト ボックス 16">
+            <a:extLst>
+              <a:ext uri="{FF2B5EF4-FFF2-40B4-BE49-F238E27FC236}">
+                <a16:creationId xmlns:a16="http://schemas.microsoft.com/office/drawing/2014/main" id="{25D822E2-62B3-4042-B582-0CF7F1B70994}"/>
+              </a:ext>
+            </a:extLst>
+          </p:cNvPr>
+          <p:cNvSpPr txBox="1"/>
+          <p:nvPr/>
+        </p:nvSpPr>
+        <p:spPr>
+          <a:xfrm>
+            <a:off x="1096588" y="5129548"/>
+            <a:ext cx="4236491" cy="461665"/>
+          </a:xfrm>
+          <a:prstGeom prst="rect">
+            <a:avLst/>
+          </a:prstGeom>
+          <a:solidFill>
+            <a:schemeClr val="accent1">
+              <a:lumMod val="20000"/>
+              <a:lumOff val="80000"/>
+            </a:schemeClr>
+          </a:solidFill>
+        </p:spPr>
+        <p:txBody>
+          <a:bodyPr wrap="square" rtlCol="0">
+            <a:spAutoFit/>
+          </a:bodyPr>
+          <a:lstStyle/>
+          <a:p>
             <a:r>
               <a:rPr lang="en-US" altLang="ja-JP" sz="2400" dirty="0"/>
-              <a:t>= </a:t>
-            </a:r>
-            <a:r>
-              <a:rPr lang="ja-JP" altLang="en-US" sz="2400" dirty="0"/>
-              <a:t>クラス名（</a:t>
-            </a:r>
-            <a:r>
-              <a:rPr lang="en-US" altLang="ja-JP" sz="2400" dirty="0"/>
-              <a:t>__</a:t>
-            </a:r>
-            <a:r>
-              <a:rPr lang="en-US" altLang="ja-JP" sz="2400" dirty="0" err="1"/>
-              <a:t>init</a:t>
-            </a:r>
-            <a:r>
-              <a:rPr lang="en-US" altLang="ja-JP" sz="2400" dirty="0"/>
-              <a:t>__</a:t>
-            </a:r>
-            <a:r>
-              <a:rPr lang="ja-JP" altLang="en-US" sz="2400" dirty="0"/>
-              <a:t>の引数）</a:t>
-            </a:r>
-            <a:endParaRPr lang="en-US" altLang="ja-JP" sz="2400" dirty="0"/>
-          </a:p>
-          <a:p>
-            <a:pPr>
-              <a:spcBef>
-                <a:spcPts val="600"/>
-              </a:spcBef>
-              <a:spcAft>
-                <a:spcPts val="600"/>
-              </a:spcAft>
-            </a:pPr>
-            <a:r>
-              <a:rPr lang="ja-JP" altLang="en-US" sz="2400" dirty="0"/>
-              <a:t>・</a:t>
-            </a:r>
-            <a:r>
-              <a:rPr lang="en-US" altLang="ja-JP" sz="2400" dirty="0" err="1"/>
-              <a:t>red_car</a:t>
-            </a:r>
-            <a:r>
-              <a:rPr lang="en-US" altLang="ja-JP" sz="2400" dirty="0"/>
-              <a:t> = Car(“red”)</a:t>
-            </a:r>
-            <a:r>
-              <a:rPr lang="ja-JP" altLang="en-US" sz="2400" dirty="0"/>
-              <a:t> の場合</a:t>
-            </a:r>
-            <a:endParaRPr lang="en-US" altLang="ja-JP" sz="2400" dirty="0"/>
-          </a:p>
-          <a:p>
-            <a:pPr>
-              <a:spcBef>
-                <a:spcPts val="600"/>
-              </a:spcBef>
-              <a:spcAft>
-                <a:spcPts val="600"/>
-              </a:spcAft>
-            </a:pPr>
-            <a:r>
-              <a:rPr lang="ja-JP" altLang="en-US" sz="2400" dirty="0"/>
-              <a:t>　</a:t>
-            </a:r>
-            <a:r>
-              <a:rPr lang="en-US" altLang="ja-JP" sz="2400" dirty="0"/>
-              <a:t>__</a:t>
-            </a:r>
-            <a:r>
-              <a:rPr lang="en-US" altLang="ja-JP" sz="2400" dirty="0" err="1"/>
-              <a:t>init</a:t>
-            </a:r>
-            <a:r>
-              <a:rPr lang="en-US" altLang="ja-JP" sz="2400" dirty="0"/>
-              <a:t>__</a:t>
-            </a:r>
-            <a:r>
-              <a:rPr lang="ja-JP" altLang="en-US" sz="2400" dirty="0"/>
-              <a:t>（コンストラクタ）で</a:t>
-            </a:r>
-            <a:endParaRPr lang="en-US" altLang="ja-JP" sz="2400" dirty="0"/>
-          </a:p>
-          <a:p>
-            <a:pPr>
-              <a:spcBef>
-                <a:spcPts val="600"/>
-              </a:spcBef>
-              <a:spcAft>
-                <a:spcPts val="600"/>
-              </a:spcAft>
-            </a:pPr>
-            <a:r>
-              <a:rPr lang="ja-JP" altLang="en-US" sz="2400" dirty="0"/>
-              <a:t>　</a:t>
-            </a:r>
-            <a:r>
-              <a:rPr lang="en-US" altLang="ja-JP" sz="2400" dirty="0" err="1"/>
-              <a:t>self.color</a:t>
-            </a:r>
-            <a:r>
-              <a:rPr lang="en-US" altLang="ja-JP" sz="2400" dirty="0"/>
-              <a:t> = “red”</a:t>
-            </a:r>
-            <a:r>
-              <a:rPr lang="ja-JP" altLang="en-US" sz="2400" dirty="0"/>
-              <a:t>（つまり</a:t>
-            </a:r>
-            <a:r>
-              <a:rPr lang="en-US" altLang="ja-JP" sz="2400" dirty="0" err="1"/>
-              <a:t>red_car.color</a:t>
-            </a:r>
-            <a:r>
-              <a:rPr lang="en-US" altLang="ja-JP" sz="2400" dirty="0"/>
-              <a:t> = red</a:t>
-            </a:r>
-            <a:r>
-              <a:rPr lang="ja-JP" altLang="en-US" sz="2400" dirty="0"/>
-              <a:t>）</a:t>
-            </a:r>
-            <a:r>
-              <a:rPr lang="en-US" altLang="ja-JP" sz="2400" dirty="0"/>
-              <a:t> </a:t>
-            </a:r>
-          </a:p>
-          <a:p>
-            <a:pPr>
-              <a:spcBef>
-                <a:spcPts val="600"/>
-              </a:spcBef>
-              <a:spcAft>
-                <a:spcPts val="600"/>
-              </a:spcAft>
-            </a:pPr>
-            <a:r>
-              <a:rPr lang="ja-JP" altLang="en-US" sz="2400" dirty="0"/>
-              <a:t>を実行</a:t>
-            </a:r>
-            <a:endParaRPr lang="en-US" altLang="ja-JP" sz="2400" dirty="0"/>
-          </a:p>
-          <a:p>
-            <a:pPr>
-              <a:spcBef>
-                <a:spcPts val="600"/>
-              </a:spcBef>
-              <a:spcAft>
-                <a:spcPts val="600"/>
-              </a:spcAft>
-            </a:pPr>
-            <a:r>
-              <a:rPr lang="ja-JP" altLang="en-US" sz="2400" dirty="0"/>
-              <a:t>色（</a:t>
-            </a:r>
-            <a:r>
-              <a:rPr lang="en-US" altLang="ja-JP" sz="2400" dirty="0"/>
-              <a:t>color</a:t>
-            </a:r>
-            <a:r>
-              <a:rPr lang="ja-JP" altLang="en-US" sz="2400" dirty="0"/>
-              <a:t>）が赤（</a:t>
-            </a:r>
-            <a:r>
-              <a:rPr lang="en-US" altLang="ja-JP" sz="2400" dirty="0"/>
-              <a:t>”red”</a:t>
-            </a:r>
-            <a:r>
-              <a:rPr lang="ja-JP" altLang="en-US" sz="2400" dirty="0"/>
-              <a:t>）の車（</a:t>
-            </a:r>
-            <a:r>
-              <a:rPr lang="en-US" altLang="ja-JP" sz="2400" dirty="0" err="1"/>
-              <a:t>red_car</a:t>
-            </a:r>
-            <a:r>
-              <a:rPr lang="ja-JP" altLang="en-US" sz="2400" dirty="0"/>
-              <a:t>）を生成</a:t>
-            </a:r>
-            <a:endParaRPr lang="en-US" altLang="ja-JP" sz="2400" dirty="0"/>
-          </a:p>
-        </p:txBody>
-      </p:sp>
-      <p:sp>
-        <p:nvSpPr>
-          <p:cNvPr id="18" name="正方形/長方形 17">
-            <a:extLst>
-              <a:ext uri="{FF2B5EF4-FFF2-40B4-BE49-F238E27FC236}">
-                <a16:creationId xmlns:a16="http://schemas.microsoft.com/office/drawing/2014/main" id="{24E41457-75AB-49BE-A203-05C29E2F2F67}"/>
-              </a:ext>
-            </a:extLst>
-          </p:cNvPr>
-          <p:cNvSpPr/>
+              <a:t>run</a:t>
+            </a:r>
+            <a:endParaRPr kumimoji="1" lang="ja-JP" altLang="en-US" sz="2400" dirty="0"/>
+          </a:p>
+        </p:txBody>
+      </p:sp>
+      <p:sp>
+        <p:nvSpPr>
+          <p:cNvPr id="18" name="テキスト ボックス 17">
+            <a:extLst>
+              <a:ext uri="{FF2B5EF4-FFF2-40B4-BE49-F238E27FC236}">
+                <a16:creationId xmlns:a16="http://schemas.microsoft.com/office/drawing/2014/main" id="{67DF8AC0-F7E9-487B-B98B-FCE94571D6F9}"/>
+              </a:ext>
+            </a:extLst>
+          </p:cNvPr>
+          <p:cNvSpPr txBox="1"/>
           <p:nvPr/>
         </p:nvSpPr>
         <p:spPr>
           <a:xfrm>
-            <a:off x="5165887" y="3289957"/>
-            <a:ext cx="6843859" cy="3234832"/>
+            <a:off x="1061960" y="5820168"/>
+            <a:ext cx="4236492" cy="461665"/>
           </a:xfrm>
           <a:prstGeom prst="rect">
             <a:avLst/>
           </a:prstGeom>
           <a:noFill/>
-          <a:ln w="57150"/>
-        </p:spPr>
-        <p:style>
-          <a:lnRef idx="2">
-            <a:schemeClr val="accent1">
-              <a:shade val="50000"/>
-            </a:schemeClr>
-          </a:lnRef>
-          <a:fillRef idx="1">
-            <a:schemeClr val="accent1"/>
-          </a:fillRef>
-          <a:effectRef idx="0">
-            <a:schemeClr val="accent1"/>
-          </a:effectRef>
-          <a:fontRef idx="minor">
-            <a:schemeClr val="lt1"/>
-          </a:fontRef>
-        </p:style>
-        <p:txBody>
-          <a:bodyPr rtlCol="0" anchor="ctr"/>
-          <a:lstStyle/>
-          <a:p>
-            <a:pPr algn="ctr"/>
-            <a:endParaRPr kumimoji="1" lang="ja-JP" altLang="en-US"/>
-          </a:p>
-        </p:txBody>
-      </p:sp>
-      <p:pic>
-        <p:nvPicPr>
-          <p:cNvPr id="7" name="図 6">
-            <a:extLst>
-              <a:ext uri="{FF2B5EF4-FFF2-40B4-BE49-F238E27FC236}">
-                <a16:creationId xmlns:a16="http://schemas.microsoft.com/office/drawing/2014/main" id="{A619499B-9AE6-452C-972A-4B39A338532E}"/>
-              </a:ext>
-            </a:extLst>
-          </p:cNvPr>
-          <p:cNvPicPr>
-            <a:picLocks noChangeAspect="1"/>
-          </p:cNvPicPr>
+          <a:ln w="38100">
+            <a:solidFill>
+              <a:srgbClr val="218A00"/>
+            </a:solidFill>
+          </a:ln>
+        </p:spPr>
+        <p:txBody>
+          <a:bodyPr wrap="square" rtlCol="0">
+            <a:spAutoFit/>
+          </a:bodyPr>
+          <a:lstStyle/>
+          <a:p>
+            <a:r>
+              <a:rPr kumimoji="1" lang="en-US" altLang="ja-JP" sz="2400" dirty="0"/>
+              <a:t>Car</a:t>
+            </a:r>
+            <a:r>
+              <a:rPr kumimoji="1" lang="ja-JP" altLang="en-US" sz="2400" dirty="0"/>
+              <a:t>のメソッド</a:t>
+            </a:r>
+            <a:r>
+              <a:rPr kumimoji="1" lang="en-US" altLang="ja-JP" sz="2400" dirty="0" err="1"/>
+              <a:t>car_run</a:t>
+            </a:r>
+            <a:r>
+              <a:rPr kumimoji="1" lang="ja-JP" altLang="en-US" sz="2400" dirty="0"/>
+              <a:t>を実行</a:t>
+            </a:r>
+          </a:p>
+        </p:txBody>
+      </p:sp>
+      <p:sp>
+        <p:nvSpPr>
+          <p:cNvPr id="19" name="正方形/長方形 18">
+            <a:extLst>
+              <a:ext uri="{FF2B5EF4-FFF2-40B4-BE49-F238E27FC236}">
+                <a16:creationId xmlns:a16="http://schemas.microsoft.com/office/drawing/2014/main" id="{60D07245-53A7-407F-9C11-BF9E6989AD6D}"/>
+              </a:ext>
+            </a:extLst>
+          </p:cNvPr>
+          <p:cNvSpPr/>
           <p:nvPr/>
-        </p:nvPicPr>
-        <p:blipFill>
-          <a:blip r:embed="rId2"/>
-          <a:stretch>
-            <a:fillRect/>
-          </a:stretch>
-        </p:blipFill>
-        <p:spPr>
-          <a:xfrm>
-            <a:off x="7183743" y="1273329"/>
-            <a:ext cx="2487636" cy="1826230"/>
+        </p:nvSpPr>
+        <p:spPr>
+          <a:xfrm>
+            <a:off x="6953774" y="3279547"/>
+            <a:ext cx="4218997" cy="1200329"/>
           </a:xfrm>
           <a:prstGeom prst="rect">
             <a:avLst/>
           </a:prstGeom>
-        </p:spPr>
-      </p:pic>
+          <a:solidFill>
+            <a:schemeClr val="accent1">
+              <a:lumMod val="20000"/>
+              <a:lumOff val="80000"/>
+            </a:schemeClr>
+          </a:solidFill>
+        </p:spPr>
+        <p:txBody>
+          <a:bodyPr wrap="square">
+            <a:spAutoFit/>
+          </a:bodyPr>
+          <a:lstStyle/>
+          <a:p>
+            <a:r>
+              <a:rPr lang="en-US" altLang="ja-JP" sz="2400" dirty="0"/>
+              <a:t>a = [1, 2, 3, 4]</a:t>
+            </a:r>
+          </a:p>
+          <a:p>
+            <a:r>
+              <a:rPr lang="en-US" altLang="ja-JP" sz="2400" dirty="0" err="1"/>
+              <a:t>a.append</a:t>
+            </a:r>
+            <a:r>
+              <a:rPr lang="en-US" altLang="ja-JP" sz="2400" dirty="0"/>
+              <a:t>(5)</a:t>
+            </a:r>
+          </a:p>
+          <a:p>
+            <a:r>
+              <a:rPr lang="en-US" altLang="ja-JP" sz="2400" dirty="0"/>
+              <a:t>print(a)</a:t>
+            </a:r>
+          </a:p>
+        </p:txBody>
+      </p:sp>
+      <p:sp>
+        <p:nvSpPr>
+          <p:cNvPr id="20" name="テキスト ボックス 19">
+            <a:extLst>
+              <a:ext uri="{FF2B5EF4-FFF2-40B4-BE49-F238E27FC236}">
+                <a16:creationId xmlns:a16="http://schemas.microsoft.com/office/drawing/2014/main" id="{E4EE59EC-B139-4AA5-8D7A-FB57A788C1C7}"/>
+              </a:ext>
+            </a:extLst>
+          </p:cNvPr>
+          <p:cNvSpPr txBox="1"/>
+          <p:nvPr/>
+        </p:nvSpPr>
+        <p:spPr>
+          <a:xfrm>
+            <a:off x="6910400" y="4765251"/>
+            <a:ext cx="2620652" cy="461665"/>
+          </a:xfrm>
+          <a:prstGeom prst="rect">
+            <a:avLst/>
+          </a:prstGeom>
+          <a:noFill/>
+        </p:spPr>
+        <p:txBody>
+          <a:bodyPr wrap="square" rtlCol="0">
+            <a:spAutoFit/>
+          </a:bodyPr>
+          <a:lstStyle/>
+          <a:p>
+            <a:r>
+              <a:rPr kumimoji="1" lang="ja-JP" altLang="en-US" sz="2400" b="1" dirty="0"/>
+              <a:t>結果</a:t>
+            </a:r>
+          </a:p>
+        </p:txBody>
+      </p:sp>
+      <p:sp>
+        <p:nvSpPr>
+          <p:cNvPr id="21" name="テキスト ボックス 20">
+            <a:extLst>
+              <a:ext uri="{FF2B5EF4-FFF2-40B4-BE49-F238E27FC236}">
+                <a16:creationId xmlns:a16="http://schemas.microsoft.com/office/drawing/2014/main" id="{374DCD8C-0DA0-4228-A1EE-5DC106AE677C}"/>
+              </a:ext>
+            </a:extLst>
+          </p:cNvPr>
+          <p:cNvSpPr txBox="1"/>
+          <p:nvPr/>
+        </p:nvSpPr>
+        <p:spPr>
+          <a:xfrm>
+            <a:off x="6945028" y="5169700"/>
+            <a:ext cx="4236491" cy="461665"/>
+          </a:xfrm>
+          <a:prstGeom prst="rect">
+            <a:avLst/>
+          </a:prstGeom>
+          <a:solidFill>
+            <a:schemeClr val="accent1">
+              <a:lumMod val="20000"/>
+              <a:lumOff val="80000"/>
+            </a:schemeClr>
+          </a:solidFill>
+        </p:spPr>
+        <p:txBody>
+          <a:bodyPr wrap="square" rtlCol="0">
+            <a:spAutoFit/>
+          </a:bodyPr>
+          <a:lstStyle/>
+          <a:p>
+            <a:r>
+              <a:rPr kumimoji="1" lang="en-US" altLang="ja-JP" sz="2400" dirty="0"/>
+              <a:t>[1, 2, 3, 4, 5]</a:t>
+            </a:r>
+            <a:endParaRPr kumimoji="1" lang="ja-JP" altLang="en-US" sz="2400" dirty="0"/>
+          </a:p>
+        </p:txBody>
+      </p:sp>
+      <p:sp>
+        <p:nvSpPr>
+          <p:cNvPr id="22" name="テキスト ボックス 21">
+            <a:extLst>
+              <a:ext uri="{FF2B5EF4-FFF2-40B4-BE49-F238E27FC236}">
+                <a16:creationId xmlns:a16="http://schemas.microsoft.com/office/drawing/2014/main" id="{1497B76E-AFE0-42CE-B7F0-0BCB123AC5B7}"/>
+              </a:ext>
+            </a:extLst>
+          </p:cNvPr>
+          <p:cNvSpPr txBox="1"/>
+          <p:nvPr/>
+        </p:nvSpPr>
+        <p:spPr>
+          <a:xfrm>
+            <a:off x="7015428" y="5804981"/>
+            <a:ext cx="4166091" cy="461665"/>
+          </a:xfrm>
+          <a:prstGeom prst="rect">
+            <a:avLst/>
+          </a:prstGeom>
+          <a:noFill/>
+          <a:ln w="38100">
+            <a:solidFill>
+              <a:srgbClr val="218A00"/>
+            </a:solidFill>
+          </a:ln>
+        </p:spPr>
+        <p:txBody>
+          <a:bodyPr wrap="square" rtlCol="0">
+            <a:spAutoFit/>
+          </a:bodyPr>
+          <a:lstStyle/>
+          <a:p>
+            <a:r>
+              <a:rPr lang="en-US" altLang="ja-JP" sz="2400" dirty="0"/>
+              <a:t>list</a:t>
+            </a:r>
+            <a:r>
+              <a:rPr lang="ja-JP" altLang="en-US" sz="2400" dirty="0"/>
+              <a:t>のメソッド</a:t>
+            </a:r>
+            <a:r>
+              <a:rPr lang="en-US" altLang="ja-JP" sz="2400" dirty="0"/>
+              <a:t>append</a:t>
+            </a:r>
+            <a:r>
+              <a:rPr lang="ja-JP" altLang="en-US" sz="2400" dirty="0"/>
+              <a:t>を実行</a:t>
+            </a:r>
+            <a:endParaRPr kumimoji="1" lang="en-US" altLang="ja-JP" sz="2400" dirty="0"/>
+          </a:p>
+        </p:txBody>
+      </p:sp>
     </p:spTree>
     <p:extLst>
       <p:ext uri="{BB962C8B-B14F-4D97-AF65-F5344CB8AC3E}">
-        <p14:creationId xmlns:p14="http://schemas.microsoft.com/office/powerpoint/2010/main" val="351856387"/>
+        <p14:creationId xmlns:p14="http://schemas.microsoft.com/office/powerpoint/2010/main" val="3975569586"/>
       </p:ext>
     </p:extLst>
   </p:cSld>
@@ -7645,10 +7841,105 @@
       </p:grpSpPr>
       <p:sp>
         <p:nvSpPr>
-          <p:cNvPr id="7" name="四角形: 角を丸くする 6">
-            <a:extLst>
-              <a:ext uri="{FF2B5EF4-FFF2-40B4-BE49-F238E27FC236}">
-                <a16:creationId xmlns:a16="http://schemas.microsoft.com/office/drawing/2014/main" id="{3F66BDE5-8FDD-4BA4-BC25-E50B2F5E09D0}"/>
+          <p:cNvPr id="2" name="タイトル 1">
+            <a:extLst>
+              <a:ext uri="{FF2B5EF4-FFF2-40B4-BE49-F238E27FC236}">
+                <a16:creationId xmlns:a16="http://schemas.microsoft.com/office/drawing/2014/main" id="{208C9E34-35DC-4647-B200-C894344625DA}"/>
+              </a:ext>
+            </a:extLst>
+          </p:cNvPr>
+          <p:cNvSpPr>
+            <a:spLocks noGrp="1"/>
+          </p:cNvSpPr>
+          <p:nvPr>
+            <p:ph type="title"/>
+          </p:nvPr>
+        </p:nvSpPr>
+        <p:spPr/>
+        <p:txBody>
+          <a:bodyPr/>
+          <a:lstStyle/>
+          <a:p>
+            <a:r>
+              <a:rPr lang="ja-JP" altLang="en-US" dirty="0"/>
+              <a:t>クラスのコードの例</a:t>
+            </a:r>
+            <a:endParaRPr kumimoji="1" lang="ja-JP" altLang="en-US" dirty="0"/>
+          </a:p>
+        </p:txBody>
+      </p:sp>
+      <p:sp>
+        <p:nvSpPr>
+          <p:cNvPr id="3" name="コンテンツ プレースホルダー 2">
+            <a:extLst>
+              <a:ext uri="{FF2B5EF4-FFF2-40B4-BE49-F238E27FC236}">
+                <a16:creationId xmlns:a16="http://schemas.microsoft.com/office/drawing/2014/main" id="{771AE650-420E-4F6E-B153-EF8F3856826E}"/>
+              </a:ext>
+            </a:extLst>
+          </p:cNvPr>
+          <p:cNvSpPr>
+            <a:spLocks noGrp="1"/>
+          </p:cNvSpPr>
+          <p:nvPr>
+            <p:ph idx="1"/>
+          </p:nvPr>
+        </p:nvSpPr>
+        <p:spPr>
+          <a:xfrm>
+            <a:off x="354948" y="1284633"/>
+            <a:ext cx="11029615" cy="810110"/>
+          </a:xfrm>
+        </p:spPr>
+        <p:txBody>
+          <a:bodyPr>
+            <a:normAutofit/>
+          </a:bodyPr>
+          <a:lstStyle/>
+          <a:p>
+            <a:r>
+              <a:rPr lang="ja-JP" altLang="en-US" dirty="0"/>
+              <a:t>インスタンスの生成</a:t>
+            </a:r>
+            <a:endParaRPr kumimoji="1" lang="en-US" altLang="ja-JP" dirty="0"/>
+          </a:p>
+        </p:txBody>
+      </p:sp>
+      <p:sp>
+        <p:nvSpPr>
+          <p:cNvPr id="4" name="スライド番号プレースホルダー 3">
+            <a:extLst>
+              <a:ext uri="{FF2B5EF4-FFF2-40B4-BE49-F238E27FC236}">
+                <a16:creationId xmlns:a16="http://schemas.microsoft.com/office/drawing/2014/main" id="{8E09DA4E-282D-4C46-9A0B-E35E05D6C19A}"/>
+              </a:ext>
+            </a:extLst>
+          </p:cNvPr>
+          <p:cNvSpPr>
+            <a:spLocks noGrp="1"/>
+          </p:cNvSpPr>
+          <p:nvPr>
+            <p:ph type="sldNum" sz="quarter" idx="12"/>
+          </p:nvPr>
+        </p:nvSpPr>
+        <p:spPr/>
+        <p:txBody>
+          <a:bodyPr/>
+          <a:lstStyle/>
+          <a:p>
+            <a:fld id="{57021661-B2A8-457F-930E-F617AD024F3F}" type="slidenum">
+              <a:rPr lang="ja-JP" altLang="en-US" smtClean="0"/>
+              <a:pPr/>
+              <a:t>14</a:t>
+            </a:fld>
+            <a:endParaRPr lang="ja-JP" altLang="en-US" dirty="0"/>
+          </a:p>
+        </p:txBody>
+      </p:sp>
+      <p:sp>
+        <p:nvSpPr>
+          <p:cNvPr id="12" name="正方形/長方形 11">
+            <a:extLst>
+              <a:ext uri="{FF2B5EF4-FFF2-40B4-BE49-F238E27FC236}">
+                <a16:creationId xmlns:a16="http://schemas.microsoft.com/office/drawing/2014/main" id="{0D26369A-A911-46A1-AB42-F6E1BF3D4CD7}"/>
               </a:ext>
             </a:extLst>
           </p:cNvPr>
@@ -7657,16 +7948,160 @@
         </p:nvSpPr>
         <p:spPr>
           <a:xfrm>
-            <a:off x="571764" y="2098579"/>
-            <a:ext cx="11221167" cy="4283367"/>
-          </a:xfrm>
-          <a:prstGeom prst="roundRect">
+            <a:off x="659099" y="2407753"/>
+            <a:ext cx="4271120" cy="3785652"/>
+          </a:xfrm>
+          <a:prstGeom prst="rect">
             <a:avLst/>
           </a:prstGeom>
           <a:solidFill>
-            <a:schemeClr val="bg1"/>
+            <a:schemeClr val="accent1">
+              <a:lumMod val="20000"/>
+              <a:lumOff val="80000"/>
+            </a:schemeClr>
           </a:solidFill>
-          <a:ln w="57150"/>
+        </p:spPr>
+        <p:txBody>
+          <a:bodyPr wrap="square">
+            <a:spAutoFit/>
+          </a:bodyPr>
+          <a:lstStyle/>
+          <a:p>
+            <a:r>
+              <a:rPr lang="en-US" altLang="ja-JP" sz="2400" dirty="0"/>
+              <a:t>class Car:</a:t>
+            </a:r>
+          </a:p>
+          <a:p>
+            <a:r>
+              <a:rPr lang="en-US" altLang="ja-JP" sz="2400" dirty="0"/>
+              <a:t>    def __</a:t>
+            </a:r>
+            <a:r>
+              <a:rPr lang="en-US" altLang="ja-JP" sz="2400" dirty="0" err="1"/>
+              <a:t>init</a:t>
+            </a:r>
+            <a:r>
+              <a:rPr lang="en-US" altLang="ja-JP" sz="2400" dirty="0"/>
+              <a:t>__(self, color):</a:t>
+            </a:r>
+          </a:p>
+          <a:p>
+            <a:r>
+              <a:rPr lang="en-US" altLang="ja-JP" sz="2400" dirty="0"/>
+              <a:t>        </a:t>
+            </a:r>
+            <a:r>
+              <a:rPr lang="en-US" altLang="ja-JP" sz="2400" dirty="0" err="1"/>
+              <a:t>self.color</a:t>
+            </a:r>
+            <a:r>
+              <a:rPr lang="en-US" altLang="ja-JP" sz="2400" dirty="0"/>
+              <a:t> = color</a:t>
+            </a:r>
+          </a:p>
+          <a:p>
+            <a:r>
+              <a:rPr lang="en-US" altLang="ja-JP" sz="2400" dirty="0"/>
+              <a:t>    def </a:t>
+            </a:r>
+            <a:r>
+              <a:rPr lang="en-US" altLang="ja-JP" sz="2400" dirty="0" err="1"/>
+              <a:t>car_run</a:t>
+            </a:r>
+            <a:r>
+              <a:rPr lang="en-US" altLang="ja-JP" sz="2400" dirty="0"/>
+              <a:t>(self):</a:t>
+            </a:r>
+          </a:p>
+          <a:p>
+            <a:r>
+              <a:rPr lang="en-US" altLang="ja-JP" sz="2400" dirty="0"/>
+              <a:t>        print("run")</a:t>
+            </a:r>
+          </a:p>
+          <a:p>
+            <a:r>
+              <a:rPr lang="en-US" altLang="ja-JP" sz="2400" dirty="0"/>
+              <a:t>    def </a:t>
+            </a:r>
+            <a:r>
+              <a:rPr lang="en-US" altLang="ja-JP" sz="2400" dirty="0" err="1"/>
+              <a:t>car_stop</a:t>
+            </a:r>
+            <a:r>
+              <a:rPr lang="en-US" altLang="ja-JP" sz="2400" dirty="0"/>
+              <a:t>(self):</a:t>
+            </a:r>
+          </a:p>
+          <a:p>
+            <a:r>
+              <a:rPr lang="en-US" altLang="ja-JP" sz="2400" dirty="0"/>
+              <a:t>        print("stop")</a:t>
+            </a:r>
+          </a:p>
+          <a:p>
+            <a:r>
+              <a:rPr lang="en-US" altLang="ja-JP" sz="2400" dirty="0" err="1"/>
+              <a:t>red_car</a:t>
+            </a:r>
+            <a:r>
+              <a:rPr lang="en-US" altLang="ja-JP" sz="2400" dirty="0"/>
+              <a:t> = Car("red")</a:t>
+            </a:r>
+          </a:p>
+          <a:p>
+            <a:r>
+              <a:rPr lang="en-US" altLang="ja-JP" sz="2400" dirty="0" err="1"/>
+              <a:t>blue_car</a:t>
+            </a:r>
+            <a:r>
+              <a:rPr lang="en-US" altLang="ja-JP" sz="2400" dirty="0"/>
+              <a:t> = Car("blue")</a:t>
+            </a:r>
+          </a:p>
+          <a:p>
+            <a:r>
+              <a:rPr lang="en-US" altLang="ja-JP" sz="2400" dirty="0" err="1"/>
+              <a:t>yellow_car</a:t>
+            </a:r>
+            <a:r>
+              <a:rPr lang="en-US" altLang="ja-JP" sz="2400" dirty="0"/>
+              <a:t> = Car("yellow")</a:t>
+            </a:r>
+          </a:p>
+        </p:txBody>
+      </p:sp>
+      <p:sp>
+        <p:nvSpPr>
+          <p:cNvPr id="5" name="フレーム 4">
+            <a:extLst>
+              <a:ext uri="{FF2B5EF4-FFF2-40B4-BE49-F238E27FC236}">
+                <a16:creationId xmlns:a16="http://schemas.microsoft.com/office/drawing/2014/main" id="{5D375150-76E6-4678-9ABD-3F251E947ECA}"/>
+              </a:ext>
+            </a:extLst>
+          </p:cNvPr>
+          <p:cNvSpPr/>
+          <p:nvPr/>
+        </p:nvSpPr>
+        <p:spPr>
+          <a:xfrm>
+            <a:off x="659099" y="4994544"/>
+            <a:ext cx="3828060" cy="1198861"/>
+          </a:xfrm>
+          <a:prstGeom prst="frame">
+            <a:avLst>
+              <a:gd name="adj1" fmla="val 4098"/>
+            </a:avLst>
+          </a:prstGeom>
+          <a:solidFill>
+            <a:srgbClr val="FF0000"/>
+          </a:solidFill>
+          <a:ln>
+            <a:solidFill>
+              <a:srgbClr val="C00000"/>
+            </a:solidFill>
+          </a:ln>
         </p:spPr>
         <p:style>
           <a:lnRef idx="2">
@@ -7689,146 +8124,20 @@
           <a:lstStyle/>
           <a:p>
             <a:pPr algn="ctr"/>
-            <a:endParaRPr kumimoji="1" lang="ja-JP" altLang="en-US"/>
-          </a:p>
-        </p:txBody>
-      </p:sp>
-      <p:sp>
-        <p:nvSpPr>
-          <p:cNvPr id="2" name="タイトル 1">
-            <a:extLst>
-              <a:ext uri="{FF2B5EF4-FFF2-40B4-BE49-F238E27FC236}">
-                <a16:creationId xmlns:a16="http://schemas.microsoft.com/office/drawing/2014/main" id="{2D880BFE-3285-46B4-B583-BE5F786477D2}"/>
-              </a:ext>
-            </a:extLst>
-          </p:cNvPr>
-          <p:cNvSpPr>
-            <a:spLocks noGrp="1"/>
-          </p:cNvSpPr>
-          <p:nvPr>
-            <p:ph type="title"/>
-          </p:nvPr>
-        </p:nvSpPr>
-        <p:spPr/>
-        <p:txBody>
-          <a:bodyPr/>
-          <a:lstStyle/>
-          <a:p>
-            <a:r>
-              <a:rPr lang="ja-JP" altLang="en-US" dirty="0"/>
-              <a:t>オブジェクト指向をする理由②</a:t>
-            </a:r>
-            <a:endParaRPr kumimoji="1" lang="ja-JP" altLang="en-US" dirty="0"/>
-          </a:p>
-        </p:txBody>
-      </p:sp>
-      <p:sp>
-        <p:nvSpPr>
-          <p:cNvPr id="3" name="コンテンツ プレースホルダー 2">
-            <a:extLst>
-              <a:ext uri="{FF2B5EF4-FFF2-40B4-BE49-F238E27FC236}">
-                <a16:creationId xmlns:a16="http://schemas.microsoft.com/office/drawing/2014/main" id="{1C9BA683-BADE-49D1-8E96-487B57A6354A}"/>
-              </a:ext>
-            </a:extLst>
-          </p:cNvPr>
-          <p:cNvSpPr>
-            <a:spLocks noGrp="1"/>
-          </p:cNvSpPr>
-          <p:nvPr>
-            <p:ph idx="1"/>
-          </p:nvPr>
-        </p:nvSpPr>
-        <p:spPr/>
-        <p:txBody>
-          <a:bodyPr/>
-          <a:lstStyle/>
-          <a:p>
-            <a:r>
-              <a:rPr lang="ja-JP" altLang="en-US" b="1" dirty="0"/>
-              <a:t>大人数で開発するときに便利</a:t>
-            </a:r>
-            <a:r>
-              <a:rPr lang="ja-JP" altLang="en-US" dirty="0"/>
-              <a:t>（車を例に説明）</a:t>
-            </a:r>
-            <a:endParaRPr lang="en-US" altLang="ja-JP" dirty="0"/>
-          </a:p>
-        </p:txBody>
-      </p:sp>
-      <p:sp>
-        <p:nvSpPr>
-          <p:cNvPr id="4" name="スライド番号プレースホルダー 3">
-            <a:extLst>
-              <a:ext uri="{FF2B5EF4-FFF2-40B4-BE49-F238E27FC236}">
-                <a16:creationId xmlns:a16="http://schemas.microsoft.com/office/drawing/2014/main" id="{AB6C9256-1725-4D61-8FA5-32260ECC9D57}"/>
-              </a:ext>
-            </a:extLst>
-          </p:cNvPr>
-          <p:cNvSpPr>
-            <a:spLocks noGrp="1"/>
-          </p:cNvSpPr>
-          <p:nvPr>
-            <p:ph type="sldNum" sz="quarter" idx="12"/>
-          </p:nvPr>
-        </p:nvSpPr>
-        <p:spPr/>
-        <p:txBody>
-          <a:bodyPr/>
-          <a:lstStyle/>
-          <a:p>
-            <a:fld id="{57021661-B2A8-457F-930E-F617AD024F3F}" type="slidenum">
-              <a:rPr lang="ja-JP" altLang="en-US" smtClean="0"/>
-              <a:pPr/>
-              <a:t>14</a:t>
-            </a:fld>
-            <a:endParaRPr lang="ja-JP" altLang="en-US" dirty="0"/>
-          </a:p>
-        </p:txBody>
-      </p:sp>
-      <p:sp>
-        <p:nvSpPr>
-          <p:cNvPr id="5" name="コンテンツ プレースホルダー 4">
-            <a:extLst>
-              <a:ext uri="{FF2B5EF4-FFF2-40B4-BE49-F238E27FC236}">
-                <a16:creationId xmlns:a16="http://schemas.microsoft.com/office/drawing/2014/main" id="{82BF6D1D-6D99-4E40-B0D8-866E99ADE8CA}"/>
-              </a:ext>
-            </a:extLst>
-          </p:cNvPr>
-          <p:cNvSpPr>
-            <a:spLocks noGrp="1"/>
-          </p:cNvSpPr>
-          <p:nvPr>
-            <p:ph sz="quarter" idx="13"/>
-          </p:nvPr>
-        </p:nvSpPr>
-        <p:spPr>
-          <a:xfrm>
-            <a:off x="8493551" y="6494710"/>
-            <a:ext cx="3694362" cy="365125"/>
-          </a:xfrm>
-        </p:spPr>
-        <p:txBody>
-          <a:bodyPr>
-            <a:normAutofit fontScale="92500"/>
-          </a:bodyPr>
-          <a:lstStyle/>
-          <a:p>
-            <a:r>
-              <a:rPr lang="en-US" altLang="ja-JP" dirty="0">
-                <a:hlinkClick r:id="rId2"/>
-              </a:rPr>
-              <a:t>https://eng-entrance.com/what-oop</a:t>
-            </a:r>
-            <a:endParaRPr kumimoji="1" lang="ja-JP" altLang="en-US" dirty="0"/>
-          </a:p>
-        </p:txBody>
-      </p:sp>
-      <p:sp>
-        <p:nvSpPr>
-          <p:cNvPr id="6" name="テキスト ボックス 5">
-            <a:extLst>
-              <a:ext uri="{FF2B5EF4-FFF2-40B4-BE49-F238E27FC236}">
-                <a16:creationId xmlns:a16="http://schemas.microsoft.com/office/drawing/2014/main" id="{4947AEAB-DE74-4355-8E2B-82BDC1E5FA54}"/>
+            <a:endParaRPr kumimoji="1" lang="ja-JP" altLang="en-US">
+              <a:solidFill>
+                <a:schemeClr val="tx1"/>
+              </a:solidFill>
+            </a:endParaRPr>
+          </a:p>
+        </p:txBody>
+      </p:sp>
+      <p:sp>
+        <p:nvSpPr>
+          <p:cNvPr id="17" name="テキスト ボックス 16">
+            <a:extLst>
+              <a:ext uri="{FF2B5EF4-FFF2-40B4-BE49-F238E27FC236}">
+                <a16:creationId xmlns:a16="http://schemas.microsoft.com/office/drawing/2014/main" id="{7A860C97-957E-448F-9FCD-F6A6ACC75E9A}"/>
               </a:ext>
             </a:extLst>
           </p:cNvPr>
@@ -7837,8 +8146,8 @@
         </p:nvSpPr>
         <p:spPr>
           <a:xfrm>
-            <a:off x="812274" y="2476011"/>
-            <a:ext cx="10666556" cy="3785652"/>
+            <a:off x="5165887" y="3447023"/>
+            <a:ext cx="6931843" cy="3077766"/>
           </a:xfrm>
           <a:prstGeom prst="rect">
             <a:avLst/>
@@ -7851,67 +8160,282 @@
           </a:bodyPr>
           <a:lstStyle/>
           <a:p>
-            <a:r>
-              <a:rPr lang="ja-JP" altLang="en-US" sz="2800" dirty="0"/>
-              <a:t>・「車」をあらかじめ用意 </a:t>
-            </a:r>
-            <a:endParaRPr lang="en-US" altLang="ja-JP" sz="2800" dirty="0"/>
-          </a:p>
-          <a:p>
+            <a:pPr>
+              <a:spcBef>
+                <a:spcPts val="600"/>
+              </a:spcBef>
+              <a:spcAft>
+                <a:spcPts val="600"/>
+              </a:spcAft>
+            </a:pPr>
             <a:r>
               <a:rPr lang="ja-JP" altLang="en-US" sz="2400" dirty="0"/>
-              <a:t>　➡ 「走る」「止まる」のコードを知らなくても車を使用できる</a:t>
+              <a:t>インスタンス名　</a:t>
+            </a:r>
+            <a:r>
+              <a:rPr lang="en-US" altLang="ja-JP" sz="2400" dirty="0"/>
+              <a:t>= </a:t>
+            </a:r>
+            <a:r>
+              <a:rPr lang="ja-JP" altLang="en-US" sz="2400" dirty="0"/>
+              <a:t>クラス名（</a:t>
+            </a:r>
+            <a:r>
+              <a:rPr lang="en-US" altLang="ja-JP" sz="2400" dirty="0"/>
+              <a:t>__</a:t>
+            </a:r>
+            <a:r>
+              <a:rPr lang="en-US" altLang="ja-JP" sz="2400" dirty="0" err="1"/>
+              <a:t>init</a:t>
+            </a:r>
+            <a:r>
+              <a:rPr lang="en-US" altLang="ja-JP" sz="2400" dirty="0"/>
+              <a:t>__</a:t>
+            </a:r>
+            <a:r>
+              <a:rPr lang="ja-JP" altLang="en-US" sz="2400" dirty="0"/>
+              <a:t>の引数）</a:t>
             </a:r>
             <a:endParaRPr lang="en-US" altLang="ja-JP" sz="2400" dirty="0"/>
           </a:p>
           <a:p>
+            <a:pPr>
+              <a:spcBef>
+                <a:spcPts val="600"/>
+              </a:spcBef>
+              <a:spcAft>
+                <a:spcPts val="600"/>
+              </a:spcAft>
+            </a:pPr>
+            <a:r>
+              <a:rPr lang="ja-JP" altLang="en-US" sz="2400" dirty="0"/>
+              <a:t>・</a:t>
+            </a:r>
+            <a:r>
+              <a:rPr lang="en-US" altLang="ja-JP" sz="2400" dirty="0" err="1"/>
+              <a:t>red_car</a:t>
+            </a:r>
+            <a:r>
+              <a:rPr lang="en-US" altLang="ja-JP" sz="2400" dirty="0"/>
+              <a:t> = Car(“red”)</a:t>
+            </a:r>
+            <a:r>
+              <a:rPr lang="ja-JP" altLang="en-US" sz="2400" dirty="0"/>
+              <a:t> の場合</a:t>
+            </a:r>
             <a:endParaRPr lang="en-US" altLang="ja-JP" sz="2400" dirty="0"/>
           </a:p>
           <a:p>
-            <a:r>
-              <a:rPr lang="ja-JP" altLang="en-US" sz="2800" dirty="0"/>
-              <a:t>・「車」を用意しない </a:t>
-            </a:r>
-            <a:endParaRPr lang="en-US" altLang="ja-JP" sz="2800" dirty="0"/>
-          </a:p>
-          <a:p>
+            <a:pPr>
+              <a:spcBef>
+                <a:spcPts val="600"/>
+              </a:spcBef>
+              <a:spcAft>
+                <a:spcPts val="600"/>
+              </a:spcAft>
+            </a:pPr>
             <a:r>
               <a:rPr lang="ja-JP" altLang="en-US" sz="2400" dirty="0"/>
-              <a:t>　➡ 「走る」「止まる」のコードを理解する必要あり</a:t>
+              <a:t>　</a:t>
+            </a:r>
+            <a:r>
+              <a:rPr lang="en-US" altLang="ja-JP" sz="2400" dirty="0"/>
+              <a:t>__</a:t>
+            </a:r>
+            <a:r>
+              <a:rPr lang="en-US" altLang="ja-JP" sz="2400" dirty="0" err="1"/>
+              <a:t>init</a:t>
+            </a:r>
+            <a:r>
+              <a:rPr lang="en-US" altLang="ja-JP" sz="2400" dirty="0"/>
+              <a:t>__</a:t>
+            </a:r>
+            <a:r>
+              <a:rPr lang="ja-JP" altLang="en-US" sz="2400" dirty="0"/>
+              <a:t>（コンストラクタ）で</a:t>
             </a:r>
             <a:endParaRPr lang="en-US" altLang="ja-JP" sz="2400" dirty="0"/>
           </a:p>
           <a:p>
+            <a:pPr>
+              <a:spcBef>
+                <a:spcPts val="600"/>
+              </a:spcBef>
+              <a:spcAft>
+                <a:spcPts val="600"/>
+              </a:spcAft>
+            </a:pPr>
             <a:r>
               <a:rPr lang="ja-JP" altLang="en-US" sz="2400" dirty="0"/>
-              <a:t>　　➡ 正しく理解しないと「走る」「止まる」の部分を破壊する恐れあり</a:t>
+              <a:t>　</a:t>
+            </a:r>
+            <a:r>
+              <a:rPr lang="en-US" altLang="ja-JP" sz="2400" dirty="0" err="1"/>
+              <a:t>self.color</a:t>
+            </a:r>
+            <a:r>
+              <a:rPr lang="en-US" altLang="ja-JP" sz="2400" dirty="0"/>
+              <a:t> = “red”</a:t>
+            </a:r>
+            <a:r>
+              <a:rPr lang="ja-JP" altLang="en-US" sz="2400" dirty="0"/>
+              <a:t>（つまり</a:t>
+            </a:r>
+            <a:r>
+              <a:rPr lang="en-US" altLang="ja-JP" sz="2400" dirty="0" err="1"/>
+              <a:t>red_car.color</a:t>
+            </a:r>
+            <a:r>
+              <a:rPr lang="en-US" altLang="ja-JP" sz="2400" dirty="0"/>
+              <a:t> = red</a:t>
+            </a:r>
+            <a:r>
+              <a:rPr lang="ja-JP" altLang="en-US" sz="2400" dirty="0"/>
+              <a:t>）</a:t>
+            </a:r>
+            <a:r>
+              <a:rPr lang="en-US" altLang="ja-JP" sz="2400" dirty="0"/>
+              <a:t> </a:t>
+            </a:r>
+          </a:p>
+          <a:p>
+            <a:pPr>
+              <a:spcBef>
+                <a:spcPts val="600"/>
+              </a:spcBef>
+              <a:spcAft>
+                <a:spcPts val="600"/>
+              </a:spcAft>
+            </a:pPr>
+            <a:r>
+              <a:rPr lang="ja-JP" altLang="en-US" sz="2400" dirty="0"/>
+              <a:t>を実行</a:t>
             </a:r>
             <a:endParaRPr lang="en-US" altLang="ja-JP" sz="2400" dirty="0"/>
           </a:p>
           <a:p>
+            <a:pPr>
+              <a:spcBef>
+                <a:spcPts val="600"/>
+              </a:spcBef>
+              <a:spcAft>
+                <a:spcPts val="600"/>
+              </a:spcAft>
+            </a:pPr>
+            <a:r>
+              <a:rPr lang="ja-JP" altLang="en-US" sz="2400" dirty="0"/>
+              <a:t>色（</a:t>
+            </a:r>
+            <a:r>
+              <a:rPr lang="en-US" altLang="ja-JP" sz="2400" dirty="0"/>
+              <a:t>color</a:t>
+            </a:r>
+            <a:r>
+              <a:rPr lang="ja-JP" altLang="en-US" sz="2400" dirty="0"/>
+              <a:t>）が赤（</a:t>
+            </a:r>
+            <a:r>
+              <a:rPr lang="en-US" altLang="ja-JP" sz="2400" dirty="0"/>
+              <a:t>”red”</a:t>
+            </a:r>
+            <a:r>
+              <a:rPr lang="ja-JP" altLang="en-US" sz="2400" dirty="0"/>
+              <a:t>）の車（</a:t>
+            </a:r>
+            <a:r>
+              <a:rPr lang="en-US" altLang="ja-JP" sz="2400" dirty="0" err="1"/>
+              <a:t>red_car</a:t>
+            </a:r>
+            <a:r>
+              <a:rPr lang="ja-JP" altLang="en-US" sz="2400" dirty="0"/>
+              <a:t>）を生成</a:t>
+            </a:r>
             <a:endParaRPr lang="en-US" altLang="ja-JP" sz="2400" dirty="0"/>
           </a:p>
-          <a:p>
-            <a:r>
-              <a:rPr lang="ja-JP" altLang="en-US" sz="2800" b="1" u="sng" dirty="0">
-                <a:solidFill>
-                  <a:srgbClr val="FF0000"/>
-                </a:solidFill>
-              </a:rPr>
-              <a:t>「車」をあらかじめ用意すれば基本的な機能の中身を考えず、追加したい機能のみに集中可能 </a:t>
-            </a:r>
-            <a:endParaRPr lang="en-US" altLang="ja-JP" sz="2800" b="1" u="sng" dirty="0">
-              <a:solidFill>
-                <a:srgbClr val="FF0000"/>
-              </a:solidFill>
-            </a:endParaRPr>
-          </a:p>
-        </p:txBody>
-      </p:sp>
+        </p:txBody>
+      </p:sp>
+      <p:sp>
+        <p:nvSpPr>
+          <p:cNvPr id="18" name="正方形/長方形 17">
+            <a:extLst>
+              <a:ext uri="{FF2B5EF4-FFF2-40B4-BE49-F238E27FC236}">
+                <a16:creationId xmlns:a16="http://schemas.microsoft.com/office/drawing/2014/main" id="{24E41457-75AB-49BE-A203-05C29E2F2F67}"/>
+              </a:ext>
+            </a:extLst>
+          </p:cNvPr>
+          <p:cNvSpPr/>
+          <p:nvPr/>
+        </p:nvSpPr>
+        <p:spPr>
+          <a:xfrm>
+            <a:off x="5165887" y="3289957"/>
+            <a:ext cx="6843859" cy="3234832"/>
+          </a:xfrm>
+          <a:prstGeom prst="rect">
+            <a:avLst/>
+          </a:prstGeom>
+          <a:noFill/>
+          <a:ln w="57150"/>
+        </p:spPr>
+        <p:style>
+          <a:lnRef idx="2">
+            <a:schemeClr val="accent1">
+              <a:shade val="50000"/>
+            </a:schemeClr>
+          </a:lnRef>
+          <a:fillRef idx="1">
+            <a:schemeClr val="accent1"/>
+          </a:fillRef>
+          <a:effectRef idx="0">
+            <a:schemeClr val="accent1"/>
+          </a:effectRef>
+          <a:fontRef idx="minor">
+            <a:schemeClr val="lt1"/>
+          </a:fontRef>
+        </p:style>
+        <p:txBody>
+          <a:bodyPr rtlCol="0" anchor="ctr"/>
+          <a:lstStyle/>
+          <a:p>
+            <a:pPr algn="ctr"/>
+            <a:endParaRPr kumimoji="1" lang="ja-JP" altLang="en-US"/>
+          </a:p>
+        </p:txBody>
+      </p:sp>
+      <p:pic>
+        <p:nvPicPr>
+          <p:cNvPr id="7" name="図 6">
+            <a:extLst>
+              <a:ext uri="{FF2B5EF4-FFF2-40B4-BE49-F238E27FC236}">
+                <a16:creationId xmlns:a16="http://schemas.microsoft.com/office/drawing/2014/main" id="{A619499B-9AE6-452C-972A-4B39A338532E}"/>
+              </a:ext>
+            </a:extLst>
+          </p:cNvPr>
+          <p:cNvPicPr>
+            <a:picLocks noChangeAspect="1"/>
+          </p:cNvPicPr>
+          <p:nvPr/>
+        </p:nvPicPr>
+        <p:blipFill>
+          <a:blip r:embed="rId2"/>
+          <a:stretch>
+            <a:fillRect/>
+          </a:stretch>
+        </p:blipFill>
+        <p:spPr>
+          <a:xfrm>
+            <a:off x="7183743" y="1273329"/>
+            <a:ext cx="2487636" cy="1826230"/>
+          </a:xfrm>
+          <a:prstGeom prst="rect">
+            <a:avLst/>
+          </a:prstGeom>
+        </p:spPr>
+      </p:pic>
     </p:spTree>
     <p:extLst>
       <p:ext uri="{BB962C8B-B14F-4D97-AF65-F5344CB8AC3E}">
-        <p14:creationId xmlns:p14="http://schemas.microsoft.com/office/powerpoint/2010/main" val="4196006838"/>
+        <p14:creationId xmlns:p14="http://schemas.microsoft.com/office/powerpoint/2010/main" val="351856387"/>
       </p:ext>
     </p:extLst>
   </p:cSld>
@@ -7940,10 +8464,10 @@
       </p:grpSpPr>
       <p:sp>
         <p:nvSpPr>
-          <p:cNvPr id="18" name="四角形: 角を丸くする 17">
-            <a:extLst>
-              <a:ext uri="{FF2B5EF4-FFF2-40B4-BE49-F238E27FC236}">
-                <a16:creationId xmlns:a16="http://schemas.microsoft.com/office/drawing/2014/main" id="{4CF46A20-4554-4C8A-B6F3-FE6459E71570}"/>
+          <p:cNvPr id="7" name="四角形: 角を丸くする 6">
+            <a:extLst>
+              <a:ext uri="{FF2B5EF4-FFF2-40B4-BE49-F238E27FC236}">
+                <a16:creationId xmlns:a16="http://schemas.microsoft.com/office/drawing/2014/main" id="{3F66BDE5-8FDD-4BA4-BC25-E50B2F5E09D0}"/>
               </a:ext>
             </a:extLst>
           </p:cNvPr>
@@ -7952,12 +8476,16 @@
         </p:nvSpPr>
         <p:spPr>
           <a:xfrm>
-            <a:off x="2508684" y="5626882"/>
-            <a:ext cx="6947555" cy="866681"/>
+            <a:off x="571764" y="2098579"/>
+            <a:ext cx="11221167" cy="4283367"/>
           </a:xfrm>
           <a:prstGeom prst="roundRect">
             <a:avLst/>
           </a:prstGeom>
+          <a:solidFill>
+            <a:schemeClr val="bg1"/>
+          </a:solidFill>
+          <a:ln w="57150"/>
         </p:spPr>
         <p:style>
           <a:lnRef idx="2">
@@ -8007,7 +8535,7 @@
           <a:p>
             <a:r>
               <a:rPr lang="ja-JP" altLang="en-US" dirty="0"/>
-              <a:t>オブジェクト指向をする理由③</a:t>
+              <a:t>オブジェクト指向をする理由②</a:t>
             </a:r>
             <a:endParaRPr kumimoji="1" lang="ja-JP" altLang="en-US" dirty="0"/>
           </a:p>
@@ -8029,21 +8557,14 @@
             <p:ph idx="1"/>
           </p:nvPr>
         </p:nvSpPr>
-        <p:spPr>
-          <a:xfrm>
-            <a:off x="414036" y="1240431"/>
-            <a:ext cx="11029615" cy="835156"/>
-          </a:xfrm>
-        </p:spPr>
-        <p:txBody>
-          <a:bodyPr>
-            <a:normAutofit/>
-          </a:bodyPr>
+        <p:spPr/>
+        <p:txBody>
+          <a:bodyPr/>
           <a:lstStyle/>
           <a:p>
             <a:r>
               <a:rPr lang="ja-JP" altLang="en-US" b="1" dirty="0"/>
-              <a:t>同じようなモノを作りやすい</a:t>
+              <a:t>大人数で開発するときに便利</a:t>
             </a:r>
             <a:r>
               <a:rPr lang="ja-JP" altLang="en-US" dirty="0"/>
@@ -8121,209 +8642,12 @@
           </a:p>
         </p:txBody>
       </p:sp>
-      <p:pic>
-        <p:nvPicPr>
-          <p:cNvPr id="9" name="図 8">
-            <a:extLst>
-              <a:ext uri="{FF2B5EF4-FFF2-40B4-BE49-F238E27FC236}">
-                <a16:creationId xmlns:a16="http://schemas.microsoft.com/office/drawing/2014/main" id="{F1A154F3-8598-4BC0-A581-96E8C9A05D21}"/>
-              </a:ext>
-            </a:extLst>
-          </p:cNvPr>
-          <p:cNvPicPr>
-            <a:picLocks noChangeAspect="1"/>
-          </p:cNvPicPr>
-          <p:nvPr/>
-        </p:nvPicPr>
-        <p:blipFill rotWithShape="1">
-          <a:blip r:embed="rId3">
-            <a:extLst>
-              <a:ext uri="{28A0092B-C50C-407E-A947-70E740481C1C}">
-                <a14:useLocalDpi xmlns:a14="http://schemas.microsoft.com/office/drawing/2010/main" val="0"/>
-              </a:ext>
-            </a:extLst>
-          </a:blip>
-          <a:srcRect t="16878" b="14680"/>
-          <a:stretch/>
-        </p:blipFill>
-        <p:spPr>
-          <a:xfrm>
-            <a:off x="1819181" y="2551407"/>
-            <a:ext cx="2907744" cy="1990123"/>
-          </a:xfrm>
-          <a:prstGeom prst="rect">
-            <a:avLst/>
-          </a:prstGeom>
-        </p:spPr>
-      </p:pic>
-      <p:pic>
-        <p:nvPicPr>
-          <p:cNvPr id="11" name="図 10">
-            <a:extLst>
-              <a:ext uri="{FF2B5EF4-FFF2-40B4-BE49-F238E27FC236}">
-                <a16:creationId xmlns:a16="http://schemas.microsoft.com/office/drawing/2014/main" id="{87F89A6C-0A9A-46C6-B675-86202840BA5E}"/>
-              </a:ext>
-            </a:extLst>
-          </p:cNvPr>
-          <p:cNvPicPr>
-            <a:picLocks noChangeAspect="1"/>
-          </p:cNvPicPr>
-          <p:nvPr/>
-        </p:nvPicPr>
-        <p:blipFill rotWithShape="1">
-          <a:blip r:embed="rId4">
-            <a:extLst>
-              <a:ext uri="{28A0092B-C50C-407E-A947-70E740481C1C}">
-                <a14:useLocalDpi xmlns:a14="http://schemas.microsoft.com/office/drawing/2010/main" val="0"/>
-              </a:ext>
-            </a:extLst>
-          </a:blip>
-          <a:srcRect t="12635" b="11583"/>
-          <a:stretch/>
-        </p:blipFill>
-        <p:spPr>
-          <a:xfrm>
-            <a:off x="6325095" y="2129569"/>
-            <a:ext cx="2573216" cy="1189045"/>
-          </a:xfrm>
-          <a:prstGeom prst="rect">
-            <a:avLst/>
-          </a:prstGeom>
-        </p:spPr>
-      </p:pic>
-      <p:pic>
-        <p:nvPicPr>
-          <p:cNvPr id="13" name="図 12">
-            <a:extLst>
-              <a:ext uri="{FF2B5EF4-FFF2-40B4-BE49-F238E27FC236}">
-                <a16:creationId xmlns:a16="http://schemas.microsoft.com/office/drawing/2014/main" id="{7C0E77D0-967E-4767-8835-E1C557E0B67E}"/>
-              </a:ext>
-            </a:extLst>
-          </p:cNvPr>
-          <p:cNvPicPr>
-            <a:picLocks noChangeAspect="1"/>
-          </p:cNvPicPr>
-          <p:nvPr/>
-        </p:nvPicPr>
-        <p:blipFill rotWithShape="1">
-          <a:blip r:embed="rId5">
-            <a:extLst>
-              <a:ext uri="{28A0092B-C50C-407E-A947-70E740481C1C}">
-                <a14:useLocalDpi xmlns:a14="http://schemas.microsoft.com/office/drawing/2010/main" val="0"/>
-              </a:ext>
-            </a:extLst>
-          </a:blip>
-          <a:srcRect t="39536" b="22938"/>
-          <a:stretch/>
-        </p:blipFill>
-        <p:spPr>
-          <a:xfrm>
-            <a:off x="6204785" y="3417809"/>
-            <a:ext cx="2614997" cy="981297"/>
-          </a:xfrm>
-          <a:prstGeom prst="rect">
-            <a:avLst/>
-          </a:prstGeom>
-        </p:spPr>
-      </p:pic>
-      <p:sp>
-        <p:nvSpPr>
-          <p:cNvPr id="14" name="矢印: 右 13">
-            <a:extLst>
-              <a:ext uri="{FF2B5EF4-FFF2-40B4-BE49-F238E27FC236}">
-                <a16:creationId xmlns:a16="http://schemas.microsoft.com/office/drawing/2014/main" id="{519027F8-8993-4F88-9365-6395D6956ABA}"/>
-              </a:ext>
-            </a:extLst>
-          </p:cNvPr>
-          <p:cNvSpPr/>
-          <p:nvPr/>
-        </p:nvSpPr>
-        <p:spPr>
-          <a:xfrm rot="20691956">
-            <a:off x="4742632" y="2960103"/>
-            <a:ext cx="1150070" cy="429644"/>
-          </a:xfrm>
-          <a:prstGeom prst="rightArrow">
-            <a:avLst/>
-          </a:prstGeom>
-        </p:spPr>
-        <p:style>
-          <a:lnRef idx="2">
-            <a:schemeClr val="accent1">
-              <a:shade val="50000"/>
-            </a:schemeClr>
-          </a:lnRef>
-          <a:fillRef idx="1">
-            <a:schemeClr val="accent1"/>
-          </a:fillRef>
-          <a:effectRef idx="0">
-            <a:schemeClr val="accent1"/>
-          </a:effectRef>
-          <a:fontRef idx="minor">
-            <a:schemeClr val="lt1"/>
-          </a:fontRef>
-        </p:style>
-        <p:txBody>
-          <a:bodyPr rtlCol="0" anchor="ctr"/>
-          <a:lstStyle/>
-          <a:p>
-            <a:pPr algn="ctr"/>
-            <a:endParaRPr kumimoji="1" lang="ja-JP" altLang="en-US"/>
-          </a:p>
-        </p:txBody>
-      </p:sp>
-      <p:sp>
-        <p:nvSpPr>
-          <p:cNvPr id="15" name="矢印: 右 14">
-            <a:extLst>
-              <a:ext uri="{FF2B5EF4-FFF2-40B4-BE49-F238E27FC236}">
-                <a16:creationId xmlns:a16="http://schemas.microsoft.com/office/drawing/2014/main" id="{F3C4D60C-F363-4CEF-839D-18F933BF7E44}"/>
-              </a:ext>
-            </a:extLst>
-          </p:cNvPr>
-          <p:cNvSpPr/>
-          <p:nvPr/>
-        </p:nvSpPr>
-        <p:spPr>
-          <a:xfrm>
-            <a:off x="4796250" y="3738348"/>
-            <a:ext cx="1150070" cy="417117"/>
-          </a:xfrm>
-          <a:prstGeom prst="rightArrow">
-            <a:avLst/>
-          </a:prstGeom>
-        </p:spPr>
-        <p:style>
-          <a:lnRef idx="2">
-            <a:schemeClr val="accent1">
-              <a:shade val="50000"/>
-            </a:schemeClr>
-          </a:lnRef>
-          <a:fillRef idx="1">
-            <a:schemeClr val="accent1"/>
-          </a:fillRef>
-          <a:effectRef idx="0">
-            <a:schemeClr val="accent1"/>
-          </a:effectRef>
-          <a:fontRef idx="minor">
-            <a:schemeClr val="lt1"/>
-          </a:fontRef>
-        </p:style>
-        <p:txBody>
-          <a:bodyPr rtlCol="0" anchor="ctr"/>
-          <a:lstStyle/>
-          <a:p>
-            <a:pPr algn="ctr"/>
-            <a:endParaRPr kumimoji="1" lang="ja-JP" altLang="en-US"/>
-          </a:p>
-        </p:txBody>
-      </p:sp>
-      <p:sp>
-        <p:nvSpPr>
-          <p:cNvPr id="16" name="テキスト ボックス 15">
-            <a:extLst>
-              <a:ext uri="{FF2B5EF4-FFF2-40B4-BE49-F238E27FC236}">
-                <a16:creationId xmlns:a16="http://schemas.microsoft.com/office/drawing/2014/main" id="{EEC59247-8891-4078-BF03-FC3F2493707D}"/>
+      <p:sp>
+        <p:nvSpPr>
+          <p:cNvPr id="6" name="テキスト ボックス 5">
+            <a:extLst>
+              <a:ext uri="{FF2B5EF4-FFF2-40B4-BE49-F238E27FC236}">
+                <a16:creationId xmlns:a16="http://schemas.microsoft.com/office/drawing/2014/main" id="{4947AEAB-DE74-4355-8E2B-82BDC1E5FA54}"/>
               </a:ext>
             </a:extLst>
           </p:cNvPr>
@@ -8332,8 +8656,8 @@
         </p:nvSpPr>
         <p:spPr>
           <a:xfrm>
-            <a:off x="1459567" y="4597496"/>
-            <a:ext cx="9536811" cy="830997"/>
+            <a:off x="812274" y="2476011"/>
+            <a:ext cx="10666556" cy="3785652"/>
           </a:xfrm>
           <a:prstGeom prst="rect">
             <a:avLst/>
@@ -8347,62 +8671,66 @@
           <a:lstStyle/>
           <a:p>
             <a:r>
-              <a:rPr kumimoji="1" lang="ja-JP" altLang="en-US" sz="2400" dirty="0"/>
-              <a:t>レージングカー、トラックのどちらも「走る」「止まる」は共通</a:t>
+              <a:rPr lang="ja-JP" altLang="en-US" sz="2800" dirty="0"/>
+              <a:t>・「車」をあらかじめ用意 </a:t>
+            </a:r>
+            <a:endParaRPr lang="en-US" altLang="ja-JP" sz="2800" dirty="0"/>
+          </a:p>
+          <a:p>
+            <a:r>
+              <a:rPr lang="ja-JP" altLang="en-US" sz="2400" dirty="0"/>
+              <a:t>　➡ 「走る」「止まる」のコードを知らなくても車を使用できる</a:t>
             </a:r>
             <a:endParaRPr lang="en-US" altLang="ja-JP" sz="2400" dirty="0"/>
           </a:p>
           <a:p>
+            <a:endParaRPr lang="en-US" altLang="ja-JP" sz="2400" dirty="0"/>
+          </a:p>
+          <a:p>
+            <a:r>
+              <a:rPr lang="ja-JP" altLang="en-US" sz="2800" dirty="0"/>
+              <a:t>・「車」を用意しない </a:t>
+            </a:r>
+            <a:endParaRPr lang="en-US" altLang="ja-JP" sz="2800" dirty="0"/>
+          </a:p>
+          <a:p>
             <a:r>
               <a:rPr lang="ja-JP" altLang="en-US" sz="2400" dirty="0"/>
-              <a:t>➡ 使用できる機能は再利用</a:t>
+              <a:t>　➡ 「走る」「止まる」のコードを理解する必要あり</a:t>
             </a:r>
             <a:endParaRPr lang="en-US" altLang="ja-JP" sz="2400" dirty="0"/>
           </a:p>
-        </p:txBody>
-      </p:sp>
-      <p:sp>
-        <p:nvSpPr>
-          <p:cNvPr id="17" name="正方形/長方形 16">
-            <a:extLst>
-              <a:ext uri="{FF2B5EF4-FFF2-40B4-BE49-F238E27FC236}">
-                <a16:creationId xmlns:a16="http://schemas.microsoft.com/office/drawing/2014/main" id="{860FC652-B13D-4039-862F-9E24AD095D3E}"/>
-              </a:ext>
-            </a:extLst>
-          </p:cNvPr>
-          <p:cNvSpPr/>
-          <p:nvPr/>
-        </p:nvSpPr>
-        <p:spPr>
-          <a:xfrm>
-            <a:off x="2607178" y="5807464"/>
-            <a:ext cx="6750566" cy="584775"/>
-          </a:xfrm>
-          <a:prstGeom prst="rect">
-            <a:avLst/>
-          </a:prstGeom>
-        </p:spPr>
-        <p:txBody>
-          <a:bodyPr wrap="none">
-            <a:spAutoFit/>
-          </a:bodyPr>
-          <a:lstStyle/>
-          <a:p>
-            <a:r>
-              <a:rPr lang="ja-JP" altLang="en-US" sz="3200" b="1" dirty="0">
+          <a:p>
+            <a:r>
+              <a:rPr lang="ja-JP" altLang="en-US" sz="2400" dirty="0"/>
+              <a:t>　　➡ 正しく理解しないと「走る」「止まる」の部分を破壊する恐れあり</a:t>
+            </a:r>
+            <a:endParaRPr lang="en-US" altLang="ja-JP" sz="2400" dirty="0"/>
+          </a:p>
+          <a:p>
+            <a:endParaRPr lang="en-US" altLang="ja-JP" sz="2400" dirty="0"/>
+          </a:p>
+          <a:p>
+            <a:r>
+              <a:rPr lang="ja-JP" altLang="en-US" sz="2800" b="1" u="sng" dirty="0">
                 <a:solidFill>
-                  <a:schemeClr val="bg1"/>
+                  <a:srgbClr val="FF0000"/>
                 </a:solidFill>
               </a:rPr>
-              <a:t>上手く再利用すれば作業効率が向上</a:t>
-            </a:r>
+              <a:t>「車」をあらかじめ用意すれば基本的な機能の中身を考えず、追加したい機能のみに集中可能 </a:t>
+            </a:r>
+            <a:endParaRPr lang="en-US" altLang="ja-JP" sz="2800" b="1" u="sng" dirty="0">
+              <a:solidFill>
+                <a:srgbClr val="FF0000"/>
+              </a:solidFill>
+            </a:endParaRPr>
           </a:p>
         </p:txBody>
       </p:sp>
     </p:spTree>
     <p:extLst>
       <p:ext uri="{BB962C8B-B14F-4D97-AF65-F5344CB8AC3E}">
-        <p14:creationId xmlns:p14="http://schemas.microsoft.com/office/powerpoint/2010/main" val="4142132538"/>
+        <p14:creationId xmlns:p14="http://schemas.microsoft.com/office/powerpoint/2010/main" val="4196006838"/>
       </p:ext>
     </p:extLst>
   </p:cSld>
@@ -8431,184 +8759,10 @@
       </p:grpSpPr>
       <p:sp>
         <p:nvSpPr>
-          <p:cNvPr id="2" name="タイトル 1">
-            <a:extLst>
-              <a:ext uri="{FF2B5EF4-FFF2-40B4-BE49-F238E27FC236}">
-                <a16:creationId xmlns:a16="http://schemas.microsoft.com/office/drawing/2014/main" id="{4E196C5B-CBAA-4B6E-BB68-CF8CE09AC668}"/>
-              </a:ext>
-            </a:extLst>
-          </p:cNvPr>
-          <p:cNvSpPr>
-            <a:spLocks noGrp="1"/>
-          </p:cNvSpPr>
-          <p:nvPr>
-            <p:ph type="title"/>
-          </p:nvPr>
-        </p:nvSpPr>
-        <p:spPr/>
-        <p:txBody>
-          <a:bodyPr/>
-          <a:lstStyle/>
-          <a:p>
-            <a:r>
-              <a:rPr kumimoji="1" lang="ja-JP" altLang="en-US" dirty="0"/>
-              <a:t>クラス変数、インスタンス変数</a:t>
-            </a:r>
-          </a:p>
-        </p:txBody>
-      </p:sp>
-      <p:sp>
-        <p:nvSpPr>
-          <p:cNvPr id="3" name="コンテンツ プレースホルダー 2">
-            <a:extLst>
-              <a:ext uri="{FF2B5EF4-FFF2-40B4-BE49-F238E27FC236}">
-                <a16:creationId xmlns:a16="http://schemas.microsoft.com/office/drawing/2014/main" id="{030E4A60-88DD-4F37-823D-FB3521813E02}"/>
-              </a:ext>
-            </a:extLst>
-          </p:cNvPr>
-          <p:cNvSpPr>
-            <a:spLocks noGrp="1"/>
-          </p:cNvSpPr>
-          <p:nvPr>
-            <p:ph idx="1"/>
-          </p:nvPr>
-        </p:nvSpPr>
-        <p:spPr>
-          <a:xfrm>
-            <a:off x="449214" y="1299880"/>
-            <a:ext cx="11598241" cy="1476327"/>
-          </a:xfrm>
-        </p:spPr>
-        <p:txBody>
-          <a:bodyPr>
-            <a:normAutofit fontScale="85000" lnSpcReduction="10000"/>
-          </a:bodyPr>
-          <a:lstStyle/>
-          <a:p>
-            <a:r>
-              <a:rPr kumimoji="1" lang="ja-JP" altLang="en-US" dirty="0"/>
-              <a:t>クラス変数：クラス内にある変数（すべてのインスタンスに共通する変数）</a:t>
-            </a:r>
-            <a:endParaRPr kumimoji="1" lang="en-US" altLang="ja-JP" dirty="0"/>
-          </a:p>
-          <a:p>
-            <a:r>
-              <a:rPr lang="ja-JP" altLang="en-US" dirty="0"/>
-              <a:t>インスタンス変数：メソッド内にある変数（個々のインスタンスで異なる変数）</a:t>
-            </a:r>
-            <a:endParaRPr kumimoji="1" lang="ja-JP" altLang="en-US" dirty="0"/>
-          </a:p>
-        </p:txBody>
-      </p:sp>
-      <p:sp>
-        <p:nvSpPr>
-          <p:cNvPr id="4" name="スライド番号プレースホルダー 3">
-            <a:extLst>
-              <a:ext uri="{FF2B5EF4-FFF2-40B4-BE49-F238E27FC236}">
-                <a16:creationId xmlns:a16="http://schemas.microsoft.com/office/drawing/2014/main" id="{1B44C864-EB4D-4BE1-AA7D-2CB4A32AD4CD}"/>
-              </a:ext>
-            </a:extLst>
-          </p:cNvPr>
-          <p:cNvSpPr>
-            <a:spLocks noGrp="1"/>
-          </p:cNvSpPr>
-          <p:nvPr>
-            <p:ph type="sldNum" sz="quarter" idx="12"/>
-          </p:nvPr>
-        </p:nvSpPr>
-        <p:spPr/>
-        <p:txBody>
-          <a:bodyPr/>
-          <a:lstStyle/>
-          <a:p>
-            <a:fld id="{57021661-B2A8-457F-930E-F617AD024F3F}" type="slidenum">
-              <a:rPr lang="ja-JP" altLang="en-US" smtClean="0"/>
-              <a:pPr/>
-              <a:t>16</a:t>
-            </a:fld>
-            <a:endParaRPr lang="ja-JP" altLang="en-US" dirty="0"/>
-          </a:p>
-        </p:txBody>
-      </p:sp>
-      <p:sp>
-        <p:nvSpPr>
-          <p:cNvPr id="5" name="コンテンツ プレースホルダー 4">
-            <a:extLst>
-              <a:ext uri="{FF2B5EF4-FFF2-40B4-BE49-F238E27FC236}">
-                <a16:creationId xmlns:a16="http://schemas.microsoft.com/office/drawing/2014/main" id="{F2A8B657-46AE-45F1-AD4D-7A96B07B1176}"/>
-              </a:ext>
-            </a:extLst>
-          </p:cNvPr>
-          <p:cNvSpPr>
-            <a:spLocks noGrp="1"/>
-          </p:cNvSpPr>
-          <p:nvPr>
-            <p:ph sz="quarter" idx="13"/>
-          </p:nvPr>
-        </p:nvSpPr>
-        <p:spPr>
-          <a:xfrm>
-            <a:off x="7852528" y="6494710"/>
-            <a:ext cx="4335385" cy="365125"/>
-          </a:xfrm>
-        </p:spPr>
-        <p:txBody>
-          <a:bodyPr>
-            <a:normAutofit fontScale="92500"/>
-          </a:bodyPr>
-          <a:lstStyle/>
-          <a:p>
-            <a:r>
-              <a:rPr lang="en-US" altLang="ja-JP" dirty="0">
-                <a:hlinkClick r:id="rId2"/>
-              </a:rPr>
-              <a:t>https://python.atelierkobato.com/instance/</a:t>
-            </a:r>
-            <a:endParaRPr kumimoji="1" lang="ja-JP" altLang="en-US" dirty="0"/>
-          </a:p>
-        </p:txBody>
-      </p:sp>
-      <p:sp>
-        <p:nvSpPr>
-          <p:cNvPr id="6" name="テキスト ボックス 5">
-            <a:extLst>
-              <a:ext uri="{FF2B5EF4-FFF2-40B4-BE49-F238E27FC236}">
-                <a16:creationId xmlns:a16="http://schemas.microsoft.com/office/drawing/2014/main" id="{C1E420A6-40BC-4F06-B98A-81211FE770B4}"/>
-              </a:ext>
-            </a:extLst>
-          </p:cNvPr>
-          <p:cNvSpPr txBox="1"/>
-          <p:nvPr/>
-        </p:nvSpPr>
-        <p:spPr>
-          <a:xfrm>
-            <a:off x="571765" y="2700767"/>
-            <a:ext cx="2799761" cy="584775"/>
-          </a:xfrm>
-          <a:prstGeom prst="rect">
-            <a:avLst/>
-          </a:prstGeom>
-          <a:noFill/>
-        </p:spPr>
-        <p:txBody>
-          <a:bodyPr wrap="square" rtlCol="0">
-            <a:spAutoFit/>
-          </a:bodyPr>
-          <a:lstStyle/>
-          <a:p>
-            <a:r>
-              <a:rPr kumimoji="1" lang="ja-JP" altLang="en-US" sz="3200" dirty="0"/>
-              <a:t>例）円</a:t>
-            </a:r>
-          </a:p>
-        </p:txBody>
-      </p:sp>
-      <p:sp>
-        <p:nvSpPr>
-          <p:cNvPr id="7" name="楕円 6">
-            <a:extLst>
-              <a:ext uri="{FF2B5EF4-FFF2-40B4-BE49-F238E27FC236}">
-                <a16:creationId xmlns:a16="http://schemas.microsoft.com/office/drawing/2014/main" id="{DB72A65A-D816-418B-96DB-DDE86D25BA55}"/>
+          <p:cNvPr id="18" name="四角形: 角を丸くする 17">
+            <a:extLst>
+              <a:ext uri="{FF2B5EF4-FFF2-40B4-BE49-F238E27FC236}">
+                <a16:creationId xmlns:a16="http://schemas.microsoft.com/office/drawing/2014/main" id="{4CF46A20-4554-4C8A-B6F3-FE6459E71570}"/>
               </a:ext>
             </a:extLst>
           </p:cNvPr>
@@ -8617,10 +8771,10 @@
         </p:nvSpPr>
         <p:spPr>
           <a:xfrm>
-            <a:off x="1168729" y="3732966"/>
-            <a:ext cx="1728375" cy="1636065"/>
-          </a:xfrm>
-          <a:prstGeom prst="ellipse">
+            <a:off x="2508684" y="5626882"/>
+            <a:ext cx="6947555" cy="866681"/>
+          </a:xfrm>
+          <a:prstGeom prst="roundRect">
             <a:avLst/>
           </a:prstGeom>
         </p:spPr>
@@ -8645,87 +8799,258 @@
           <a:lstStyle/>
           <a:p>
             <a:pPr algn="ctr"/>
+            <a:endParaRPr kumimoji="1" lang="ja-JP" altLang="en-US"/>
+          </a:p>
+        </p:txBody>
+      </p:sp>
+      <p:sp>
+        <p:nvSpPr>
+          <p:cNvPr id="2" name="タイトル 1">
+            <a:extLst>
+              <a:ext uri="{FF2B5EF4-FFF2-40B4-BE49-F238E27FC236}">
+                <a16:creationId xmlns:a16="http://schemas.microsoft.com/office/drawing/2014/main" id="{2D880BFE-3285-46B4-B583-BE5F786477D2}"/>
+              </a:ext>
+            </a:extLst>
+          </p:cNvPr>
+          <p:cNvSpPr>
+            <a:spLocks noGrp="1"/>
+          </p:cNvSpPr>
+          <p:nvPr>
+            <p:ph type="title"/>
+          </p:nvPr>
+        </p:nvSpPr>
+        <p:spPr/>
+        <p:txBody>
+          <a:bodyPr/>
+          <a:lstStyle/>
+          <a:p>
+            <a:r>
+              <a:rPr lang="ja-JP" altLang="en-US" dirty="0"/>
+              <a:t>オブジェクト指向をする理由③</a:t>
+            </a:r>
             <a:endParaRPr kumimoji="1" lang="ja-JP" altLang="en-US" dirty="0"/>
           </a:p>
         </p:txBody>
       </p:sp>
       <p:sp>
         <p:nvSpPr>
-          <p:cNvPr id="8" name="テキスト ボックス 7">
-            <a:extLst>
-              <a:ext uri="{FF2B5EF4-FFF2-40B4-BE49-F238E27FC236}">
-                <a16:creationId xmlns:a16="http://schemas.microsoft.com/office/drawing/2014/main" id="{E2C95EE2-2FCD-48A4-A609-62CB1236195F}"/>
-              </a:ext>
-            </a:extLst>
-          </p:cNvPr>
-          <p:cNvSpPr txBox="1"/>
+          <p:cNvPr id="3" name="コンテンツ プレースホルダー 2">
+            <a:extLst>
+              <a:ext uri="{FF2B5EF4-FFF2-40B4-BE49-F238E27FC236}">
+                <a16:creationId xmlns:a16="http://schemas.microsoft.com/office/drawing/2014/main" id="{1C9BA683-BADE-49D1-8E96-487B57A6354A}"/>
+              </a:ext>
+            </a:extLst>
+          </p:cNvPr>
+          <p:cNvSpPr>
+            <a:spLocks noGrp="1"/>
+          </p:cNvSpPr>
+          <p:nvPr>
+            <p:ph idx="1"/>
+          </p:nvPr>
+        </p:nvSpPr>
+        <p:spPr>
+          <a:xfrm>
+            <a:off x="414036" y="1240431"/>
+            <a:ext cx="11029615" cy="835156"/>
+          </a:xfrm>
+        </p:spPr>
+        <p:txBody>
+          <a:bodyPr>
+            <a:normAutofit/>
+          </a:bodyPr>
+          <a:lstStyle/>
+          <a:p>
+            <a:r>
+              <a:rPr lang="ja-JP" altLang="en-US" b="1" dirty="0"/>
+              <a:t>同じようなモノを作りやすい</a:t>
+            </a:r>
+            <a:r>
+              <a:rPr lang="ja-JP" altLang="en-US" dirty="0"/>
+              <a:t>（車を例に説明）</a:t>
+            </a:r>
+            <a:endParaRPr lang="en-US" altLang="ja-JP" dirty="0"/>
+          </a:p>
+        </p:txBody>
+      </p:sp>
+      <p:sp>
+        <p:nvSpPr>
+          <p:cNvPr id="4" name="スライド番号プレースホルダー 3">
+            <a:extLst>
+              <a:ext uri="{FF2B5EF4-FFF2-40B4-BE49-F238E27FC236}">
+                <a16:creationId xmlns:a16="http://schemas.microsoft.com/office/drawing/2014/main" id="{AB6C9256-1725-4D61-8FA5-32260ECC9D57}"/>
+              </a:ext>
+            </a:extLst>
+          </p:cNvPr>
+          <p:cNvSpPr>
+            <a:spLocks noGrp="1"/>
+          </p:cNvSpPr>
+          <p:nvPr>
+            <p:ph type="sldNum" sz="quarter" idx="12"/>
+          </p:nvPr>
+        </p:nvSpPr>
+        <p:spPr/>
+        <p:txBody>
+          <a:bodyPr/>
+          <a:lstStyle/>
+          <a:p>
+            <a:fld id="{57021661-B2A8-457F-930E-F617AD024F3F}" type="slidenum">
+              <a:rPr lang="ja-JP" altLang="en-US" smtClean="0"/>
+              <a:pPr/>
+              <a:t>16</a:t>
+            </a:fld>
+            <a:endParaRPr lang="ja-JP" altLang="en-US" dirty="0"/>
+          </a:p>
+        </p:txBody>
+      </p:sp>
+      <p:sp>
+        <p:nvSpPr>
+          <p:cNvPr id="5" name="コンテンツ プレースホルダー 4">
+            <a:extLst>
+              <a:ext uri="{FF2B5EF4-FFF2-40B4-BE49-F238E27FC236}">
+                <a16:creationId xmlns:a16="http://schemas.microsoft.com/office/drawing/2014/main" id="{82BF6D1D-6D99-4E40-B0D8-866E99ADE8CA}"/>
+              </a:ext>
+            </a:extLst>
+          </p:cNvPr>
+          <p:cNvSpPr>
+            <a:spLocks noGrp="1"/>
+          </p:cNvSpPr>
+          <p:nvPr>
+            <p:ph sz="quarter" idx="13"/>
+          </p:nvPr>
+        </p:nvSpPr>
+        <p:spPr>
+          <a:xfrm>
+            <a:off x="8493551" y="6494710"/>
+            <a:ext cx="3694362" cy="365125"/>
+          </a:xfrm>
+        </p:spPr>
+        <p:txBody>
+          <a:bodyPr>
+            <a:normAutofit fontScale="92500"/>
+          </a:bodyPr>
+          <a:lstStyle/>
+          <a:p>
+            <a:r>
+              <a:rPr lang="en-US" altLang="ja-JP" dirty="0">
+                <a:hlinkClick r:id="rId2"/>
+              </a:rPr>
+              <a:t>https://eng-entrance.com/what-oop</a:t>
+            </a:r>
+            <a:endParaRPr kumimoji="1" lang="ja-JP" altLang="en-US" dirty="0"/>
+          </a:p>
+        </p:txBody>
+      </p:sp>
+      <p:pic>
+        <p:nvPicPr>
+          <p:cNvPr id="9" name="図 8">
+            <a:extLst>
+              <a:ext uri="{FF2B5EF4-FFF2-40B4-BE49-F238E27FC236}">
+                <a16:creationId xmlns:a16="http://schemas.microsoft.com/office/drawing/2014/main" id="{F1A154F3-8598-4BC0-A581-96E8C9A05D21}"/>
+              </a:ext>
+            </a:extLst>
+          </p:cNvPr>
+          <p:cNvPicPr>
+            <a:picLocks noChangeAspect="1"/>
+          </p:cNvPicPr>
           <p:nvPr/>
-        </p:nvSpPr>
-        <p:spPr>
-          <a:xfrm>
-            <a:off x="3836705" y="3794944"/>
-            <a:ext cx="8210751" cy="1938992"/>
+        </p:nvPicPr>
+        <p:blipFill rotWithShape="1">
+          <a:blip r:embed="rId3">
+            <a:extLst>
+              <a:ext uri="{28A0092B-C50C-407E-A947-70E740481C1C}">
+                <a14:useLocalDpi xmlns:a14="http://schemas.microsoft.com/office/drawing/2010/main" val="0"/>
+              </a:ext>
+            </a:extLst>
+          </a:blip>
+          <a:srcRect t="16878" b="14680"/>
+          <a:stretch/>
+        </p:blipFill>
+        <p:spPr>
+          <a:xfrm>
+            <a:off x="1819181" y="2551407"/>
+            <a:ext cx="2907744" cy="1990123"/>
           </a:xfrm>
           <a:prstGeom prst="rect">
             <a:avLst/>
           </a:prstGeom>
-          <a:noFill/>
-        </p:spPr>
-        <p:txBody>
-          <a:bodyPr wrap="square" rtlCol="0">
-            <a:spAutoFit/>
-          </a:bodyPr>
-          <a:lstStyle/>
-          <a:p>
-            <a:r>
-              <a:rPr kumimoji="1" lang="ja-JP" altLang="en-US" sz="2400" dirty="0"/>
-              <a:t>・クラス変数（</a:t>
-            </a:r>
-            <a:r>
-              <a:rPr lang="ja-JP" altLang="en-US" sz="2400" dirty="0"/>
-              <a:t>全ての円が共通した値をもつ変数）</a:t>
-            </a:r>
-            <a:r>
-              <a:rPr kumimoji="1" lang="ja-JP" altLang="en-US" sz="2400" dirty="0"/>
-              <a:t>：</a:t>
-            </a:r>
-            <a:endParaRPr kumimoji="1" lang="en-US" altLang="ja-JP" sz="2400" dirty="0"/>
-          </a:p>
-          <a:p>
-            <a:r>
-              <a:rPr lang="ja-JP" altLang="en-US" sz="2400" dirty="0"/>
-              <a:t>　円周率（</a:t>
-            </a:r>
-            <a:r>
-              <a:rPr lang="en-US" altLang="ja-JP" sz="2400" dirty="0"/>
-              <a:t>=3.141592653589793)</a:t>
-            </a:r>
-          </a:p>
-          <a:p>
-            <a:endParaRPr lang="en-US" altLang="ja-JP" sz="2400" dirty="0"/>
-          </a:p>
-          <a:p>
-            <a:r>
-              <a:rPr kumimoji="1" lang="ja-JP" altLang="en-US" sz="2400" dirty="0"/>
-              <a:t>・インスタンス変数（円によって異なる値を持つ変数）：</a:t>
-            </a:r>
-            <a:endParaRPr kumimoji="1" lang="en-US" altLang="ja-JP" sz="2400" dirty="0"/>
-          </a:p>
-          <a:p>
-            <a:r>
-              <a:rPr lang="ja-JP" altLang="en-US" sz="2400" dirty="0"/>
-              <a:t>　半径</a:t>
-            </a:r>
-            <a:endParaRPr kumimoji="1" lang="en-US" altLang="ja-JP" sz="2400" dirty="0"/>
-          </a:p>
-        </p:txBody>
-      </p:sp>
-      <p:sp>
-        <p:nvSpPr>
-          <p:cNvPr id="11" name="フレーム 10">
-            <a:extLst>
-              <a:ext uri="{FF2B5EF4-FFF2-40B4-BE49-F238E27FC236}">
-                <a16:creationId xmlns:a16="http://schemas.microsoft.com/office/drawing/2014/main" id="{ED9B8C57-63B2-4264-A032-98320B74CF6C}"/>
+        </p:spPr>
+      </p:pic>
+      <p:pic>
+        <p:nvPicPr>
+          <p:cNvPr id="11" name="図 10">
+            <a:extLst>
+              <a:ext uri="{FF2B5EF4-FFF2-40B4-BE49-F238E27FC236}">
+                <a16:creationId xmlns:a16="http://schemas.microsoft.com/office/drawing/2014/main" id="{87F89A6C-0A9A-46C6-B675-86202840BA5E}"/>
+              </a:ext>
+            </a:extLst>
+          </p:cNvPr>
+          <p:cNvPicPr>
+            <a:picLocks noChangeAspect="1"/>
+          </p:cNvPicPr>
+          <p:nvPr/>
+        </p:nvPicPr>
+        <p:blipFill rotWithShape="1">
+          <a:blip r:embed="rId4">
+            <a:extLst>
+              <a:ext uri="{28A0092B-C50C-407E-A947-70E740481C1C}">
+                <a14:useLocalDpi xmlns:a14="http://schemas.microsoft.com/office/drawing/2010/main" val="0"/>
+              </a:ext>
+            </a:extLst>
+          </a:blip>
+          <a:srcRect t="12635" b="11583"/>
+          <a:stretch/>
+        </p:blipFill>
+        <p:spPr>
+          <a:xfrm>
+            <a:off x="6325095" y="2129569"/>
+            <a:ext cx="2573216" cy="1189045"/>
+          </a:xfrm>
+          <a:prstGeom prst="rect">
+            <a:avLst/>
+          </a:prstGeom>
+        </p:spPr>
+      </p:pic>
+      <p:pic>
+        <p:nvPicPr>
+          <p:cNvPr id="13" name="図 12">
+            <a:extLst>
+              <a:ext uri="{FF2B5EF4-FFF2-40B4-BE49-F238E27FC236}">
+                <a16:creationId xmlns:a16="http://schemas.microsoft.com/office/drawing/2014/main" id="{7C0E77D0-967E-4767-8835-E1C557E0B67E}"/>
+              </a:ext>
+            </a:extLst>
+          </p:cNvPr>
+          <p:cNvPicPr>
+            <a:picLocks noChangeAspect="1"/>
+          </p:cNvPicPr>
+          <p:nvPr/>
+        </p:nvPicPr>
+        <p:blipFill rotWithShape="1">
+          <a:blip r:embed="rId5">
+            <a:extLst>
+              <a:ext uri="{28A0092B-C50C-407E-A947-70E740481C1C}">
+                <a14:useLocalDpi xmlns:a14="http://schemas.microsoft.com/office/drawing/2010/main" val="0"/>
+              </a:ext>
+            </a:extLst>
+          </a:blip>
+          <a:srcRect t="39536" b="22938"/>
+          <a:stretch/>
+        </p:blipFill>
+        <p:spPr>
+          <a:xfrm>
+            <a:off x="6204785" y="3417809"/>
+            <a:ext cx="2614997" cy="981297"/>
+          </a:xfrm>
+          <a:prstGeom prst="rect">
+            <a:avLst/>
+          </a:prstGeom>
+        </p:spPr>
+      </p:pic>
+      <p:sp>
+        <p:nvSpPr>
+          <p:cNvPr id="14" name="矢印: 右 13">
+            <a:extLst>
+              <a:ext uri="{FF2B5EF4-FFF2-40B4-BE49-F238E27FC236}">
+                <a16:creationId xmlns:a16="http://schemas.microsoft.com/office/drawing/2014/main" id="{519027F8-8993-4F88-9365-6395D6956ABA}"/>
               </a:ext>
             </a:extLst>
           </p:cNvPr>
@@ -8733,14 +9058,12 @@
           <p:nvPr/>
         </p:nvSpPr>
         <p:spPr>
-          <a:xfrm>
-            <a:off x="3836704" y="3311433"/>
-            <a:ext cx="8210751" cy="2702338"/>
-          </a:xfrm>
-          <a:prstGeom prst="frame">
-            <a:avLst>
-              <a:gd name="adj1" fmla="val 2929"/>
-            </a:avLst>
+          <a:xfrm rot="20691956">
+            <a:off x="4742632" y="2960103"/>
+            <a:ext cx="1150070" cy="429644"/>
+          </a:xfrm>
+          <a:prstGeom prst="rightArrow">
+            <a:avLst/>
           </a:prstGeom>
         </p:spPr>
         <p:style>
@@ -8764,66 +9087,62 @@
           <a:lstStyle/>
           <a:p>
             <a:pPr algn="ctr"/>
-            <a:endParaRPr kumimoji="1" lang="ja-JP" altLang="en-US">
-              <a:solidFill>
-                <a:schemeClr val="tx1"/>
-              </a:solidFill>
-            </a:endParaRPr>
-          </a:p>
-        </p:txBody>
-      </p:sp>
-      <p:cxnSp>
-        <p:nvCxnSpPr>
-          <p:cNvPr id="17" name="直線矢印コネクタ 16">
-            <a:extLst>
-              <a:ext uri="{FF2B5EF4-FFF2-40B4-BE49-F238E27FC236}">
-                <a16:creationId xmlns:a16="http://schemas.microsoft.com/office/drawing/2014/main" id="{E25086CF-365F-4F74-83A0-BA5FFE631B5D}"/>
-              </a:ext>
-            </a:extLst>
-          </p:cNvPr>
-          <p:cNvCxnSpPr>
-            <a:stCxn id="7" idx="3"/>
-            <a:endCxn id="7" idx="7"/>
-          </p:cNvCxnSpPr>
+            <a:endParaRPr kumimoji="1" lang="ja-JP" altLang="en-US"/>
+          </a:p>
+        </p:txBody>
+      </p:sp>
+      <p:sp>
+        <p:nvSpPr>
+          <p:cNvPr id="15" name="矢印: 右 14">
+            <a:extLst>
+              <a:ext uri="{FF2B5EF4-FFF2-40B4-BE49-F238E27FC236}">
+                <a16:creationId xmlns:a16="http://schemas.microsoft.com/office/drawing/2014/main" id="{F3C4D60C-F363-4CEF-839D-18F933BF7E44}"/>
+              </a:ext>
+            </a:extLst>
+          </p:cNvPr>
+          <p:cNvSpPr/>
           <p:nvPr/>
-        </p:nvCxnSpPr>
-        <p:spPr>
-          <a:xfrm flipV="1">
-            <a:off x="1421844" y="3972562"/>
-            <a:ext cx="1222145" cy="1156873"/>
-          </a:xfrm>
-          <a:prstGeom prst="straightConnector1">
+        </p:nvSpPr>
+        <p:spPr>
+          <a:xfrm>
+            <a:off x="4796250" y="3738348"/>
+            <a:ext cx="1150070" cy="417117"/>
+          </a:xfrm>
+          <a:prstGeom prst="rightArrow">
             <a:avLst/>
           </a:prstGeom>
-          <a:ln w="57150">
-            <a:solidFill>
-              <a:schemeClr val="tx1"/>
-            </a:solidFill>
-            <a:headEnd type="triangle"/>
-            <a:tailEnd type="triangle"/>
-          </a:ln>
         </p:spPr>
         <p:style>
-          <a:lnRef idx="1">
-            <a:schemeClr val="accent1"/>
+          <a:lnRef idx="2">
+            <a:schemeClr val="accent1">
+              <a:shade val="50000"/>
+            </a:schemeClr>
           </a:lnRef>
-          <a:fillRef idx="0">
+          <a:fillRef idx="1">
             <a:schemeClr val="accent1"/>
           </a:fillRef>
           <a:effectRef idx="0">
             <a:schemeClr val="accent1"/>
           </a:effectRef>
           <a:fontRef idx="minor">
-            <a:schemeClr val="tx1"/>
+            <a:schemeClr val="lt1"/>
           </a:fontRef>
         </p:style>
-      </p:cxnSp>
-      <p:sp>
-        <p:nvSpPr>
-          <p:cNvPr id="18" name="テキスト ボックス 17">
-            <a:extLst>
-              <a:ext uri="{FF2B5EF4-FFF2-40B4-BE49-F238E27FC236}">
-                <a16:creationId xmlns:a16="http://schemas.microsoft.com/office/drawing/2014/main" id="{22BBF291-E7B4-4B8E-95CF-F28141A9494F}"/>
+        <p:txBody>
+          <a:bodyPr rtlCol="0" anchor="ctr"/>
+          <a:lstStyle/>
+          <a:p>
+            <a:pPr algn="ctr"/>
+            <a:endParaRPr kumimoji="1" lang="ja-JP" altLang="en-US"/>
+          </a:p>
+        </p:txBody>
+      </p:sp>
+      <p:sp>
+        <p:nvSpPr>
+          <p:cNvPr id="16" name="テキスト ボックス 15">
+            <a:extLst>
+              <a:ext uri="{FF2B5EF4-FFF2-40B4-BE49-F238E27FC236}">
+                <a16:creationId xmlns:a16="http://schemas.microsoft.com/office/drawing/2014/main" id="{EEC59247-8891-4078-BF03-FC3F2493707D}"/>
               </a:ext>
             </a:extLst>
           </p:cNvPr>
@@ -8831,9 +9150,9 @@
           <p:nvPr/>
         </p:nvSpPr>
         <p:spPr>
-          <a:xfrm rot="18920528">
-            <a:off x="1467213" y="4109492"/>
-            <a:ext cx="1008863" cy="400110"/>
+          <a:xfrm>
+            <a:off x="1459567" y="4597496"/>
+            <a:ext cx="9536811" cy="830997"/>
           </a:xfrm>
           <a:prstGeom prst="rect">
             <a:avLst/>
@@ -8847,21 +9166,62 @@
           <a:lstStyle/>
           <a:p>
             <a:r>
-              <a:rPr kumimoji="1" lang="ja-JP" altLang="en-US" sz="2000" b="1" dirty="0"/>
-              <a:t>半径</a:t>
-            </a:r>
-            <a:r>
-              <a:rPr kumimoji="1" lang="en-US" altLang="ja-JP" sz="2000" b="1" dirty="0"/>
-              <a:t>r</a:t>
-            </a:r>
-            <a:endParaRPr kumimoji="1" lang="ja-JP" altLang="en-US" sz="2000" b="1" dirty="0"/>
+              <a:rPr kumimoji="1" lang="ja-JP" altLang="en-US" sz="2400" dirty="0"/>
+              <a:t>レージングカー、トラックのどちらも「走る」「止まる」は共通</a:t>
+            </a:r>
+            <a:endParaRPr lang="en-US" altLang="ja-JP" sz="2400" dirty="0"/>
+          </a:p>
+          <a:p>
+            <a:r>
+              <a:rPr lang="ja-JP" altLang="en-US" sz="2400" dirty="0"/>
+              <a:t>➡ 使用できる機能は再利用</a:t>
+            </a:r>
+            <a:endParaRPr lang="en-US" altLang="ja-JP" sz="2400" dirty="0"/>
+          </a:p>
+        </p:txBody>
+      </p:sp>
+      <p:sp>
+        <p:nvSpPr>
+          <p:cNvPr id="17" name="正方形/長方形 16">
+            <a:extLst>
+              <a:ext uri="{FF2B5EF4-FFF2-40B4-BE49-F238E27FC236}">
+                <a16:creationId xmlns:a16="http://schemas.microsoft.com/office/drawing/2014/main" id="{860FC652-B13D-4039-862F-9E24AD095D3E}"/>
+              </a:ext>
+            </a:extLst>
+          </p:cNvPr>
+          <p:cNvSpPr/>
+          <p:nvPr/>
+        </p:nvSpPr>
+        <p:spPr>
+          <a:xfrm>
+            <a:off x="2607178" y="5807464"/>
+            <a:ext cx="6750566" cy="584775"/>
+          </a:xfrm>
+          <a:prstGeom prst="rect">
+            <a:avLst/>
+          </a:prstGeom>
+        </p:spPr>
+        <p:txBody>
+          <a:bodyPr wrap="none">
+            <a:spAutoFit/>
+          </a:bodyPr>
+          <a:lstStyle/>
+          <a:p>
+            <a:r>
+              <a:rPr lang="ja-JP" altLang="en-US" sz="3200" b="1" dirty="0">
+                <a:solidFill>
+                  <a:schemeClr val="bg1"/>
+                </a:solidFill>
+              </a:rPr>
+              <a:t>上手く再利用すれば作業効率が向上</a:t>
+            </a:r>
           </a:p>
         </p:txBody>
       </p:sp>
     </p:spTree>
     <p:extLst>
       <p:ext uri="{BB962C8B-B14F-4D97-AF65-F5344CB8AC3E}">
-        <p14:creationId xmlns:p14="http://schemas.microsoft.com/office/powerpoint/2010/main" val="1530287610"/>
+        <p14:creationId xmlns:p14="http://schemas.microsoft.com/office/powerpoint/2010/main" val="4142132538"/>
       </p:ext>
     </p:extLst>
   </p:cSld>
@@ -8934,19 +9294,26 @@
         </p:nvSpPr>
         <p:spPr>
           <a:xfrm>
-            <a:off x="449215" y="1314161"/>
-            <a:ext cx="11598241" cy="726691"/>
+            <a:off x="449214" y="1299880"/>
+            <a:ext cx="11598241" cy="1476327"/>
           </a:xfrm>
         </p:spPr>
         <p:txBody>
           <a:bodyPr>
-            <a:normAutofit/>
+            <a:normAutofit fontScale="85000" lnSpcReduction="10000"/>
           </a:bodyPr>
           <a:lstStyle/>
           <a:p>
             <a:r>
+              <a:rPr kumimoji="1" lang="ja-JP" altLang="en-US" dirty="0"/>
+              <a:t>クラス変数：クラス内にある変数（すべてのインスタンスに共通する変数）</a:t>
+            </a:r>
+            <a:endParaRPr kumimoji="1" lang="en-US" altLang="ja-JP" dirty="0"/>
+          </a:p>
+          <a:p>
+            <a:r>
               <a:rPr lang="ja-JP" altLang="en-US" dirty="0"/>
-              <a:t>前ページをコードで記述</a:t>
+              <a:t>インスタンス変数：メソッド内にある変数（個々のインスタンスで異なる変数）</a:t>
             </a:r>
             <a:endParaRPr kumimoji="1" lang="ja-JP" altLang="en-US" dirty="0"/>
           </a:p>
@@ -8984,168 +9351,10 @@
       </p:sp>
       <p:sp>
         <p:nvSpPr>
-          <p:cNvPr id="15" name="正方形/長方形 14">
-            <a:extLst>
-              <a:ext uri="{FF2B5EF4-FFF2-40B4-BE49-F238E27FC236}">
-                <a16:creationId xmlns:a16="http://schemas.microsoft.com/office/drawing/2014/main" id="{22C63586-E6B3-4280-BAD6-0A4A61CE052A}"/>
-              </a:ext>
-            </a:extLst>
-          </p:cNvPr>
-          <p:cNvSpPr/>
-          <p:nvPr/>
-        </p:nvSpPr>
-        <p:spPr>
-          <a:xfrm>
-            <a:off x="593762" y="2404077"/>
-            <a:ext cx="5103173" cy="1938992"/>
-          </a:xfrm>
-          <a:prstGeom prst="rect">
-            <a:avLst/>
-          </a:prstGeom>
-          <a:solidFill>
-            <a:schemeClr val="accent1">
-              <a:lumMod val="20000"/>
-              <a:lumOff val="80000"/>
-            </a:schemeClr>
-          </a:solidFill>
-        </p:spPr>
-        <p:txBody>
-          <a:bodyPr wrap="square">
-            <a:spAutoFit/>
-          </a:bodyPr>
-          <a:lstStyle/>
-          <a:p>
-            <a:r>
-              <a:rPr lang="en-US" altLang="ja-JP" sz="2400" dirty="0"/>
-              <a:t>class Circles:</a:t>
-            </a:r>
-          </a:p>
-          <a:p>
-            <a:r>
-              <a:rPr lang="en-US" altLang="ja-JP" sz="2400" dirty="0"/>
-              <a:t>pi = 3.141592653589793</a:t>
-            </a:r>
-          </a:p>
-          <a:p>
-            <a:r>
-              <a:rPr lang="en-US" altLang="ja-JP" sz="2400" dirty="0"/>
-              <a:t>    </a:t>
-            </a:r>
-          </a:p>
-          <a:p>
-            <a:r>
-              <a:rPr lang="en-US" altLang="ja-JP" sz="2400" dirty="0"/>
-              <a:t>def __</a:t>
-            </a:r>
-            <a:r>
-              <a:rPr lang="en-US" altLang="ja-JP" sz="2400" dirty="0" err="1"/>
-              <a:t>init</a:t>
-            </a:r>
-            <a:r>
-              <a:rPr lang="en-US" altLang="ja-JP" sz="2400" dirty="0"/>
-              <a:t>__(self, r):</a:t>
-            </a:r>
-          </a:p>
-          <a:p>
-            <a:r>
-              <a:rPr lang="en-US" altLang="ja-JP" sz="2400" dirty="0"/>
-              <a:t>        </a:t>
-            </a:r>
-            <a:r>
-              <a:rPr lang="en-US" altLang="ja-JP" sz="2400" dirty="0" err="1"/>
-              <a:t>self.radius</a:t>
-            </a:r>
-            <a:r>
-              <a:rPr lang="en-US" altLang="ja-JP" sz="2400" dirty="0"/>
-              <a:t> = r</a:t>
-            </a:r>
-          </a:p>
-        </p:txBody>
-      </p:sp>
-      <p:sp>
-        <p:nvSpPr>
-          <p:cNvPr id="16" name="テキスト ボックス 15">
-            <a:extLst>
-              <a:ext uri="{FF2B5EF4-FFF2-40B4-BE49-F238E27FC236}">
-                <a16:creationId xmlns:a16="http://schemas.microsoft.com/office/drawing/2014/main" id="{1E5F9217-7C68-4655-B7B9-B87605AD3C79}"/>
-              </a:ext>
-            </a:extLst>
-          </p:cNvPr>
-          <p:cNvSpPr txBox="1"/>
-          <p:nvPr/>
-        </p:nvSpPr>
-        <p:spPr>
-          <a:xfrm>
-            <a:off x="6248335" y="2946433"/>
-            <a:ext cx="5329287" cy="2246769"/>
-          </a:xfrm>
-          <a:prstGeom prst="rect">
-            <a:avLst/>
-          </a:prstGeom>
-          <a:noFill/>
-        </p:spPr>
-        <p:txBody>
-          <a:bodyPr wrap="square" rtlCol="0">
-            <a:spAutoFit/>
-          </a:bodyPr>
-          <a:lstStyle/>
-          <a:p>
-            <a:r>
-              <a:rPr lang="en-US" altLang="ja-JP" sz="2800" dirty="0"/>
-              <a:t>pi = 3.141592653589793</a:t>
-            </a:r>
-          </a:p>
-          <a:p>
-            <a:r>
-              <a:rPr lang="ja-JP" altLang="en-US" sz="2800" dirty="0"/>
-              <a:t>をクラス変数として宣言</a:t>
-            </a:r>
-            <a:endParaRPr lang="en-US" altLang="ja-JP" sz="2800" dirty="0"/>
-          </a:p>
-          <a:p>
-            <a:endParaRPr lang="en-US" altLang="ja-JP" sz="2800" dirty="0"/>
-          </a:p>
-          <a:p>
-            <a:r>
-              <a:rPr kumimoji="1" lang="en-US" altLang="ja-JP" sz="2800" dirty="0" err="1"/>
-              <a:t>self.radius</a:t>
-            </a:r>
-            <a:r>
-              <a:rPr kumimoji="1" lang="ja-JP" altLang="en-US" sz="2800" dirty="0"/>
-              <a:t> </a:t>
-            </a:r>
-            <a:r>
-              <a:rPr kumimoji="1" lang="en-US" altLang="ja-JP" sz="2800" dirty="0"/>
-              <a:t>=</a:t>
-            </a:r>
-            <a:r>
-              <a:rPr kumimoji="1" lang="ja-JP" altLang="en-US" sz="2800" dirty="0"/>
-              <a:t> </a:t>
-            </a:r>
-            <a:r>
-              <a:rPr kumimoji="1" lang="en-US" altLang="ja-JP" sz="2800" dirty="0"/>
-              <a:t>r</a:t>
-            </a:r>
-            <a:r>
-              <a:rPr kumimoji="1" lang="ja-JP" altLang="en-US" sz="2800" dirty="0"/>
-              <a:t> </a:t>
-            </a:r>
-            <a:endParaRPr kumimoji="1" lang="en-US" altLang="ja-JP" sz="2800" dirty="0"/>
-          </a:p>
-          <a:p>
-            <a:r>
-              <a:rPr kumimoji="1" lang="ja-JP" altLang="en-US" sz="2800" dirty="0"/>
-              <a:t>をインスタンス変数として宣言</a:t>
-            </a:r>
-          </a:p>
-        </p:txBody>
-      </p:sp>
-      <p:sp>
-        <p:nvSpPr>
-          <p:cNvPr id="19" name="コンテンツ プレースホルダー 4">
-            <a:extLst>
-              <a:ext uri="{FF2B5EF4-FFF2-40B4-BE49-F238E27FC236}">
-                <a16:creationId xmlns:a16="http://schemas.microsoft.com/office/drawing/2014/main" id="{EC1C7159-51FD-42B2-81DB-8309826908D4}"/>
+          <p:cNvPr id="5" name="コンテンツ プレースホルダー 4">
+            <a:extLst>
+              <a:ext uri="{FF2B5EF4-FFF2-40B4-BE49-F238E27FC236}">
+                <a16:creationId xmlns:a16="http://schemas.microsoft.com/office/drawing/2014/main" id="{F2A8B657-46AE-45F1-AD4D-7A96B07B1176}"/>
               </a:ext>
             </a:extLst>
           </p:cNvPr>
@@ -9180,10 +9389,45 @@
       </p:sp>
       <p:sp>
         <p:nvSpPr>
-          <p:cNvPr id="20" name="楕円 19">
-            <a:extLst>
-              <a:ext uri="{FF2B5EF4-FFF2-40B4-BE49-F238E27FC236}">
-                <a16:creationId xmlns:a16="http://schemas.microsoft.com/office/drawing/2014/main" id="{6516AFE0-8C6E-4BD8-B102-E62B1EA51035}"/>
+          <p:cNvPr id="6" name="テキスト ボックス 5">
+            <a:extLst>
+              <a:ext uri="{FF2B5EF4-FFF2-40B4-BE49-F238E27FC236}">
+                <a16:creationId xmlns:a16="http://schemas.microsoft.com/office/drawing/2014/main" id="{C1E420A6-40BC-4F06-B98A-81211FE770B4}"/>
+              </a:ext>
+            </a:extLst>
+          </p:cNvPr>
+          <p:cNvSpPr txBox="1"/>
+          <p:nvPr/>
+        </p:nvSpPr>
+        <p:spPr>
+          <a:xfrm>
+            <a:off x="571765" y="2700767"/>
+            <a:ext cx="2799761" cy="584775"/>
+          </a:xfrm>
+          <a:prstGeom prst="rect">
+            <a:avLst/>
+          </a:prstGeom>
+          <a:noFill/>
+        </p:spPr>
+        <p:txBody>
+          <a:bodyPr wrap="square" rtlCol="0">
+            <a:spAutoFit/>
+          </a:bodyPr>
+          <a:lstStyle/>
+          <a:p>
+            <a:r>
+              <a:rPr kumimoji="1" lang="ja-JP" altLang="en-US" sz="3200" dirty="0"/>
+              <a:t>例）円</a:t>
+            </a:r>
+          </a:p>
+        </p:txBody>
+      </p:sp>
+      <p:sp>
+        <p:nvSpPr>
+          <p:cNvPr id="7" name="楕円 6">
+            <a:extLst>
+              <a:ext uri="{FF2B5EF4-FFF2-40B4-BE49-F238E27FC236}">
+                <a16:creationId xmlns:a16="http://schemas.microsoft.com/office/drawing/2014/main" id="{DB72A65A-D816-418B-96DB-DDE86D25BA55}"/>
               </a:ext>
             </a:extLst>
           </p:cNvPr>
@@ -9192,7 +9436,7 @@
         </p:nvSpPr>
         <p:spPr>
           <a:xfrm>
-            <a:off x="2271666" y="4625294"/>
+            <a:off x="1168729" y="3732966"/>
             <a:ext cx="1728375" cy="1636065"/>
           </a:xfrm>
           <a:prstGeom prst="ellipse">
@@ -9224,58 +9468,12 @@
           </a:p>
         </p:txBody>
       </p:sp>
-      <p:cxnSp>
-        <p:nvCxnSpPr>
-          <p:cNvPr id="21" name="直線矢印コネクタ 20">
-            <a:extLst>
-              <a:ext uri="{FF2B5EF4-FFF2-40B4-BE49-F238E27FC236}">
-                <a16:creationId xmlns:a16="http://schemas.microsoft.com/office/drawing/2014/main" id="{9F3B39AE-A75E-428F-87DB-69B3B450B091}"/>
-              </a:ext>
-            </a:extLst>
-          </p:cNvPr>
-          <p:cNvCxnSpPr>
-            <a:stCxn id="20" idx="3"/>
-            <a:endCxn id="20" idx="7"/>
-          </p:cNvCxnSpPr>
-          <p:nvPr/>
-        </p:nvCxnSpPr>
-        <p:spPr>
-          <a:xfrm flipV="1">
-            <a:off x="2524781" y="4864890"/>
-            <a:ext cx="1222145" cy="1156873"/>
-          </a:xfrm>
-          <a:prstGeom prst="straightConnector1">
-            <a:avLst/>
-          </a:prstGeom>
-          <a:ln w="57150">
-            <a:solidFill>
-              <a:schemeClr val="tx1"/>
-            </a:solidFill>
-            <a:headEnd type="triangle"/>
-            <a:tailEnd type="triangle"/>
-          </a:ln>
-        </p:spPr>
-        <p:style>
-          <a:lnRef idx="1">
-            <a:schemeClr val="accent1"/>
-          </a:lnRef>
-          <a:fillRef idx="0">
-            <a:schemeClr val="accent1"/>
-          </a:fillRef>
-          <a:effectRef idx="0">
-            <a:schemeClr val="accent1"/>
-          </a:effectRef>
-          <a:fontRef idx="minor">
-            <a:schemeClr val="tx1"/>
-          </a:fontRef>
-        </p:style>
-      </p:cxnSp>
-      <p:sp>
-        <p:nvSpPr>
-          <p:cNvPr id="22" name="テキスト ボックス 21">
-            <a:extLst>
-              <a:ext uri="{FF2B5EF4-FFF2-40B4-BE49-F238E27FC236}">
-                <a16:creationId xmlns:a16="http://schemas.microsoft.com/office/drawing/2014/main" id="{BCF8646B-0411-4DFD-991B-518612507CE0}"/>
+      <p:sp>
+        <p:nvSpPr>
+          <p:cNvPr id="8" name="テキスト ボックス 7">
+            <a:extLst>
+              <a:ext uri="{FF2B5EF4-FFF2-40B4-BE49-F238E27FC236}">
+                <a16:creationId xmlns:a16="http://schemas.microsoft.com/office/drawing/2014/main" id="{E2C95EE2-2FCD-48A4-A609-62CB1236195F}"/>
               </a:ext>
             </a:extLst>
           </p:cNvPr>
@@ -9283,9 +9481,9 @@
           <p:nvPr/>
         </p:nvSpPr>
         <p:spPr>
-          <a:xfrm rot="18920528">
-            <a:off x="2570150" y="5001820"/>
-            <a:ext cx="1008863" cy="400110"/>
+          <a:xfrm>
+            <a:off x="3836705" y="3794944"/>
+            <a:ext cx="8210751" cy="1938992"/>
           </a:xfrm>
           <a:prstGeom prst="rect">
             <a:avLst/>
@@ -9299,23 +9497,54 @@
           <a:lstStyle/>
           <a:p>
             <a:r>
-              <a:rPr kumimoji="1" lang="ja-JP" altLang="en-US" sz="2000" b="1" dirty="0"/>
-              <a:t>半径</a:t>
-            </a:r>
-            <a:r>
-              <a:rPr kumimoji="1" lang="en-US" altLang="ja-JP" sz="2000" b="1" dirty="0"/>
-              <a:t>r</a:t>
-            </a:r>
-            <a:endParaRPr kumimoji="1" lang="ja-JP" altLang="en-US" sz="2000" b="1" dirty="0"/>
-          </a:p>
-        </p:txBody>
-      </p:sp>
-      <p:sp>
-        <p:nvSpPr>
-          <p:cNvPr id="23" name="フレーム 22">
-            <a:extLst>
-              <a:ext uri="{FF2B5EF4-FFF2-40B4-BE49-F238E27FC236}">
-                <a16:creationId xmlns:a16="http://schemas.microsoft.com/office/drawing/2014/main" id="{5E216E71-5A1E-4595-941F-9E5BDD463F13}"/>
+              <a:rPr kumimoji="1" lang="ja-JP" altLang="en-US" sz="2400" dirty="0"/>
+              <a:t>・クラス変数（</a:t>
+            </a:r>
+            <a:r>
+              <a:rPr lang="ja-JP" altLang="en-US" sz="2400" dirty="0"/>
+              <a:t>全ての円が共通した値をもつ変数）</a:t>
+            </a:r>
+            <a:r>
+              <a:rPr kumimoji="1" lang="ja-JP" altLang="en-US" sz="2400" dirty="0"/>
+              <a:t>：</a:t>
+            </a:r>
+            <a:endParaRPr kumimoji="1" lang="en-US" altLang="ja-JP" sz="2400" dirty="0"/>
+          </a:p>
+          <a:p>
+            <a:r>
+              <a:rPr lang="ja-JP" altLang="en-US" sz="2400" dirty="0"/>
+              <a:t>　円周率（</a:t>
+            </a:r>
+            <a:r>
+              <a:rPr lang="en-US" altLang="ja-JP" sz="2400" dirty="0"/>
+              <a:t>=3.141592653589793)</a:t>
+            </a:r>
+          </a:p>
+          <a:p>
+            <a:endParaRPr lang="en-US" altLang="ja-JP" sz="2400" dirty="0"/>
+          </a:p>
+          <a:p>
+            <a:r>
+              <a:rPr kumimoji="1" lang="ja-JP" altLang="en-US" sz="2400" dirty="0"/>
+              <a:t>・インスタンス変数（円によって異なる値を持つ変数）：</a:t>
+            </a:r>
+            <a:endParaRPr kumimoji="1" lang="en-US" altLang="ja-JP" sz="2400" dirty="0"/>
+          </a:p>
+          <a:p>
+            <a:r>
+              <a:rPr lang="ja-JP" altLang="en-US" sz="2400" dirty="0"/>
+              <a:t>　半径</a:t>
+            </a:r>
+            <a:endParaRPr kumimoji="1" lang="en-US" altLang="ja-JP" sz="2400" dirty="0"/>
+          </a:p>
+        </p:txBody>
+      </p:sp>
+      <p:sp>
+        <p:nvSpPr>
+          <p:cNvPr id="11" name="フレーム 10">
+            <a:extLst>
+              <a:ext uri="{FF2B5EF4-FFF2-40B4-BE49-F238E27FC236}">
+                <a16:creationId xmlns:a16="http://schemas.microsoft.com/office/drawing/2014/main" id="{ED9B8C57-63B2-4264-A032-98320B74CF6C}"/>
               </a:ext>
             </a:extLst>
           </p:cNvPr>
@@ -9324,12 +9553,12 @@
         </p:nvSpPr>
         <p:spPr>
           <a:xfrm>
-            <a:off x="6000427" y="2535492"/>
-            <a:ext cx="5753619" cy="3068651"/>
+            <a:off x="3836704" y="3311433"/>
+            <a:ext cx="8210751" cy="2702338"/>
           </a:xfrm>
           <a:prstGeom prst="frame">
             <a:avLst>
-              <a:gd name="adj1" fmla="val 4206"/>
+              <a:gd name="adj1" fmla="val 2929"/>
             </a:avLst>
           </a:prstGeom>
         </p:spPr>
@@ -9362,10 +9591,96 @@
           </a:p>
         </p:txBody>
       </p:sp>
+      <p:cxnSp>
+        <p:nvCxnSpPr>
+          <p:cNvPr id="17" name="直線矢印コネクタ 16">
+            <a:extLst>
+              <a:ext uri="{FF2B5EF4-FFF2-40B4-BE49-F238E27FC236}">
+                <a16:creationId xmlns:a16="http://schemas.microsoft.com/office/drawing/2014/main" id="{E25086CF-365F-4F74-83A0-BA5FFE631B5D}"/>
+              </a:ext>
+            </a:extLst>
+          </p:cNvPr>
+          <p:cNvCxnSpPr>
+            <a:stCxn id="7" idx="3"/>
+            <a:endCxn id="7" idx="7"/>
+          </p:cNvCxnSpPr>
+          <p:nvPr/>
+        </p:nvCxnSpPr>
+        <p:spPr>
+          <a:xfrm flipV="1">
+            <a:off x="1421844" y="3972562"/>
+            <a:ext cx="1222145" cy="1156873"/>
+          </a:xfrm>
+          <a:prstGeom prst="straightConnector1">
+            <a:avLst/>
+          </a:prstGeom>
+          <a:ln w="57150">
+            <a:solidFill>
+              <a:schemeClr val="tx1"/>
+            </a:solidFill>
+            <a:headEnd type="triangle"/>
+            <a:tailEnd type="triangle"/>
+          </a:ln>
+        </p:spPr>
+        <p:style>
+          <a:lnRef idx="1">
+            <a:schemeClr val="accent1"/>
+          </a:lnRef>
+          <a:fillRef idx="0">
+            <a:schemeClr val="accent1"/>
+          </a:fillRef>
+          <a:effectRef idx="0">
+            <a:schemeClr val="accent1"/>
+          </a:effectRef>
+          <a:fontRef idx="minor">
+            <a:schemeClr val="tx1"/>
+          </a:fontRef>
+        </p:style>
+      </p:cxnSp>
+      <p:sp>
+        <p:nvSpPr>
+          <p:cNvPr id="18" name="テキスト ボックス 17">
+            <a:extLst>
+              <a:ext uri="{FF2B5EF4-FFF2-40B4-BE49-F238E27FC236}">
+                <a16:creationId xmlns:a16="http://schemas.microsoft.com/office/drawing/2014/main" id="{22BBF291-E7B4-4B8E-95CF-F28141A9494F}"/>
+              </a:ext>
+            </a:extLst>
+          </p:cNvPr>
+          <p:cNvSpPr txBox="1"/>
+          <p:nvPr/>
+        </p:nvSpPr>
+        <p:spPr>
+          <a:xfrm rot="18920528">
+            <a:off x="1467213" y="4109492"/>
+            <a:ext cx="1008863" cy="400110"/>
+          </a:xfrm>
+          <a:prstGeom prst="rect">
+            <a:avLst/>
+          </a:prstGeom>
+          <a:noFill/>
+        </p:spPr>
+        <p:txBody>
+          <a:bodyPr wrap="square" rtlCol="0">
+            <a:spAutoFit/>
+          </a:bodyPr>
+          <a:lstStyle/>
+          <a:p>
+            <a:r>
+              <a:rPr kumimoji="1" lang="ja-JP" altLang="en-US" sz="2000" b="1" dirty="0"/>
+              <a:t>半径</a:t>
+            </a:r>
+            <a:r>
+              <a:rPr kumimoji="1" lang="en-US" altLang="ja-JP" sz="2000" b="1" dirty="0"/>
+              <a:t>r</a:t>
+            </a:r>
+            <a:endParaRPr kumimoji="1" lang="ja-JP" altLang="en-US" sz="2000" b="1" dirty="0"/>
+          </a:p>
+        </p:txBody>
+      </p:sp>
     </p:spTree>
     <p:extLst>
       <p:ext uri="{BB962C8B-B14F-4D97-AF65-F5344CB8AC3E}">
-        <p14:creationId xmlns:p14="http://schemas.microsoft.com/office/powerpoint/2010/main" val="812960512"/>
+        <p14:creationId xmlns:p14="http://schemas.microsoft.com/office/powerpoint/2010/main" val="1530287610"/>
       </p:ext>
     </p:extLst>
   </p:cSld>
@@ -9438,7 +9753,7 @@
         </p:nvSpPr>
         <p:spPr>
           <a:xfrm>
-            <a:off x="430359" y="1118480"/>
+            <a:off x="449215" y="1314161"/>
             <a:ext cx="11598241" cy="726691"/>
           </a:xfrm>
         </p:spPr>
@@ -9450,7 +9765,7 @@
           <a:p>
             <a:r>
               <a:rPr lang="ja-JP" altLang="en-US" dirty="0"/>
-              <a:t>クラス変数、インスタンス変数、メソッド内の変数の比較</a:t>
+              <a:t>前ページをコードで記述</a:t>
             </a:r>
             <a:endParaRPr kumimoji="1" lang="ja-JP" altLang="en-US" dirty="0"/>
           </a:p>
@@ -9500,8 +9815,8 @@
         </p:nvSpPr>
         <p:spPr>
           <a:xfrm>
-            <a:off x="430361" y="2310040"/>
-            <a:ext cx="3594882" cy="2862322"/>
+            <a:off x="593762" y="2404077"/>
+            <a:ext cx="5103173" cy="1938992"/>
           </a:xfrm>
           <a:prstGeom prst="rect">
             <a:avLst/>
@@ -9520,87 +9835,136 @@
           <a:lstStyle/>
           <a:p>
             <a:r>
-              <a:rPr lang="en-US" altLang="ja-JP" sz="2000" dirty="0"/>
+              <a:rPr lang="en-US" altLang="ja-JP" sz="2400" dirty="0"/>
               <a:t>class Circles:</a:t>
             </a:r>
           </a:p>
           <a:p>
             <a:r>
-              <a:rPr lang="en-US" altLang="ja-JP" sz="2000" dirty="0"/>
+              <a:rPr lang="en-US" altLang="ja-JP" sz="2400" dirty="0"/>
               <a:t>pi = 3.141592653589793</a:t>
             </a:r>
           </a:p>
           <a:p>
             <a:r>
-              <a:rPr lang="en-US" altLang="ja-JP" sz="2000" dirty="0"/>
+              <a:rPr lang="en-US" altLang="ja-JP" sz="2400" dirty="0"/>
               <a:t>    </a:t>
             </a:r>
           </a:p>
           <a:p>
             <a:r>
-              <a:rPr lang="en-US" altLang="ja-JP" sz="2000" dirty="0"/>
+              <a:rPr lang="en-US" altLang="ja-JP" sz="2400" dirty="0"/>
               <a:t>def __</a:t>
             </a:r>
             <a:r>
-              <a:rPr lang="en-US" altLang="ja-JP" sz="2000" dirty="0" err="1"/>
+              <a:rPr lang="en-US" altLang="ja-JP" sz="2400" dirty="0" err="1"/>
               <a:t>init</a:t>
             </a:r>
             <a:r>
-              <a:rPr lang="en-US" altLang="ja-JP" sz="2000" dirty="0"/>
+              <a:rPr lang="en-US" altLang="ja-JP" sz="2400" dirty="0"/>
               <a:t>__(self, r):</a:t>
             </a:r>
           </a:p>
           <a:p>
             <a:r>
-              <a:rPr lang="en-US" altLang="ja-JP" sz="2000" dirty="0"/>
+              <a:rPr lang="en-US" altLang="ja-JP" sz="2400" dirty="0"/>
               <a:t>        </a:t>
             </a:r>
             <a:r>
-              <a:rPr lang="en-US" altLang="ja-JP" sz="2000" dirty="0" err="1"/>
+              <a:rPr lang="en-US" altLang="ja-JP" sz="2400" dirty="0" err="1"/>
               <a:t>self.radius</a:t>
             </a:r>
             <a:r>
-              <a:rPr lang="en-US" altLang="ja-JP" sz="2000" dirty="0"/>
+              <a:rPr lang="en-US" altLang="ja-JP" sz="2400" dirty="0"/>
               <a:t> = r</a:t>
             </a:r>
           </a:p>
-          <a:p>
-            <a:r>
-              <a:rPr lang="en-US" altLang="ja-JP" sz="2000" dirty="0"/>
-              <a:t>        </a:t>
-            </a:r>
-            <a:r>
-              <a:rPr lang="en-US" altLang="ja-JP" sz="2000" dirty="0" err="1"/>
-              <a:t>hoge</a:t>
-            </a:r>
-            <a:r>
-              <a:rPr lang="en-US" altLang="ja-JP" sz="2000" dirty="0"/>
-              <a:t> = 1</a:t>
-            </a:r>
-          </a:p>
-          <a:p>
-            <a:endParaRPr lang="en-US" altLang="ja-JP" sz="2000" dirty="0"/>
-          </a:p>
-          <a:p>
-            <a:r>
-              <a:rPr lang="fr-FR" altLang="ja-JP" sz="2000" dirty="0"/>
-              <a:t>circle_a = Circles(2)</a:t>
-            </a:r>
-          </a:p>
-          <a:p>
-            <a:r>
-              <a:rPr lang="fr-FR" altLang="ja-JP" sz="2000" dirty="0"/>
-              <a:t>print(circle_a.pi)</a:t>
-            </a:r>
-          </a:p>
-        </p:txBody>
-      </p:sp>
-      <p:sp>
-        <p:nvSpPr>
-          <p:cNvPr id="8" name="コンテンツ プレースホルダー 4">
-            <a:extLst>
-              <a:ext uri="{FF2B5EF4-FFF2-40B4-BE49-F238E27FC236}">
-                <a16:creationId xmlns:a16="http://schemas.microsoft.com/office/drawing/2014/main" id="{8D79E1A0-FC62-496B-A31A-D33FBCE9E83D}"/>
+        </p:txBody>
+      </p:sp>
+      <p:sp>
+        <p:nvSpPr>
+          <p:cNvPr id="16" name="テキスト ボックス 15">
+            <a:extLst>
+              <a:ext uri="{FF2B5EF4-FFF2-40B4-BE49-F238E27FC236}">
+                <a16:creationId xmlns:a16="http://schemas.microsoft.com/office/drawing/2014/main" id="{1E5F9217-7C68-4655-B7B9-B87605AD3C79}"/>
+              </a:ext>
+            </a:extLst>
+          </p:cNvPr>
+          <p:cNvSpPr txBox="1"/>
+          <p:nvPr/>
+        </p:nvSpPr>
+        <p:spPr>
+          <a:xfrm>
+            <a:off x="6248335" y="2946433"/>
+            <a:ext cx="5329287" cy="2246769"/>
+          </a:xfrm>
+          <a:prstGeom prst="rect">
+            <a:avLst/>
+          </a:prstGeom>
+          <a:noFill/>
+        </p:spPr>
+        <p:txBody>
+          <a:bodyPr wrap="square" rtlCol="0">
+            <a:spAutoFit/>
+          </a:bodyPr>
+          <a:lstStyle/>
+          <a:p>
+            <a:r>
+              <a:rPr lang="en-US" altLang="ja-JP" sz="2800" dirty="0"/>
+              <a:t>pi = 3.141592653589793</a:t>
+            </a:r>
+          </a:p>
+          <a:p>
+            <a:r>
+              <a:rPr lang="ja-JP" altLang="en-US" sz="2800" dirty="0"/>
+              <a:t>をクラス変数として宣言</a:t>
+            </a:r>
+            <a:endParaRPr lang="en-US" altLang="ja-JP" sz="2800" dirty="0"/>
+          </a:p>
+          <a:p>
+            <a:endParaRPr lang="en-US" altLang="ja-JP" sz="2800" dirty="0"/>
+          </a:p>
+          <a:p>
+            <a:r>
+              <a:rPr kumimoji="1" lang="en-US" altLang="ja-JP" sz="2800" dirty="0" err="1"/>
+              <a:t>self.radius</a:t>
+            </a:r>
+            <a:r>
+              <a:rPr kumimoji="1" lang="ja-JP" altLang="en-US" sz="2800" dirty="0"/>
+              <a:t> </a:t>
+            </a:r>
+            <a:r>
+              <a:rPr kumimoji="1" lang="en-US" altLang="ja-JP" sz="2800" dirty="0"/>
+              <a:t>=</a:t>
+            </a:r>
+            <a:r>
+              <a:rPr kumimoji="1" lang="ja-JP" altLang="en-US" sz="2800" dirty="0"/>
+              <a:t> </a:t>
+            </a:r>
+            <a:r>
+              <a:rPr kumimoji="1" lang="en-US" altLang="ja-JP" sz="2800" dirty="0"/>
+              <a:t>r</a:t>
+            </a:r>
+            <a:r>
+              <a:rPr kumimoji="1" lang="ja-JP" altLang="en-US" sz="2800" dirty="0"/>
+              <a:t> </a:t>
+            </a:r>
+            <a:endParaRPr kumimoji="1" lang="en-US" altLang="ja-JP" sz="2800" dirty="0"/>
+          </a:p>
+          <a:p>
+            <a:r>
+              <a:rPr kumimoji="1" lang="ja-JP" altLang="en-US" sz="2800" dirty="0"/>
+              <a:t>をインスタンス変数として宣言</a:t>
+            </a:r>
+          </a:p>
+        </p:txBody>
+      </p:sp>
+      <p:sp>
+        <p:nvSpPr>
+          <p:cNvPr id="19" name="コンテンツ プレースホルダー 4">
+            <a:extLst>
+              <a:ext uri="{FF2B5EF4-FFF2-40B4-BE49-F238E27FC236}">
+                <a16:creationId xmlns:a16="http://schemas.microsoft.com/office/drawing/2014/main" id="{EC1C7159-51FD-42B2-81DB-8309826908D4}"/>
               </a:ext>
             </a:extLst>
           </p:cNvPr>
@@ -9635,10 +9999,10 @@
       </p:sp>
       <p:sp>
         <p:nvSpPr>
-          <p:cNvPr id="10" name="正方形/長方形 9">
-            <a:extLst>
-              <a:ext uri="{FF2B5EF4-FFF2-40B4-BE49-F238E27FC236}">
-                <a16:creationId xmlns:a16="http://schemas.microsoft.com/office/drawing/2014/main" id="{A72AA448-A79D-4F8E-969F-7439A078BE38}"/>
+          <p:cNvPr id="20" name="楕円 19">
+            <a:extLst>
+              <a:ext uri="{FF2B5EF4-FFF2-40B4-BE49-F238E27FC236}">
+                <a16:creationId xmlns:a16="http://schemas.microsoft.com/office/drawing/2014/main" id="{6516AFE0-8C6E-4BD8-B102-E62B1EA51035}"/>
               </a:ext>
             </a:extLst>
           </p:cNvPr>
@@ -9647,583 +10011,12 @@
         </p:nvSpPr>
         <p:spPr>
           <a:xfrm>
-            <a:off x="4289067" y="2310040"/>
-            <a:ext cx="3594882" cy="2862322"/>
-          </a:xfrm>
-          <a:prstGeom prst="rect">
+            <a:off x="2271666" y="4625294"/>
+            <a:ext cx="1728375" cy="1636065"/>
+          </a:xfrm>
+          <a:prstGeom prst="ellipse">
             <a:avLst/>
           </a:prstGeom>
-          <a:solidFill>
-            <a:schemeClr val="accent1">
-              <a:lumMod val="20000"/>
-              <a:lumOff val="80000"/>
-            </a:schemeClr>
-          </a:solidFill>
-        </p:spPr>
-        <p:txBody>
-          <a:bodyPr wrap="square">
-            <a:spAutoFit/>
-          </a:bodyPr>
-          <a:lstStyle/>
-          <a:p>
-            <a:r>
-              <a:rPr lang="en-US" altLang="ja-JP" sz="2000" dirty="0"/>
-              <a:t>class Circles:</a:t>
-            </a:r>
-          </a:p>
-          <a:p>
-            <a:r>
-              <a:rPr lang="en-US" altLang="ja-JP" sz="2000" dirty="0"/>
-              <a:t>pi = 3.141592653589793</a:t>
-            </a:r>
-          </a:p>
-          <a:p>
-            <a:r>
-              <a:rPr lang="en-US" altLang="ja-JP" sz="2000" dirty="0"/>
-              <a:t>    </a:t>
-            </a:r>
-          </a:p>
-          <a:p>
-            <a:r>
-              <a:rPr lang="en-US" altLang="ja-JP" sz="2000" dirty="0"/>
-              <a:t>def __</a:t>
-            </a:r>
-            <a:r>
-              <a:rPr lang="en-US" altLang="ja-JP" sz="2000" dirty="0" err="1"/>
-              <a:t>init</a:t>
-            </a:r>
-            <a:r>
-              <a:rPr lang="en-US" altLang="ja-JP" sz="2000" dirty="0"/>
-              <a:t>__(self, r):</a:t>
-            </a:r>
-          </a:p>
-          <a:p>
-            <a:r>
-              <a:rPr lang="en-US" altLang="ja-JP" sz="2000" dirty="0"/>
-              <a:t>        </a:t>
-            </a:r>
-            <a:r>
-              <a:rPr lang="en-US" altLang="ja-JP" sz="2000" dirty="0" err="1"/>
-              <a:t>self.radius</a:t>
-            </a:r>
-            <a:r>
-              <a:rPr lang="en-US" altLang="ja-JP" sz="2000" dirty="0"/>
-              <a:t> = r</a:t>
-            </a:r>
-          </a:p>
-          <a:p>
-            <a:r>
-              <a:rPr lang="en-US" altLang="ja-JP" sz="2000" dirty="0"/>
-              <a:t>        </a:t>
-            </a:r>
-            <a:r>
-              <a:rPr lang="en-US" altLang="ja-JP" sz="2000" dirty="0" err="1"/>
-              <a:t>hoge</a:t>
-            </a:r>
-            <a:r>
-              <a:rPr lang="en-US" altLang="ja-JP" sz="2000" dirty="0"/>
-              <a:t> = 1</a:t>
-            </a:r>
-          </a:p>
-          <a:p>
-            <a:endParaRPr lang="en-US" altLang="ja-JP" sz="2000" dirty="0"/>
-          </a:p>
-          <a:p>
-            <a:r>
-              <a:rPr lang="fr-FR" altLang="ja-JP" sz="2000" dirty="0"/>
-              <a:t>circle_a = Circles(2)</a:t>
-            </a:r>
-          </a:p>
-          <a:p>
-            <a:r>
-              <a:rPr lang="fr-FR" altLang="ja-JP" sz="2000" dirty="0"/>
-              <a:t>print(circle_a.radius)</a:t>
-            </a:r>
-          </a:p>
-        </p:txBody>
-      </p:sp>
-      <p:sp>
-        <p:nvSpPr>
-          <p:cNvPr id="11" name="正方形/長方形 10">
-            <a:extLst>
-              <a:ext uri="{FF2B5EF4-FFF2-40B4-BE49-F238E27FC236}">
-                <a16:creationId xmlns:a16="http://schemas.microsoft.com/office/drawing/2014/main" id="{A218DE9B-4EC4-445C-BC0C-76E889C1DE10}"/>
-              </a:ext>
-            </a:extLst>
-          </p:cNvPr>
-          <p:cNvSpPr/>
-          <p:nvPr/>
-        </p:nvSpPr>
-        <p:spPr>
-          <a:xfrm>
-            <a:off x="8227899" y="2296143"/>
-            <a:ext cx="3594882" cy="2862322"/>
-          </a:xfrm>
-          <a:prstGeom prst="rect">
-            <a:avLst/>
-          </a:prstGeom>
-          <a:solidFill>
-            <a:schemeClr val="accent1">
-              <a:lumMod val="20000"/>
-              <a:lumOff val="80000"/>
-            </a:schemeClr>
-          </a:solidFill>
-        </p:spPr>
-        <p:txBody>
-          <a:bodyPr wrap="square">
-            <a:spAutoFit/>
-          </a:bodyPr>
-          <a:lstStyle/>
-          <a:p>
-            <a:r>
-              <a:rPr lang="en-US" altLang="ja-JP" sz="2000" dirty="0"/>
-              <a:t>class Circles:</a:t>
-            </a:r>
-          </a:p>
-          <a:p>
-            <a:r>
-              <a:rPr lang="en-US" altLang="ja-JP" sz="2000" dirty="0"/>
-              <a:t>pi = 3.141592653589793</a:t>
-            </a:r>
-          </a:p>
-          <a:p>
-            <a:r>
-              <a:rPr lang="en-US" altLang="ja-JP" sz="2000" dirty="0"/>
-              <a:t>    </a:t>
-            </a:r>
-          </a:p>
-          <a:p>
-            <a:r>
-              <a:rPr lang="en-US" altLang="ja-JP" sz="2000" dirty="0"/>
-              <a:t>def __</a:t>
-            </a:r>
-            <a:r>
-              <a:rPr lang="en-US" altLang="ja-JP" sz="2000" dirty="0" err="1"/>
-              <a:t>init</a:t>
-            </a:r>
-            <a:r>
-              <a:rPr lang="en-US" altLang="ja-JP" sz="2000" dirty="0"/>
-              <a:t>__(self, r):</a:t>
-            </a:r>
-          </a:p>
-          <a:p>
-            <a:r>
-              <a:rPr lang="en-US" altLang="ja-JP" sz="2000" dirty="0"/>
-              <a:t>        </a:t>
-            </a:r>
-            <a:r>
-              <a:rPr lang="en-US" altLang="ja-JP" sz="2000" dirty="0" err="1"/>
-              <a:t>self.radius</a:t>
-            </a:r>
-            <a:r>
-              <a:rPr lang="en-US" altLang="ja-JP" sz="2000" dirty="0"/>
-              <a:t> = r</a:t>
-            </a:r>
-          </a:p>
-          <a:p>
-            <a:r>
-              <a:rPr lang="en-US" altLang="ja-JP" sz="2000" dirty="0"/>
-              <a:t>        </a:t>
-            </a:r>
-            <a:r>
-              <a:rPr lang="en-US" altLang="ja-JP" sz="2000" dirty="0" err="1"/>
-              <a:t>hoge</a:t>
-            </a:r>
-            <a:r>
-              <a:rPr lang="en-US" altLang="ja-JP" sz="2000" dirty="0"/>
-              <a:t> = 1</a:t>
-            </a:r>
-          </a:p>
-          <a:p>
-            <a:endParaRPr lang="en-US" altLang="ja-JP" sz="2000" dirty="0"/>
-          </a:p>
-          <a:p>
-            <a:r>
-              <a:rPr lang="fr-FR" altLang="ja-JP" sz="2000" dirty="0"/>
-              <a:t>circle_a = Circles(2)</a:t>
-            </a:r>
-          </a:p>
-          <a:p>
-            <a:r>
-              <a:rPr lang="fr-FR" altLang="ja-JP" sz="2000" dirty="0"/>
-              <a:t>print(circle_a.hoge)</a:t>
-            </a:r>
-          </a:p>
-        </p:txBody>
-      </p:sp>
-      <p:sp>
-        <p:nvSpPr>
-          <p:cNvPr id="6" name="テキスト ボックス 5">
-            <a:extLst>
-              <a:ext uri="{FF2B5EF4-FFF2-40B4-BE49-F238E27FC236}">
-                <a16:creationId xmlns:a16="http://schemas.microsoft.com/office/drawing/2014/main" id="{F09D1E13-A2D9-490B-A33C-9F57867E4890}"/>
-              </a:ext>
-            </a:extLst>
-          </p:cNvPr>
-          <p:cNvSpPr txBox="1"/>
-          <p:nvPr/>
-        </p:nvSpPr>
-        <p:spPr>
-          <a:xfrm>
-            <a:off x="776053" y="1856425"/>
-            <a:ext cx="2735725" cy="461665"/>
-          </a:xfrm>
-          <a:prstGeom prst="rect">
-            <a:avLst/>
-          </a:prstGeom>
-          <a:noFill/>
-        </p:spPr>
-        <p:txBody>
-          <a:bodyPr wrap="square" rtlCol="0">
-            <a:spAutoFit/>
-          </a:bodyPr>
-          <a:lstStyle/>
-          <a:p>
-            <a:r>
-              <a:rPr lang="ja-JP" altLang="en-US" sz="2400" b="1" dirty="0"/>
-              <a:t>クラス変数の参照</a:t>
-            </a:r>
-          </a:p>
-        </p:txBody>
-      </p:sp>
-      <p:sp>
-        <p:nvSpPr>
-          <p:cNvPr id="13" name="テキスト ボックス 12">
-            <a:extLst>
-              <a:ext uri="{FF2B5EF4-FFF2-40B4-BE49-F238E27FC236}">
-                <a16:creationId xmlns:a16="http://schemas.microsoft.com/office/drawing/2014/main" id="{5DCD49AC-7391-4972-A2E0-E1816D5DCB6D}"/>
-              </a:ext>
-            </a:extLst>
-          </p:cNvPr>
-          <p:cNvSpPr txBox="1"/>
-          <p:nvPr/>
-        </p:nvSpPr>
-        <p:spPr>
-          <a:xfrm>
-            <a:off x="4223080" y="1848080"/>
-            <a:ext cx="3936254" cy="461665"/>
-          </a:xfrm>
-          <a:prstGeom prst="rect">
-            <a:avLst/>
-          </a:prstGeom>
-          <a:noFill/>
-        </p:spPr>
-        <p:txBody>
-          <a:bodyPr wrap="square" rtlCol="0">
-            <a:spAutoFit/>
-          </a:bodyPr>
-          <a:lstStyle/>
-          <a:p>
-            <a:r>
-              <a:rPr lang="ja-JP" altLang="en-US" sz="2400" b="1" dirty="0"/>
-              <a:t>インスタンス変数の参照</a:t>
-            </a:r>
-          </a:p>
-        </p:txBody>
-      </p:sp>
-      <p:sp>
-        <p:nvSpPr>
-          <p:cNvPr id="17" name="テキスト ボックス 16">
-            <a:extLst>
-              <a:ext uri="{FF2B5EF4-FFF2-40B4-BE49-F238E27FC236}">
-                <a16:creationId xmlns:a16="http://schemas.microsoft.com/office/drawing/2014/main" id="{ED217F98-72B8-4C71-8050-BBFAACB8D24A}"/>
-              </a:ext>
-            </a:extLst>
-          </p:cNvPr>
-          <p:cNvSpPr txBox="1"/>
-          <p:nvPr/>
-        </p:nvSpPr>
-        <p:spPr>
-          <a:xfrm>
-            <a:off x="8227898" y="1848375"/>
-            <a:ext cx="3694796" cy="461665"/>
-          </a:xfrm>
-          <a:prstGeom prst="rect">
-            <a:avLst/>
-          </a:prstGeom>
-          <a:noFill/>
-        </p:spPr>
-        <p:txBody>
-          <a:bodyPr wrap="square" rtlCol="0">
-            <a:spAutoFit/>
-          </a:bodyPr>
-          <a:lstStyle/>
-          <a:p>
-            <a:r>
-              <a:rPr lang="ja-JP" altLang="en-US" sz="2400" b="1" dirty="0"/>
-              <a:t>メソッド内の変数の参照</a:t>
-            </a:r>
-          </a:p>
-        </p:txBody>
-      </p:sp>
-      <p:sp>
-        <p:nvSpPr>
-          <p:cNvPr id="7" name="テキスト ボックス 6">
-            <a:extLst>
-              <a:ext uri="{FF2B5EF4-FFF2-40B4-BE49-F238E27FC236}">
-                <a16:creationId xmlns:a16="http://schemas.microsoft.com/office/drawing/2014/main" id="{DABD4151-C8A7-4CDE-8E94-94E473F4D92F}"/>
-              </a:ext>
-            </a:extLst>
-          </p:cNvPr>
-          <p:cNvSpPr txBox="1"/>
-          <p:nvPr/>
-        </p:nvSpPr>
-        <p:spPr>
-          <a:xfrm>
-            <a:off x="364371" y="5302048"/>
-            <a:ext cx="2102178" cy="400110"/>
-          </a:xfrm>
-          <a:prstGeom prst="rect">
-            <a:avLst/>
-          </a:prstGeom>
-          <a:noFill/>
-        </p:spPr>
-        <p:txBody>
-          <a:bodyPr wrap="square" rtlCol="0">
-            <a:spAutoFit/>
-          </a:bodyPr>
-          <a:lstStyle/>
-          <a:p>
-            <a:r>
-              <a:rPr kumimoji="1" lang="ja-JP" altLang="en-US" sz="2000" b="1" dirty="0"/>
-              <a:t>結果</a:t>
-            </a:r>
-          </a:p>
-        </p:txBody>
-      </p:sp>
-      <p:sp>
-        <p:nvSpPr>
-          <p:cNvPr id="9" name="正方形/長方形 8">
-            <a:extLst>
-              <a:ext uri="{FF2B5EF4-FFF2-40B4-BE49-F238E27FC236}">
-                <a16:creationId xmlns:a16="http://schemas.microsoft.com/office/drawing/2014/main" id="{EA60CD71-424A-4267-8216-3B4B5401A0EF}"/>
-              </a:ext>
-            </a:extLst>
-          </p:cNvPr>
-          <p:cNvSpPr/>
-          <p:nvPr/>
-        </p:nvSpPr>
-        <p:spPr>
-          <a:xfrm>
-            <a:off x="430359" y="5643452"/>
-            <a:ext cx="3594881" cy="400110"/>
-          </a:xfrm>
-          <a:prstGeom prst="rect">
-            <a:avLst/>
-          </a:prstGeom>
-          <a:solidFill>
-            <a:schemeClr val="accent1">
-              <a:lumMod val="20000"/>
-              <a:lumOff val="80000"/>
-            </a:schemeClr>
-          </a:solidFill>
-        </p:spPr>
-        <p:txBody>
-          <a:bodyPr wrap="square">
-            <a:spAutoFit/>
-          </a:bodyPr>
-          <a:lstStyle/>
-          <a:p>
-            <a:r>
-              <a:rPr lang="ja-JP" altLang="en-US" sz="2000" dirty="0"/>
-              <a:t>3.141592653589793</a:t>
-            </a:r>
-          </a:p>
-        </p:txBody>
-      </p:sp>
-      <p:sp>
-        <p:nvSpPr>
-          <p:cNvPr id="18" name="テキスト ボックス 17">
-            <a:extLst>
-              <a:ext uri="{FF2B5EF4-FFF2-40B4-BE49-F238E27FC236}">
-                <a16:creationId xmlns:a16="http://schemas.microsoft.com/office/drawing/2014/main" id="{3BAC1C26-90DE-4780-8C49-CC33AF5AF736}"/>
-              </a:ext>
-            </a:extLst>
-          </p:cNvPr>
-          <p:cNvSpPr txBox="1"/>
-          <p:nvPr/>
-        </p:nvSpPr>
-        <p:spPr>
-          <a:xfrm>
-            <a:off x="4223080" y="5268363"/>
-            <a:ext cx="2102178" cy="400110"/>
-          </a:xfrm>
-          <a:prstGeom prst="rect">
-            <a:avLst/>
-          </a:prstGeom>
-          <a:noFill/>
-        </p:spPr>
-        <p:txBody>
-          <a:bodyPr wrap="square" rtlCol="0">
-            <a:spAutoFit/>
-          </a:bodyPr>
-          <a:lstStyle/>
-          <a:p>
-            <a:r>
-              <a:rPr kumimoji="1" lang="ja-JP" altLang="en-US" sz="2000" b="1" dirty="0"/>
-              <a:t>結果</a:t>
-            </a:r>
-          </a:p>
-        </p:txBody>
-      </p:sp>
-      <p:sp>
-        <p:nvSpPr>
-          <p:cNvPr id="19" name="正方形/長方形 18">
-            <a:extLst>
-              <a:ext uri="{FF2B5EF4-FFF2-40B4-BE49-F238E27FC236}">
-                <a16:creationId xmlns:a16="http://schemas.microsoft.com/office/drawing/2014/main" id="{6AC95AC7-3FB1-4C50-A376-C3CEF28D5146}"/>
-              </a:ext>
-            </a:extLst>
-          </p:cNvPr>
-          <p:cNvSpPr/>
-          <p:nvPr/>
-        </p:nvSpPr>
-        <p:spPr>
-          <a:xfrm>
-            <a:off x="4289068" y="5609767"/>
-            <a:ext cx="3594881" cy="400110"/>
-          </a:xfrm>
-          <a:prstGeom prst="rect">
-            <a:avLst/>
-          </a:prstGeom>
-          <a:solidFill>
-            <a:schemeClr val="accent1">
-              <a:lumMod val="20000"/>
-              <a:lumOff val="80000"/>
-            </a:schemeClr>
-          </a:solidFill>
-        </p:spPr>
-        <p:txBody>
-          <a:bodyPr wrap="square">
-            <a:spAutoFit/>
-          </a:bodyPr>
-          <a:lstStyle/>
-          <a:p>
-            <a:r>
-              <a:rPr lang="en-US" altLang="ja-JP" sz="2000" dirty="0"/>
-              <a:t>2</a:t>
-            </a:r>
-            <a:endParaRPr lang="ja-JP" altLang="en-US" sz="2000" dirty="0"/>
-          </a:p>
-        </p:txBody>
-      </p:sp>
-      <p:sp>
-        <p:nvSpPr>
-          <p:cNvPr id="20" name="テキスト ボックス 19">
-            <a:extLst>
-              <a:ext uri="{FF2B5EF4-FFF2-40B4-BE49-F238E27FC236}">
-                <a16:creationId xmlns:a16="http://schemas.microsoft.com/office/drawing/2014/main" id="{A426815C-19CB-49A3-BAF3-48AC6EA55BE3}"/>
-              </a:ext>
-            </a:extLst>
-          </p:cNvPr>
-          <p:cNvSpPr txBox="1"/>
-          <p:nvPr/>
-        </p:nvSpPr>
-        <p:spPr>
-          <a:xfrm>
-            <a:off x="8227898" y="5280854"/>
-            <a:ext cx="3734713" cy="400110"/>
-          </a:xfrm>
-          <a:prstGeom prst="rect">
-            <a:avLst/>
-          </a:prstGeom>
-          <a:noFill/>
-        </p:spPr>
-        <p:txBody>
-          <a:bodyPr wrap="square" rtlCol="0">
-            <a:spAutoFit/>
-          </a:bodyPr>
-          <a:lstStyle/>
-          <a:p>
-            <a:r>
-              <a:rPr kumimoji="1" lang="ja-JP" altLang="en-US" sz="2000" b="1" dirty="0"/>
-              <a:t>結果</a:t>
-            </a:r>
-            <a:r>
-              <a:rPr lang="ja-JP" altLang="en-US" sz="2000" b="1" dirty="0"/>
-              <a:t>（エラーが発生）</a:t>
-            </a:r>
-            <a:endParaRPr kumimoji="1" lang="ja-JP" altLang="en-US" sz="2000" b="1" dirty="0"/>
-          </a:p>
-        </p:txBody>
-      </p:sp>
-      <p:sp>
-        <p:nvSpPr>
-          <p:cNvPr id="21" name="正方形/長方形 20">
-            <a:extLst>
-              <a:ext uri="{FF2B5EF4-FFF2-40B4-BE49-F238E27FC236}">
-                <a16:creationId xmlns:a16="http://schemas.microsoft.com/office/drawing/2014/main" id="{893A38D1-B12F-4C7D-AB20-E8CFE2C59C5B}"/>
-              </a:ext>
-            </a:extLst>
-          </p:cNvPr>
-          <p:cNvSpPr/>
-          <p:nvPr/>
-        </p:nvSpPr>
-        <p:spPr>
-          <a:xfrm>
-            <a:off x="8260891" y="5674292"/>
-            <a:ext cx="3668725" cy="338554"/>
-          </a:xfrm>
-          <a:prstGeom prst="rect">
-            <a:avLst/>
-          </a:prstGeom>
-          <a:solidFill>
-            <a:schemeClr val="accent1">
-              <a:lumMod val="20000"/>
-              <a:lumOff val="80000"/>
-            </a:schemeClr>
-          </a:solidFill>
-        </p:spPr>
-        <p:txBody>
-          <a:bodyPr wrap="square">
-            <a:spAutoFit/>
-          </a:bodyPr>
-          <a:lstStyle/>
-          <a:p>
-            <a:r>
-              <a:rPr lang="en-US" altLang="ja-JP" sz="1600" dirty="0"/>
-              <a:t>'Circles' object has no attribute '</a:t>
-            </a:r>
-            <a:r>
-              <a:rPr lang="en-US" altLang="ja-JP" sz="1600" dirty="0" err="1"/>
-              <a:t>hoge</a:t>
-            </a:r>
-            <a:r>
-              <a:rPr lang="en-US" altLang="ja-JP" sz="1600" dirty="0"/>
-              <a:t>'</a:t>
-            </a:r>
-            <a:endParaRPr lang="ja-JP" altLang="en-US" dirty="0"/>
-          </a:p>
-        </p:txBody>
-      </p:sp>
-      <p:sp>
-        <p:nvSpPr>
-          <p:cNvPr id="12" name="フレーム 11">
-            <a:extLst>
-              <a:ext uri="{FF2B5EF4-FFF2-40B4-BE49-F238E27FC236}">
-                <a16:creationId xmlns:a16="http://schemas.microsoft.com/office/drawing/2014/main" id="{2409B387-F9FF-4505-A00F-606C9E0FC796}"/>
-              </a:ext>
-            </a:extLst>
-          </p:cNvPr>
-          <p:cNvSpPr/>
-          <p:nvPr/>
-        </p:nvSpPr>
-        <p:spPr>
-          <a:xfrm>
-            <a:off x="8234051" y="4751014"/>
-            <a:ext cx="2333396" cy="473188"/>
-          </a:xfrm>
-          <a:prstGeom prst="frame">
-            <a:avLst/>
-          </a:prstGeom>
-          <a:solidFill>
-            <a:srgbClr val="FF0000"/>
-          </a:solidFill>
-          <a:ln>
-            <a:solidFill>
-              <a:srgbClr val="C00000"/>
-            </a:solidFill>
-          </a:ln>
         </p:spPr>
         <p:style>
           <a:lnRef idx="2">
@@ -10246,20 +10039,102 @@
           <a:lstStyle/>
           <a:p>
             <a:pPr algn="ctr"/>
-            <a:endParaRPr kumimoji="1" lang="ja-JP" altLang="en-US">
-              <a:solidFill>
-                <a:schemeClr val="tx1"/>
-              </a:solidFill>
-            </a:endParaRPr>
-          </a:p>
-        </p:txBody>
-      </p:sp>
-      <p:sp>
-        <p:nvSpPr>
-          <p:cNvPr id="22" name="フレーム 21">
-            <a:extLst>
-              <a:ext uri="{FF2B5EF4-FFF2-40B4-BE49-F238E27FC236}">
-                <a16:creationId xmlns:a16="http://schemas.microsoft.com/office/drawing/2014/main" id="{6529721A-AF94-4D43-8791-AB5430963FA3}"/>
+            <a:endParaRPr kumimoji="1" lang="ja-JP" altLang="en-US" dirty="0"/>
+          </a:p>
+        </p:txBody>
+      </p:sp>
+      <p:cxnSp>
+        <p:nvCxnSpPr>
+          <p:cNvPr id="21" name="直線矢印コネクタ 20">
+            <a:extLst>
+              <a:ext uri="{FF2B5EF4-FFF2-40B4-BE49-F238E27FC236}">
+                <a16:creationId xmlns:a16="http://schemas.microsoft.com/office/drawing/2014/main" id="{9F3B39AE-A75E-428F-87DB-69B3B450B091}"/>
+              </a:ext>
+            </a:extLst>
+          </p:cNvPr>
+          <p:cNvCxnSpPr>
+            <a:stCxn id="20" idx="3"/>
+            <a:endCxn id="20" idx="7"/>
+          </p:cNvCxnSpPr>
+          <p:nvPr/>
+        </p:nvCxnSpPr>
+        <p:spPr>
+          <a:xfrm flipV="1">
+            <a:off x="2524781" y="4864890"/>
+            <a:ext cx="1222145" cy="1156873"/>
+          </a:xfrm>
+          <a:prstGeom prst="straightConnector1">
+            <a:avLst/>
+          </a:prstGeom>
+          <a:ln w="57150">
+            <a:solidFill>
+              <a:schemeClr val="tx1"/>
+            </a:solidFill>
+            <a:headEnd type="triangle"/>
+            <a:tailEnd type="triangle"/>
+          </a:ln>
+        </p:spPr>
+        <p:style>
+          <a:lnRef idx="1">
+            <a:schemeClr val="accent1"/>
+          </a:lnRef>
+          <a:fillRef idx="0">
+            <a:schemeClr val="accent1"/>
+          </a:fillRef>
+          <a:effectRef idx="0">
+            <a:schemeClr val="accent1"/>
+          </a:effectRef>
+          <a:fontRef idx="minor">
+            <a:schemeClr val="tx1"/>
+          </a:fontRef>
+        </p:style>
+      </p:cxnSp>
+      <p:sp>
+        <p:nvSpPr>
+          <p:cNvPr id="22" name="テキスト ボックス 21">
+            <a:extLst>
+              <a:ext uri="{FF2B5EF4-FFF2-40B4-BE49-F238E27FC236}">
+                <a16:creationId xmlns:a16="http://schemas.microsoft.com/office/drawing/2014/main" id="{BCF8646B-0411-4DFD-991B-518612507CE0}"/>
+              </a:ext>
+            </a:extLst>
+          </p:cNvPr>
+          <p:cNvSpPr txBox="1"/>
+          <p:nvPr/>
+        </p:nvSpPr>
+        <p:spPr>
+          <a:xfrm rot="18920528">
+            <a:off x="2570150" y="5001820"/>
+            <a:ext cx="1008863" cy="400110"/>
+          </a:xfrm>
+          <a:prstGeom prst="rect">
+            <a:avLst/>
+          </a:prstGeom>
+          <a:noFill/>
+        </p:spPr>
+        <p:txBody>
+          <a:bodyPr wrap="square" rtlCol="0">
+            <a:spAutoFit/>
+          </a:bodyPr>
+          <a:lstStyle/>
+          <a:p>
+            <a:r>
+              <a:rPr kumimoji="1" lang="ja-JP" altLang="en-US" sz="2000" b="1" dirty="0"/>
+              <a:t>半径</a:t>
+            </a:r>
+            <a:r>
+              <a:rPr kumimoji="1" lang="en-US" altLang="ja-JP" sz="2000" b="1" dirty="0"/>
+              <a:t>r</a:t>
+            </a:r>
+            <a:endParaRPr kumimoji="1" lang="ja-JP" altLang="en-US" sz="2000" b="1" dirty="0"/>
+          </a:p>
+        </p:txBody>
+      </p:sp>
+      <p:sp>
+        <p:nvSpPr>
+          <p:cNvPr id="23" name="フレーム 22">
+            <a:extLst>
+              <a:ext uri="{FF2B5EF4-FFF2-40B4-BE49-F238E27FC236}">
+                <a16:creationId xmlns:a16="http://schemas.microsoft.com/office/drawing/2014/main" id="{5E216E71-5A1E-4595-941F-9E5BDD463F13}"/>
               </a:ext>
             </a:extLst>
           </p:cNvPr>
@@ -10268,20 +10143,14 @@
         </p:nvSpPr>
         <p:spPr>
           <a:xfrm>
-            <a:off x="4289066" y="4756602"/>
-            <a:ext cx="2413391" cy="473188"/>
+            <a:off x="6000427" y="2535492"/>
+            <a:ext cx="5753619" cy="3068651"/>
           </a:xfrm>
           <a:prstGeom prst="frame">
-            <a:avLst/>
+            <a:avLst>
+              <a:gd name="adj1" fmla="val 4206"/>
+            </a:avLst>
           </a:prstGeom>
-          <a:solidFill>
-            <a:srgbClr val="FF0000"/>
-          </a:solidFill>
-          <a:ln>
-            <a:solidFill>
-              <a:srgbClr val="C00000"/>
-            </a:solidFill>
-          </a:ln>
         </p:spPr>
         <p:style>
           <a:lnRef idx="2">
@@ -10312,117 +10181,10 @@
           </a:p>
         </p:txBody>
       </p:sp>
-      <p:sp>
-        <p:nvSpPr>
-          <p:cNvPr id="23" name="フレーム 22">
-            <a:extLst>
-              <a:ext uri="{FF2B5EF4-FFF2-40B4-BE49-F238E27FC236}">
-                <a16:creationId xmlns:a16="http://schemas.microsoft.com/office/drawing/2014/main" id="{780D64E1-8EC6-41E7-A609-FF3C286E29AE}"/>
-              </a:ext>
-            </a:extLst>
-          </p:cNvPr>
-          <p:cNvSpPr/>
-          <p:nvPr/>
-        </p:nvSpPr>
-        <p:spPr>
-          <a:xfrm>
-            <a:off x="453666" y="4747897"/>
-            <a:ext cx="2046402" cy="473188"/>
-          </a:xfrm>
-          <a:prstGeom prst="frame">
-            <a:avLst/>
-          </a:prstGeom>
-          <a:solidFill>
-            <a:srgbClr val="FF0000"/>
-          </a:solidFill>
-          <a:ln>
-            <a:solidFill>
-              <a:srgbClr val="C00000"/>
-            </a:solidFill>
-          </a:ln>
-        </p:spPr>
-        <p:style>
-          <a:lnRef idx="2">
-            <a:schemeClr val="accent1">
-              <a:shade val="50000"/>
-            </a:schemeClr>
-          </a:lnRef>
-          <a:fillRef idx="1">
-            <a:schemeClr val="accent1"/>
-          </a:fillRef>
-          <a:effectRef idx="0">
-            <a:schemeClr val="accent1"/>
-          </a:effectRef>
-          <a:fontRef idx="minor">
-            <a:schemeClr val="lt1"/>
-          </a:fontRef>
-        </p:style>
-        <p:txBody>
-          <a:bodyPr rtlCol="0" anchor="ctr"/>
-          <a:lstStyle/>
-          <a:p>
-            <a:pPr algn="ctr"/>
-            <a:endParaRPr kumimoji="1" lang="ja-JP" altLang="en-US">
-              <a:solidFill>
-                <a:schemeClr val="tx1"/>
-              </a:solidFill>
-            </a:endParaRPr>
-          </a:p>
-        </p:txBody>
-      </p:sp>
-      <p:sp>
-        <p:nvSpPr>
-          <p:cNvPr id="24" name="四角形: 角を丸くする 23">
-            <a:extLst>
-              <a:ext uri="{FF2B5EF4-FFF2-40B4-BE49-F238E27FC236}">
-                <a16:creationId xmlns:a16="http://schemas.microsoft.com/office/drawing/2014/main" id="{CAC996EF-6527-4A7D-B58E-8594D788900F}"/>
-              </a:ext>
-            </a:extLst>
-          </p:cNvPr>
-          <p:cNvSpPr/>
-          <p:nvPr/>
-        </p:nvSpPr>
-        <p:spPr>
-          <a:xfrm>
-            <a:off x="1835333" y="6192676"/>
-            <a:ext cx="4907466" cy="546506"/>
-          </a:xfrm>
-          <a:prstGeom prst="roundRect">
-            <a:avLst/>
-          </a:prstGeom>
-        </p:spPr>
-        <p:style>
-          <a:lnRef idx="2">
-            <a:schemeClr val="accent1">
-              <a:shade val="50000"/>
-            </a:schemeClr>
-          </a:lnRef>
-          <a:fillRef idx="1">
-            <a:schemeClr val="accent1"/>
-          </a:fillRef>
-          <a:effectRef idx="0">
-            <a:schemeClr val="accent1"/>
-          </a:effectRef>
-          <a:fontRef idx="minor">
-            <a:schemeClr val="lt1"/>
-          </a:fontRef>
-        </p:style>
-        <p:txBody>
-          <a:bodyPr rtlCol="0" anchor="ctr"/>
-          <a:lstStyle/>
-          <a:p>
-            <a:pPr algn="ctr"/>
-            <a:r>
-              <a:rPr kumimoji="1" lang="ja-JP" altLang="en-US" sz="2400" dirty="0"/>
-              <a:t>変数の種類によって特徴が違う </a:t>
-            </a:r>
-          </a:p>
-        </p:txBody>
-      </p:sp>
     </p:spTree>
     <p:extLst>
       <p:ext uri="{BB962C8B-B14F-4D97-AF65-F5344CB8AC3E}">
-        <p14:creationId xmlns:p14="http://schemas.microsoft.com/office/powerpoint/2010/main" val="1657693475"/>
+        <p14:creationId xmlns:p14="http://schemas.microsoft.com/office/powerpoint/2010/main" val="812960512"/>
       </p:ext>
     </p:extLst>
   </p:cSld>
@@ -10454,7 +10216,7 @@
           <p:cNvPr id="2" name="タイトル 1">
             <a:extLst>
               <a:ext uri="{FF2B5EF4-FFF2-40B4-BE49-F238E27FC236}">
-                <a16:creationId xmlns:a16="http://schemas.microsoft.com/office/drawing/2014/main" id="{F11D8D80-6D97-4065-8AA7-46B31507CD76}"/>
+                <a16:creationId xmlns:a16="http://schemas.microsoft.com/office/drawing/2014/main" id="{4E196C5B-CBAA-4B6E-BB68-CF8CE09AC668}"/>
               </a:ext>
             </a:extLst>
           </p:cNvPr>
@@ -10472,7 +10234,7 @@
           <a:p>
             <a:r>
               <a:rPr kumimoji="1" lang="ja-JP" altLang="en-US" dirty="0"/>
-              <a:t>練習問題</a:t>
+              <a:t>クラス変数、インスタンス変数</a:t>
             </a:r>
           </a:p>
         </p:txBody>
@@ -10482,7 +10244,7 @@
           <p:cNvPr id="3" name="コンテンツ プレースホルダー 2">
             <a:extLst>
               <a:ext uri="{FF2B5EF4-FFF2-40B4-BE49-F238E27FC236}">
-                <a16:creationId xmlns:a16="http://schemas.microsoft.com/office/drawing/2014/main" id="{6E83333B-49FA-4A50-8D32-E580AE89A1C0}"/>
+                <a16:creationId xmlns:a16="http://schemas.microsoft.com/office/drawing/2014/main" id="{030E4A60-88DD-4F37-823D-FB3521813E02}"/>
               </a:ext>
             </a:extLst>
           </p:cNvPr>
@@ -10495,8 +10257,8 @@
         </p:nvSpPr>
         <p:spPr>
           <a:xfrm>
-            <a:off x="449215" y="1183596"/>
-            <a:ext cx="11518196" cy="5674404"/>
+            <a:off x="430359" y="1118480"/>
+            <a:ext cx="11598241" cy="726691"/>
           </a:xfrm>
         </p:spPr>
         <p:txBody>
@@ -10506,182 +10268,10 @@
           <a:lstStyle/>
           <a:p>
             <a:r>
-              <a:rPr kumimoji="1" lang="ja-JP" altLang="en-US" dirty="0"/>
-              <a:t>クラス</a:t>
-            </a:r>
-            <a:r>
-              <a:rPr kumimoji="1" lang="en-US" altLang="ja-JP" dirty="0"/>
-              <a:t>Triangle</a:t>
-            </a:r>
-            <a:r>
-              <a:rPr kumimoji="1" lang="ja-JP" altLang="en-US" dirty="0"/>
-              <a:t>を作成</a:t>
-            </a:r>
-            <a:endParaRPr lang="en-US" altLang="ja-JP" dirty="0"/>
-          </a:p>
-          <a:p>
-            <a:r>
-              <a:rPr kumimoji="1" lang="en-US" altLang="ja-JP" dirty="0"/>
-              <a:t>Triangle</a:t>
-            </a:r>
-            <a:r>
-              <a:rPr kumimoji="1" lang="ja-JP" altLang="en-US" dirty="0"/>
-              <a:t>内に三角形の面積を求めるメソッドを作成</a:t>
-            </a:r>
-            <a:endParaRPr kumimoji="1" lang="en-US" altLang="ja-JP" dirty="0"/>
-          </a:p>
-          <a:p>
-            <a:r>
               <a:rPr lang="ja-JP" altLang="en-US" dirty="0"/>
-              <a:t>底辺 </a:t>
-            </a:r>
-            <a:r>
-              <a:rPr lang="en-US" altLang="ja-JP" dirty="0"/>
-              <a:t>= 6</a:t>
-            </a:r>
-            <a:r>
-              <a:rPr lang="ja-JP" altLang="en-US" dirty="0" err="1"/>
-              <a:t>、</a:t>
-            </a:r>
-            <a:r>
-              <a:rPr lang="ja-JP" altLang="en-US" dirty="0"/>
-              <a:t>高さ </a:t>
-            </a:r>
-            <a:r>
-              <a:rPr lang="en-US" altLang="ja-JP" dirty="0"/>
-              <a:t>= 10 </a:t>
-            </a:r>
-            <a:r>
-              <a:rPr lang="ja-JP" altLang="en-US" dirty="0"/>
-              <a:t>の三角形</a:t>
-            </a:r>
-            <a:r>
-              <a:rPr lang="en-US" altLang="ja-JP" dirty="0"/>
-              <a:t>triangle1</a:t>
-            </a:r>
-          </a:p>
-          <a:p>
-            <a:r>
-              <a:rPr kumimoji="1" lang="ja-JP" altLang="en-US" dirty="0"/>
-              <a:t>底辺 </a:t>
-            </a:r>
-            <a:r>
-              <a:rPr kumimoji="1" lang="en-US" altLang="ja-JP" dirty="0"/>
-              <a:t>= 2</a:t>
-            </a:r>
-            <a:r>
-              <a:rPr kumimoji="1" lang="ja-JP" altLang="en-US" dirty="0" err="1"/>
-              <a:t>、</a:t>
-            </a:r>
-            <a:r>
-              <a:rPr kumimoji="1" lang="ja-JP" altLang="en-US" dirty="0"/>
-              <a:t>高さ </a:t>
-            </a:r>
-            <a:r>
-              <a:rPr kumimoji="1" lang="en-US" altLang="ja-JP" dirty="0"/>
-              <a:t>= 5 </a:t>
-            </a:r>
-            <a:r>
-              <a:rPr kumimoji="1" lang="ja-JP" altLang="en-US" dirty="0"/>
-              <a:t>の三角形</a:t>
-            </a:r>
-            <a:r>
-              <a:rPr kumimoji="1" lang="en-US" altLang="ja-JP" dirty="0"/>
-              <a:t>triangle2</a:t>
-            </a:r>
-            <a:r>
-              <a:rPr kumimoji="1" lang="ja-JP" altLang="en-US" dirty="0"/>
-              <a:t>　　</a:t>
-            </a:r>
-            <a:r>
-              <a:rPr lang="ja-JP" altLang="en-US" dirty="0"/>
-              <a:t>を作成</a:t>
-            </a:r>
-            <a:endParaRPr lang="en-US" altLang="ja-JP" dirty="0"/>
-          </a:p>
-          <a:p>
-            <a:r>
-              <a:rPr kumimoji="1" lang="en-US" altLang="ja-JP" dirty="0" err="1"/>
-              <a:t>learn_python</a:t>
-            </a:r>
-            <a:r>
-              <a:rPr kumimoji="1" lang="en-US" altLang="ja-JP" dirty="0"/>
-              <a:t>/</a:t>
-            </a:r>
-            <a:r>
-              <a:rPr kumimoji="1" lang="en-US" altLang="ja-JP" dirty="0" err="1"/>
-              <a:t>kadai</a:t>
-            </a:r>
-            <a:r>
-              <a:rPr lang="en-US" altLang="ja-JP" dirty="0"/>
-              <a:t>/day3</a:t>
-            </a:r>
-            <a:r>
-              <a:rPr lang="ja-JP" altLang="en-US" dirty="0"/>
-              <a:t>内に</a:t>
-            </a:r>
-            <a:r>
-              <a:rPr lang="en-US" altLang="ja-JP" dirty="0"/>
-              <a:t>【2019/12/04【</a:t>
-            </a:r>
-            <a:r>
-              <a:rPr lang="ja-JP" altLang="en-US" dirty="0"/>
-              <a:t>自分の名前</a:t>
-            </a:r>
-            <a:r>
-              <a:rPr lang="en-US" altLang="ja-JP" dirty="0"/>
-              <a:t>】.</a:t>
-            </a:r>
-            <a:r>
-              <a:rPr lang="en-US" altLang="ja-JP" dirty="0" err="1"/>
-              <a:t>py</a:t>
-            </a:r>
-            <a:r>
-              <a:rPr lang="en-US" altLang="ja-JP" dirty="0"/>
-              <a:t>】</a:t>
-            </a:r>
-            <a:r>
-              <a:rPr lang="ja-JP" altLang="en-US" dirty="0"/>
-              <a:t>を</a:t>
-            </a:r>
-            <a:endParaRPr lang="en-US" altLang="ja-JP" dirty="0"/>
-          </a:p>
-          <a:p>
-            <a:r>
-              <a:rPr lang="en-US" altLang="ja-JP" dirty="0"/>
-              <a:t>pull request </a:t>
-            </a:r>
-            <a:r>
-              <a:rPr lang="ja-JP" altLang="en-US" dirty="0"/>
-              <a:t>する</a:t>
-            </a:r>
-            <a:endParaRPr lang="en-US" altLang="ja-JP" dirty="0"/>
-          </a:p>
-          <a:p>
-            <a:r>
-              <a:rPr kumimoji="1" lang="en-US" altLang="ja-JP" dirty="0"/>
-              <a:t>pull request</a:t>
-            </a:r>
-            <a:r>
-              <a:rPr kumimoji="1" lang="ja-JP" altLang="en-US" dirty="0"/>
-              <a:t>したら</a:t>
-            </a:r>
-            <a:r>
-              <a:rPr kumimoji="1" lang="en-US" altLang="ja-JP" dirty="0"/>
-              <a:t>issue【2019/12/04 </a:t>
-            </a:r>
-            <a:r>
-              <a:rPr kumimoji="1" lang="ja-JP" altLang="en-US" dirty="0"/>
-              <a:t>課題</a:t>
-            </a:r>
-            <a:r>
-              <a:rPr kumimoji="1" lang="en-US" altLang="ja-JP" dirty="0"/>
-              <a:t>】</a:t>
-            </a:r>
-            <a:r>
-              <a:rPr kumimoji="1" lang="ja-JP" altLang="en-US" dirty="0"/>
-              <a:t>にコメント</a:t>
-            </a:r>
+              <a:t>クラス変数、インスタンス変数、メソッド内の変数の比較</a:t>
+            </a:r>
+            <a:endParaRPr kumimoji="1" lang="ja-JP" altLang="en-US" dirty="0"/>
           </a:p>
         </p:txBody>
       </p:sp>
@@ -10690,7 +10280,7 @@
           <p:cNvPr id="4" name="スライド番号プレースホルダー 3">
             <a:extLst>
               <a:ext uri="{FF2B5EF4-FFF2-40B4-BE49-F238E27FC236}">
-                <a16:creationId xmlns:a16="http://schemas.microsoft.com/office/drawing/2014/main" id="{4FD84D7E-0987-4C58-A59C-1807BBE4C484}"/>
+                <a16:creationId xmlns:a16="http://schemas.microsoft.com/office/drawing/2014/main" id="{1B44C864-EB4D-4BE1-AA7D-2CB4A32AD4CD}"/>
               </a:ext>
             </a:extLst>
           </p:cNvPr>
@@ -10715,10 +10305,943 @@
           </a:p>
         </p:txBody>
       </p:sp>
+      <p:sp>
+        <p:nvSpPr>
+          <p:cNvPr id="15" name="正方形/長方形 14">
+            <a:extLst>
+              <a:ext uri="{FF2B5EF4-FFF2-40B4-BE49-F238E27FC236}">
+                <a16:creationId xmlns:a16="http://schemas.microsoft.com/office/drawing/2014/main" id="{22C63586-E6B3-4280-BAD6-0A4A61CE052A}"/>
+              </a:ext>
+            </a:extLst>
+          </p:cNvPr>
+          <p:cNvSpPr/>
+          <p:nvPr/>
+        </p:nvSpPr>
+        <p:spPr>
+          <a:xfrm>
+            <a:off x="430361" y="2310040"/>
+            <a:ext cx="3594882" cy="2862322"/>
+          </a:xfrm>
+          <a:prstGeom prst="rect">
+            <a:avLst/>
+          </a:prstGeom>
+          <a:solidFill>
+            <a:schemeClr val="accent1">
+              <a:lumMod val="20000"/>
+              <a:lumOff val="80000"/>
+            </a:schemeClr>
+          </a:solidFill>
+        </p:spPr>
+        <p:txBody>
+          <a:bodyPr wrap="square">
+            <a:spAutoFit/>
+          </a:bodyPr>
+          <a:lstStyle/>
+          <a:p>
+            <a:r>
+              <a:rPr lang="en-US" altLang="ja-JP" sz="2000" dirty="0"/>
+              <a:t>class Circles:</a:t>
+            </a:r>
+          </a:p>
+          <a:p>
+            <a:r>
+              <a:rPr lang="en-US" altLang="ja-JP" sz="2000" dirty="0"/>
+              <a:t>pi = 3.141592653589793</a:t>
+            </a:r>
+          </a:p>
+          <a:p>
+            <a:r>
+              <a:rPr lang="en-US" altLang="ja-JP" sz="2000" dirty="0"/>
+              <a:t>    </a:t>
+            </a:r>
+          </a:p>
+          <a:p>
+            <a:r>
+              <a:rPr lang="en-US" altLang="ja-JP" sz="2000" dirty="0"/>
+              <a:t>def __</a:t>
+            </a:r>
+            <a:r>
+              <a:rPr lang="en-US" altLang="ja-JP" sz="2000" dirty="0" err="1"/>
+              <a:t>init</a:t>
+            </a:r>
+            <a:r>
+              <a:rPr lang="en-US" altLang="ja-JP" sz="2000" dirty="0"/>
+              <a:t>__(self, r):</a:t>
+            </a:r>
+          </a:p>
+          <a:p>
+            <a:r>
+              <a:rPr lang="en-US" altLang="ja-JP" sz="2000" dirty="0"/>
+              <a:t>        </a:t>
+            </a:r>
+            <a:r>
+              <a:rPr lang="en-US" altLang="ja-JP" sz="2000" dirty="0" err="1"/>
+              <a:t>self.radius</a:t>
+            </a:r>
+            <a:r>
+              <a:rPr lang="en-US" altLang="ja-JP" sz="2000" dirty="0"/>
+              <a:t> = r</a:t>
+            </a:r>
+          </a:p>
+          <a:p>
+            <a:r>
+              <a:rPr lang="en-US" altLang="ja-JP" sz="2000" dirty="0"/>
+              <a:t>        </a:t>
+            </a:r>
+            <a:r>
+              <a:rPr lang="en-US" altLang="ja-JP" sz="2000" dirty="0" err="1"/>
+              <a:t>hoge</a:t>
+            </a:r>
+            <a:r>
+              <a:rPr lang="en-US" altLang="ja-JP" sz="2000" dirty="0"/>
+              <a:t> = 1</a:t>
+            </a:r>
+          </a:p>
+          <a:p>
+            <a:endParaRPr lang="en-US" altLang="ja-JP" sz="2000" dirty="0"/>
+          </a:p>
+          <a:p>
+            <a:r>
+              <a:rPr lang="fr-FR" altLang="ja-JP" sz="2000" dirty="0"/>
+              <a:t>circle_a = Circles(2)</a:t>
+            </a:r>
+          </a:p>
+          <a:p>
+            <a:r>
+              <a:rPr lang="fr-FR" altLang="ja-JP" sz="2000" dirty="0"/>
+              <a:t>print(circle_a.pi)</a:t>
+            </a:r>
+          </a:p>
+        </p:txBody>
+      </p:sp>
+      <p:sp>
+        <p:nvSpPr>
+          <p:cNvPr id="8" name="コンテンツ プレースホルダー 4">
+            <a:extLst>
+              <a:ext uri="{FF2B5EF4-FFF2-40B4-BE49-F238E27FC236}">
+                <a16:creationId xmlns:a16="http://schemas.microsoft.com/office/drawing/2014/main" id="{8D79E1A0-FC62-496B-A31A-D33FBCE9E83D}"/>
+              </a:ext>
+            </a:extLst>
+          </p:cNvPr>
+          <p:cNvSpPr>
+            <a:spLocks noGrp="1"/>
+          </p:cNvSpPr>
+          <p:nvPr>
+            <p:ph sz="quarter" idx="13"/>
+          </p:nvPr>
+        </p:nvSpPr>
+        <p:spPr>
+          <a:xfrm>
+            <a:off x="7852528" y="6494710"/>
+            <a:ext cx="4335385" cy="365125"/>
+          </a:xfrm>
+        </p:spPr>
+        <p:txBody>
+          <a:bodyPr>
+            <a:normAutofit fontScale="92500"/>
+          </a:bodyPr>
+          <a:lstStyle/>
+          <a:p>
+            <a:r>
+              <a:rPr lang="en-US" altLang="ja-JP" dirty="0">
+                <a:hlinkClick r:id="rId2"/>
+              </a:rPr>
+              <a:t>https://python.atelierkobato.com/instance/</a:t>
+            </a:r>
+            <a:endParaRPr kumimoji="1" lang="ja-JP" altLang="en-US" dirty="0"/>
+          </a:p>
+        </p:txBody>
+      </p:sp>
+      <p:sp>
+        <p:nvSpPr>
+          <p:cNvPr id="10" name="正方形/長方形 9">
+            <a:extLst>
+              <a:ext uri="{FF2B5EF4-FFF2-40B4-BE49-F238E27FC236}">
+                <a16:creationId xmlns:a16="http://schemas.microsoft.com/office/drawing/2014/main" id="{A72AA448-A79D-4F8E-969F-7439A078BE38}"/>
+              </a:ext>
+            </a:extLst>
+          </p:cNvPr>
+          <p:cNvSpPr/>
+          <p:nvPr/>
+        </p:nvSpPr>
+        <p:spPr>
+          <a:xfrm>
+            <a:off x="4289067" y="2310040"/>
+            <a:ext cx="3594882" cy="2862322"/>
+          </a:xfrm>
+          <a:prstGeom prst="rect">
+            <a:avLst/>
+          </a:prstGeom>
+          <a:solidFill>
+            <a:schemeClr val="accent1">
+              <a:lumMod val="20000"/>
+              <a:lumOff val="80000"/>
+            </a:schemeClr>
+          </a:solidFill>
+        </p:spPr>
+        <p:txBody>
+          <a:bodyPr wrap="square">
+            <a:spAutoFit/>
+          </a:bodyPr>
+          <a:lstStyle/>
+          <a:p>
+            <a:r>
+              <a:rPr lang="en-US" altLang="ja-JP" sz="2000" dirty="0"/>
+              <a:t>class Circles:</a:t>
+            </a:r>
+          </a:p>
+          <a:p>
+            <a:r>
+              <a:rPr lang="en-US" altLang="ja-JP" sz="2000" dirty="0"/>
+              <a:t>pi = 3.141592653589793</a:t>
+            </a:r>
+          </a:p>
+          <a:p>
+            <a:r>
+              <a:rPr lang="en-US" altLang="ja-JP" sz="2000" dirty="0"/>
+              <a:t>    </a:t>
+            </a:r>
+          </a:p>
+          <a:p>
+            <a:r>
+              <a:rPr lang="en-US" altLang="ja-JP" sz="2000" dirty="0"/>
+              <a:t>def __</a:t>
+            </a:r>
+            <a:r>
+              <a:rPr lang="en-US" altLang="ja-JP" sz="2000" dirty="0" err="1"/>
+              <a:t>init</a:t>
+            </a:r>
+            <a:r>
+              <a:rPr lang="en-US" altLang="ja-JP" sz="2000" dirty="0"/>
+              <a:t>__(self, r):</a:t>
+            </a:r>
+          </a:p>
+          <a:p>
+            <a:r>
+              <a:rPr lang="en-US" altLang="ja-JP" sz="2000" dirty="0"/>
+              <a:t>        </a:t>
+            </a:r>
+            <a:r>
+              <a:rPr lang="en-US" altLang="ja-JP" sz="2000" dirty="0" err="1"/>
+              <a:t>self.radius</a:t>
+            </a:r>
+            <a:r>
+              <a:rPr lang="en-US" altLang="ja-JP" sz="2000" dirty="0"/>
+              <a:t> = r</a:t>
+            </a:r>
+          </a:p>
+          <a:p>
+            <a:r>
+              <a:rPr lang="en-US" altLang="ja-JP" sz="2000" dirty="0"/>
+              <a:t>        </a:t>
+            </a:r>
+            <a:r>
+              <a:rPr lang="en-US" altLang="ja-JP" sz="2000" dirty="0" err="1"/>
+              <a:t>hoge</a:t>
+            </a:r>
+            <a:r>
+              <a:rPr lang="en-US" altLang="ja-JP" sz="2000" dirty="0"/>
+              <a:t> = 1</a:t>
+            </a:r>
+          </a:p>
+          <a:p>
+            <a:endParaRPr lang="en-US" altLang="ja-JP" sz="2000" dirty="0"/>
+          </a:p>
+          <a:p>
+            <a:r>
+              <a:rPr lang="fr-FR" altLang="ja-JP" sz="2000" dirty="0"/>
+              <a:t>circle_a = Circles(2)</a:t>
+            </a:r>
+          </a:p>
+          <a:p>
+            <a:r>
+              <a:rPr lang="fr-FR" altLang="ja-JP" sz="2000" dirty="0"/>
+              <a:t>print(circle_a.radius)</a:t>
+            </a:r>
+          </a:p>
+        </p:txBody>
+      </p:sp>
+      <p:sp>
+        <p:nvSpPr>
+          <p:cNvPr id="11" name="正方形/長方形 10">
+            <a:extLst>
+              <a:ext uri="{FF2B5EF4-FFF2-40B4-BE49-F238E27FC236}">
+                <a16:creationId xmlns:a16="http://schemas.microsoft.com/office/drawing/2014/main" id="{A218DE9B-4EC4-445C-BC0C-76E889C1DE10}"/>
+              </a:ext>
+            </a:extLst>
+          </p:cNvPr>
+          <p:cNvSpPr/>
+          <p:nvPr/>
+        </p:nvSpPr>
+        <p:spPr>
+          <a:xfrm>
+            <a:off x="8227899" y="2296143"/>
+            <a:ext cx="3594882" cy="2862322"/>
+          </a:xfrm>
+          <a:prstGeom prst="rect">
+            <a:avLst/>
+          </a:prstGeom>
+          <a:solidFill>
+            <a:schemeClr val="accent1">
+              <a:lumMod val="20000"/>
+              <a:lumOff val="80000"/>
+            </a:schemeClr>
+          </a:solidFill>
+        </p:spPr>
+        <p:txBody>
+          <a:bodyPr wrap="square">
+            <a:spAutoFit/>
+          </a:bodyPr>
+          <a:lstStyle/>
+          <a:p>
+            <a:r>
+              <a:rPr lang="en-US" altLang="ja-JP" sz="2000" dirty="0"/>
+              <a:t>class Circles:</a:t>
+            </a:r>
+          </a:p>
+          <a:p>
+            <a:r>
+              <a:rPr lang="en-US" altLang="ja-JP" sz="2000" dirty="0"/>
+              <a:t>pi = 3.141592653589793</a:t>
+            </a:r>
+          </a:p>
+          <a:p>
+            <a:r>
+              <a:rPr lang="en-US" altLang="ja-JP" sz="2000" dirty="0"/>
+              <a:t>    </a:t>
+            </a:r>
+          </a:p>
+          <a:p>
+            <a:r>
+              <a:rPr lang="en-US" altLang="ja-JP" sz="2000" dirty="0"/>
+              <a:t>def __</a:t>
+            </a:r>
+            <a:r>
+              <a:rPr lang="en-US" altLang="ja-JP" sz="2000" dirty="0" err="1"/>
+              <a:t>init</a:t>
+            </a:r>
+            <a:r>
+              <a:rPr lang="en-US" altLang="ja-JP" sz="2000" dirty="0"/>
+              <a:t>__(self, r):</a:t>
+            </a:r>
+          </a:p>
+          <a:p>
+            <a:r>
+              <a:rPr lang="en-US" altLang="ja-JP" sz="2000" dirty="0"/>
+              <a:t>        </a:t>
+            </a:r>
+            <a:r>
+              <a:rPr lang="en-US" altLang="ja-JP" sz="2000" dirty="0" err="1"/>
+              <a:t>self.radius</a:t>
+            </a:r>
+            <a:r>
+              <a:rPr lang="en-US" altLang="ja-JP" sz="2000" dirty="0"/>
+              <a:t> = r</a:t>
+            </a:r>
+          </a:p>
+          <a:p>
+            <a:r>
+              <a:rPr lang="en-US" altLang="ja-JP" sz="2000" dirty="0"/>
+              <a:t>        </a:t>
+            </a:r>
+            <a:r>
+              <a:rPr lang="en-US" altLang="ja-JP" sz="2000" dirty="0" err="1"/>
+              <a:t>hoge</a:t>
+            </a:r>
+            <a:r>
+              <a:rPr lang="en-US" altLang="ja-JP" sz="2000" dirty="0"/>
+              <a:t> = 1</a:t>
+            </a:r>
+          </a:p>
+          <a:p>
+            <a:endParaRPr lang="en-US" altLang="ja-JP" sz="2000" dirty="0"/>
+          </a:p>
+          <a:p>
+            <a:r>
+              <a:rPr lang="fr-FR" altLang="ja-JP" sz="2000" dirty="0"/>
+              <a:t>circle_a = Circles(2)</a:t>
+            </a:r>
+          </a:p>
+          <a:p>
+            <a:r>
+              <a:rPr lang="fr-FR" altLang="ja-JP" sz="2000" dirty="0"/>
+              <a:t>print(circle_a.hoge)</a:t>
+            </a:r>
+          </a:p>
+        </p:txBody>
+      </p:sp>
+      <p:sp>
+        <p:nvSpPr>
+          <p:cNvPr id="6" name="テキスト ボックス 5">
+            <a:extLst>
+              <a:ext uri="{FF2B5EF4-FFF2-40B4-BE49-F238E27FC236}">
+                <a16:creationId xmlns:a16="http://schemas.microsoft.com/office/drawing/2014/main" id="{F09D1E13-A2D9-490B-A33C-9F57867E4890}"/>
+              </a:ext>
+            </a:extLst>
+          </p:cNvPr>
+          <p:cNvSpPr txBox="1"/>
+          <p:nvPr/>
+        </p:nvSpPr>
+        <p:spPr>
+          <a:xfrm>
+            <a:off x="776053" y="1856425"/>
+            <a:ext cx="2735725" cy="461665"/>
+          </a:xfrm>
+          <a:prstGeom prst="rect">
+            <a:avLst/>
+          </a:prstGeom>
+          <a:noFill/>
+        </p:spPr>
+        <p:txBody>
+          <a:bodyPr wrap="square" rtlCol="0">
+            <a:spAutoFit/>
+          </a:bodyPr>
+          <a:lstStyle/>
+          <a:p>
+            <a:r>
+              <a:rPr lang="ja-JP" altLang="en-US" sz="2400" b="1" dirty="0"/>
+              <a:t>クラス変数の参照</a:t>
+            </a:r>
+          </a:p>
+        </p:txBody>
+      </p:sp>
+      <p:sp>
+        <p:nvSpPr>
+          <p:cNvPr id="13" name="テキスト ボックス 12">
+            <a:extLst>
+              <a:ext uri="{FF2B5EF4-FFF2-40B4-BE49-F238E27FC236}">
+                <a16:creationId xmlns:a16="http://schemas.microsoft.com/office/drawing/2014/main" id="{5DCD49AC-7391-4972-A2E0-E1816D5DCB6D}"/>
+              </a:ext>
+            </a:extLst>
+          </p:cNvPr>
+          <p:cNvSpPr txBox="1"/>
+          <p:nvPr/>
+        </p:nvSpPr>
+        <p:spPr>
+          <a:xfrm>
+            <a:off x="4223080" y="1848080"/>
+            <a:ext cx="3936254" cy="461665"/>
+          </a:xfrm>
+          <a:prstGeom prst="rect">
+            <a:avLst/>
+          </a:prstGeom>
+          <a:noFill/>
+        </p:spPr>
+        <p:txBody>
+          <a:bodyPr wrap="square" rtlCol="0">
+            <a:spAutoFit/>
+          </a:bodyPr>
+          <a:lstStyle/>
+          <a:p>
+            <a:r>
+              <a:rPr lang="ja-JP" altLang="en-US" sz="2400" b="1" dirty="0"/>
+              <a:t>インスタンス変数の参照</a:t>
+            </a:r>
+          </a:p>
+        </p:txBody>
+      </p:sp>
+      <p:sp>
+        <p:nvSpPr>
+          <p:cNvPr id="17" name="テキスト ボックス 16">
+            <a:extLst>
+              <a:ext uri="{FF2B5EF4-FFF2-40B4-BE49-F238E27FC236}">
+                <a16:creationId xmlns:a16="http://schemas.microsoft.com/office/drawing/2014/main" id="{ED217F98-72B8-4C71-8050-BBFAACB8D24A}"/>
+              </a:ext>
+            </a:extLst>
+          </p:cNvPr>
+          <p:cNvSpPr txBox="1"/>
+          <p:nvPr/>
+        </p:nvSpPr>
+        <p:spPr>
+          <a:xfrm>
+            <a:off x="8227898" y="1848375"/>
+            <a:ext cx="3694796" cy="461665"/>
+          </a:xfrm>
+          <a:prstGeom prst="rect">
+            <a:avLst/>
+          </a:prstGeom>
+          <a:noFill/>
+        </p:spPr>
+        <p:txBody>
+          <a:bodyPr wrap="square" rtlCol="0">
+            <a:spAutoFit/>
+          </a:bodyPr>
+          <a:lstStyle/>
+          <a:p>
+            <a:r>
+              <a:rPr lang="ja-JP" altLang="en-US" sz="2400" b="1" dirty="0"/>
+              <a:t>メソッド内の変数の参照</a:t>
+            </a:r>
+          </a:p>
+        </p:txBody>
+      </p:sp>
+      <p:sp>
+        <p:nvSpPr>
+          <p:cNvPr id="7" name="テキスト ボックス 6">
+            <a:extLst>
+              <a:ext uri="{FF2B5EF4-FFF2-40B4-BE49-F238E27FC236}">
+                <a16:creationId xmlns:a16="http://schemas.microsoft.com/office/drawing/2014/main" id="{DABD4151-C8A7-4CDE-8E94-94E473F4D92F}"/>
+              </a:ext>
+            </a:extLst>
+          </p:cNvPr>
+          <p:cNvSpPr txBox="1"/>
+          <p:nvPr/>
+        </p:nvSpPr>
+        <p:spPr>
+          <a:xfrm>
+            <a:off x="364371" y="5302048"/>
+            <a:ext cx="2102178" cy="400110"/>
+          </a:xfrm>
+          <a:prstGeom prst="rect">
+            <a:avLst/>
+          </a:prstGeom>
+          <a:noFill/>
+        </p:spPr>
+        <p:txBody>
+          <a:bodyPr wrap="square" rtlCol="0">
+            <a:spAutoFit/>
+          </a:bodyPr>
+          <a:lstStyle/>
+          <a:p>
+            <a:r>
+              <a:rPr kumimoji="1" lang="ja-JP" altLang="en-US" sz="2000" b="1" dirty="0"/>
+              <a:t>結果</a:t>
+            </a:r>
+          </a:p>
+        </p:txBody>
+      </p:sp>
+      <p:sp>
+        <p:nvSpPr>
+          <p:cNvPr id="9" name="正方形/長方形 8">
+            <a:extLst>
+              <a:ext uri="{FF2B5EF4-FFF2-40B4-BE49-F238E27FC236}">
+                <a16:creationId xmlns:a16="http://schemas.microsoft.com/office/drawing/2014/main" id="{EA60CD71-424A-4267-8216-3B4B5401A0EF}"/>
+              </a:ext>
+            </a:extLst>
+          </p:cNvPr>
+          <p:cNvSpPr/>
+          <p:nvPr/>
+        </p:nvSpPr>
+        <p:spPr>
+          <a:xfrm>
+            <a:off x="430359" y="5643452"/>
+            <a:ext cx="3594881" cy="400110"/>
+          </a:xfrm>
+          <a:prstGeom prst="rect">
+            <a:avLst/>
+          </a:prstGeom>
+          <a:solidFill>
+            <a:schemeClr val="accent1">
+              <a:lumMod val="20000"/>
+              <a:lumOff val="80000"/>
+            </a:schemeClr>
+          </a:solidFill>
+        </p:spPr>
+        <p:txBody>
+          <a:bodyPr wrap="square">
+            <a:spAutoFit/>
+          </a:bodyPr>
+          <a:lstStyle/>
+          <a:p>
+            <a:r>
+              <a:rPr lang="ja-JP" altLang="en-US" sz="2000" dirty="0"/>
+              <a:t>3.141592653589793</a:t>
+            </a:r>
+          </a:p>
+        </p:txBody>
+      </p:sp>
+      <p:sp>
+        <p:nvSpPr>
+          <p:cNvPr id="18" name="テキスト ボックス 17">
+            <a:extLst>
+              <a:ext uri="{FF2B5EF4-FFF2-40B4-BE49-F238E27FC236}">
+                <a16:creationId xmlns:a16="http://schemas.microsoft.com/office/drawing/2014/main" id="{3BAC1C26-90DE-4780-8C49-CC33AF5AF736}"/>
+              </a:ext>
+            </a:extLst>
+          </p:cNvPr>
+          <p:cNvSpPr txBox="1"/>
+          <p:nvPr/>
+        </p:nvSpPr>
+        <p:spPr>
+          <a:xfrm>
+            <a:off x="4223080" y="5268363"/>
+            <a:ext cx="2102178" cy="400110"/>
+          </a:xfrm>
+          <a:prstGeom prst="rect">
+            <a:avLst/>
+          </a:prstGeom>
+          <a:noFill/>
+        </p:spPr>
+        <p:txBody>
+          <a:bodyPr wrap="square" rtlCol="0">
+            <a:spAutoFit/>
+          </a:bodyPr>
+          <a:lstStyle/>
+          <a:p>
+            <a:r>
+              <a:rPr kumimoji="1" lang="ja-JP" altLang="en-US" sz="2000" b="1" dirty="0"/>
+              <a:t>結果</a:t>
+            </a:r>
+          </a:p>
+        </p:txBody>
+      </p:sp>
+      <p:sp>
+        <p:nvSpPr>
+          <p:cNvPr id="19" name="正方形/長方形 18">
+            <a:extLst>
+              <a:ext uri="{FF2B5EF4-FFF2-40B4-BE49-F238E27FC236}">
+                <a16:creationId xmlns:a16="http://schemas.microsoft.com/office/drawing/2014/main" id="{6AC95AC7-3FB1-4C50-A376-C3CEF28D5146}"/>
+              </a:ext>
+            </a:extLst>
+          </p:cNvPr>
+          <p:cNvSpPr/>
+          <p:nvPr/>
+        </p:nvSpPr>
+        <p:spPr>
+          <a:xfrm>
+            <a:off x="4289068" y="5609767"/>
+            <a:ext cx="3594881" cy="400110"/>
+          </a:xfrm>
+          <a:prstGeom prst="rect">
+            <a:avLst/>
+          </a:prstGeom>
+          <a:solidFill>
+            <a:schemeClr val="accent1">
+              <a:lumMod val="20000"/>
+              <a:lumOff val="80000"/>
+            </a:schemeClr>
+          </a:solidFill>
+        </p:spPr>
+        <p:txBody>
+          <a:bodyPr wrap="square">
+            <a:spAutoFit/>
+          </a:bodyPr>
+          <a:lstStyle/>
+          <a:p>
+            <a:r>
+              <a:rPr lang="en-US" altLang="ja-JP" sz="2000" dirty="0"/>
+              <a:t>2</a:t>
+            </a:r>
+            <a:endParaRPr lang="ja-JP" altLang="en-US" sz="2000" dirty="0"/>
+          </a:p>
+        </p:txBody>
+      </p:sp>
+      <p:sp>
+        <p:nvSpPr>
+          <p:cNvPr id="20" name="テキスト ボックス 19">
+            <a:extLst>
+              <a:ext uri="{FF2B5EF4-FFF2-40B4-BE49-F238E27FC236}">
+                <a16:creationId xmlns:a16="http://schemas.microsoft.com/office/drawing/2014/main" id="{A426815C-19CB-49A3-BAF3-48AC6EA55BE3}"/>
+              </a:ext>
+            </a:extLst>
+          </p:cNvPr>
+          <p:cNvSpPr txBox="1"/>
+          <p:nvPr/>
+        </p:nvSpPr>
+        <p:spPr>
+          <a:xfrm>
+            <a:off x="8227898" y="5280854"/>
+            <a:ext cx="3734713" cy="400110"/>
+          </a:xfrm>
+          <a:prstGeom prst="rect">
+            <a:avLst/>
+          </a:prstGeom>
+          <a:noFill/>
+        </p:spPr>
+        <p:txBody>
+          <a:bodyPr wrap="square" rtlCol="0">
+            <a:spAutoFit/>
+          </a:bodyPr>
+          <a:lstStyle/>
+          <a:p>
+            <a:r>
+              <a:rPr kumimoji="1" lang="ja-JP" altLang="en-US" sz="2000" b="1" dirty="0"/>
+              <a:t>結果</a:t>
+            </a:r>
+            <a:r>
+              <a:rPr lang="ja-JP" altLang="en-US" sz="2000" b="1" dirty="0"/>
+              <a:t>（エラーが発生）</a:t>
+            </a:r>
+            <a:endParaRPr kumimoji="1" lang="ja-JP" altLang="en-US" sz="2000" b="1" dirty="0"/>
+          </a:p>
+        </p:txBody>
+      </p:sp>
+      <p:sp>
+        <p:nvSpPr>
+          <p:cNvPr id="21" name="正方形/長方形 20">
+            <a:extLst>
+              <a:ext uri="{FF2B5EF4-FFF2-40B4-BE49-F238E27FC236}">
+                <a16:creationId xmlns:a16="http://schemas.microsoft.com/office/drawing/2014/main" id="{893A38D1-B12F-4C7D-AB20-E8CFE2C59C5B}"/>
+              </a:ext>
+            </a:extLst>
+          </p:cNvPr>
+          <p:cNvSpPr/>
+          <p:nvPr/>
+        </p:nvSpPr>
+        <p:spPr>
+          <a:xfrm>
+            <a:off x="8260891" y="5674292"/>
+            <a:ext cx="3668725" cy="338554"/>
+          </a:xfrm>
+          <a:prstGeom prst="rect">
+            <a:avLst/>
+          </a:prstGeom>
+          <a:solidFill>
+            <a:schemeClr val="accent1">
+              <a:lumMod val="20000"/>
+              <a:lumOff val="80000"/>
+            </a:schemeClr>
+          </a:solidFill>
+        </p:spPr>
+        <p:txBody>
+          <a:bodyPr wrap="square">
+            <a:spAutoFit/>
+          </a:bodyPr>
+          <a:lstStyle/>
+          <a:p>
+            <a:r>
+              <a:rPr lang="en-US" altLang="ja-JP" sz="1600" dirty="0"/>
+              <a:t>'Circles' object has no attribute '</a:t>
+            </a:r>
+            <a:r>
+              <a:rPr lang="en-US" altLang="ja-JP" sz="1600" dirty="0" err="1"/>
+              <a:t>hoge</a:t>
+            </a:r>
+            <a:r>
+              <a:rPr lang="en-US" altLang="ja-JP" sz="1600" dirty="0"/>
+              <a:t>'</a:t>
+            </a:r>
+            <a:endParaRPr lang="ja-JP" altLang="en-US" dirty="0"/>
+          </a:p>
+        </p:txBody>
+      </p:sp>
+      <p:sp>
+        <p:nvSpPr>
+          <p:cNvPr id="12" name="フレーム 11">
+            <a:extLst>
+              <a:ext uri="{FF2B5EF4-FFF2-40B4-BE49-F238E27FC236}">
+                <a16:creationId xmlns:a16="http://schemas.microsoft.com/office/drawing/2014/main" id="{2409B387-F9FF-4505-A00F-606C9E0FC796}"/>
+              </a:ext>
+            </a:extLst>
+          </p:cNvPr>
+          <p:cNvSpPr/>
+          <p:nvPr/>
+        </p:nvSpPr>
+        <p:spPr>
+          <a:xfrm>
+            <a:off x="8234051" y="4751014"/>
+            <a:ext cx="2333396" cy="473188"/>
+          </a:xfrm>
+          <a:prstGeom prst="frame">
+            <a:avLst/>
+          </a:prstGeom>
+          <a:solidFill>
+            <a:srgbClr val="FF0000"/>
+          </a:solidFill>
+          <a:ln>
+            <a:solidFill>
+              <a:srgbClr val="C00000"/>
+            </a:solidFill>
+          </a:ln>
+        </p:spPr>
+        <p:style>
+          <a:lnRef idx="2">
+            <a:schemeClr val="accent1">
+              <a:shade val="50000"/>
+            </a:schemeClr>
+          </a:lnRef>
+          <a:fillRef idx="1">
+            <a:schemeClr val="accent1"/>
+          </a:fillRef>
+          <a:effectRef idx="0">
+            <a:schemeClr val="accent1"/>
+          </a:effectRef>
+          <a:fontRef idx="minor">
+            <a:schemeClr val="lt1"/>
+          </a:fontRef>
+        </p:style>
+        <p:txBody>
+          <a:bodyPr rtlCol="0" anchor="ctr"/>
+          <a:lstStyle/>
+          <a:p>
+            <a:pPr algn="ctr"/>
+            <a:endParaRPr kumimoji="1" lang="ja-JP" altLang="en-US">
+              <a:solidFill>
+                <a:schemeClr val="tx1"/>
+              </a:solidFill>
+            </a:endParaRPr>
+          </a:p>
+        </p:txBody>
+      </p:sp>
+      <p:sp>
+        <p:nvSpPr>
+          <p:cNvPr id="22" name="フレーム 21">
+            <a:extLst>
+              <a:ext uri="{FF2B5EF4-FFF2-40B4-BE49-F238E27FC236}">
+                <a16:creationId xmlns:a16="http://schemas.microsoft.com/office/drawing/2014/main" id="{6529721A-AF94-4D43-8791-AB5430963FA3}"/>
+              </a:ext>
+            </a:extLst>
+          </p:cNvPr>
+          <p:cNvSpPr/>
+          <p:nvPr/>
+        </p:nvSpPr>
+        <p:spPr>
+          <a:xfrm>
+            <a:off x="4289066" y="4756602"/>
+            <a:ext cx="2413391" cy="473188"/>
+          </a:xfrm>
+          <a:prstGeom prst="frame">
+            <a:avLst/>
+          </a:prstGeom>
+          <a:solidFill>
+            <a:srgbClr val="FF0000"/>
+          </a:solidFill>
+          <a:ln>
+            <a:solidFill>
+              <a:srgbClr val="C00000"/>
+            </a:solidFill>
+          </a:ln>
+        </p:spPr>
+        <p:style>
+          <a:lnRef idx="2">
+            <a:schemeClr val="accent1">
+              <a:shade val="50000"/>
+            </a:schemeClr>
+          </a:lnRef>
+          <a:fillRef idx="1">
+            <a:schemeClr val="accent1"/>
+          </a:fillRef>
+          <a:effectRef idx="0">
+            <a:schemeClr val="accent1"/>
+          </a:effectRef>
+          <a:fontRef idx="minor">
+            <a:schemeClr val="lt1"/>
+          </a:fontRef>
+        </p:style>
+        <p:txBody>
+          <a:bodyPr rtlCol="0" anchor="ctr"/>
+          <a:lstStyle/>
+          <a:p>
+            <a:pPr algn="ctr"/>
+            <a:endParaRPr kumimoji="1" lang="ja-JP" altLang="en-US">
+              <a:solidFill>
+                <a:schemeClr val="tx1"/>
+              </a:solidFill>
+            </a:endParaRPr>
+          </a:p>
+        </p:txBody>
+      </p:sp>
+      <p:sp>
+        <p:nvSpPr>
+          <p:cNvPr id="23" name="フレーム 22">
+            <a:extLst>
+              <a:ext uri="{FF2B5EF4-FFF2-40B4-BE49-F238E27FC236}">
+                <a16:creationId xmlns:a16="http://schemas.microsoft.com/office/drawing/2014/main" id="{780D64E1-8EC6-41E7-A609-FF3C286E29AE}"/>
+              </a:ext>
+            </a:extLst>
+          </p:cNvPr>
+          <p:cNvSpPr/>
+          <p:nvPr/>
+        </p:nvSpPr>
+        <p:spPr>
+          <a:xfrm>
+            <a:off x="453666" y="4747897"/>
+            <a:ext cx="2046402" cy="473188"/>
+          </a:xfrm>
+          <a:prstGeom prst="frame">
+            <a:avLst/>
+          </a:prstGeom>
+          <a:solidFill>
+            <a:srgbClr val="FF0000"/>
+          </a:solidFill>
+          <a:ln>
+            <a:solidFill>
+              <a:srgbClr val="C00000"/>
+            </a:solidFill>
+          </a:ln>
+        </p:spPr>
+        <p:style>
+          <a:lnRef idx="2">
+            <a:schemeClr val="accent1">
+              <a:shade val="50000"/>
+            </a:schemeClr>
+          </a:lnRef>
+          <a:fillRef idx="1">
+            <a:schemeClr val="accent1"/>
+          </a:fillRef>
+          <a:effectRef idx="0">
+            <a:schemeClr val="accent1"/>
+          </a:effectRef>
+          <a:fontRef idx="minor">
+            <a:schemeClr val="lt1"/>
+          </a:fontRef>
+        </p:style>
+        <p:txBody>
+          <a:bodyPr rtlCol="0" anchor="ctr"/>
+          <a:lstStyle/>
+          <a:p>
+            <a:pPr algn="ctr"/>
+            <a:endParaRPr kumimoji="1" lang="ja-JP" altLang="en-US">
+              <a:solidFill>
+                <a:schemeClr val="tx1"/>
+              </a:solidFill>
+            </a:endParaRPr>
+          </a:p>
+        </p:txBody>
+      </p:sp>
+      <p:sp>
+        <p:nvSpPr>
+          <p:cNvPr id="24" name="四角形: 角を丸くする 23">
+            <a:extLst>
+              <a:ext uri="{FF2B5EF4-FFF2-40B4-BE49-F238E27FC236}">
+                <a16:creationId xmlns:a16="http://schemas.microsoft.com/office/drawing/2014/main" id="{CAC996EF-6527-4A7D-B58E-8594D788900F}"/>
+              </a:ext>
+            </a:extLst>
+          </p:cNvPr>
+          <p:cNvSpPr/>
+          <p:nvPr/>
+        </p:nvSpPr>
+        <p:spPr>
+          <a:xfrm>
+            <a:off x="1835333" y="6192676"/>
+            <a:ext cx="4907466" cy="546506"/>
+          </a:xfrm>
+          <a:prstGeom prst="roundRect">
+            <a:avLst/>
+          </a:prstGeom>
+        </p:spPr>
+        <p:style>
+          <a:lnRef idx="2">
+            <a:schemeClr val="accent1">
+              <a:shade val="50000"/>
+            </a:schemeClr>
+          </a:lnRef>
+          <a:fillRef idx="1">
+            <a:schemeClr val="accent1"/>
+          </a:fillRef>
+          <a:effectRef idx="0">
+            <a:schemeClr val="accent1"/>
+          </a:effectRef>
+          <a:fontRef idx="minor">
+            <a:schemeClr val="lt1"/>
+          </a:fontRef>
+        </p:style>
+        <p:txBody>
+          <a:bodyPr rtlCol="0" anchor="ctr"/>
+          <a:lstStyle/>
+          <a:p>
+            <a:pPr algn="ctr"/>
+            <a:r>
+              <a:rPr kumimoji="1" lang="ja-JP" altLang="en-US" sz="2400" dirty="0"/>
+              <a:t>変数の種類によって特徴が違う </a:t>
+            </a:r>
+          </a:p>
+        </p:txBody>
+      </p:sp>
     </p:spTree>
     <p:extLst>
       <p:ext uri="{BB962C8B-B14F-4D97-AF65-F5344CB8AC3E}">
-        <p14:creationId xmlns:p14="http://schemas.microsoft.com/office/powerpoint/2010/main" val="3295472686"/>
+        <p14:creationId xmlns:p14="http://schemas.microsoft.com/office/powerpoint/2010/main" val="1657693475"/>
       </p:ext>
     </p:extLst>
   </p:cSld>
@@ -11345,6 +11868,302 @@
     <p:extLst>
       <p:ext uri="{BB962C8B-B14F-4D97-AF65-F5344CB8AC3E}">
         <p14:creationId xmlns:p14="http://schemas.microsoft.com/office/powerpoint/2010/main" val="1751654451"/>
+      </p:ext>
+    </p:extLst>
+  </p:cSld>
+  <p:clrMapOvr>
+    <a:masterClrMapping/>
+  </p:clrMapOvr>
+</p:sld>
+</file>
+
+<file path=ppt/slides/slide20.xml><?xml version="1.0" encoding="utf-8"?>
+<p:sld xmlns:a="http://schemas.openxmlformats.org/drawingml/2006/main" xmlns:r="http://schemas.openxmlformats.org/officeDocument/2006/relationships" xmlns:p="http://schemas.openxmlformats.org/presentationml/2006/main">
+  <p:cSld>
+    <p:spTree>
+      <p:nvGrpSpPr>
+        <p:cNvPr id="1" name=""/>
+        <p:cNvGrpSpPr/>
+        <p:nvPr/>
+      </p:nvGrpSpPr>
+      <p:grpSpPr>
+        <a:xfrm>
+          <a:off x="0" y="0"/>
+          <a:ext cx="0" cy="0"/>
+          <a:chOff x="0" y="0"/>
+          <a:chExt cx="0" cy="0"/>
+        </a:xfrm>
+      </p:grpSpPr>
+      <p:sp>
+        <p:nvSpPr>
+          <p:cNvPr id="2" name="タイトル 1">
+            <a:extLst>
+              <a:ext uri="{FF2B5EF4-FFF2-40B4-BE49-F238E27FC236}">
+                <a16:creationId xmlns:a16="http://schemas.microsoft.com/office/drawing/2014/main" id="{F11D8D80-6D97-4065-8AA7-46B31507CD76}"/>
+              </a:ext>
+            </a:extLst>
+          </p:cNvPr>
+          <p:cNvSpPr>
+            <a:spLocks noGrp="1"/>
+          </p:cNvSpPr>
+          <p:nvPr>
+            <p:ph type="title"/>
+          </p:nvPr>
+        </p:nvSpPr>
+        <p:spPr/>
+        <p:txBody>
+          <a:bodyPr/>
+          <a:lstStyle/>
+          <a:p>
+            <a:r>
+              <a:rPr kumimoji="1" lang="ja-JP" altLang="en-US" dirty="0"/>
+              <a:t>練習問題</a:t>
+            </a:r>
+          </a:p>
+        </p:txBody>
+      </p:sp>
+      <p:sp>
+        <p:nvSpPr>
+          <p:cNvPr id="3" name="コンテンツ プレースホルダー 2">
+            <a:extLst>
+              <a:ext uri="{FF2B5EF4-FFF2-40B4-BE49-F238E27FC236}">
+                <a16:creationId xmlns:a16="http://schemas.microsoft.com/office/drawing/2014/main" id="{6E83333B-49FA-4A50-8D32-E580AE89A1C0}"/>
+              </a:ext>
+            </a:extLst>
+          </p:cNvPr>
+          <p:cNvSpPr>
+            <a:spLocks noGrp="1"/>
+          </p:cNvSpPr>
+          <p:nvPr>
+            <p:ph idx="1"/>
+          </p:nvPr>
+        </p:nvSpPr>
+        <p:spPr>
+          <a:xfrm>
+            <a:off x="449215" y="1183596"/>
+            <a:ext cx="11518196" cy="5674404"/>
+          </a:xfrm>
+        </p:spPr>
+        <p:txBody>
+          <a:bodyPr>
+            <a:normAutofit/>
+          </a:bodyPr>
+          <a:lstStyle/>
+          <a:p>
+            <a:r>
+              <a:rPr kumimoji="1" lang="ja-JP" altLang="en-US" dirty="0"/>
+              <a:t>クラス</a:t>
+            </a:r>
+            <a:r>
+              <a:rPr kumimoji="1" lang="en-US" altLang="ja-JP" dirty="0"/>
+              <a:t>Triangle</a:t>
+            </a:r>
+            <a:r>
+              <a:rPr kumimoji="1" lang="ja-JP" altLang="en-US" dirty="0"/>
+              <a:t>を作成</a:t>
+            </a:r>
+            <a:endParaRPr lang="en-US" altLang="ja-JP" dirty="0"/>
+          </a:p>
+          <a:p>
+            <a:r>
+              <a:rPr kumimoji="1" lang="en-US" altLang="ja-JP" dirty="0"/>
+              <a:t>Triangle</a:t>
+            </a:r>
+            <a:r>
+              <a:rPr kumimoji="1" lang="ja-JP" altLang="en-US" dirty="0"/>
+              <a:t>内に三角形の面積を求めるメソッドを作成</a:t>
+            </a:r>
+            <a:endParaRPr kumimoji="1" lang="en-US" altLang="ja-JP" dirty="0"/>
+          </a:p>
+          <a:p>
+            <a:r>
+              <a:rPr lang="ja-JP" altLang="en-US" dirty="0"/>
+              <a:t>底辺 </a:t>
+            </a:r>
+            <a:r>
+              <a:rPr lang="en-US" altLang="ja-JP" dirty="0"/>
+              <a:t>= 6</a:t>
+            </a:r>
+            <a:r>
+              <a:rPr lang="ja-JP" altLang="en-US" dirty="0" err="1"/>
+              <a:t>、</a:t>
+            </a:r>
+            <a:r>
+              <a:rPr lang="ja-JP" altLang="en-US" dirty="0"/>
+              <a:t>高さ </a:t>
+            </a:r>
+            <a:r>
+              <a:rPr lang="en-US" altLang="ja-JP" dirty="0"/>
+              <a:t>= 10 </a:t>
+            </a:r>
+            <a:r>
+              <a:rPr lang="ja-JP" altLang="en-US" dirty="0"/>
+              <a:t>の三角形</a:t>
+            </a:r>
+            <a:r>
+              <a:rPr lang="en-US" altLang="ja-JP" dirty="0"/>
+              <a:t>triangle1</a:t>
+            </a:r>
+          </a:p>
+          <a:p>
+            <a:r>
+              <a:rPr kumimoji="1" lang="ja-JP" altLang="en-US" dirty="0"/>
+              <a:t>底辺 </a:t>
+            </a:r>
+            <a:r>
+              <a:rPr kumimoji="1" lang="en-US" altLang="ja-JP" dirty="0"/>
+              <a:t>= 2</a:t>
+            </a:r>
+            <a:r>
+              <a:rPr kumimoji="1" lang="ja-JP" altLang="en-US" dirty="0" err="1"/>
+              <a:t>、</a:t>
+            </a:r>
+            <a:r>
+              <a:rPr kumimoji="1" lang="ja-JP" altLang="en-US" dirty="0"/>
+              <a:t>高さ </a:t>
+            </a:r>
+            <a:r>
+              <a:rPr kumimoji="1" lang="en-US" altLang="ja-JP" dirty="0"/>
+              <a:t>= 5 </a:t>
+            </a:r>
+            <a:r>
+              <a:rPr kumimoji="1" lang="ja-JP" altLang="en-US" dirty="0"/>
+              <a:t>の三角形</a:t>
+            </a:r>
+            <a:r>
+              <a:rPr kumimoji="1" lang="en-US" altLang="ja-JP" dirty="0"/>
+              <a:t>triangle2</a:t>
+            </a:r>
+            <a:r>
+              <a:rPr kumimoji="1" lang="ja-JP" altLang="en-US" dirty="0"/>
+              <a:t>　　</a:t>
+            </a:r>
+            <a:r>
+              <a:rPr lang="ja-JP" altLang="en-US" dirty="0"/>
+              <a:t>を作成</a:t>
+            </a:r>
+            <a:endParaRPr lang="en-US" altLang="ja-JP" dirty="0"/>
+          </a:p>
+          <a:p>
+            <a:r>
+              <a:rPr kumimoji="1" lang="en-US" altLang="ja-JP" dirty="0" err="1"/>
+              <a:t>learn_python</a:t>
+            </a:r>
+            <a:r>
+              <a:rPr kumimoji="1" lang="en-US" altLang="ja-JP" dirty="0"/>
+              <a:t>/</a:t>
+            </a:r>
+            <a:r>
+              <a:rPr kumimoji="1" lang="en-US" altLang="ja-JP" dirty="0" err="1"/>
+              <a:t>kadai</a:t>
+            </a:r>
+            <a:r>
+              <a:rPr lang="en-US" altLang="ja-JP" dirty="0"/>
+              <a:t>/day3</a:t>
+            </a:r>
+            <a:r>
+              <a:rPr lang="ja-JP" altLang="en-US" dirty="0"/>
+              <a:t>内に</a:t>
+            </a:r>
+            <a:r>
+              <a:rPr lang="en-US" altLang="ja-JP" dirty="0"/>
+              <a:t>【2019/12/04【</a:t>
+            </a:r>
+            <a:r>
+              <a:rPr lang="ja-JP" altLang="en-US" dirty="0"/>
+              <a:t>自分の名前</a:t>
+            </a:r>
+            <a:r>
+              <a:rPr lang="en-US" altLang="ja-JP" dirty="0"/>
+              <a:t>】.</a:t>
+            </a:r>
+            <a:r>
+              <a:rPr lang="en-US" altLang="ja-JP" dirty="0" err="1"/>
+              <a:t>py</a:t>
+            </a:r>
+            <a:r>
+              <a:rPr lang="en-US" altLang="ja-JP" dirty="0"/>
+              <a:t>】</a:t>
+            </a:r>
+            <a:r>
+              <a:rPr lang="ja-JP" altLang="en-US" dirty="0"/>
+              <a:t>を</a:t>
+            </a:r>
+            <a:endParaRPr lang="en-US" altLang="ja-JP" dirty="0"/>
+          </a:p>
+          <a:p>
+            <a:r>
+              <a:rPr lang="en-US" altLang="ja-JP" dirty="0"/>
+              <a:t>pull request </a:t>
+            </a:r>
+            <a:r>
+              <a:rPr lang="ja-JP" altLang="en-US" dirty="0"/>
+              <a:t>する</a:t>
+            </a:r>
+            <a:endParaRPr lang="en-US" altLang="ja-JP" dirty="0"/>
+          </a:p>
+          <a:p>
+            <a:r>
+              <a:rPr kumimoji="1" lang="en-US" altLang="ja-JP" dirty="0"/>
+              <a:t>pull request</a:t>
+            </a:r>
+            <a:r>
+              <a:rPr kumimoji="1" lang="ja-JP" altLang="en-US" dirty="0"/>
+              <a:t>したら</a:t>
+            </a:r>
+            <a:r>
+              <a:rPr kumimoji="1" lang="en-US" altLang="ja-JP" dirty="0"/>
+              <a:t>issue【2019/12/04 </a:t>
+            </a:r>
+            <a:r>
+              <a:rPr kumimoji="1" lang="ja-JP" altLang="en-US" dirty="0"/>
+              <a:t>課題</a:t>
+            </a:r>
+            <a:r>
+              <a:rPr kumimoji="1" lang="en-US" altLang="ja-JP" dirty="0"/>
+              <a:t>】</a:t>
+            </a:r>
+            <a:r>
+              <a:rPr kumimoji="1" lang="ja-JP" altLang="en-US" dirty="0"/>
+              <a:t>にコメント</a:t>
+            </a:r>
+          </a:p>
+        </p:txBody>
+      </p:sp>
+      <p:sp>
+        <p:nvSpPr>
+          <p:cNvPr id="4" name="スライド番号プレースホルダー 3">
+            <a:extLst>
+              <a:ext uri="{FF2B5EF4-FFF2-40B4-BE49-F238E27FC236}">
+                <a16:creationId xmlns:a16="http://schemas.microsoft.com/office/drawing/2014/main" id="{4FD84D7E-0987-4C58-A59C-1807BBE4C484}"/>
+              </a:ext>
+            </a:extLst>
+          </p:cNvPr>
+          <p:cNvSpPr>
+            <a:spLocks noGrp="1"/>
+          </p:cNvSpPr>
+          <p:nvPr>
+            <p:ph type="sldNum" sz="quarter" idx="12"/>
+          </p:nvPr>
+        </p:nvSpPr>
+        <p:spPr/>
+        <p:txBody>
+          <a:bodyPr/>
+          <a:lstStyle/>
+          <a:p>
+            <a:fld id="{57021661-B2A8-457F-930E-F617AD024F3F}" type="slidenum">
+              <a:rPr lang="ja-JP" altLang="en-US" smtClean="0"/>
+              <a:pPr/>
+              <a:t>20</a:t>
+            </a:fld>
+            <a:endParaRPr lang="ja-JP" altLang="en-US" dirty="0"/>
+          </a:p>
+        </p:txBody>
+      </p:sp>
+    </p:spTree>
+    <p:extLst>
+      <p:ext uri="{BB962C8B-B14F-4D97-AF65-F5344CB8AC3E}">
+        <p14:creationId xmlns:p14="http://schemas.microsoft.com/office/powerpoint/2010/main" val="3295472686"/>
       </p:ext>
     </p:extLst>
   </p:cSld>

--- a/powerpoint/第6回　クラス①.pptx
+++ b/powerpoint/第6回　クラス①.pptx
@@ -7841,105 +7841,10 @@
       </p:grpSpPr>
       <p:sp>
         <p:nvSpPr>
-          <p:cNvPr id="2" name="タイトル 1">
-            <a:extLst>
-              <a:ext uri="{FF2B5EF4-FFF2-40B4-BE49-F238E27FC236}">
-                <a16:creationId xmlns:a16="http://schemas.microsoft.com/office/drawing/2014/main" id="{208C9E34-35DC-4647-B200-C894344625DA}"/>
-              </a:ext>
-            </a:extLst>
-          </p:cNvPr>
-          <p:cNvSpPr>
-            <a:spLocks noGrp="1"/>
-          </p:cNvSpPr>
-          <p:nvPr>
-            <p:ph type="title"/>
-          </p:nvPr>
-        </p:nvSpPr>
-        <p:spPr/>
-        <p:txBody>
-          <a:bodyPr/>
-          <a:lstStyle/>
-          <a:p>
-            <a:r>
-              <a:rPr lang="ja-JP" altLang="en-US" dirty="0"/>
-              <a:t>クラスのコードの例</a:t>
-            </a:r>
-            <a:endParaRPr kumimoji="1" lang="ja-JP" altLang="en-US" dirty="0"/>
-          </a:p>
-        </p:txBody>
-      </p:sp>
-      <p:sp>
-        <p:nvSpPr>
-          <p:cNvPr id="3" name="コンテンツ プレースホルダー 2">
-            <a:extLst>
-              <a:ext uri="{FF2B5EF4-FFF2-40B4-BE49-F238E27FC236}">
-                <a16:creationId xmlns:a16="http://schemas.microsoft.com/office/drawing/2014/main" id="{771AE650-420E-4F6E-B153-EF8F3856826E}"/>
-              </a:ext>
-            </a:extLst>
-          </p:cNvPr>
-          <p:cNvSpPr>
-            <a:spLocks noGrp="1"/>
-          </p:cNvSpPr>
-          <p:nvPr>
-            <p:ph idx="1"/>
-          </p:nvPr>
-        </p:nvSpPr>
-        <p:spPr>
-          <a:xfrm>
-            <a:off x="354948" y="1284633"/>
-            <a:ext cx="11029615" cy="810110"/>
-          </a:xfrm>
-        </p:spPr>
-        <p:txBody>
-          <a:bodyPr>
-            <a:normAutofit/>
-          </a:bodyPr>
-          <a:lstStyle/>
-          <a:p>
-            <a:r>
-              <a:rPr lang="ja-JP" altLang="en-US" dirty="0"/>
-              <a:t>インスタンスの生成</a:t>
-            </a:r>
-            <a:endParaRPr kumimoji="1" lang="en-US" altLang="ja-JP" dirty="0"/>
-          </a:p>
-        </p:txBody>
-      </p:sp>
-      <p:sp>
-        <p:nvSpPr>
-          <p:cNvPr id="4" name="スライド番号プレースホルダー 3">
-            <a:extLst>
-              <a:ext uri="{FF2B5EF4-FFF2-40B4-BE49-F238E27FC236}">
-                <a16:creationId xmlns:a16="http://schemas.microsoft.com/office/drawing/2014/main" id="{8E09DA4E-282D-4C46-9A0B-E35E05D6C19A}"/>
-              </a:ext>
-            </a:extLst>
-          </p:cNvPr>
-          <p:cNvSpPr>
-            <a:spLocks noGrp="1"/>
-          </p:cNvSpPr>
-          <p:nvPr>
-            <p:ph type="sldNum" sz="quarter" idx="12"/>
-          </p:nvPr>
-        </p:nvSpPr>
-        <p:spPr/>
-        <p:txBody>
-          <a:bodyPr/>
-          <a:lstStyle/>
-          <a:p>
-            <a:fld id="{57021661-B2A8-457F-930E-F617AD024F3F}" type="slidenum">
-              <a:rPr lang="ja-JP" altLang="en-US" smtClean="0"/>
-              <a:pPr/>
-              <a:t>14</a:t>
-            </a:fld>
-            <a:endParaRPr lang="ja-JP" altLang="en-US" dirty="0"/>
-          </a:p>
-        </p:txBody>
-      </p:sp>
-      <p:sp>
-        <p:nvSpPr>
-          <p:cNvPr id="12" name="正方形/長方形 11">
-            <a:extLst>
-              <a:ext uri="{FF2B5EF4-FFF2-40B4-BE49-F238E27FC236}">
-                <a16:creationId xmlns:a16="http://schemas.microsoft.com/office/drawing/2014/main" id="{0D26369A-A911-46A1-AB42-F6E1BF3D4CD7}"/>
+          <p:cNvPr id="6" name="正方形/長方形 5">
+            <a:extLst>
+              <a:ext uri="{FF2B5EF4-FFF2-40B4-BE49-F238E27FC236}">
+                <a16:creationId xmlns:a16="http://schemas.microsoft.com/office/drawing/2014/main" id="{1868A8F7-CA8A-4DD0-B434-681ECFCE5AAC}"/>
               </a:ext>
             </a:extLst>
           </p:cNvPr>
@@ -7948,8 +7853,8 @@
         </p:nvSpPr>
         <p:spPr>
           <a:xfrm>
-            <a:off x="659099" y="2407753"/>
-            <a:ext cx="4271120" cy="3785652"/>
+            <a:off x="5260157" y="3410978"/>
+            <a:ext cx="6341224" cy="492582"/>
           </a:xfrm>
           <a:prstGeom prst="rect">
             <a:avLst/>
@@ -7960,147 +7865,8 @@
               <a:lumOff val="80000"/>
             </a:schemeClr>
           </a:solidFill>
-        </p:spPr>
-        <p:txBody>
-          <a:bodyPr wrap="square">
-            <a:spAutoFit/>
-          </a:bodyPr>
-          <a:lstStyle/>
-          <a:p>
-            <a:r>
-              <a:rPr lang="en-US" altLang="ja-JP" sz="2400" dirty="0"/>
-              <a:t>class Car:</a:t>
-            </a:r>
-          </a:p>
-          <a:p>
-            <a:r>
-              <a:rPr lang="en-US" altLang="ja-JP" sz="2400" dirty="0"/>
-              <a:t>    def __</a:t>
-            </a:r>
-            <a:r>
-              <a:rPr lang="en-US" altLang="ja-JP" sz="2400" dirty="0" err="1"/>
-              <a:t>init</a:t>
-            </a:r>
-            <a:r>
-              <a:rPr lang="en-US" altLang="ja-JP" sz="2400" dirty="0"/>
-              <a:t>__(self, color):</a:t>
-            </a:r>
-          </a:p>
-          <a:p>
-            <a:r>
-              <a:rPr lang="en-US" altLang="ja-JP" sz="2400" dirty="0"/>
-              <a:t>        </a:t>
-            </a:r>
-            <a:r>
-              <a:rPr lang="en-US" altLang="ja-JP" sz="2400" dirty="0" err="1"/>
-              <a:t>self.color</a:t>
-            </a:r>
-            <a:r>
-              <a:rPr lang="en-US" altLang="ja-JP" sz="2400" dirty="0"/>
-              <a:t> = color</a:t>
-            </a:r>
-          </a:p>
-          <a:p>
-            <a:r>
-              <a:rPr lang="en-US" altLang="ja-JP" sz="2400" dirty="0"/>
-              <a:t>    def </a:t>
-            </a:r>
-            <a:r>
-              <a:rPr lang="en-US" altLang="ja-JP" sz="2400" dirty="0" err="1"/>
-              <a:t>car_run</a:t>
-            </a:r>
-            <a:r>
-              <a:rPr lang="en-US" altLang="ja-JP" sz="2400" dirty="0"/>
-              <a:t>(self):</a:t>
-            </a:r>
-          </a:p>
-          <a:p>
-            <a:r>
-              <a:rPr lang="en-US" altLang="ja-JP" sz="2400" dirty="0"/>
-              <a:t>        print("run")</a:t>
-            </a:r>
-          </a:p>
-          <a:p>
-            <a:r>
-              <a:rPr lang="en-US" altLang="ja-JP" sz="2400" dirty="0"/>
-              <a:t>    def </a:t>
-            </a:r>
-            <a:r>
-              <a:rPr lang="en-US" altLang="ja-JP" sz="2400" dirty="0" err="1"/>
-              <a:t>car_stop</a:t>
-            </a:r>
-            <a:r>
-              <a:rPr lang="en-US" altLang="ja-JP" sz="2400" dirty="0"/>
-              <a:t>(self):</a:t>
-            </a:r>
-          </a:p>
-          <a:p>
-            <a:r>
-              <a:rPr lang="en-US" altLang="ja-JP" sz="2400" dirty="0"/>
-              <a:t>        print("stop")</a:t>
-            </a:r>
-          </a:p>
-          <a:p>
-            <a:r>
-              <a:rPr lang="en-US" altLang="ja-JP" sz="2400" dirty="0" err="1"/>
-              <a:t>red_car</a:t>
-            </a:r>
-            <a:r>
-              <a:rPr lang="en-US" altLang="ja-JP" sz="2400" dirty="0"/>
-              <a:t> = Car("red")</a:t>
-            </a:r>
-          </a:p>
-          <a:p>
-            <a:r>
-              <a:rPr lang="en-US" altLang="ja-JP" sz="2400" dirty="0" err="1"/>
-              <a:t>blue_car</a:t>
-            </a:r>
-            <a:r>
-              <a:rPr lang="en-US" altLang="ja-JP" sz="2400" dirty="0"/>
-              <a:t> = Car("blue")</a:t>
-            </a:r>
-          </a:p>
-          <a:p>
-            <a:r>
-              <a:rPr lang="en-US" altLang="ja-JP" sz="2400" dirty="0" err="1"/>
-              <a:t>yellow_car</a:t>
-            </a:r>
-            <a:r>
-              <a:rPr lang="en-US" altLang="ja-JP" sz="2400" dirty="0"/>
-              <a:t> = Car("yellow")</a:t>
-            </a:r>
-          </a:p>
-        </p:txBody>
-      </p:sp>
-      <p:sp>
-        <p:nvSpPr>
-          <p:cNvPr id="5" name="フレーム 4">
-            <a:extLst>
-              <a:ext uri="{FF2B5EF4-FFF2-40B4-BE49-F238E27FC236}">
-                <a16:creationId xmlns:a16="http://schemas.microsoft.com/office/drawing/2014/main" id="{5D375150-76E6-4678-9ABD-3F251E947ECA}"/>
-              </a:ext>
-            </a:extLst>
-          </p:cNvPr>
-          <p:cNvSpPr/>
-          <p:nvPr/>
-        </p:nvSpPr>
-        <p:spPr>
-          <a:xfrm>
-            <a:off x="659099" y="4994544"/>
-            <a:ext cx="3828060" cy="1198861"/>
-          </a:xfrm>
-          <a:prstGeom prst="frame">
-            <a:avLst>
-              <a:gd name="adj1" fmla="val 4098"/>
-            </a:avLst>
-          </a:prstGeom>
-          <a:solidFill>
-            <a:srgbClr val="FF0000"/>
-          </a:solidFill>
           <a:ln>
-            <a:solidFill>
-              <a:srgbClr val="C00000"/>
-            </a:solidFill>
+            <a:noFill/>
           </a:ln>
         </p:spPr>
         <p:style>
@@ -8124,6 +7890,295 @@
           <a:lstStyle/>
           <a:p>
             <a:pPr algn="ctr"/>
+            <a:endParaRPr kumimoji="1" lang="ja-JP" altLang="en-US"/>
+          </a:p>
+        </p:txBody>
+      </p:sp>
+      <p:sp>
+        <p:nvSpPr>
+          <p:cNvPr id="2" name="タイトル 1">
+            <a:extLst>
+              <a:ext uri="{FF2B5EF4-FFF2-40B4-BE49-F238E27FC236}">
+                <a16:creationId xmlns:a16="http://schemas.microsoft.com/office/drawing/2014/main" id="{208C9E34-35DC-4647-B200-C894344625DA}"/>
+              </a:ext>
+            </a:extLst>
+          </p:cNvPr>
+          <p:cNvSpPr>
+            <a:spLocks noGrp="1"/>
+          </p:cNvSpPr>
+          <p:nvPr>
+            <p:ph type="title"/>
+          </p:nvPr>
+        </p:nvSpPr>
+        <p:spPr/>
+        <p:txBody>
+          <a:bodyPr/>
+          <a:lstStyle/>
+          <a:p>
+            <a:r>
+              <a:rPr lang="ja-JP" altLang="en-US" dirty="0"/>
+              <a:t>クラスのコードの例</a:t>
+            </a:r>
+            <a:endParaRPr kumimoji="1" lang="ja-JP" altLang="en-US" dirty="0"/>
+          </a:p>
+        </p:txBody>
+      </p:sp>
+      <p:sp>
+        <p:nvSpPr>
+          <p:cNvPr id="3" name="コンテンツ プレースホルダー 2">
+            <a:extLst>
+              <a:ext uri="{FF2B5EF4-FFF2-40B4-BE49-F238E27FC236}">
+                <a16:creationId xmlns:a16="http://schemas.microsoft.com/office/drawing/2014/main" id="{771AE650-420E-4F6E-B153-EF8F3856826E}"/>
+              </a:ext>
+            </a:extLst>
+          </p:cNvPr>
+          <p:cNvSpPr>
+            <a:spLocks noGrp="1"/>
+          </p:cNvSpPr>
+          <p:nvPr>
+            <p:ph idx="1"/>
+          </p:nvPr>
+        </p:nvSpPr>
+        <p:spPr>
+          <a:xfrm>
+            <a:off x="354948" y="1284633"/>
+            <a:ext cx="11029615" cy="810110"/>
+          </a:xfrm>
+        </p:spPr>
+        <p:txBody>
+          <a:bodyPr>
+            <a:normAutofit/>
+          </a:bodyPr>
+          <a:lstStyle/>
+          <a:p>
+            <a:r>
+              <a:rPr lang="ja-JP" altLang="en-US" dirty="0"/>
+              <a:t>インスタンスの生成</a:t>
+            </a:r>
+            <a:endParaRPr kumimoji="1" lang="en-US" altLang="ja-JP" dirty="0"/>
+          </a:p>
+        </p:txBody>
+      </p:sp>
+      <p:sp>
+        <p:nvSpPr>
+          <p:cNvPr id="4" name="スライド番号プレースホルダー 3">
+            <a:extLst>
+              <a:ext uri="{FF2B5EF4-FFF2-40B4-BE49-F238E27FC236}">
+                <a16:creationId xmlns:a16="http://schemas.microsoft.com/office/drawing/2014/main" id="{8E09DA4E-282D-4C46-9A0B-E35E05D6C19A}"/>
+              </a:ext>
+            </a:extLst>
+          </p:cNvPr>
+          <p:cNvSpPr>
+            <a:spLocks noGrp="1"/>
+          </p:cNvSpPr>
+          <p:nvPr>
+            <p:ph type="sldNum" sz="quarter" idx="12"/>
+          </p:nvPr>
+        </p:nvSpPr>
+        <p:spPr/>
+        <p:txBody>
+          <a:bodyPr/>
+          <a:lstStyle/>
+          <a:p>
+            <a:fld id="{57021661-B2A8-457F-930E-F617AD024F3F}" type="slidenum">
+              <a:rPr lang="ja-JP" altLang="en-US" smtClean="0"/>
+              <a:pPr/>
+              <a:t>14</a:t>
+            </a:fld>
+            <a:endParaRPr lang="ja-JP" altLang="en-US" dirty="0"/>
+          </a:p>
+        </p:txBody>
+      </p:sp>
+      <p:sp>
+        <p:nvSpPr>
+          <p:cNvPr id="12" name="正方形/長方形 11">
+            <a:extLst>
+              <a:ext uri="{FF2B5EF4-FFF2-40B4-BE49-F238E27FC236}">
+                <a16:creationId xmlns:a16="http://schemas.microsoft.com/office/drawing/2014/main" id="{0D26369A-A911-46A1-AB42-F6E1BF3D4CD7}"/>
+              </a:ext>
+            </a:extLst>
+          </p:cNvPr>
+          <p:cNvSpPr/>
+          <p:nvPr/>
+        </p:nvSpPr>
+        <p:spPr>
+          <a:xfrm>
+            <a:off x="659099" y="2407753"/>
+            <a:ext cx="4271120" cy="3785652"/>
+          </a:xfrm>
+          <a:prstGeom prst="rect">
+            <a:avLst/>
+          </a:prstGeom>
+          <a:solidFill>
+            <a:schemeClr val="accent1">
+              <a:lumMod val="20000"/>
+              <a:lumOff val="80000"/>
+            </a:schemeClr>
+          </a:solidFill>
+        </p:spPr>
+        <p:txBody>
+          <a:bodyPr wrap="square">
+            <a:spAutoFit/>
+          </a:bodyPr>
+          <a:lstStyle/>
+          <a:p>
+            <a:r>
+              <a:rPr lang="en-US" altLang="ja-JP" sz="2400" dirty="0"/>
+              <a:t>class Car:</a:t>
+            </a:r>
+          </a:p>
+          <a:p>
+            <a:r>
+              <a:rPr lang="en-US" altLang="ja-JP" sz="2400" dirty="0"/>
+              <a:t>    def __</a:t>
+            </a:r>
+            <a:r>
+              <a:rPr lang="en-US" altLang="ja-JP" sz="2400" dirty="0" err="1"/>
+              <a:t>init</a:t>
+            </a:r>
+            <a:r>
+              <a:rPr lang="en-US" altLang="ja-JP" sz="2400" dirty="0"/>
+              <a:t>__(self, color):</a:t>
+            </a:r>
+          </a:p>
+          <a:p>
+            <a:r>
+              <a:rPr lang="en-US" altLang="ja-JP" sz="2400" dirty="0"/>
+              <a:t>        </a:t>
+            </a:r>
+            <a:r>
+              <a:rPr lang="en-US" altLang="ja-JP" sz="2400" dirty="0" err="1"/>
+              <a:t>self.color</a:t>
+            </a:r>
+            <a:r>
+              <a:rPr lang="en-US" altLang="ja-JP" sz="2400" dirty="0"/>
+              <a:t> = color</a:t>
+            </a:r>
+          </a:p>
+          <a:p>
+            <a:r>
+              <a:rPr lang="en-US" altLang="ja-JP" sz="2400" dirty="0"/>
+              <a:t>    def </a:t>
+            </a:r>
+            <a:r>
+              <a:rPr lang="en-US" altLang="ja-JP" sz="2400" dirty="0" err="1"/>
+              <a:t>car_run</a:t>
+            </a:r>
+            <a:r>
+              <a:rPr lang="en-US" altLang="ja-JP" sz="2400" dirty="0"/>
+              <a:t>(self):</a:t>
+            </a:r>
+          </a:p>
+          <a:p>
+            <a:r>
+              <a:rPr lang="en-US" altLang="ja-JP" sz="2400" dirty="0"/>
+              <a:t>        print("run")</a:t>
+            </a:r>
+          </a:p>
+          <a:p>
+            <a:r>
+              <a:rPr lang="en-US" altLang="ja-JP" sz="2400" dirty="0"/>
+              <a:t>    def </a:t>
+            </a:r>
+            <a:r>
+              <a:rPr lang="en-US" altLang="ja-JP" sz="2400" dirty="0" err="1"/>
+              <a:t>car_stop</a:t>
+            </a:r>
+            <a:r>
+              <a:rPr lang="en-US" altLang="ja-JP" sz="2400" dirty="0"/>
+              <a:t>(self):</a:t>
+            </a:r>
+          </a:p>
+          <a:p>
+            <a:r>
+              <a:rPr lang="en-US" altLang="ja-JP" sz="2400" dirty="0"/>
+              <a:t>        print("stop")</a:t>
+            </a:r>
+          </a:p>
+          <a:p>
+            <a:r>
+              <a:rPr lang="en-US" altLang="ja-JP" sz="2400" dirty="0" err="1"/>
+              <a:t>red_car</a:t>
+            </a:r>
+            <a:r>
+              <a:rPr lang="en-US" altLang="ja-JP" sz="2400" dirty="0"/>
+              <a:t> = Car("red")</a:t>
+            </a:r>
+          </a:p>
+          <a:p>
+            <a:r>
+              <a:rPr lang="en-US" altLang="ja-JP" sz="2400" dirty="0" err="1"/>
+              <a:t>blue_car</a:t>
+            </a:r>
+            <a:r>
+              <a:rPr lang="en-US" altLang="ja-JP" sz="2400" dirty="0"/>
+              <a:t> = Car("blue")</a:t>
+            </a:r>
+          </a:p>
+          <a:p>
+            <a:r>
+              <a:rPr lang="en-US" altLang="ja-JP" sz="2400" dirty="0" err="1"/>
+              <a:t>yellow_car</a:t>
+            </a:r>
+            <a:r>
+              <a:rPr lang="en-US" altLang="ja-JP" sz="2400" dirty="0"/>
+              <a:t> = Car("yellow")</a:t>
+            </a:r>
+          </a:p>
+        </p:txBody>
+      </p:sp>
+      <p:sp>
+        <p:nvSpPr>
+          <p:cNvPr id="5" name="フレーム 4">
+            <a:extLst>
+              <a:ext uri="{FF2B5EF4-FFF2-40B4-BE49-F238E27FC236}">
+                <a16:creationId xmlns:a16="http://schemas.microsoft.com/office/drawing/2014/main" id="{5D375150-76E6-4678-9ABD-3F251E947ECA}"/>
+              </a:ext>
+            </a:extLst>
+          </p:cNvPr>
+          <p:cNvSpPr/>
+          <p:nvPr/>
+        </p:nvSpPr>
+        <p:spPr>
+          <a:xfrm>
+            <a:off x="659099" y="4994544"/>
+            <a:ext cx="3828060" cy="1198861"/>
+          </a:xfrm>
+          <a:prstGeom prst="frame">
+            <a:avLst>
+              <a:gd name="adj1" fmla="val 4098"/>
+            </a:avLst>
+          </a:prstGeom>
+          <a:solidFill>
+            <a:srgbClr val="FF0000"/>
+          </a:solidFill>
+          <a:ln>
+            <a:solidFill>
+              <a:srgbClr val="C00000"/>
+            </a:solidFill>
+          </a:ln>
+        </p:spPr>
+        <p:style>
+          <a:lnRef idx="2">
+            <a:schemeClr val="accent1">
+              <a:shade val="50000"/>
+            </a:schemeClr>
+          </a:lnRef>
+          <a:fillRef idx="1">
+            <a:schemeClr val="accent1"/>
+          </a:fillRef>
+          <a:effectRef idx="0">
+            <a:schemeClr val="accent1"/>
+          </a:effectRef>
+          <a:fontRef idx="minor">
+            <a:schemeClr val="lt1"/>
+          </a:fontRef>
+        </p:style>
+        <p:txBody>
+          <a:bodyPr rtlCol="0" anchor="ctr"/>
+          <a:lstStyle/>
+          <a:p>
+            <a:pPr algn="ctr"/>
             <a:endParaRPr kumimoji="1" lang="ja-JP" altLang="en-US">
               <a:solidFill>
                 <a:schemeClr val="tx1"/>
@@ -8146,7 +8201,7 @@
         </p:nvSpPr>
         <p:spPr>
           <a:xfrm>
-            <a:off x="5165887" y="3447023"/>
+            <a:off x="5239332" y="3447023"/>
             <a:ext cx="6931843" cy="3077766"/>
           </a:xfrm>
           <a:prstGeom prst="rect">

--- a/powerpoint/第6回　クラス①.pptx
+++ b/powerpoint/第6回　クラス①.pptx
@@ -5,10 +5,10 @@
     <p:sldMasterId id="2147484080" r:id="rId1"/>
   </p:sldMasterIdLst>
   <p:notesMasterIdLst>
-    <p:notesMasterId r:id="rId22"/>
+    <p:notesMasterId r:id="rId23"/>
   </p:notesMasterIdLst>
   <p:handoutMasterIdLst>
-    <p:handoutMasterId r:id="rId23"/>
+    <p:handoutMasterId r:id="rId24"/>
   </p:handoutMasterIdLst>
   <p:sldIdLst>
     <p:sldId id="256" r:id="rId2"/>
@@ -23,14 +23,15 @@
     <p:sldId id="265" r:id="rId11"/>
     <p:sldId id="275" r:id="rId12"/>
     <p:sldId id="266" r:id="rId13"/>
-    <p:sldId id="267" r:id="rId14"/>
-    <p:sldId id="268" r:id="rId15"/>
-    <p:sldId id="269" r:id="rId16"/>
-    <p:sldId id="270" r:id="rId17"/>
-    <p:sldId id="271" r:id="rId18"/>
-    <p:sldId id="272" r:id="rId19"/>
-    <p:sldId id="273" r:id="rId20"/>
-    <p:sldId id="274" r:id="rId21"/>
+    <p:sldId id="276" r:id="rId14"/>
+    <p:sldId id="267" r:id="rId15"/>
+    <p:sldId id="268" r:id="rId16"/>
+    <p:sldId id="269" r:id="rId17"/>
+    <p:sldId id="270" r:id="rId18"/>
+    <p:sldId id="271" r:id="rId19"/>
+    <p:sldId id="272" r:id="rId20"/>
+    <p:sldId id="273" r:id="rId21"/>
+    <p:sldId id="274" r:id="rId22"/>
   </p:sldIdLst>
   <p:sldSz cx="12192000" cy="6858000"/>
   <p:notesSz cx="6858000" cy="9144000"/>
@@ -7066,7 +7067,7 @@
         <p:spPr>
           <a:xfrm>
             <a:off x="6962522" y="3443173"/>
-            <a:ext cx="4218997" cy="830997"/>
+            <a:ext cx="4218997" cy="1200329"/>
           </a:xfrm>
           <a:prstGeom prst="rect">
             <a:avLst/>
@@ -7088,6 +7089,17 @@
               <a:rPr lang="en-US" altLang="ja-JP" sz="2400" dirty="0"/>
               <a:t>a = [1,2,3,4]</a:t>
             </a:r>
+          </a:p>
+          <a:p>
+            <a:r>
+              <a:rPr lang="en-US" altLang="ja-JP" sz="2400" dirty="0"/>
+              <a:t>#a = list([1, 2, 3, 4]) </a:t>
+            </a:r>
+            <a:r>
+              <a:rPr lang="ja-JP" altLang="en-US" sz="2400" dirty="0"/>
+              <a:t>と同義</a:t>
+            </a:r>
+            <a:endParaRPr lang="en-US" altLang="ja-JP" sz="2400" dirty="0"/>
           </a:p>
           <a:p>
             <a:r>
@@ -7300,25 +7312,14 @@
             <p:ph idx="1"/>
           </p:nvPr>
         </p:nvSpPr>
-        <p:spPr>
-          <a:xfrm>
-            <a:off x="449215" y="1183596"/>
-            <a:ext cx="11522826" cy="949305"/>
-          </a:xfrm>
-        </p:spPr>
-        <p:txBody>
-          <a:bodyPr>
-            <a:normAutofit/>
-          </a:bodyPr>
-          <a:lstStyle/>
-          <a:p>
-            <a:r>
-              <a:rPr lang="ja-JP" altLang="en-US" dirty="0"/>
-              <a:t>通常の変数もクラスに属しているため</a:t>
-            </a:r>
+        <p:spPr/>
+        <p:txBody>
+          <a:bodyPr/>
+          <a:lstStyle/>
+          <a:p>
             <a:r>
               <a:rPr kumimoji="1" lang="ja-JP" altLang="en-US" dirty="0"/>
-              <a:t>メソッドが存在</a:t>
+              <a:t>通常の変数もクラスに属している</a:t>
             </a:r>
           </a:p>
         </p:txBody>
@@ -7355,10 +7356,10 @@
       </p:sp>
       <p:sp>
         <p:nvSpPr>
-          <p:cNvPr id="14" name="コンテンツ プレースホルダー 4">
-            <a:extLst>
-              <a:ext uri="{FF2B5EF4-FFF2-40B4-BE49-F238E27FC236}">
-                <a16:creationId xmlns:a16="http://schemas.microsoft.com/office/drawing/2014/main" id="{592656BD-AE02-4B17-B857-0D8B11EE2A58}"/>
+          <p:cNvPr id="5" name="コンテンツ プレースホルダー 4">
+            <a:extLst>
+              <a:ext uri="{FF2B5EF4-FFF2-40B4-BE49-F238E27FC236}">
+                <a16:creationId xmlns:a16="http://schemas.microsoft.com/office/drawing/2014/main" id="{18B322AA-A427-463D-A129-B51C6CD731C5}"/>
               </a:ext>
             </a:extLst>
           </p:cNvPr>
@@ -7369,34 +7370,23 @@
             <p:ph sz="quarter" idx="13"/>
           </p:nvPr>
         </p:nvSpPr>
-        <p:spPr>
-          <a:xfrm>
-            <a:off x="8540685" y="6494710"/>
-            <a:ext cx="3647228" cy="365125"/>
-          </a:xfrm>
-        </p:spPr>
+        <p:spPr/>
         <p:txBody>
           <a:bodyPr>
-            <a:normAutofit fontScale="92500"/>
+            <a:normAutofit fontScale="92500" lnSpcReduction="10000"/>
           </a:bodyPr>
           <a:lstStyle/>
           <a:p>
-            <a:r>
-              <a:rPr lang="en-US" altLang="ja-JP" dirty="0">
-                <a:hlinkClick r:id="rId2"/>
-              </a:rPr>
-              <a:t>https://www.sejuku.net/blog/40530</a:t>
-            </a:r>
             <a:endParaRPr kumimoji="1" lang="ja-JP" altLang="en-US" dirty="0"/>
           </a:p>
         </p:txBody>
       </p:sp>
       <p:sp>
         <p:nvSpPr>
-          <p:cNvPr id="15" name="正方形/長方形 14">
-            <a:extLst>
-              <a:ext uri="{FF2B5EF4-FFF2-40B4-BE49-F238E27FC236}">
-                <a16:creationId xmlns:a16="http://schemas.microsoft.com/office/drawing/2014/main" id="{C4A34867-869D-4E3C-AB71-6ED21CDA329D}"/>
+          <p:cNvPr id="6" name="正方形/長方形 5">
+            <a:extLst>
+              <a:ext uri="{FF2B5EF4-FFF2-40B4-BE49-F238E27FC236}">
+                <a16:creationId xmlns:a16="http://schemas.microsoft.com/office/drawing/2014/main" id="{5C7ECDDB-5E3F-4F2A-80D6-318B119BC1EF}"/>
               </a:ext>
             </a:extLst>
           </p:cNvPr>
@@ -7489,19 +7479,26 @@
           </a:p>
           <a:p>
             <a:r>
+              <a:rPr lang="en-US" altLang="ja-JP" sz="2400" dirty="0"/>
+              <a:t>print(type(</a:t>
+            </a:r>
+            <a:r>
               <a:rPr lang="en-US" altLang="ja-JP" sz="2400" dirty="0" err="1"/>
-              <a:t>red_car.car_run</a:t>
-            </a:r>
-            <a:endParaRPr lang="en-US" altLang="ja-JP" sz="2400" dirty="0"/>
-          </a:p>
-        </p:txBody>
-      </p:sp>
-      <p:sp>
-        <p:nvSpPr>
-          <p:cNvPr id="16" name="テキスト ボックス 15">
-            <a:extLst>
-              <a:ext uri="{FF2B5EF4-FFF2-40B4-BE49-F238E27FC236}">
-                <a16:creationId xmlns:a16="http://schemas.microsoft.com/office/drawing/2014/main" id="{D9F54426-A1AE-4796-B187-A5D36B8AD6DE}"/>
+              <a:t>red_car</a:t>
+            </a:r>
+            <a:r>
+              <a:rPr lang="en-US" altLang="ja-JP" sz="2400" dirty="0"/>
+              <a:t>))</a:t>
+            </a:r>
+          </a:p>
+        </p:txBody>
+      </p:sp>
+      <p:sp>
+        <p:nvSpPr>
+          <p:cNvPr id="7" name="テキスト ボックス 6">
+            <a:extLst>
+              <a:ext uri="{FF2B5EF4-FFF2-40B4-BE49-F238E27FC236}">
+                <a16:creationId xmlns:a16="http://schemas.microsoft.com/office/drawing/2014/main" id="{C25AD4A0-D72E-4041-826F-262BC5D76A1A}"/>
               </a:ext>
             </a:extLst>
           </p:cNvPr>
@@ -7533,10 +7530,10 @@
       </p:sp>
       <p:sp>
         <p:nvSpPr>
-          <p:cNvPr id="17" name="テキスト ボックス 16">
-            <a:extLst>
-              <a:ext uri="{FF2B5EF4-FFF2-40B4-BE49-F238E27FC236}">
-                <a16:creationId xmlns:a16="http://schemas.microsoft.com/office/drawing/2014/main" id="{25D822E2-62B3-4042-B582-0CF7F1B70994}"/>
+          <p:cNvPr id="8" name="テキスト ボックス 7">
+            <a:extLst>
+              <a:ext uri="{FF2B5EF4-FFF2-40B4-BE49-F238E27FC236}">
+                <a16:creationId xmlns:a16="http://schemas.microsoft.com/office/drawing/2014/main" id="{B72B794E-A615-4034-9C48-1FCE3C7F9EC8}"/>
               </a:ext>
             </a:extLst>
           </p:cNvPr>
@@ -7566,7 +7563,15 @@
           <a:p>
             <a:r>
               <a:rPr lang="en-US" altLang="ja-JP" sz="2400" dirty="0"/>
-              <a:t>run</a:t>
+              <a:t>&lt;class '__</a:t>
+            </a:r>
+            <a:r>
+              <a:rPr lang="en-US" altLang="ja-JP" sz="2400" dirty="0" err="1"/>
+              <a:t>main__.Car</a:t>
+            </a:r>
+            <a:r>
+              <a:rPr lang="en-US" altLang="ja-JP" sz="2400" dirty="0"/>
+              <a:t>'&gt;</a:t>
             </a:r>
             <a:endParaRPr kumimoji="1" lang="ja-JP" altLang="en-US" sz="2400" dirty="0"/>
           </a:p>
@@ -7574,10 +7579,10 @@
       </p:sp>
       <p:sp>
         <p:nvSpPr>
-          <p:cNvPr id="18" name="テキスト ボックス 17">
-            <a:extLst>
-              <a:ext uri="{FF2B5EF4-FFF2-40B4-BE49-F238E27FC236}">
-                <a16:creationId xmlns:a16="http://schemas.microsoft.com/office/drawing/2014/main" id="{67DF8AC0-F7E9-487B-B98B-FCE94571D6F9}"/>
+          <p:cNvPr id="9" name="テキスト ボックス 8">
+            <a:extLst>
+              <a:ext uri="{FF2B5EF4-FFF2-40B4-BE49-F238E27FC236}">
+                <a16:creationId xmlns:a16="http://schemas.microsoft.com/office/drawing/2014/main" id="{F068D542-3ED3-4FCF-AA2E-F365DCDF638C}"/>
               </a:ext>
             </a:extLst>
           </p:cNvPr>
@@ -7586,8 +7591,8 @@
         </p:nvSpPr>
         <p:spPr>
           <a:xfrm>
-            <a:off x="1061960" y="5820168"/>
-            <a:ext cx="4236492" cy="461665"/>
+            <a:off x="417794" y="5754181"/>
+            <a:ext cx="5668779" cy="830997"/>
           </a:xfrm>
           <a:prstGeom prst="rect">
             <a:avLst/>
@@ -7606,30 +7611,46 @@
           <a:lstStyle/>
           <a:p>
             <a:r>
+              <a:rPr kumimoji="1" lang="en-US" altLang="ja-JP" sz="2400" dirty="0" err="1"/>
+              <a:t>red_car</a:t>
+            </a:r>
+            <a:r>
+              <a:rPr kumimoji="1" lang="ja-JP" altLang="en-US" sz="2400" dirty="0"/>
+              <a:t>は</a:t>
+            </a:r>
+            <a:r>
               <a:rPr kumimoji="1" lang="en-US" altLang="ja-JP" sz="2400" dirty="0"/>
               <a:t>Car</a:t>
             </a:r>
             <a:r>
               <a:rPr kumimoji="1" lang="ja-JP" altLang="en-US" sz="2400" dirty="0"/>
-              <a:t>のメソッド</a:t>
-            </a:r>
-            <a:r>
-              <a:rPr kumimoji="1" lang="en-US" altLang="ja-JP" sz="2400" dirty="0" err="1"/>
-              <a:t>car_run</a:t>
-            </a:r>
-            <a:r>
-              <a:rPr kumimoji="1" lang="ja-JP" altLang="en-US" sz="2400" dirty="0"/>
-              <a:t>を実行</a:t>
-            </a:r>
-          </a:p>
-        </p:txBody>
-      </p:sp>
-      <p:sp>
-        <p:nvSpPr>
-          <p:cNvPr id="19" name="正方形/長方形 18">
-            <a:extLst>
-              <a:ext uri="{FF2B5EF4-FFF2-40B4-BE49-F238E27FC236}">
-                <a16:creationId xmlns:a16="http://schemas.microsoft.com/office/drawing/2014/main" id="{60D07245-53A7-407F-9C11-BF9E6989AD6D}"/>
+              <a:t>というクラスに属している</a:t>
+            </a:r>
+            <a:endParaRPr kumimoji="1" lang="en-US" altLang="ja-JP" sz="2400" dirty="0"/>
+          </a:p>
+          <a:p>
+            <a:r>
+              <a:rPr lang="ja-JP" altLang="en-US" sz="2400" dirty="0"/>
+              <a:t>（今回は</a:t>
+            </a:r>
+            <a:r>
+              <a:rPr lang="en-US" altLang="ja-JP" sz="2400" dirty="0"/>
+              <a:t>__main__</a:t>
+            </a:r>
+            <a:r>
+              <a:rPr lang="ja-JP" altLang="en-US" sz="2400" dirty="0"/>
+              <a:t>は無視）</a:t>
+            </a:r>
+            <a:endParaRPr kumimoji="1" lang="ja-JP" altLang="en-US" sz="2400" dirty="0"/>
+          </a:p>
+        </p:txBody>
+      </p:sp>
+      <p:sp>
+        <p:nvSpPr>
+          <p:cNvPr id="10" name="正方形/長方形 9">
+            <a:extLst>
+              <a:ext uri="{FF2B5EF4-FFF2-40B4-BE49-F238E27FC236}">
+                <a16:creationId xmlns:a16="http://schemas.microsoft.com/office/drawing/2014/main" id="{57E2B075-D4BF-4974-816E-A8B4DD97A254}"/>
               </a:ext>
             </a:extLst>
           </p:cNvPr>
@@ -7638,7 +7659,7 @@
         </p:nvSpPr>
         <p:spPr>
           <a:xfrm>
-            <a:off x="6953774" y="3279547"/>
+            <a:off x="6962522" y="3443173"/>
             <a:ext cx="4218997" cy="1200329"/>
           </a:xfrm>
           <a:prstGeom prst="rect">
@@ -7659,33 +7680,34 @@
           <a:p>
             <a:r>
               <a:rPr lang="en-US" altLang="ja-JP" sz="2400" dirty="0"/>
-              <a:t>a = [1, 2, 3, 4]</a:t>
-            </a:r>
-          </a:p>
-          <a:p>
-            <a:r>
-              <a:rPr lang="en-US" altLang="ja-JP" sz="2400" dirty="0" err="1"/>
-              <a:t>a.append</a:t>
-            </a:r>
+              <a:t>a = [1,2,3,4]</a:t>
+            </a:r>
+          </a:p>
+          <a:p>
             <a:r>
               <a:rPr lang="en-US" altLang="ja-JP" sz="2400" dirty="0"/>
-              <a:t>(5)</a:t>
-            </a:r>
+              <a:t>#a = list([1, 2, 3, 4]) </a:t>
+            </a:r>
+            <a:r>
+              <a:rPr lang="ja-JP" altLang="en-US" sz="2400" dirty="0"/>
+              <a:t>と同義</a:t>
+            </a:r>
+            <a:endParaRPr lang="en-US" altLang="ja-JP" sz="2400" dirty="0"/>
           </a:p>
           <a:p>
             <a:r>
               <a:rPr lang="en-US" altLang="ja-JP" sz="2400" dirty="0"/>
-              <a:t>print(a)</a:t>
-            </a:r>
-          </a:p>
-        </p:txBody>
-      </p:sp>
-      <p:sp>
-        <p:nvSpPr>
-          <p:cNvPr id="20" name="テキスト ボックス 19">
-            <a:extLst>
-              <a:ext uri="{FF2B5EF4-FFF2-40B4-BE49-F238E27FC236}">
-                <a16:creationId xmlns:a16="http://schemas.microsoft.com/office/drawing/2014/main" id="{E4EE59EC-B139-4AA5-8D7A-FB57A788C1C7}"/>
+              <a:t>print(type(a))</a:t>
+            </a:r>
+          </a:p>
+        </p:txBody>
+      </p:sp>
+      <p:sp>
+        <p:nvSpPr>
+          <p:cNvPr id="11" name="テキスト ボックス 10">
+            <a:extLst>
+              <a:ext uri="{FF2B5EF4-FFF2-40B4-BE49-F238E27FC236}">
+                <a16:creationId xmlns:a16="http://schemas.microsoft.com/office/drawing/2014/main" id="{A026B5EB-9775-40E8-9529-1025F16523B7}"/>
               </a:ext>
             </a:extLst>
           </p:cNvPr>
@@ -7717,10 +7739,10 @@
       </p:sp>
       <p:sp>
         <p:nvSpPr>
-          <p:cNvPr id="21" name="テキスト ボックス 20">
-            <a:extLst>
-              <a:ext uri="{FF2B5EF4-FFF2-40B4-BE49-F238E27FC236}">
-                <a16:creationId xmlns:a16="http://schemas.microsoft.com/office/drawing/2014/main" id="{374DCD8C-0DA0-4228-A1EE-5DC106AE677C}"/>
+          <p:cNvPr id="12" name="テキスト ボックス 11">
+            <a:extLst>
+              <a:ext uri="{FF2B5EF4-FFF2-40B4-BE49-F238E27FC236}">
+                <a16:creationId xmlns:a16="http://schemas.microsoft.com/office/drawing/2014/main" id="{46B1C978-30B6-4BA2-B30F-EFEF471C7085}"/>
               </a:ext>
             </a:extLst>
           </p:cNvPr>
@@ -7749,8 +7771,8 @@
           <a:lstStyle/>
           <a:p>
             <a:r>
-              <a:rPr kumimoji="1" lang="en-US" altLang="ja-JP" sz="2400" dirty="0"/>
-              <a:t>[1, 2, 3, 4, 5]</a:t>
+              <a:rPr lang="en-US" altLang="ja-JP" sz="2400" dirty="0"/>
+              <a:t>&lt;class ‘list'&gt;</a:t>
             </a:r>
             <a:endParaRPr kumimoji="1" lang="ja-JP" altLang="en-US" sz="2400" dirty="0"/>
           </a:p>
@@ -7758,10 +7780,10 @@
       </p:sp>
       <p:sp>
         <p:nvSpPr>
-          <p:cNvPr id="22" name="テキスト ボックス 21">
-            <a:extLst>
-              <a:ext uri="{FF2B5EF4-FFF2-40B4-BE49-F238E27FC236}">
-                <a16:creationId xmlns:a16="http://schemas.microsoft.com/office/drawing/2014/main" id="{1497B76E-AFE0-42CE-B7F0-0BCB123AC5B7}"/>
+          <p:cNvPr id="13" name="テキスト ボックス 12">
+            <a:extLst>
+              <a:ext uri="{FF2B5EF4-FFF2-40B4-BE49-F238E27FC236}">
+                <a16:creationId xmlns:a16="http://schemas.microsoft.com/office/drawing/2014/main" id="{74165EB0-41BD-4EC2-BE1A-A99F1B117ACA}"/>
               </a:ext>
             </a:extLst>
           </p:cNvPr>
@@ -7770,8 +7792,8 @@
         </p:nvSpPr>
         <p:spPr>
           <a:xfrm>
-            <a:off x="7015428" y="5804981"/>
-            <a:ext cx="4166091" cy="461665"/>
+            <a:off x="6882123" y="5888603"/>
+            <a:ext cx="4759984" cy="461665"/>
           </a:xfrm>
           <a:prstGeom prst="rect">
             <a:avLst/>
@@ -7791,28 +7813,210 @@
           <a:p>
             <a:r>
               <a:rPr lang="en-US" altLang="ja-JP" sz="2400" dirty="0"/>
+              <a:t>a</a:t>
+            </a:r>
+            <a:r>
+              <a:rPr lang="ja-JP" altLang="en-US" sz="2400" dirty="0"/>
+              <a:t>は</a:t>
+            </a:r>
+            <a:r>
+              <a:rPr lang="en-US" altLang="ja-JP" sz="2400" dirty="0"/>
               <a:t>list</a:t>
             </a:r>
             <a:r>
-              <a:rPr lang="ja-JP" altLang="en-US" sz="2400" dirty="0"/>
-              <a:t>のメソッド</a:t>
-            </a:r>
-            <a:r>
-              <a:rPr lang="en-US" altLang="ja-JP" sz="2400" dirty="0"/>
-              <a:t>append</a:t>
-            </a:r>
-            <a:r>
-              <a:rPr lang="ja-JP" altLang="en-US" sz="2400" dirty="0"/>
-              <a:t>を実行</a:t>
+              <a:rPr kumimoji="1" lang="ja-JP" altLang="en-US" sz="2400" dirty="0"/>
+              <a:t>というクラスに属している</a:t>
             </a:r>
             <a:endParaRPr kumimoji="1" lang="en-US" altLang="ja-JP" sz="2400" dirty="0"/>
+          </a:p>
+        </p:txBody>
+      </p:sp>
+      <p:sp>
+        <p:nvSpPr>
+          <p:cNvPr id="14" name="フレーム 13">
+            <a:extLst>
+              <a:ext uri="{FF2B5EF4-FFF2-40B4-BE49-F238E27FC236}">
+                <a16:creationId xmlns:a16="http://schemas.microsoft.com/office/drawing/2014/main" id="{C7D9457B-0A4D-419D-931C-9B5A6577EAC0}"/>
+              </a:ext>
+            </a:extLst>
+          </p:cNvPr>
+          <p:cNvSpPr/>
+          <p:nvPr/>
+        </p:nvSpPr>
+        <p:spPr>
+          <a:xfrm>
+            <a:off x="1061960" y="3856589"/>
+            <a:ext cx="2925578" cy="417953"/>
+          </a:xfrm>
+          <a:prstGeom prst="frame">
+            <a:avLst/>
+          </a:prstGeom>
+          <a:solidFill>
+            <a:srgbClr val="FF0000"/>
+          </a:solidFill>
+          <a:ln>
+            <a:solidFill>
+              <a:srgbClr val="C00000"/>
+            </a:solidFill>
+          </a:ln>
+        </p:spPr>
+        <p:style>
+          <a:lnRef idx="2">
+            <a:schemeClr val="accent1">
+              <a:shade val="50000"/>
+            </a:schemeClr>
+          </a:lnRef>
+          <a:fillRef idx="1">
+            <a:schemeClr val="accent1"/>
+          </a:fillRef>
+          <a:effectRef idx="0">
+            <a:schemeClr val="accent1"/>
+          </a:effectRef>
+          <a:fontRef idx="minor">
+            <a:schemeClr val="lt1"/>
+          </a:fontRef>
+        </p:style>
+        <p:txBody>
+          <a:bodyPr rtlCol="0" anchor="ctr"/>
+          <a:lstStyle/>
+          <a:p>
+            <a:pPr algn="ctr"/>
+            <a:endParaRPr kumimoji="1" lang="ja-JP" altLang="en-US">
+              <a:solidFill>
+                <a:schemeClr val="tx1"/>
+              </a:solidFill>
+            </a:endParaRPr>
+          </a:p>
+        </p:txBody>
+      </p:sp>
+      <p:sp>
+        <p:nvSpPr>
+          <p:cNvPr id="15" name="フレーム 14">
+            <a:extLst>
+              <a:ext uri="{FF2B5EF4-FFF2-40B4-BE49-F238E27FC236}">
+                <a16:creationId xmlns:a16="http://schemas.microsoft.com/office/drawing/2014/main" id="{4A1BCDC4-F754-46F8-81FE-AB579327F710}"/>
+              </a:ext>
+            </a:extLst>
+          </p:cNvPr>
+          <p:cNvSpPr/>
+          <p:nvPr/>
+        </p:nvSpPr>
+        <p:spPr>
+          <a:xfrm>
+            <a:off x="6962522" y="3822245"/>
+            <a:ext cx="2756513" cy="417953"/>
+          </a:xfrm>
+          <a:prstGeom prst="frame">
+            <a:avLst/>
+          </a:prstGeom>
+          <a:solidFill>
+            <a:srgbClr val="FF0000"/>
+          </a:solidFill>
+          <a:ln>
+            <a:solidFill>
+              <a:srgbClr val="C00000"/>
+            </a:solidFill>
+          </a:ln>
+        </p:spPr>
+        <p:style>
+          <a:lnRef idx="2">
+            <a:schemeClr val="accent1">
+              <a:shade val="50000"/>
+            </a:schemeClr>
+          </a:lnRef>
+          <a:fillRef idx="1">
+            <a:schemeClr val="accent1"/>
+          </a:fillRef>
+          <a:effectRef idx="0">
+            <a:schemeClr val="accent1"/>
+          </a:effectRef>
+          <a:fontRef idx="minor">
+            <a:schemeClr val="lt1"/>
+          </a:fontRef>
+        </p:style>
+        <p:txBody>
+          <a:bodyPr rtlCol="0" anchor="ctr"/>
+          <a:lstStyle/>
+          <a:p>
+            <a:pPr algn="ctr"/>
+            <a:endParaRPr kumimoji="1" lang="ja-JP" altLang="en-US">
+              <a:solidFill>
+                <a:schemeClr val="tx1"/>
+              </a:solidFill>
+            </a:endParaRPr>
+          </a:p>
+        </p:txBody>
+      </p:sp>
+      <p:sp>
+        <p:nvSpPr>
+          <p:cNvPr id="16" name="四角形: 角を丸くする 15">
+            <a:extLst>
+              <a:ext uri="{FF2B5EF4-FFF2-40B4-BE49-F238E27FC236}">
+                <a16:creationId xmlns:a16="http://schemas.microsoft.com/office/drawing/2014/main" id="{1C84C7BD-B2E8-4002-A019-E443BE448ADF}"/>
+              </a:ext>
+            </a:extLst>
+          </p:cNvPr>
+          <p:cNvSpPr/>
+          <p:nvPr/>
+        </p:nvSpPr>
+        <p:spPr>
+          <a:xfrm>
+            <a:off x="4069066" y="3567327"/>
+            <a:ext cx="2841334" cy="822402"/>
+          </a:xfrm>
+          <a:prstGeom prst="roundRect">
+            <a:avLst/>
+          </a:prstGeom>
+          <a:solidFill>
+            <a:srgbClr val="FF0000"/>
+          </a:solidFill>
+          <a:ln>
+            <a:solidFill>
+              <a:srgbClr val="C00000"/>
+            </a:solidFill>
+          </a:ln>
+        </p:spPr>
+        <p:style>
+          <a:lnRef idx="2">
+            <a:schemeClr val="accent1">
+              <a:shade val="50000"/>
+            </a:schemeClr>
+          </a:lnRef>
+          <a:fillRef idx="1">
+            <a:schemeClr val="accent1"/>
+          </a:fillRef>
+          <a:effectRef idx="0">
+            <a:schemeClr val="accent1"/>
+          </a:effectRef>
+          <a:fontRef idx="minor">
+            <a:schemeClr val="lt1"/>
+          </a:fontRef>
+        </p:style>
+        <p:txBody>
+          <a:bodyPr rtlCol="0" anchor="ctr"/>
+          <a:lstStyle/>
+          <a:p>
+            <a:pPr algn="ctr"/>
+            <a:r>
+              <a:rPr kumimoji="1" lang="ja-JP" altLang="en-US" b="1" dirty="0"/>
+              <a:t>（見かけは違うが）</a:t>
+            </a:r>
+            <a:endParaRPr kumimoji="1" lang="en-US" altLang="ja-JP" b="1" dirty="0"/>
+          </a:p>
+          <a:p>
+            <a:pPr algn="ctr"/>
+            <a:r>
+              <a:rPr lang="ja-JP" altLang="en-US" b="1" dirty="0"/>
+              <a:t>どちらも同じような処理</a:t>
+            </a:r>
+            <a:endParaRPr kumimoji="1" lang="ja-JP" altLang="en-US" b="1" dirty="0"/>
           </a:p>
         </p:txBody>
       </p:sp>
     </p:spTree>
     <p:extLst>
       <p:ext uri="{BB962C8B-B14F-4D97-AF65-F5344CB8AC3E}">
-        <p14:creationId xmlns:p14="http://schemas.microsoft.com/office/powerpoint/2010/main" val="3975569586"/>
+        <p14:creationId xmlns:p14="http://schemas.microsoft.com/office/powerpoint/2010/main" val="1252537465"/>
       </p:ext>
     </p:extLst>
   </p:cSld>
@@ -7841,10 +8045,145 @@
       </p:grpSpPr>
       <p:sp>
         <p:nvSpPr>
-          <p:cNvPr id="6" name="正方形/長方形 5">
-            <a:extLst>
-              <a:ext uri="{FF2B5EF4-FFF2-40B4-BE49-F238E27FC236}">
-                <a16:creationId xmlns:a16="http://schemas.microsoft.com/office/drawing/2014/main" id="{1868A8F7-CA8A-4DD0-B434-681ECFCE5AAC}"/>
+          <p:cNvPr id="2" name="タイトル 1">
+            <a:extLst>
+              <a:ext uri="{FF2B5EF4-FFF2-40B4-BE49-F238E27FC236}">
+                <a16:creationId xmlns:a16="http://schemas.microsoft.com/office/drawing/2014/main" id="{9ABD96D1-E26B-4C14-AD3E-36887877A5CF}"/>
+              </a:ext>
+            </a:extLst>
+          </p:cNvPr>
+          <p:cNvSpPr>
+            <a:spLocks noGrp="1"/>
+          </p:cNvSpPr>
+          <p:nvPr>
+            <p:ph type="title"/>
+          </p:nvPr>
+        </p:nvSpPr>
+        <p:spPr/>
+        <p:txBody>
+          <a:bodyPr/>
+          <a:lstStyle/>
+          <a:p>
+            <a:r>
+              <a:rPr kumimoji="1" lang="ja-JP" altLang="en-US" dirty="0"/>
+              <a:t>補足　データ型のクラスとメソッド</a:t>
+            </a:r>
+          </a:p>
+        </p:txBody>
+      </p:sp>
+      <p:sp>
+        <p:nvSpPr>
+          <p:cNvPr id="3" name="コンテンツ プレースホルダー 2">
+            <a:extLst>
+              <a:ext uri="{FF2B5EF4-FFF2-40B4-BE49-F238E27FC236}">
+                <a16:creationId xmlns:a16="http://schemas.microsoft.com/office/drawing/2014/main" id="{4F193679-A858-4A33-9E28-CCD9C1B11C4E}"/>
+              </a:ext>
+            </a:extLst>
+          </p:cNvPr>
+          <p:cNvSpPr>
+            <a:spLocks noGrp="1"/>
+          </p:cNvSpPr>
+          <p:nvPr>
+            <p:ph idx="1"/>
+          </p:nvPr>
+        </p:nvSpPr>
+        <p:spPr>
+          <a:xfrm>
+            <a:off x="449215" y="1183596"/>
+            <a:ext cx="11522826" cy="949305"/>
+          </a:xfrm>
+        </p:spPr>
+        <p:txBody>
+          <a:bodyPr>
+            <a:normAutofit/>
+          </a:bodyPr>
+          <a:lstStyle/>
+          <a:p>
+            <a:r>
+              <a:rPr lang="ja-JP" altLang="en-US" dirty="0"/>
+              <a:t>通常の変数もクラスに属しているため</a:t>
+            </a:r>
+            <a:r>
+              <a:rPr kumimoji="1" lang="ja-JP" altLang="en-US" dirty="0"/>
+              <a:t>メソッドが存在</a:t>
+            </a:r>
+          </a:p>
+        </p:txBody>
+      </p:sp>
+      <p:sp>
+        <p:nvSpPr>
+          <p:cNvPr id="4" name="スライド番号プレースホルダー 3">
+            <a:extLst>
+              <a:ext uri="{FF2B5EF4-FFF2-40B4-BE49-F238E27FC236}">
+                <a16:creationId xmlns:a16="http://schemas.microsoft.com/office/drawing/2014/main" id="{867904E4-3AAF-4DFD-83B4-AB7FBD937F59}"/>
+              </a:ext>
+            </a:extLst>
+          </p:cNvPr>
+          <p:cNvSpPr>
+            <a:spLocks noGrp="1"/>
+          </p:cNvSpPr>
+          <p:nvPr>
+            <p:ph type="sldNum" sz="quarter" idx="12"/>
+          </p:nvPr>
+        </p:nvSpPr>
+        <p:spPr/>
+        <p:txBody>
+          <a:bodyPr/>
+          <a:lstStyle/>
+          <a:p>
+            <a:fld id="{57021661-B2A8-457F-930E-F617AD024F3F}" type="slidenum">
+              <a:rPr lang="ja-JP" altLang="en-US" smtClean="0"/>
+              <a:pPr/>
+              <a:t>14</a:t>
+            </a:fld>
+            <a:endParaRPr lang="ja-JP" altLang="en-US" dirty="0"/>
+          </a:p>
+        </p:txBody>
+      </p:sp>
+      <p:sp>
+        <p:nvSpPr>
+          <p:cNvPr id="14" name="コンテンツ プレースホルダー 4">
+            <a:extLst>
+              <a:ext uri="{FF2B5EF4-FFF2-40B4-BE49-F238E27FC236}">
+                <a16:creationId xmlns:a16="http://schemas.microsoft.com/office/drawing/2014/main" id="{592656BD-AE02-4B17-B857-0D8B11EE2A58}"/>
+              </a:ext>
+            </a:extLst>
+          </p:cNvPr>
+          <p:cNvSpPr>
+            <a:spLocks noGrp="1"/>
+          </p:cNvSpPr>
+          <p:nvPr>
+            <p:ph sz="quarter" idx="13"/>
+          </p:nvPr>
+        </p:nvSpPr>
+        <p:spPr>
+          <a:xfrm>
+            <a:off x="8540685" y="6494710"/>
+            <a:ext cx="3647228" cy="365125"/>
+          </a:xfrm>
+        </p:spPr>
+        <p:txBody>
+          <a:bodyPr>
+            <a:normAutofit fontScale="92500"/>
+          </a:bodyPr>
+          <a:lstStyle/>
+          <a:p>
+            <a:r>
+              <a:rPr lang="en-US" altLang="ja-JP" dirty="0">
+                <a:hlinkClick r:id="rId2"/>
+              </a:rPr>
+              <a:t>https://www.sejuku.net/blog/40530</a:t>
+            </a:r>
+            <a:endParaRPr kumimoji="1" lang="ja-JP" altLang="en-US" dirty="0"/>
+          </a:p>
+        </p:txBody>
+      </p:sp>
+      <p:sp>
+        <p:nvSpPr>
+          <p:cNvPr id="15" name="正方形/長方形 14">
+            <a:extLst>
+              <a:ext uri="{FF2B5EF4-FFF2-40B4-BE49-F238E27FC236}">
+                <a16:creationId xmlns:a16="http://schemas.microsoft.com/office/drawing/2014/main" id="{C4A34867-869D-4E3C-AB71-6ED21CDA329D}"/>
               </a:ext>
             </a:extLst>
           </p:cNvPr>
@@ -7853,8 +8192,8 @@
         </p:nvSpPr>
         <p:spPr>
           <a:xfrm>
-            <a:off x="5260157" y="3410978"/>
-            <a:ext cx="6341224" cy="492582"/>
+            <a:off x="1061960" y="2001335"/>
+            <a:ext cx="4271120" cy="2677656"/>
           </a:xfrm>
           <a:prstGeom prst="rect">
             <a:avLst/>
@@ -7865,146 +8204,136 @@
               <a:lumOff val="80000"/>
             </a:schemeClr>
           </a:solidFill>
-          <a:ln>
-            <a:noFill/>
-          </a:ln>
-        </p:spPr>
-        <p:style>
-          <a:lnRef idx="2">
-            <a:schemeClr val="accent1">
-              <a:shade val="50000"/>
-            </a:schemeClr>
-          </a:lnRef>
-          <a:fillRef idx="1">
-            <a:schemeClr val="accent1"/>
-          </a:fillRef>
-          <a:effectRef idx="0">
-            <a:schemeClr val="accent1"/>
-          </a:effectRef>
-          <a:fontRef idx="minor">
-            <a:schemeClr val="lt1"/>
-          </a:fontRef>
-        </p:style>
-        <p:txBody>
-          <a:bodyPr rtlCol="0" anchor="ctr"/>
-          <a:lstStyle/>
-          <a:p>
-            <a:pPr algn="ctr"/>
-            <a:endParaRPr kumimoji="1" lang="ja-JP" altLang="en-US"/>
-          </a:p>
-        </p:txBody>
-      </p:sp>
-      <p:sp>
-        <p:nvSpPr>
-          <p:cNvPr id="2" name="タイトル 1">
-            <a:extLst>
-              <a:ext uri="{FF2B5EF4-FFF2-40B4-BE49-F238E27FC236}">
-                <a16:creationId xmlns:a16="http://schemas.microsoft.com/office/drawing/2014/main" id="{208C9E34-35DC-4647-B200-C894344625DA}"/>
-              </a:ext>
-            </a:extLst>
-          </p:cNvPr>
-          <p:cNvSpPr>
-            <a:spLocks noGrp="1"/>
-          </p:cNvSpPr>
-          <p:nvPr>
-            <p:ph type="title"/>
-          </p:nvPr>
-        </p:nvSpPr>
-        <p:spPr/>
-        <p:txBody>
-          <a:bodyPr/>
-          <a:lstStyle/>
-          <a:p>
-            <a:r>
-              <a:rPr lang="ja-JP" altLang="en-US" dirty="0"/>
-              <a:t>クラスのコードの例</a:t>
-            </a:r>
-            <a:endParaRPr kumimoji="1" lang="ja-JP" altLang="en-US" dirty="0"/>
-          </a:p>
-        </p:txBody>
-      </p:sp>
-      <p:sp>
-        <p:nvSpPr>
-          <p:cNvPr id="3" name="コンテンツ プレースホルダー 2">
-            <a:extLst>
-              <a:ext uri="{FF2B5EF4-FFF2-40B4-BE49-F238E27FC236}">
-                <a16:creationId xmlns:a16="http://schemas.microsoft.com/office/drawing/2014/main" id="{771AE650-420E-4F6E-B153-EF8F3856826E}"/>
-              </a:ext>
-            </a:extLst>
-          </p:cNvPr>
-          <p:cNvSpPr>
-            <a:spLocks noGrp="1"/>
-          </p:cNvSpPr>
-          <p:nvPr>
-            <p:ph idx="1"/>
-          </p:nvPr>
-        </p:nvSpPr>
-        <p:spPr>
-          <a:xfrm>
-            <a:off x="354948" y="1284633"/>
-            <a:ext cx="11029615" cy="810110"/>
-          </a:xfrm>
-        </p:spPr>
-        <p:txBody>
-          <a:bodyPr>
-            <a:normAutofit/>
+        </p:spPr>
+        <p:txBody>
+          <a:bodyPr wrap="square">
+            <a:spAutoFit/>
           </a:bodyPr>
           <a:lstStyle/>
           <a:p>
             <a:r>
-              <a:rPr lang="ja-JP" altLang="en-US" dirty="0"/>
-              <a:t>インスタンスの生成</a:t>
-            </a:r>
-            <a:endParaRPr kumimoji="1" lang="en-US" altLang="ja-JP" dirty="0"/>
-          </a:p>
-        </p:txBody>
-      </p:sp>
-      <p:sp>
-        <p:nvSpPr>
-          <p:cNvPr id="4" name="スライド番号プレースホルダー 3">
-            <a:extLst>
-              <a:ext uri="{FF2B5EF4-FFF2-40B4-BE49-F238E27FC236}">
-                <a16:creationId xmlns:a16="http://schemas.microsoft.com/office/drawing/2014/main" id="{8E09DA4E-282D-4C46-9A0B-E35E05D6C19A}"/>
-              </a:ext>
-            </a:extLst>
-          </p:cNvPr>
-          <p:cNvSpPr>
-            <a:spLocks noGrp="1"/>
-          </p:cNvSpPr>
-          <p:nvPr>
-            <p:ph type="sldNum" sz="quarter" idx="12"/>
-          </p:nvPr>
-        </p:nvSpPr>
-        <p:spPr/>
-        <p:txBody>
-          <a:bodyPr/>
-          <a:lstStyle/>
-          <a:p>
-            <a:fld id="{57021661-B2A8-457F-930E-F617AD024F3F}" type="slidenum">
-              <a:rPr lang="ja-JP" altLang="en-US" smtClean="0"/>
-              <a:pPr/>
-              <a:t>14</a:t>
-            </a:fld>
-            <a:endParaRPr lang="ja-JP" altLang="en-US" dirty="0"/>
-          </a:p>
-        </p:txBody>
-      </p:sp>
-      <p:sp>
-        <p:nvSpPr>
-          <p:cNvPr id="12" name="正方形/長方形 11">
-            <a:extLst>
-              <a:ext uri="{FF2B5EF4-FFF2-40B4-BE49-F238E27FC236}">
-                <a16:creationId xmlns:a16="http://schemas.microsoft.com/office/drawing/2014/main" id="{0D26369A-A911-46A1-AB42-F6E1BF3D4CD7}"/>
-              </a:ext>
-            </a:extLst>
-          </p:cNvPr>
-          <p:cNvSpPr/>
+              <a:rPr lang="en-US" altLang="ja-JP" sz="2400" dirty="0"/>
+              <a:t>class Car:</a:t>
+            </a:r>
+          </a:p>
+          <a:p>
+            <a:r>
+              <a:rPr lang="en-US" altLang="ja-JP" sz="2400" dirty="0"/>
+              <a:t>    def __</a:t>
+            </a:r>
+            <a:r>
+              <a:rPr lang="en-US" altLang="ja-JP" sz="2400" dirty="0" err="1"/>
+              <a:t>init</a:t>
+            </a:r>
+            <a:r>
+              <a:rPr lang="en-US" altLang="ja-JP" sz="2400" dirty="0"/>
+              <a:t>__(self, color):</a:t>
+            </a:r>
+          </a:p>
+          <a:p>
+            <a:r>
+              <a:rPr lang="en-US" altLang="ja-JP" sz="2400" dirty="0"/>
+              <a:t>        </a:t>
+            </a:r>
+            <a:r>
+              <a:rPr lang="en-US" altLang="ja-JP" sz="2400" dirty="0" err="1"/>
+              <a:t>self.color</a:t>
+            </a:r>
+            <a:r>
+              <a:rPr lang="en-US" altLang="ja-JP" sz="2400" dirty="0"/>
+              <a:t> = color</a:t>
+            </a:r>
+          </a:p>
+          <a:p>
+            <a:r>
+              <a:rPr lang="en-US" altLang="ja-JP" sz="2400" dirty="0"/>
+              <a:t>    def </a:t>
+            </a:r>
+            <a:r>
+              <a:rPr lang="en-US" altLang="ja-JP" sz="2400" dirty="0" err="1"/>
+              <a:t>car_run</a:t>
+            </a:r>
+            <a:r>
+              <a:rPr lang="en-US" altLang="ja-JP" sz="2400" dirty="0"/>
+              <a:t>(self):</a:t>
+            </a:r>
+          </a:p>
+          <a:p>
+            <a:r>
+              <a:rPr lang="en-US" altLang="ja-JP" sz="2400" dirty="0"/>
+              <a:t>        print("run")</a:t>
+            </a:r>
+          </a:p>
+          <a:p>
+            <a:r>
+              <a:rPr lang="en-US" altLang="ja-JP" sz="2400" dirty="0" err="1"/>
+              <a:t>red_car</a:t>
+            </a:r>
+            <a:r>
+              <a:rPr lang="en-US" altLang="ja-JP" sz="2400" dirty="0"/>
+              <a:t> = Car("red")</a:t>
+            </a:r>
+          </a:p>
+          <a:p>
+            <a:r>
+              <a:rPr lang="en-US" altLang="ja-JP" sz="2400" dirty="0" err="1"/>
+              <a:t>red_car.car_run</a:t>
+            </a:r>
+            <a:endParaRPr lang="en-US" altLang="ja-JP" sz="2400" dirty="0"/>
+          </a:p>
+        </p:txBody>
+      </p:sp>
+      <p:sp>
+        <p:nvSpPr>
+          <p:cNvPr id="16" name="テキスト ボックス 15">
+            <a:extLst>
+              <a:ext uri="{FF2B5EF4-FFF2-40B4-BE49-F238E27FC236}">
+                <a16:creationId xmlns:a16="http://schemas.microsoft.com/office/drawing/2014/main" id="{D9F54426-A1AE-4796-B187-A5D36B8AD6DE}"/>
+              </a:ext>
+            </a:extLst>
+          </p:cNvPr>
+          <p:cNvSpPr txBox="1"/>
           <p:nvPr/>
         </p:nvSpPr>
         <p:spPr>
           <a:xfrm>
-            <a:off x="659099" y="2407753"/>
-            <a:ext cx="4271120" cy="3785652"/>
+            <a:off x="1061960" y="4725099"/>
+            <a:ext cx="2620652" cy="461665"/>
+          </a:xfrm>
+          <a:prstGeom prst="rect">
+            <a:avLst/>
+          </a:prstGeom>
+          <a:noFill/>
+        </p:spPr>
+        <p:txBody>
+          <a:bodyPr wrap="square" rtlCol="0">
+            <a:spAutoFit/>
+          </a:bodyPr>
+          <a:lstStyle/>
+          <a:p>
+            <a:r>
+              <a:rPr kumimoji="1" lang="ja-JP" altLang="en-US" sz="2400" b="1" dirty="0"/>
+              <a:t>結果</a:t>
+            </a:r>
+          </a:p>
+        </p:txBody>
+      </p:sp>
+      <p:sp>
+        <p:nvSpPr>
+          <p:cNvPr id="17" name="テキスト ボックス 16">
+            <a:extLst>
+              <a:ext uri="{FF2B5EF4-FFF2-40B4-BE49-F238E27FC236}">
+                <a16:creationId xmlns:a16="http://schemas.microsoft.com/office/drawing/2014/main" id="{25D822E2-62B3-4042-B582-0CF7F1B70994}"/>
+              </a:ext>
+            </a:extLst>
+          </p:cNvPr>
+          <p:cNvSpPr txBox="1"/>
+          <p:nvPr/>
+        </p:nvSpPr>
+        <p:spPr>
+          <a:xfrm>
+            <a:off x="1096588" y="5129548"/>
+            <a:ext cx="4236491" cy="461665"/>
           </a:xfrm>
           <a:prstGeom prst="rect">
             <a:avLst/>
@@ -8017,182 +8346,25 @@
           </a:solidFill>
         </p:spPr>
         <p:txBody>
-          <a:bodyPr wrap="square">
+          <a:bodyPr wrap="square" rtlCol="0">
             <a:spAutoFit/>
           </a:bodyPr>
           <a:lstStyle/>
           <a:p>
             <a:r>
               <a:rPr lang="en-US" altLang="ja-JP" sz="2400" dirty="0"/>
-              <a:t>class Car:</a:t>
-            </a:r>
-          </a:p>
-          <a:p>
-            <a:r>
-              <a:rPr lang="en-US" altLang="ja-JP" sz="2400" dirty="0"/>
-              <a:t>    def __</a:t>
-            </a:r>
-            <a:r>
-              <a:rPr lang="en-US" altLang="ja-JP" sz="2400" dirty="0" err="1"/>
-              <a:t>init</a:t>
-            </a:r>
-            <a:r>
-              <a:rPr lang="en-US" altLang="ja-JP" sz="2400" dirty="0"/>
-              <a:t>__(self, color):</a:t>
-            </a:r>
-          </a:p>
-          <a:p>
-            <a:r>
-              <a:rPr lang="en-US" altLang="ja-JP" sz="2400" dirty="0"/>
-              <a:t>        </a:t>
-            </a:r>
-            <a:r>
-              <a:rPr lang="en-US" altLang="ja-JP" sz="2400" dirty="0" err="1"/>
-              <a:t>self.color</a:t>
-            </a:r>
-            <a:r>
-              <a:rPr lang="en-US" altLang="ja-JP" sz="2400" dirty="0"/>
-              <a:t> = color</a:t>
-            </a:r>
-          </a:p>
-          <a:p>
-            <a:r>
-              <a:rPr lang="en-US" altLang="ja-JP" sz="2400" dirty="0"/>
-              <a:t>    def </a:t>
-            </a:r>
-            <a:r>
-              <a:rPr lang="en-US" altLang="ja-JP" sz="2400" dirty="0" err="1"/>
-              <a:t>car_run</a:t>
-            </a:r>
-            <a:r>
-              <a:rPr lang="en-US" altLang="ja-JP" sz="2400" dirty="0"/>
-              <a:t>(self):</a:t>
-            </a:r>
-          </a:p>
-          <a:p>
-            <a:r>
-              <a:rPr lang="en-US" altLang="ja-JP" sz="2400" dirty="0"/>
-              <a:t>        print("run")</a:t>
-            </a:r>
-          </a:p>
-          <a:p>
-            <a:r>
-              <a:rPr lang="en-US" altLang="ja-JP" sz="2400" dirty="0"/>
-              <a:t>    def </a:t>
-            </a:r>
-            <a:r>
-              <a:rPr lang="en-US" altLang="ja-JP" sz="2400" dirty="0" err="1"/>
-              <a:t>car_stop</a:t>
-            </a:r>
-            <a:r>
-              <a:rPr lang="en-US" altLang="ja-JP" sz="2400" dirty="0"/>
-              <a:t>(self):</a:t>
-            </a:r>
-          </a:p>
-          <a:p>
-            <a:r>
-              <a:rPr lang="en-US" altLang="ja-JP" sz="2400" dirty="0"/>
-              <a:t>        print("stop")</a:t>
-            </a:r>
-          </a:p>
-          <a:p>
-            <a:r>
-              <a:rPr lang="en-US" altLang="ja-JP" sz="2400" dirty="0" err="1"/>
-              <a:t>red_car</a:t>
-            </a:r>
-            <a:r>
-              <a:rPr lang="en-US" altLang="ja-JP" sz="2400" dirty="0"/>
-              <a:t> = Car("red")</a:t>
-            </a:r>
-          </a:p>
-          <a:p>
-            <a:r>
-              <a:rPr lang="en-US" altLang="ja-JP" sz="2400" dirty="0" err="1"/>
-              <a:t>blue_car</a:t>
-            </a:r>
-            <a:r>
-              <a:rPr lang="en-US" altLang="ja-JP" sz="2400" dirty="0"/>
-              <a:t> = Car("blue")</a:t>
-            </a:r>
-          </a:p>
-          <a:p>
-            <a:r>
-              <a:rPr lang="en-US" altLang="ja-JP" sz="2400" dirty="0" err="1"/>
-              <a:t>yellow_car</a:t>
-            </a:r>
-            <a:r>
-              <a:rPr lang="en-US" altLang="ja-JP" sz="2400" dirty="0"/>
-              <a:t> = Car("yellow")</a:t>
-            </a:r>
-          </a:p>
-        </p:txBody>
-      </p:sp>
-      <p:sp>
-        <p:nvSpPr>
-          <p:cNvPr id="5" name="フレーム 4">
-            <a:extLst>
-              <a:ext uri="{FF2B5EF4-FFF2-40B4-BE49-F238E27FC236}">
-                <a16:creationId xmlns:a16="http://schemas.microsoft.com/office/drawing/2014/main" id="{5D375150-76E6-4678-9ABD-3F251E947ECA}"/>
-              </a:ext>
-            </a:extLst>
-          </p:cNvPr>
-          <p:cNvSpPr/>
-          <p:nvPr/>
-        </p:nvSpPr>
-        <p:spPr>
-          <a:xfrm>
-            <a:off x="659099" y="4994544"/>
-            <a:ext cx="3828060" cy="1198861"/>
-          </a:xfrm>
-          <a:prstGeom prst="frame">
-            <a:avLst>
-              <a:gd name="adj1" fmla="val 4098"/>
-            </a:avLst>
-          </a:prstGeom>
-          <a:solidFill>
-            <a:srgbClr val="FF0000"/>
-          </a:solidFill>
-          <a:ln>
-            <a:solidFill>
-              <a:srgbClr val="C00000"/>
-            </a:solidFill>
-          </a:ln>
-        </p:spPr>
-        <p:style>
-          <a:lnRef idx="2">
-            <a:schemeClr val="accent1">
-              <a:shade val="50000"/>
-            </a:schemeClr>
-          </a:lnRef>
-          <a:fillRef idx="1">
-            <a:schemeClr val="accent1"/>
-          </a:fillRef>
-          <a:effectRef idx="0">
-            <a:schemeClr val="accent1"/>
-          </a:effectRef>
-          <a:fontRef idx="minor">
-            <a:schemeClr val="lt1"/>
-          </a:fontRef>
-        </p:style>
-        <p:txBody>
-          <a:bodyPr rtlCol="0" anchor="ctr"/>
-          <a:lstStyle/>
-          <a:p>
-            <a:pPr algn="ctr"/>
-            <a:endParaRPr kumimoji="1" lang="ja-JP" altLang="en-US">
-              <a:solidFill>
-                <a:schemeClr val="tx1"/>
-              </a:solidFill>
-            </a:endParaRPr>
-          </a:p>
-        </p:txBody>
-      </p:sp>
-      <p:sp>
-        <p:nvSpPr>
-          <p:cNvPr id="17" name="テキスト ボックス 16">
-            <a:extLst>
-              <a:ext uri="{FF2B5EF4-FFF2-40B4-BE49-F238E27FC236}">
-                <a16:creationId xmlns:a16="http://schemas.microsoft.com/office/drawing/2014/main" id="{7A860C97-957E-448F-9FCD-F6A6ACC75E9A}"/>
+              <a:t>run</a:t>
+            </a:r>
+            <a:endParaRPr kumimoji="1" lang="ja-JP" altLang="en-US" sz="2400" dirty="0"/>
+          </a:p>
+        </p:txBody>
+      </p:sp>
+      <p:sp>
+        <p:nvSpPr>
+          <p:cNvPr id="18" name="テキスト ボックス 17">
+            <a:extLst>
+              <a:ext uri="{FF2B5EF4-FFF2-40B4-BE49-F238E27FC236}">
+                <a16:creationId xmlns:a16="http://schemas.microsoft.com/office/drawing/2014/main" id="{67DF8AC0-F7E9-487B-B98B-FCE94571D6F9}"/>
               </a:ext>
             </a:extLst>
           </p:cNvPr>
@@ -8201,13 +8373,18 @@
         </p:nvSpPr>
         <p:spPr>
           <a:xfrm>
-            <a:off x="5239332" y="3447023"/>
-            <a:ext cx="6931843" cy="3077766"/>
+            <a:off x="1061960" y="5820168"/>
+            <a:ext cx="4236492" cy="461665"/>
           </a:xfrm>
           <a:prstGeom prst="rect">
             <a:avLst/>
           </a:prstGeom>
           <a:noFill/>
+          <a:ln w="38100">
+            <a:solidFill>
+              <a:srgbClr val="218A00"/>
+            </a:solidFill>
+          </a:ln>
         </p:spPr>
         <p:txBody>
           <a:bodyPr wrap="square" rtlCol="0">
@@ -8215,206 +8392,31 @@
           </a:bodyPr>
           <a:lstStyle/>
           <a:p>
-            <a:pPr>
-              <a:spcBef>
-                <a:spcPts val="600"/>
-              </a:spcBef>
-              <a:spcAft>
-                <a:spcPts val="600"/>
-              </a:spcAft>
-            </a:pPr>
-            <a:r>
-              <a:rPr lang="ja-JP" altLang="en-US" sz="2400" dirty="0"/>
-              <a:t>インスタンス名　</a:t>
-            </a:r>
-            <a:r>
-              <a:rPr lang="en-US" altLang="ja-JP" sz="2400" dirty="0"/>
-              <a:t>= </a:t>
-            </a:r>
-            <a:r>
-              <a:rPr lang="ja-JP" altLang="en-US" sz="2400" dirty="0"/>
-              <a:t>クラス名（</a:t>
-            </a:r>
-            <a:r>
-              <a:rPr lang="en-US" altLang="ja-JP" sz="2400" dirty="0"/>
-              <a:t>__</a:t>
-            </a:r>
-            <a:r>
-              <a:rPr lang="en-US" altLang="ja-JP" sz="2400" dirty="0" err="1"/>
-              <a:t>init</a:t>
-            </a:r>
-            <a:r>
-              <a:rPr lang="en-US" altLang="ja-JP" sz="2400" dirty="0"/>
-              <a:t>__</a:t>
-            </a:r>
-            <a:r>
-              <a:rPr lang="ja-JP" altLang="en-US" sz="2400" dirty="0"/>
-              <a:t>の引数）</a:t>
-            </a:r>
-            <a:endParaRPr lang="en-US" altLang="ja-JP" sz="2400" dirty="0"/>
-          </a:p>
-          <a:p>
-            <a:pPr>
-              <a:spcBef>
-                <a:spcPts val="600"/>
-              </a:spcBef>
-              <a:spcAft>
-                <a:spcPts val="600"/>
-              </a:spcAft>
-            </a:pPr>
-            <a:r>
-              <a:rPr lang="ja-JP" altLang="en-US" sz="2400" dirty="0"/>
-              <a:t>・</a:t>
-            </a:r>
-            <a:r>
-              <a:rPr lang="en-US" altLang="ja-JP" sz="2400" dirty="0" err="1"/>
-              <a:t>red_car</a:t>
-            </a:r>
-            <a:r>
-              <a:rPr lang="en-US" altLang="ja-JP" sz="2400" dirty="0"/>
-              <a:t> = Car(“red”)</a:t>
-            </a:r>
-            <a:r>
-              <a:rPr lang="ja-JP" altLang="en-US" sz="2400" dirty="0"/>
-              <a:t> の場合</a:t>
-            </a:r>
-            <a:endParaRPr lang="en-US" altLang="ja-JP" sz="2400" dirty="0"/>
-          </a:p>
-          <a:p>
-            <a:pPr>
-              <a:spcBef>
-                <a:spcPts val="600"/>
-              </a:spcBef>
-              <a:spcAft>
-                <a:spcPts val="600"/>
-              </a:spcAft>
-            </a:pPr>
-            <a:r>
-              <a:rPr lang="ja-JP" altLang="en-US" sz="2400" dirty="0"/>
-              <a:t>　</a:t>
-            </a:r>
-            <a:r>
-              <a:rPr lang="en-US" altLang="ja-JP" sz="2400" dirty="0"/>
-              <a:t>__</a:t>
-            </a:r>
-            <a:r>
-              <a:rPr lang="en-US" altLang="ja-JP" sz="2400" dirty="0" err="1"/>
-              <a:t>init</a:t>
-            </a:r>
-            <a:r>
-              <a:rPr lang="en-US" altLang="ja-JP" sz="2400" dirty="0"/>
-              <a:t>__</a:t>
-            </a:r>
-            <a:r>
-              <a:rPr lang="ja-JP" altLang="en-US" sz="2400" dirty="0"/>
-              <a:t>（コンストラクタ）で</a:t>
-            </a:r>
-            <a:endParaRPr lang="en-US" altLang="ja-JP" sz="2400" dirty="0"/>
-          </a:p>
-          <a:p>
-            <a:pPr>
-              <a:spcBef>
-                <a:spcPts val="600"/>
-              </a:spcBef>
-              <a:spcAft>
-                <a:spcPts val="600"/>
-              </a:spcAft>
-            </a:pPr>
-            <a:r>
-              <a:rPr lang="ja-JP" altLang="en-US" sz="2400" dirty="0"/>
-              <a:t>　</a:t>
-            </a:r>
-            <a:r>
-              <a:rPr lang="en-US" altLang="ja-JP" sz="2400" dirty="0" err="1"/>
-              <a:t>self.color</a:t>
-            </a:r>
-            <a:r>
-              <a:rPr lang="en-US" altLang="ja-JP" sz="2400" dirty="0"/>
-              <a:t> = “red”</a:t>
-            </a:r>
-            <a:r>
-              <a:rPr lang="ja-JP" altLang="en-US" sz="2400" dirty="0"/>
-              <a:t>（つまり</a:t>
-            </a:r>
-            <a:r>
-              <a:rPr lang="en-US" altLang="ja-JP" sz="2400" dirty="0" err="1"/>
-              <a:t>red_car.color</a:t>
-            </a:r>
-            <a:r>
-              <a:rPr lang="en-US" altLang="ja-JP" sz="2400" dirty="0"/>
-              <a:t> = red</a:t>
-            </a:r>
-            <a:r>
-              <a:rPr lang="ja-JP" altLang="en-US" sz="2400" dirty="0"/>
-              <a:t>）</a:t>
-            </a:r>
-            <a:r>
-              <a:rPr lang="en-US" altLang="ja-JP" sz="2400" dirty="0"/>
-              <a:t> </a:t>
-            </a:r>
-          </a:p>
-          <a:p>
-            <a:pPr>
-              <a:spcBef>
-                <a:spcPts val="600"/>
-              </a:spcBef>
-              <a:spcAft>
-                <a:spcPts val="600"/>
-              </a:spcAft>
-            </a:pPr>
-            <a:r>
-              <a:rPr lang="ja-JP" altLang="en-US" sz="2400" dirty="0"/>
+            <a:r>
+              <a:rPr kumimoji="1" lang="en-US" altLang="ja-JP" sz="2400" dirty="0"/>
+              <a:t>Car</a:t>
+            </a:r>
+            <a:r>
+              <a:rPr kumimoji="1" lang="ja-JP" altLang="en-US" sz="2400" dirty="0"/>
+              <a:t>のメソッド</a:t>
+            </a:r>
+            <a:r>
+              <a:rPr kumimoji="1" lang="en-US" altLang="ja-JP" sz="2400" dirty="0" err="1"/>
+              <a:t>car_run</a:t>
+            </a:r>
+            <a:r>
+              <a:rPr kumimoji="1" lang="ja-JP" altLang="en-US" sz="2400" dirty="0"/>
               <a:t>を実行</a:t>
             </a:r>
-            <a:endParaRPr lang="en-US" altLang="ja-JP" sz="2400" dirty="0"/>
-          </a:p>
-          <a:p>
-            <a:pPr>
-              <a:spcBef>
-                <a:spcPts val="600"/>
-              </a:spcBef>
-              <a:spcAft>
-                <a:spcPts val="600"/>
-              </a:spcAft>
-            </a:pPr>
-            <a:r>
-              <a:rPr lang="ja-JP" altLang="en-US" sz="2400" dirty="0"/>
-              <a:t>色（</a:t>
-            </a:r>
-            <a:r>
-              <a:rPr lang="en-US" altLang="ja-JP" sz="2400" dirty="0"/>
-              <a:t>color</a:t>
-            </a:r>
-            <a:r>
-              <a:rPr lang="ja-JP" altLang="en-US" sz="2400" dirty="0"/>
-              <a:t>）が赤（</a:t>
-            </a:r>
-            <a:r>
-              <a:rPr lang="en-US" altLang="ja-JP" sz="2400" dirty="0"/>
-              <a:t>”red”</a:t>
-            </a:r>
-            <a:r>
-              <a:rPr lang="ja-JP" altLang="en-US" sz="2400" dirty="0"/>
-              <a:t>）の車（</a:t>
-            </a:r>
-            <a:r>
-              <a:rPr lang="en-US" altLang="ja-JP" sz="2400" dirty="0" err="1"/>
-              <a:t>red_car</a:t>
-            </a:r>
-            <a:r>
-              <a:rPr lang="ja-JP" altLang="en-US" sz="2400" dirty="0"/>
-              <a:t>）を生成</a:t>
-            </a:r>
-            <a:endParaRPr lang="en-US" altLang="ja-JP" sz="2400" dirty="0"/>
-          </a:p>
-        </p:txBody>
-      </p:sp>
-      <p:sp>
-        <p:nvSpPr>
-          <p:cNvPr id="18" name="正方形/長方形 17">
-            <a:extLst>
-              <a:ext uri="{FF2B5EF4-FFF2-40B4-BE49-F238E27FC236}">
-                <a16:creationId xmlns:a16="http://schemas.microsoft.com/office/drawing/2014/main" id="{24E41457-75AB-49BE-A203-05C29E2F2F67}"/>
+          </a:p>
+        </p:txBody>
+      </p:sp>
+      <p:sp>
+        <p:nvSpPr>
+          <p:cNvPr id="19" name="正方形/長方形 18">
+            <a:extLst>
+              <a:ext uri="{FF2B5EF4-FFF2-40B4-BE49-F238E27FC236}">
+                <a16:creationId xmlns:a16="http://schemas.microsoft.com/office/drawing/2014/main" id="{60D07245-53A7-407F-9C11-BF9E6989AD6D}"/>
               </a:ext>
             </a:extLst>
           </p:cNvPr>
@@ -8423,74 +8425,181 @@
         </p:nvSpPr>
         <p:spPr>
           <a:xfrm>
-            <a:off x="5165887" y="3289957"/>
-            <a:ext cx="6843859" cy="3234832"/>
+            <a:off x="6953774" y="3279547"/>
+            <a:ext cx="4218997" cy="1200329"/>
+          </a:xfrm>
+          <a:prstGeom prst="rect">
+            <a:avLst/>
+          </a:prstGeom>
+          <a:solidFill>
+            <a:schemeClr val="accent1">
+              <a:lumMod val="20000"/>
+              <a:lumOff val="80000"/>
+            </a:schemeClr>
+          </a:solidFill>
+        </p:spPr>
+        <p:txBody>
+          <a:bodyPr wrap="square">
+            <a:spAutoFit/>
+          </a:bodyPr>
+          <a:lstStyle/>
+          <a:p>
+            <a:r>
+              <a:rPr lang="en-US" altLang="ja-JP" sz="2400" dirty="0"/>
+              <a:t>a = [1, 2, 3, 4]</a:t>
+            </a:r>
+          </a:p>
+          <a:p>
+            <a:r>
+              <a:rPr lang="en-US" altLang="ja-JP" sz="2400" dirty="0" err="1"/>
+              <a:t>a.append</a:t>
+            </a:r>
+            <a:r>
+              <a:rPr lang="en-US" altLang="ja-JP" sz="2400" dirty="0"/>
+              <a:t>(5)</a:t>
+            </a:r>
+          </a:p>
+          <a:p>
+            <a:r>
+              <a:rPr lang="en-US" altLang="ja-JP" sz="2400" dirty="0"/>
+              <a:t>print(a)</a:t>
+            </a:r>
+          </a:p>
+        </p:txBody>
+      </p:sp>
+      <p:sp>
+        <p:nvSpPr>
+          <p:cNvPr id="20" name="テキスト ボックス 19">
+            <a:extLst>
+              <a:ext uri="{FF2B5EF4-FFF2-40B4-BE49-F238E27FC236}">
+                <a16:creationId xmlns:a16="http://schemas.microsoft.com/office/drawing/2014/main" id="{E4EE59EC-B139-4AA5-8D7A-FB57A788C1C7}"/>
+              </a:ext>
+            </a:extLst>
+          </p:cNvPr>
+          <p:cNvSpPr txBox="1"/>
+          <p:nvPr/>
+        </p:nvSpPr>
+        <p:spPr>
+          <a:xfrm>
+            <a:off x="6910400" y="4765251"/>
+            <a:ext cx="2620652" cy="461665"/>
           </a:xfrm>
           <a:prstGeom prst="rect">
             <a:avLst/>
           </a:prstGeom>
           <a:noFill/>
-          <a:ln w="57150"/>
-        </p:spPr>
-        <p:style>
-          <a:lnRef idx="2">
-            <a:schemeClr val="accent1">
-              <a:shade val="50000"/>
-            </a:schemeClr>
-          </a:lnRef>
-          <a:fillRef idx="1">
-            <a:schemeClr val="accent1"/>
-          </a:fillRef>
-          <a:effectRef idx="0">
-            <a:schemeClr val="accent1"/>
-          </a:effectRef>
-          <a:fontRef idx="minor">
-            <a:schemeClr val="lt1"/>
-          </a:fontRef>
-        </p:style>
-        <p:txBody>
-          <a:bodyPr rtlCol="0" anchor="ctr"/>
-          <a:lstStyle/>
-          <a:p>
-            <a:pPr algn="ctr"/>
-            <a:endParaRPr kumimoji="1" lang="ja-JP" altLang="en-US"/>
-          </a:p>
-        </p:txBody>
-      </p:sp>
-      <p:pic>
-        <p:nvPicPr>
-          <p:cNvPr id="7" name="図 6">
-            <a:extLst>
-              <a:ext uri="{FF2B5EF4-FFF2-40B4-BE49-F238E27FC236}">
-                <a16:creationId xmlns:a16="http://schemas.microsoft.com/office/drawing/2014/main" id="{A619499B-9AE6-452C-972A-4B39A338532E}"/>
-              </a:ext>
-            </a:extLst>
-          </p:cNvPr>
-          <p:cNvPicPr>
-            <a:picLocks noChangeAspect="1"/>
-          </p:cNvPicPr>
+        </p:spPr>
+        <p:txBody>
+          <a:bodyPr wrap="square" rtlCol="0">
+            <a:spAutoFit/>
+          </a:bodyPr>
+          <a:lstStyle/>
+          <a:p>
+            <a:r>
+              <a:rPr kumimoji="1" lang="ja-JP" altLang="en-US" sz="2400" b="1" dirty="0"/>
+              <a:t>結果</a:t>
+            </a:r>
+          </a:p>
+        </p:txBody>
+      </p:sp>
+      <p:sp>
+        <p:nvSpPr>
+          <p:cNvPr id="21" name="テキスト ボックス 20">
+            <a:extLst>
+              <a:ext uri="{FF2B5EF4-FFF2-40B4-BE49-F238E27FC236}">
+                <a16:creationId xmlns:a16="http://schemas.microsoft.com/office/drawing/2014/main" id="{374DCD8C-0DA0-4228-A1EE-5DC106AE677C}"/>
+              </a:ext>
+            </a:extLst>
+          </p:cNvPr>
+          <p:cNvSpPr txBox="1"/>
           <p:nvPr/>
-        </p:nvPicPr>
-        <p:blipFill>
-          <a:blip r:embed="rId2"/>
-          <a:stretch>
-            <a:fillRect/>
-          </a:stretch>
-        </p:blipFill>
-        <p:spPr>
-          <a:xfrm>
-            <a:off x="7183743" y="1273329"/>
-            <a:ext cx="2487636" cy="1826230"/>
+        </p:nvSpPr>
+        <p:spPr>
+          <a:xfrm>
+            <a:off x="6945028" y="5169700"/>
+            <a:ext cx="4236491" cy="461665"/>
           </a:xfrm>
           <a:prstGeom prst="rect">
             <a:avLst/>
           </a:prstGeom>
-        </p:spPr>
-      </p:pic>
+          <a:solidFill>
+            <a:schemeClr val="accent1">
+              <a:lumMod val="20000"/>
+              <a:lumOff val="80000"/>
+            </a:schemeClr>
+          </a:solidFill>
+        </p:spPr>
+        <p:txBody>
+          <a:bodyPr wrap="square" rtlCol="0">
+            <a:spAutoFit/>
+          </a:bodyPr>
+          <a:lstStyle/>
+          <a:p>
+            <a:r>
+              <a:rPr kumimoji="1" lang="en-US" altLang="ja-JP" sz="2400" dirty="0"/>
+              <a:t>[1, 2, 3, 4, 5]</a:t>
+            </a:r>
+            <a:endParaRPr kumimoji="1" lang="ja-JP" altLang="en-US" sz="2400" dirty="0"/>
+          </a:p>
+        </p:txBody>
+      </p:sp>
+      <p:sp>
+        <p:nvSpPr>
+          <p:cNvPr id="22" name="テキスト ボックス 21">
+            <a:extLst>
+              <a:ext uri="{FF2B5EF4-FFF2-40B4-BE49-F238E27FC236}">
+                <a16:creationId xmlns:a16="http://schemas.microsoft.com/office/drawing/2014/main" id="{1497B76E-AFE0-42CE-B7F0-0BCB123AC5B7}"/>
+              </a:ext>
+            </a:extLst>
+          </p:cNvPr>
+          <p:cNvSpPr txBox="1"/>
+          <p:nvPr/>
+        </p:nvSpPr>
+        <p:spPr>
+          <a:xfrm>
+            <a:off x="7015428" y="5804981"/>
+            <a:ext cx="4166091" cy="461665"/>
+          </a:xfrm>
+          <a:prstGeom prst="rect">
+            <a:avLst/>
+          </a:prstGeom>
+          <a:noFill/>
+          <a:ln w="38100">
+            <a:solidFill>
+              <a:srgbClr val="218A00"/>
+            </a:solidFill>
+          </a:ln>
+        </p:spPr>
+        <p:txBody>
+          <a:bodyPr wrap="square" rtlCol="0">
+            <a:spAutoFit/>
+          </a:bodyPr>
+          <a:lstStyle/>
+          <a:p>
+            <a:r>
+              <a:rPr lang="en-US" altLang="ja-JP" sz="2400" dirty="0"/>
+              <a:t>list</a:t>
+            </a:r>
+            <a:r>
+              <a:rPr lang="ja-JP" altLang="en-US" sz="2400" dirty="0"/>
+              <a:t>のメソッド</a:t>
+            </a:r>
+            <a:r>
+              <a:rPr lang="en-US" altLang="ja-JP" sz="2400" dirty="0"/>
+              <a:t>append</a:t>
+            </a:r>
+            <a:r>
+              <a:rPr lang="ja-JP" altLang="en-US" sz="2400" dirty="0"/>
+              <a:t>を実行</a:t>
+            </a:r>
+            <a:endParaRPr kumimoji="1" lang="en-US" altLang="ja-JP" sz="2400" dirty="0"/>
+          </a:p>
+        </p:txBody>
+      </p:sp>
     </p:spTree>
     <p:extLst>
       <p:ext uri="{BB962C8B-B14F-4D97-AF65-F5344CB8AC3E}">
-        <p14:creationId xmlns:p14="http://schemas.microsoft.com/office/powerpoint/2010/main" val="351856387"/>
+        <p14:creationId xmlns:p14="http://schemas.microsoft.com/office/powerpoint/2010/main" val="3975569586"/>
       </p:ext>
     </p:extLst>
   </p:cSld>
@@ -8519,10 +8628,10 @@
       </p:grpSpPr>
       <p:sp>
         <p:nvSpPr>
-          <p:cNvPr id="7" name="四角形: 角を丸くする 6">
-            <a:extLst>
-              <a:ext uri="{FF2B5EF4-FFF2-40B4-BE49-F238E27FC236}">
-                <a16:creationId xmlns:a16="http://schemas.microsoft.com/office/drawing/2014/main" id="{3F66BDE5-8FDD-4BA4-BC25-E50B2F5E09D0}"/>
+          <p:cNvPr id="6" name="正方形/長方形 5">
+            <a:extLst>
+              <a:ext uri="{FF2B5EF4-FFF2-40B4-BE49-F238E27FC236}">
+                <a16:creationId xmlns:a16="http://schemas.microsoft.com/office/drawing/2014/main" id="{1868A8F7-CA8A-4DD0-B434-681ECFCE5AAC}"/>
               </a:ext>
             </a:extLst>
           </p:cNvPr>
@@ -8531,16 +8640,21 @@
         </p:nvSpPr>
         <p:spPr>
           <a:xfrm>
-            <a:off x="571764" y="2098579"/>
-            <a:ext cx="11221167" cy="4283367"/>
-          </a:xfrm>
-          <a:prstGeom prst="roundRect">
+            <a:off x="5260157" y="3410978"/>
+            <a:ext cx="6341224" cy="492582"/>
+          </a:xfrm>
+          <a:prstGeom prst="rect">
             <a:avLst/>
           </a:prstGeom>
           <a:solidFill>
-            <a:schemeClr val="bg1"/>
+            <a:schemeClr val="accent1">
+              <a:lumMod val="20000"/>
+              <a:lumOff val="80000"/>
+            </a:schemeClr>
           </a:solidFill>
-          <a:ln w="57150"/>
+          <a:ln>
+            <a:noFill/>
+          </a:ln>
         </p:spPr>
         <p:style>
           <a:lnRef idx="2">
@@ -8572,7 +8686,7 @@
           <p:cNvPr id="2" name="タイトル 1">
             <a:extLst>
               <a:ext uri="{FF2B5EF4-FFF2-40B4-BE49-F238E27FC236}">
-                <a16:creationId xmlns:a16="http://schemas.microsoft.com/office/drawing/2014/main" id="{2D880BFE-3285-46B4-B583-BE5F786477D2}"/>
+                <a16:creationId xmlns:a16="http://schemas.microsoft.com/office/drawing/2014/main" id="{208C9E34-35DC-4647-B200-C894344625DA}"/>
               </a:ext>
             </a:extLst>
           </p:cNvPr>
@@ -8590,7 +8704,7 @@
           <a:p>
             <a:r>
               <a:rPr lang="ja-JP" altLang="en-US" dirty="0"/>
-              <a:t>オブジェクト指向をする理由②</a:t>
+              <a:t>クラスのコードの例</a:t>
             </a:r>
             <a:endParaRPr kumimoji="1" lang="ja-JP" altLang="en-US" dirty="0"/>
           </a:p>
@@ -8601,7 +8715,7 @@
           <p:cNvPr id="3" name="コンテンツ プレースホルダー 2">
             <a:extLst>
               <a:ext uri="{FF2B5EF4-FFF2-40B4-BE49-F238E27FC236}">
-                <a16:creationId xmlns:a16="http://schemas.microsoft.com/office/drawing/2014/main" id="{1C9BA683-BADE-49D1-8E96-487B57A6354A}"/>
+                <a16:creationId xmlns:a16="http://schemas.microsoft.com/office/drawing/2014/main" id="{771AE650-420E-4F6E-B153-EF8F3856826E}"/>
               </a:ext>
             </a:extLst>
           </p:cNvPr>
@@ -8612,20 +8726,23 @@
             <p:ph idx="1"/>
           </p:nvPr>
         </p:nvSpPr>
-        <p:spPr/>
-        <p:txBody>
-          <a:bodyPr/>
-          <a:lstStyle/>
-          <a:p>
-            <a:r>
-              <a:rPr lang="ja-JP" altLang="en-US" b="1" dirty="0"/>
-              <a:t>大人数で開発するときに便利</a:t>
-            </a:r>
+        <p:spPr>
+          <a:xfrm>
+            <a:off x="354948" y="1284633"/>
+            <a:ext cx="11029615" cy="810110"/>
+          </a:xfrm>
+        </p:spPr>
+        <p:txBody>
+          <a:bodyPr>
+            <a:normAutofit/>
+          </a:bodyPr>
+          <a:lstStyle/>
+          <a:p>
             <a:r>
               <a:rPr lang="ja-JP" altLang="en-US" dirty="0"/>
-              <a:t>（車を例に説明）</a:t>
-            </a:r>
-            <a:endParaRPr lang="en-US" altLang="ja-JP" dirty="0"/>
+              <a:t>インスタンスの生成</a:t>
+            </a:r>
+            <a:endParaRPr kumimoji="1" lang="en-US" altLang="ja-JP" dirty="0"/>
           </a:p>
         </p:txBody>
       </p:sp>
@@ -8634,7 +8751,7 @@
           <p:cNvPr id="4" name="スライド番号プレースホルダー 3">
             <a:extLst>
               <a:ext uri="{FF2B5EF4-FFF2-40B4-BE49-F238E27FC236}">
-                <a16:creationId xmlns:a16="http://schemas.microsoft.com/office/drawing/2014/main" id="{AB6C9256-1725-4D61-8FA5-32260ECC9D57}"/>
+                <a16:creationId xmlns:a16="http://schemas.microsoft.com/office/drawing/2014/main" id="{8E09DA4E-282D-4C46-9A0B-E35E05D6C19A}"/>
               </a:ext>
             </a:extLst>
           </p:cNvPr>
@@ -8661,48 +8778,208 @@
       </p:sp>
       <p:sp>
         <p:nvSpPr>
-          <p:cNvPr id="5" name="コンテンツ プレースホルダー 4">
-            <a:extLst>
-              <a:ext uri="{FF2B5EF4-FFF2-40B4-BE49-F238E27FC236}">
-                <a16:creationId xmlns:a16="http://schemas.microsoft.com/office/drawing/2014/main" id="{82BF6D1D-6D99-4E40-B0D8-866E99ADE8CA}"/>
-              </a:ext>
-            </a:extLst>
-          </p:cNvPr>
-          <p:cNvSpPr>
-            <a:spLocks noGrp="1"/>
-          </p:cNvSpPr>
-          <p:nvPr>
-            <p:ph sz="quarter" idx="13"/>
-          </p:nvPr>
-        </p:nvSpPr>
-        <p:spPr>
-          <a:xfrm>
-            <a:off x="8493551" y="6494710"/>
-            <a:ext cx="3694362" cy="365125"/>
-          </a:xfrm>
-        </p:spPr>
-        <p:txBody>
-          <a:bodyPr>
-            <a:normAutofit fontScale="92500"/>
+          <p:cNvPr id="12" name="正方形/長方形 11">
+            <a:extLst>
+              <a:ext uri="{FF2B5EF4-FFF2-40B4-BE49-F238E27FC236}">
+                <a16:creationId xmlns:a16="http://schemas.microsoft.com/office/drawing/2014/main" id="{0D26369A-A911-46A1-AB42-F6E1BF3D4CD7}"/>
+              </a:ext>
+            </a:extLst>
+          </p:cNvPr>
+          <p:cNvSpPr/>
+          <p:nvPr/>
+        </p:nvSpPr>
+        <p:spPr>
+          <a:xfrm>
+            <a:off x="659099" y="2407753"/>
+            <a:ext cx="4271120" cy="3785652"/>
+          </a:xfrm>
+          <a:prstGeom prst="rect">
+            <a:avLst/>
+          </a:prstGeom>
+          <a:solidFill>
+            <a:schemeClr val="accent1">
+              <a:lumMod val="20000"/>
+              <a:lumOff val="80000"/>
+            </a:schemeClr>
+          </a:solidFill>
+        </p:spPr>
+        <p:txBody>
+          <a:bodyPr wrap="square">
+            <a:spAutoFit/>
           </a:bodyPr>
           <a:lstStyle/>
           <a:p>
             <a:r>
-              <a:rPr lang="en-US" altLang="ja-JP" dirty="0">
-                <a:hlinkClick r:id="rId2"/>
-              </a:rPr>
-              <a:t>https://eng-entrance.com/what-oop</a:t>
-            </a:r>
-            <a:endParaRPr kumimoji="1" lang="ja-JP" altLang="en-US" dirty="0"/>
-          </a:p>
-        </p:txBody>
-      </p:sp>
-      <p:sp>
-        <p:nvSpPr>
-          <p:cNvPr id="6" name="テキスト ボックス 5">
-            <a:extLst>
-              <a:ext uri="{FF2B5EF4-FFF2-40B4-BE49-F238E27FC236}">
-                <a16:creationId xmlns:a16="http://schemas.microsoft.com/office/drawing/2014/main" id="{4947AEAB-DE74-4355-8E2B-82BDC1E5FA54}"/>
+              <a:rPr lang="en-US" altLang="ja-JP" sz="2400" dirty="0"/>
+              <a:t>class Car:</a:t>
+            </a:r>
+          </a:p>
+          <a:p>
+            <a:r>
+              <a:rPr lang="en-US" altLang="ja-JP" sz="2400" dirty="0"/>
+              <a:t>    def __</a:t>
+            </a:r>
+            <a:r>
+              <a:rPr lang="en-US" altLang="ja-JP" sz="2400" dirty="0" err="1"/>
+              <a:t>init</a:t>
+            </a:r>
+            <a:r>
+              <a:rPr lang="en-US" altLang="ja-JP" sz="2400" dirty="0"/>
+              <a:t>__(self, color):</a:t>
+            </a:r>
+          </a:p>
+          <a:p>
+            <a:r>
+              <a:rPr lang="en-US" altLang="ja-JP" sz="2400" dirty="0"/>
+              <a:t>        </a:t>
+            </a:r>
+            <a:r>
+              <a:rPr lang="en-US" altLang="ja-JP" sz="2400" dirty="0" err="1"/>
+              <a:t>self.color</a:t>
+            </a:r>
+            <a:r>
+              <a:rPr lang="en-US" altLang="ja-JP" sz="2400" dirty="0"/>
+              <a:t> = color</a:t>
+            </a:r>
+          </a:p>
+          <a:p>
+            <a:r>
+              <a:rPr lang="en-US" altLang="ja-JP" sz="2400" dirty="0"/>
+              <a:t>    def </a:t>
+            </a:r>
+            <a:r>
+              <a:rPr lang="en-US" altLang="ja-JP" sz="2400" dirty="0" err="1"/>
+              <a:t>car_run</a:t>
+            </a:r>
+            <a:r>
+              <a:rPr lang="en-US" altLang="ja-JP" sz="2400" dirty="0"/>
+              <a:t>(self):</a:t>
+            </a:r>
+          </a:p>
+          <a:p>
+            <a:r>
+              <a:rPr lang="en-US" altLang="ja-JP" sz="2400" dirty="0"/>
+              <a:t>        print("run")</a:t>
+            </a:r>
+          </a:p>
+          <a:p>
+            <a:r>
+              <a:rPr lang="en-US" altLang="ja-JP" sz="2400" dirty="0"/>
+              <a:t>    def </a:t>
+            </a:r>
+            <a:r>
+              <a:rPr lang="en-US" altLang="ja-JP" sz="2400" dirty="0" err="1"/>
+              <a:t>car_stop</a:t>
+            </a:r>
+            <a:r>
+              <a:rPr lang="en-US" altLang="ja-JP" sz="2400" dirty="0"/>
+              <a:t>(self):</a:t>
+            </a:r>
+          </a:p>
+          <a:p>
+            <a:r>
+              <a:rPr lang="en-US" altLang="ja-JP" sz="2400" dirty="0"/>
+              <a:t>        print("stop")</a:t>
+            </a:r>
+          </a:p>
+          <a:p>
+            <a:r>
+              <a:rPr lang="en-US" altLang="ja-JP" sz="2400" dirty="0" err="1"/>
+              <a:t>red_car</a:t>
+            </a:r>
+            <a:r>
+              <a:rPr lang="en-US" altLang="ja-JP" sz="2400" dirty="0"/>
+              <a:t> = Car("red")</a:t>
+            </a:r>
+          </a:p>
+          <a:p>
+            <a:r>
+              <a:rPr lang="en-US" altLang="ja-JP" sz="2400" dirty="0" err="1"/>
+              <a:t>blue_car</a:t>
+            </a:r>
+            <a:r>
+              <a:rPr lang="en-US" altLang="ja-JP" sz="2400" dirty="0"/>
+              <a:t> = Car("blue")</a:t>
+            </a:r>
+          </a:p>
+          <a:p>
+            <a:r>
+              <a:rPr lang="en-US" altLang="ja-JP" sz="2400" dirty="0" err="1"/>
+              <a:t>yellow_car</a:t>
+            </a:r>
+            <a:r>
+              <a:rPr lang="en-US" altLang="ja-JP" sz="2400" dirty="0"/>
+              <a:t> = Car("yellow")</a:t>
+            </a:r>
+          </a:p>
+        </p:txBody>
+      </p:sp>
+      <p:sp>
+        <p:nvSpPr>
+          <p:cNvPr id="5" name="フレーム 4">
+            <a:extLst>
+              <a:ext uri="{FF2B5EF4-FFF2-40B4-BE49-F238E27FC236}">
+                <a16:creationId xmlns:a16="http://schemas.microsoft.com/office/drawing/2014/main" id="{5D375150-76E6-4678-9ABD-3F251E947ECA}"/>
+              </a:ext>
+            </a:extLst>
+          </p:cNvPr>
+          <p:cNvSpPr/>
+          <p:nvPr/>
+        </p:nvSpPr>
+        <p:spPr>
+          <a:xfrm>
+            <a:off x="659099" y="4994544"/>
+            <a:ext cx="3828060" cy="1198861"/>
+          </a:xfrm>
+          <a:prstGeom prst="frame">
+            <a:avLst>
+              <a:gd name="adj1" fmla="val 4098"/>
+            </a:avLst>
+          </a:prstGeom>
+          <a:solidFill>
+            <a:srgbClr val="FF0000"/>
+          </a:solidFill>
+          <a:ln>
+            <a:solidFill>
+              <a:srgbClr val="C00000"/>
+            </a:solidFill>
+          </a:ln>
+        </p:spPr>
+        <p:style>
+          <a:lnRef idx="2">
+            <a:schemeClr val="accent1">
+              <a:shade val="50000"/>
+            </a:schemeClr>
+          </a:lnRef>
+          <a:fillRef idx="1">
+            <a:schemeClr val="accent1"/>
+          </a:fillRef>
+          <a:effectRef idx="0">
+            <a:schemeClr val="accent1"/>
+          </a:effectRef>
+          <a:fontRef idx="minor">
+            <a:schemeClr val="lt1"/>
+          </a:fontRef>
+        </p:style>
+        <p:txBody>
+          <a:bodyPr rtlCol="0" anchor="ctr"/>
+          <a:lstStyle/>
+          <a:p>
+            <a:pPr algn="ctr"/>
+            <a:endParaRPr kumimoji="1" lang="ja-JP" altLang="en-US">
+              <a:solidFill>
+                <a:schemeClr val="tx1"/>
+              </a:solidFill>
+            </a:endParaRPr>
+          </a:p>
+        </p:txBody>
+      </p:sp>
+      <p:sp>
+        <p:nvSpPr>
+          <p:cNvPr id="17" name="テキスト ボックス 16">
+            <a:extLst>
+              <a:ext uri="{FF2B5EF4-FFF2-40B4-BE49-F238E27FC236}">
+                <a16:creationId xmlns:a16="http://schemas.microsoft.com/office/drawing/2014/main" id="{7A860C97-957E-448F-9FCD-F6A6ACC75E9A}"/>
               </a:ext>
             </a:extLst>
           </p:cNvPr>
@@ -8711,8 +8988,8 @@
         </p:nvSpPr>
         <p:spPr>
           <a:xfrm>
-            <a:off x="812274" y="2476011"/>
-            <a:ext cx="10666556" cy="3785652"/>
+            <a:off x="5239332" y="3447023"/>
+            <a:ext cx="6931843" cy="3077766"/>
           </a:xfrm>
           <a:prstGeom prst="rect">
             <a:avLst/>
@@ -8725,67 +9002,282 @@
           </a:bodyPr>
           <a:lstStyle/>
           <a:p>
-            <a:r>
-              <a:rPr lang="ja-JP" altLang="en-US" sz="2800" dirty="0"/>
-              <a:t>・「車」をあらかじめ用意 </a:t>
-            </a:r>
-            <a:endParaRPr lang="en-US" altLang="ja-JP" sz="2800" dirty="0"/>
-          </a:p>
-          <a:p>
+            <a:pPr>
+              <a:spcBef>
+                <a:spcPts val="600"/>
+              </a:spcBef>
+              <a:spcAft>
+                <a:spcPts val="600"/>
+              </a:spcAft>
+            </a:pPr>
             <a:r>
               <a:rPr lang="ja-JP" altLang="en-US" sz="2400" dirty="0"/>
-              <a:t>　➡ 「走る」「止まる」のコードを知らなくても車を使用できる</a:t>
+              <a:t>インスタンス名　</a:t>
+            </a:r>
+            <a:r>
+              <a:rPr lang="en-US" altLang="ja-JP" sz="2400" dirty="0"/>
+              <a:t>= </a:t>
+            </a:r>
+            <a:r>
+              <a:rPr lang="ja-JP" altLang="en-US" sz="2400" dirty="0"/>
+              <a:t>クラス名（</a:t>
+            </a:r>
+            <a:r>
+              <a:rPr lang="en-US" altLang="ja-JP" sz="2400" dirty="0"/>
+              <a:t>__</a:t>
+            </a:r>
+            <a:r>
+              <a:rPr lang="en-US" altLang="ja-JP" sz="2400" dirty="0" err="1"/>
+              <a:t>init</a:t>
+            </a:r>
+            <a:r>
+              <a:rPr lang="en-US" altLang="ja-JP" sz="2400" dirty="0"/>
+              <a:t>__</a:t>
+            </a:r>
+            <a:r>
+              <a:rPr lang="ja-JP" altLang="en-US" sz="2400" dirty="0"/>
+              <a:t>の引数）</a:t>
             </a:r>
             <a:endParaRPr lang="en-US" altLang="ja-JP" sz="2400" dirty="0"/>
           </a:p>
           <a:p>
+            <a:pPr>
+              <a:spcBef>
+                <a:spcPts val="600"/>
+              </a:spcBef>
+              <a:spcAft>
+                <a:spcPts val="600"/>
+              </a:spcAft>
+            </a:pPr>
+            <a:r>
+              <a:rPr lang="ja-JP" altLang="en-US" sz="2400" dirty="0"/>
+              <a:t>・</a:t>
+            </a:r>
+            <a:r>
+              <a:rPr lang="en-US" altLang="ja-JP" sz="2400" dirty="0" err="1"/>
+              <a:t>red_car</a:t>
+            </a:r>
+            <a:r>
+              <a:rPr lang="en-US" altLang="ja-JP" sz="2400" dirty="0"/>
+              <a:t> = Car(“red”)</a:t>
+            </a:r>
+            <a:r>
+              <a:rPr lang="ja-JP" altLang="en-US" sz="2400" dirty="0"/>
+              <a:t> の場合</a:t>
+            </a:r>
             <a:endParaRPr lang="en-US" altLang="ja-JP" sz="2400" dirty="0"/>
           </a:p>
           <a:p>
-            <a:r>
-              <a:rPr lang="ja-JP" altLang="en-US" sz="2800" dirty="0"/>
-              <a:t>・「車」を用意しない </a:t>
-            </a:r>
-            <a:endParaRPr lang="en-US" altLang="ja-JP" sz="2800" dirty="0"/>
-          </a:p>
-          <a:p>
+            <a:pPr>
+              <a:spcBef>
+                <a:spcPts val="600"/>
+              </a:spcBef>
+              <a:spcAft>
+                <a:spcPts val="600"/>
+              </a:spcAft>
+            </a:pPr>
             <a:r>
               <a:rPr lang="ja-JP" altLang="en-US" sz="2400" dirty="0"/>
-              <a:t>　➡ 「走る」「止まる」のコードを理解する必要あり</a:t>
+              <a:t>　</a:t>
+            </a:r>
+            <a:r>
+              <a:rPr lang="en-US" altLang="ja-JP" sz="2400" dirty="0"/>
+              <a:t>__</a:t>
+            </a:r>
+            <a:r>
+              <a:rPr lang="en-US" altLang="ja-JP" sz="2400" dirty="0" err="1"/>
+              <a:t>init</a:t>
+            </a:r>
+            <a:r>
+              <a:rPr lang="en-US" altLang="ja-JP" sz="2400" dirty="0"/>
+              <a:t>__</a:t>
+            </a:r>
+            <a:r>
+              <a:rPr lang="ja-JP" altLang="en-US" sz="2400" dirty="0"/>
+              <a:t>（コンストラクタ）で</a:t>
             </a:r>
             <a:endParaRPr lang="en-US" altLang="ja-JP" sz="2400" dirty="0"/>
           </a:p>
           <a:p>
+            <a:pPr>
+              <a:spcBef>
+                <a:spcPts val="600"/>
+              </a:spcBef>
+              <a:spcAft>
+                <a:spcPts val="600"/>
+              </a:spcAft>
+            </a:pPr>
             <a:r>
               <a:rPr lang="ja-JP" altLang="en-US" sz="2400" dirty="0"/>
-              <a:t>　　➡ 正しく理解しないと「走る」「止まる」の部分を破壊する恐れあり</a:t>
+              <a:t>　</a:t>
+            </a:r>
+            <a:r>
+              <a:rPr lang="en-US" altLang="ja-JP" sz="2400" dirty="0" err="1"/>
+              <a:t>self.color</a:t>
+            </a:r>
+            <a:r>
+              <a:rPr lang="en-US" altLang="ja-JP" sz="2400" dirty="0"/>
+              <a:t> = “red”</a:t>
+            </a:r>
+            <a:r>
+              <a:rPr lang="ja-JP" altLang="en-US" sz="2400" dirty="0"/>
+              <a:t>（つまり</a:t>
+            </a:r>
+            <a:r>
+              <a:rPr lang="en-US" altLang="ja-JP" sz="2400" dirty="0" err="1"/>
+              <a:t>red_car.color</a:t>
+            </a:r>
+            <a:r>
+              <a:rPr lang="en-US" altLang="ja-JP" sz="2400" dirty="0"/>
+              <a:t> = red</a:t>
+            </a:r>
+            <a:r>
+              <a:rPr lang="ja-JP" altLang="en-US" sz="2400" dirty="0"/>
+              <a:t>）</a:t>
+            </a:r>
+            <a:r>
+              <a:rPr lang="en-US" altLang="ja-JP" sz="2400" dirty="0"/>
+              <a:t> </a:t>
+            </a:r>
+          </a:p>
+          <a:p>
+            <a:pPr>
+              <a:spcBef>
+                <a:spcPts val="600"/>
+              </a:spcBef>
+              <a:spcAft>
+                <a:spcPts val="600"/>
+              </a:spcAft>
+            </a:pPr>
+            <a:r>
+              <a:rPr lang="ja-JP" altLang="en-US" sz="2400" dirty="0"/>
+              <a:t>を実行</a:t>
             </a:r>
             <a:endParaRPr lang="en-US" altLang="ja-JP" sz="2400" dirty="0"/>
           </a:p>
           <a:p>
+            <a:pPr>
+              <a:spcBef>
+                <a:spcPts val="600"/>
+              </a:spcBef>
+              <a:spcAft>
+                <a:spcPts val="600"/>
+              </a:spcAft>
+            </a:pPr>
+            <a:r>
+              <a:rPr lang="ja-JP" altLang="en-US" sz="2400" dirty="0"/>
+              <a:t>色（</a:t>
+            </a:r>
+            <a:r>
+              <a:rPr lang="en-US" altLang="ja-JP" sz="2400" dirty="0"/>
+              <a:t>color</a:t>
+            </a:r>
+            <a:r>
+              <a:rPr lang="ja-JP" altLang="en-US" sz="2400" dirty="0"/>
+              <a:t>）が赤（</a:t>
+            </a:r>
+            <a:r>
+              <a:rPr lang="en-US" altLang="ja-JP" sz="2400" dirty="0"/>
+              <a:t>”red”</a:t>
+            </a:r>
+            <a:r>
+              <a:rPr lang="ja-JP" altLang="en-US" sz="2400" dirty="0"/>
+              <a:t>）の車（</a:t>
+            </a:r>
+            <a:r>
+              <a:rPr lang="en-US" altLang="ja-JP" sz="2400" dirty="0" err="1"/>
+              <a:t>red_car</a:t>
+            </a:r>
+            <a:r>
+              <a:rPr lang="ja-JP" altLang="en-US" sz="2400" dirty="0"/>
+              <a:t>）を生成</a:t>
+            </a:r>
             <a:endParaRPr lang="en-US" altLang="ja-JP" sz="2400" dirty="0"/>
           </a:p>
-          <a:p>
-            <a:r>
-              <a:rPr lang="ja-JP" altLang="en-US" sz="2800" b="1" u="sng" dirty="0">
-                <a:solidFill>
-                  <a:srgbClr val="FF0000"/>
-                </a:solidFill>
-              </a:rPr>
-              <a:t>「車」をあらかじめ用意すれば基本的な機能の中身を考えず、追加したい機能のみに集中可能 </a:t>
-            </a:r>
-            <a:endParaRPr lang="en-US" altLang="ja-JP" sz="2800" b="1" u="sng" dirty="0">
-              <a:solidFill>
-                <a:srgbClr val="FF0000"/>
-              </a:solidFill>
-            </a:endParaRPr>
-          </a:p>
-        </p:txBody>
-      </p:sp>
+        </p:txBody>
+      </p:sp>
+      <p:sp>
+        <p:nvSpPr>
+          <p:cNvPr id="18" name="正方形/長方形 17">
+            <a:extLst>
+              <a:ext uri="{FF2B5EF4-FFF2-40B4-BE49-F238E27FC236}">
+                <a16:creationId xmlns:a16="http://schemas.microsoft.com/office/drawing/2014/main" id="{24E41457-75AB-49BE-A203-05C29E2F2F67}"/>
+              </a:ext>
+            </a:extLst>
+          </p:cNvPr>
+          <p:cNvSpPr/>
+          <p:nvPr/>
+        </p:nvSpPr>
+        <p:spPr>
+          <a:xfrm>
+            <a:off x="5165887" y="3289957"/>
+            <a:ext cx="6843859" cy="3234832"/>
+          </a:xfrm>
+          <a:prstGeom prst="rect">
+            <a:avLst/>
+          </a:prstGeom>
+          <a:noFill/>
+          <a:ln w="57150"/>
+        </p:spPr>
+        <p:style>
+          <a:lnRef idx="2">
+            <a:schemeClr val="accent1">
+              <a:shade val="50000"/>
+            </a:schemeClr>
+          </a:lnRef>
+          <a:fillRef idx="1">
+            <a:schemeClr val="accent1"/>
+          </a:fillRef>
+          <a:effectRef idx="0">
+            <a:schemeClr val="accent1"/>
+          </a:effectRef>
+          <a:fontRef idx="minor">
+            <a:schemeClr val="lt1"/>
+          </a:fontRef>
+        </p:style>
+        <p:txBody>
+          <a:bodyPr rtlCol="0" anchor="ctr"/>
+          <a:lstStyle/>
+          <a:p>
+            <a:pPr algn="ctr"/>
+            <a:endParaRPr kumimoji="1" lang="ja-JP" altLang="en-US"/>
+          </a:p>
+        </p:txBody>
+      </p:sp>
+      <p:pic>
+        <p:nvPicPr>
+          <p:cNvPr id="7" name="図 6">
+            <a:extLst>
+              <a:ext uri="{FF2B5EF4-FFF2-40B4-BE49-F238E27FC236}">
+                <a16:creationId xmlns:a16="http://schemas.microsoft.com/office/drawing/2014/main" id="{A619499B-9AE6-452C-972A-4B39A338532E}"/>
+              </a:ext>
+            </a:extLst>
+          </p:cNvPr>
+          <p:cNvPicPr>
+            <a:picLocks noChangeAspect="1"/>
+          </p:cNvPicPr>
+          <p:nvPr/>
+        </p:nvPicPr>
+        <p:blipFill>
+          <a:blip r:embed="rId2"/>
+          <a:stretch>
+            <a:fillRect/>
+          </a:stretch>
+        </p:blipFill>
+        <p:spPr>
+          <a:xfrm>
+            <a:off x="7183743" y="1273329"/>
+            <a:ext cx="2487636" cy="1826230"/>
+          </a:xfrm>
+          <a:prstGeom prst="rect">
+            <a:avLst/>
+          </a:prstGeom>
+        </p:spPr>
+      </p:pic>
     </p:spTree>
     <p:extLst>
       <p:ext uri="{BB962C8B-B14F-4D97-AF65-F5344CB8AC3E}">
-        <p14:creationId xmlns:p14="http://schemas.microsoft.com/office/powerpoint/2010/main" val="4196006838"/>
+        <p14:creationId xmlns:p14="http://schemas.microsoft.com/office/powerpoint/2010/main" val="351856387"/>
       </p:ext>
     </p:extLst>
   </p:cSld>
@@ -8814,10 +9306,10 @@
       </p:grpSpPr>
       <p:sp>
         <p:nvSpPr>
-          <p:cNvPr id="18" name="四角形: 角を丸くする 17">
-            <a:extLst>
-              <a:ext uri="{FF2B5EF4-FFF2-40B4-BE49-F238E27FC236}">
-                <a16:creationId xmlns:a16="http://schemas.microsoft.com/office/drawing/2014/main" id="{4CF46A20-4554-4C8A-B6F3-FE6459E71570}"/>
+          <p:cNvPr id="7" name="四角形: 角を丸くする 6">
+            <a:extLst>
+              <a:ext uri="{FF2B5EF4-FFF2-40B4-BE49-F238E27FC236}">
+                <a16:creationId xmlns:a16="http://schemas.microsoft.com/office/drawing/2014/main" id="{3F66BDE5-8FDD-4BA4-BC25-E50B2F5E09D0}"/>
               </a:ext>
             </a:extLst>
           </p:cNvPr>
@@ -8826,12 +9318,16 @@
         </p:nvSpPr>
         <p:spPr>
           <a:xfrm>
-            <a:off x="2508684" y="5626882"/>
-            <a:ext cx="6947555" cy="866681"/>
+            <a:off x="571764" y="2098579"/>
+            <a:ext cx="11221167" cy="4283367"/>
           </a:xfrm>
           <a:prstGeom prst="roundRect">
             <a:avLst/>
           </a:prstGeom>
+          <a:solidFill>
+            <a:schemeClr val="bg1"/>
+          </a:solidFill>
+          <a:ln w="57150"/>
         </p:spPr>
         <p:style>
           <a:lnRef idx="2">
@@ -8881,7 +9377,7 @@
           <a:p>
             <a:r>
               <a:rPr lang="ja-JP" altLang="en-US" dirty="0"/>
-              <a:t>オブジェクト指向をする理由③</a:t>
+              <a:t>オブジェクト指向をする理由②</a:t>
             </a:r>
             <a:endParaRPr kumimoji="1" lang="ja-JP" altLang="en-US" dirty="0"/>
           </a:p>
@@ -8903,21 +9399,14 @@
             <p:ph idx="1"/>
           </p:nvPr>
         </p:nvSpPr>
-        <p:spPr>
-          <a:xfrm>
-            <a:off x="414036" y="1240431"/>
-            <a:ext cx="11029615" cy="835156"/>
-          </a:xfrm>
-        </p:spPr>
-        <p:txBody>
-          <a:bodyPr>
-            <a:normAutofit/>
-          </a:bodyPr>
+        <p:spPr/>
+        <p:txBody>
+          <a:bodyPr/>
           <a:lstStyle/>
           <a:p>
             <a:r>
               <a:rPr lang="ja-JP" altLang="en-US" b="1" dirty="0"/>
-              <a:t>同じようなモノを作りやすい</a:t>
+              <a:t>大人数で開発するときに便利</a:t>
             </a:r>
             <a:r>
               <a:rPr lang="ja-JP" altLang="en-US" dirty="0"/>
@@ -8995,209 +9484,12 @@
           </a:p>
         </p:txBody>
       </p:sp>
-      <p:pic>
-        <p:nvPicPr>
-          <p:cNvPr id="9" name="図 8">
-            <a:extLst>
-              <a:ext uri="{FF2B5EF4-FFF2-40B4-BE49-F238E27FC236}">
-                <a16:creationId xmlns:a16="http://schemas.microsoft.com/office/drawing/2014/main" id="{F1A154F3-8598-4BC0-A581-96E8C9A05D21}"/>
-              </a:ext>
-            </a:extLst>
-          </p:cNvPr>
-          <p:cNvPicPr>
-            <a:picLocks noChangeAspect="1"/>
-          </p:cNvPicPr>
-          <p:nvPr/>
-        </p:nvPicPr>
-        <p:blipFill rotWithShape="1">
-          <a:blip r:embed="rId3">
-            <a:extLst>
-              <a:ext uri="{28A0092B-C50C-407E-A947-70E740481C1C}">
-                <a14:useLocalDpi xmlns:a14="http://schemas.microsoft.com/office/drawing/2010/main" val="0"/>
-              </a:ext>
-            </a:extLst>
-          </a:blip>
-          <a:srcRect t="16878" b="14680"/>
-          <a:stretch/>
-        </p:blipFill>
-        <p:spPr>
-          <a:xfrm>
-            <a:off x="1819181" y="2551407"/>
-            <a:ext cx="2907744" cy="1990123"/>
-          </a:xfrm>
-          <a:prstGeom prst="rect">
-            <a:avLst/>
-          </a:prstGeom>
-        </p:spPr>
-      </p:pic>
-      <p:pic>
-        <p:nvPicPr>
-          <p:cNvPr id="11" name="図 10">
-            <a:extLst>
-              <a:ext uri="{FF2B5EF4-FFF2-40B4-BE49-F238E27FC236}">
-                <a16:creationId xmlns:a16="http://schemas.microsoft.com/office/drawing/2014/main" id="{87F89A6C-0A9A-46C6-B675-86202840BA5E}"/>
-              </a:ext>
-            </a:extLst>
-          </p:cNvPr>
-          <p:cNvPicPr>
-            <a:picLocks noChangeAspect="1"/>
-          </p:cNvPicPr>
-          <p:nvPr/>
-        </p:nvPicPr>
-        <p:blipFill rotWithShape="1">
-          <a:blip r:embed="rId4">
-            <a:extLst>
-              <a:ext uri="{28A0092B-C50C-407E-A947-70E740481C1C}">
-                <a14:useLocalDpi xmlns:a14="http://schemas.microsoft.com/office/drawing/2010/main" val="0"/>
-              </a:ext>
-            </a:extLst>
-          </a:blip>
-          <a:srcRect t="12635" b="11583"/>
-          <a:stretch/>
-        </p:blipFill>
-        <p:spPr>
-          <a:xfrm>
-            <a:off x="6325095" y="2129569"/>
-            <a:ext cx="2573216" cy="1189045"/>
-          </a:xfrm>
-          <a:prstGeom prst="rect">
-            <a:avLst/>
-          </a:prstGeom>
-        </p:spPr>
-      </p:pic>
-      <p:pic>
-        <p:nvPicPr>
-          <p:cNvPr id="13" name="図 12">
-            <a:extLst>
-              <a:ext uri="{FF2B5EF4-FFF2-40B4-BE49-F238E27FC236}">
-                <a16:creationId xmlns:a16="http://schemas.microsoft.com/office/drawing/2014/main" id="{7C0E77D0-967E-4767-8835-E1C557E0B67E}"/>
-              </a:ext>
-            </a:extLst>
-          </p:cNvPr>
-          <p:cNvPicPr>
-            <a:picLocks noChangeAspect="1"/>
-          </p:cNvPicPr>
-          <p:nvPr/>
-        </p:nvPicPr>
-        <p:blipFill rotWithShape="1">
-          <a:blip r:embed="rId5">
-            <a:extLst>
-              <a:ext uri="{28A0092B-C50C-407E-A947-70E740481C1C}">
-                <a14:useLocalDpi xmlns:a14="http://schemas.microsoft.com/office/drawing/2010/main" val="0"/>
-              </a:ext>
-            </a:extLst>
-          </a:blip>
-          <a:srcRect t="39536" b="22938"/>
-          <a:stretch/>
-        </p:blipFill>
-        <p:spPr>
-          <a:xfrm>
-            <a:off x="6204785" y="3417809"/>
-            <a:ext cx="2614997" cy="981297"/>
-          </a:xfrm>
-          <a:prstGeom prst="rect">
-            <a:avLst/>
-          </a:prstGeom>
-        </p:spPr>
-      </p:pic>
-      <p:sp>
-        <p:nvSpPr>
-          <p:cNvPr id="14" name="矢印: 右 13">
-            <a:extLst>
-              <a:ext uri="{FF2B5EF4-FFF2-40B4-BE49-F238E27FC236}">
-                <a16:creationId xmlns:a16="http://schemas.microsoft.com/office/drawing/2014/main" id="{519027F8-8993-4F88-9365-6395D6956ABA}"/>
-              </a:ext>
-            </a:extLst>
-          </p:cNvPr>
-          <p:cNvSpPr/>
-          <p:nvPr/>
-        </p:nvSpPr>
-        <p:spPr>
-          <a:xfrm rot="20691956">
-            <a:off x="4742632" y="2960103"/>
-            <a:ext cx="1150070" cy="429644"/>
-          </a:xfrm>
-          <a:prstGeom prst="rightArrow">
-            <a:avLst/>
-          </a:prstGeom>
-        </p:spPr>
-        <p:style>
-          <a:lnRef idx="2">
-            <a:schemeClr val="accent1">
-              <a:shade val="50000"/>
-            </a:schemeClr>
-          </a:lnRef>
-          <a:fillRef idx="1">
-            <a:schemeClr val="accent1"/>
-          </a:fillRef>
-          <a:effectRef idx="0">
-            <a:schemeClr val="accent1"/>
-          </a:effectRef>
-          <a:fontRef idx="minor">
-            <a:schemeClr val="lt1"/>
-          </a:fontRef>
-        </p:style>
-        <p:txBody>
-          <a:bodyPr rtlCol="0" anchor="ctr"/>
-          <a:lstStyle/>
-          <a:p>
-            <a:pPr algn="ctr"/>
-            <a:endParaRPr kumimoji="1" lang="ja-JP" altLang="en-US"/>
-          </a:p>
-        </p:txBody>
-      </p:sp>
-      <p:sp>
-        <p:nvSpPr>
-          <p:cNvPr id="15" name="矢印: 右 14">
-            <a:extLst>
-              <a:ext uri="{FF2B5EF4-FFF2-40B4-BE49-F238E27FC236}">
-                <a16:creationId xmlns:a16="http://schemas.microsoft.com/office/drawing/2014/main" id="{F3C4D60C-F363-4CEF-839D-18F933BF7E44}"/>
-              </a:ext>
-            </a:extLst>
-          </p:cNvPr>
-          <p:cNvSpPr/>
-          <p:nvPr/>
-        </p:nvSpPr>
-        <p:spPr>
-          <a:xfrm>
-            <a:off x="4796250" y="3738348"/>
-            <a:ext cx="1150070" cy="417117"/>
-          </a:xfrm>
-          <a:prstGeom prst="rightArrow">
-            <a:avLst/>
-          </a:prstGeom>
-        </p:spPr>
-        <p:style>
-          <a:lnRef idx="2">
-            <a:schemeClr val="accent1">
-              <a:shade val="50000"/>
-            </a:schemeClr>
-          </a:lnRef>
-          <a:fillRef idx="1">
-            <a:schemeClr val="accent1"/>
-          </a:fillRef>
-          <a:effectRef idx="0">
-            <a:schemeClr val="accent1"/>
-          </a:effectRef>
-          <a:fontRef idx="minor">
-            <a:schemeClr val="lt1"/>
-          </a:fontRef>
-        </p:style>
-        <p:txBody>
-          <a:bodyPr rtlCol="0" anchor="ctr"/>
-          <a:lstStyle/>
-          <a:p>
-            <a:pPr algn="ctr"/>
-            <a:endParaRPr kumimoji="1" lang="ja-JP" altLang="en-US"/>
-          </a:p>
-        </p:txBody>
-      </p:sp>
-      <p:sp>
-        <p:nvSpPr>
-          <p:cNvPr id="16" name="テキスト ボックス 15">
-            <a:extLst>
-              <a:ext uri="{FF2B5EF4-FFF2-40B4-BE49-F238E27FC236}">
-                <a16:creationId xmlns:a16="http://schemas.microsoft.com/office/drawing/2014/main" id="{EEC59247-8891-4078-BF03-FC3F2493707D}"/>
+      <p:sp>
+        <p:nvSpPr>
+          <p:cNvPr id="6" name="テキスト ボックス 5">
+            <a:extLst>
+              <a:ext uri="{FF2B5EF4-FFF2-40B4-BE49-F238E27FC236}">
+                <a16:creationId xmlns:a16="http://schemas.microsoft.com/office/drawing/2014/main" id="{4947AEAB-DE74-4355-8E2B-82BDC1E5FA54}"/>
               </a:ext>
             </a:extLst>
           </p:cNvPr>
@@ -9206,8 +9498,8 @@
         </p:nvSpPr>
         <p:spPr>
           <a:xfrm>
-            <a:off x="1459567" y="4597496"/>
-            <a:ext cx="9536811" cy="830997"/>
+            <a:off x="812274" y="2476011"/>
+            <a:ext cx="10666556" cy="3785652"/>
           </a:xfrm>
           <a:prstGeom prst="rect">
             <a:avLst/>
@@ -9221,62 +9513,66 @@
           <a:lstStyle/>
           <a:p>
             <a:r>
-              <a:rPr kumimoji="1" lang="ja-JP" altLang="en-US" sz="2400" dirty="0"/>
-              <a:t>レージングカー、トラックのどちらも「走る」「止まる」は共通</a:t>
+              <a:rPr lang="ja-JP" altLang="en-US" sz="2800" dirty="0"/>
+              <a:t>・「車」をあらかじめ用意 </a:t>
+            </a:r>
+            <a:endParaRPr lang="en-US" altLang="ja-JP" sz="2800" dirty="0"/>
+          </a:p>
+          <a:p>
+            <a:r>
+              <a:rPr lang="ja-JP" altLang="en-US" sz="2400" dirty="0"/>
+              <a:t>　➡ 「走る」「止まる」のコードを知らなくても車を使用できる</a:t>
             </a:r>
             <a:endParaRPr lang="en-US" altLang="ja-JP" sz="2400" dirty="0"/>
           </a:p>
           <a:p>
+            <a:endParaRPr lang="en-US" altLang="ja-JP" sz="2400" dirty="0"/>
+          </a:p>
+          <a:p>
+            <a:r>
+              <a:rPr lang="ja-JP" altLang="en-US" sz="2800" dirty="0"/>
+              <a:t>・「車」を用意しない </a:t>
+            </a:r>
+            <a:endParaRPr lang="en-US" altLang="ja-JP" sz="2800" dirty="0"/>
+          </a:p>
+          <a:p>
             <a:r>
               <a:rPr lang="ja-JP" altLang="en-US" sz="2400" dirty="0"/>
-              <a:t>➡ 使用できる機能は再利用</a:t>
+              <a:t>　➡ 「走る」「止まる」のコードを理解する必要あり</a:t>
             </a:r>
             <a:endParaRPr lang="en-US" altLang="ja-JP" sz="2400" dirty="0"/>
           </a:p>
-        </p:txBody>
-      </p:sp>
-      <p:sp>
-        <p:nvSpPr>
-          <p:cNvPr id="17" name="正方形/長方形 16">
-            <a:extLst>
-              <a:ext uri="{FF2B5EF4-FFF2-40B4-BE49-F238E27FC236}">
-                <a16:creationId xmlns:a16="http://schemas.microsoft.com/office/drawing/2014/main" id="{860FC652-B13D-4039-862F-9E24AD095D3E}"/>
-              </a:ext>
-            </a:extLst>
-          </p:cNvPr>
-          <p:cNvSpPr/>
-          <p:nvPr/>
-        </p:nvSpPr>
-        <p:spPr>
-          <a:xfrm>
-            <a:off x="2607178" y="5807464"/>
-            <a:ext cx="6750566" cy="584775"/>
-          </a:xfrm>
-          <a:prstGeom prst="rect">
-            <a:avLst/>
-          </a:prstGeom>
-        </p:spPr>
-        <p:txBody>
-          <a:bodyPr wrap="none">
-            <a:spAutoFit/>
-          </a:bodyPr>
-          <a:lstStyle/>
-          <a:p>
-            <a:r>
-              <a:rPr lang="ja-JP" altLang="en-US" sz="3200" b="1" dirty="0">
+          <a:p>
+            <a:r>
+              <a:rPr lang="ja-JP" altLang="en-US" sz="2400" dirty="0"/>
+              <a:t>　　➡ 正しく理解しないと「走る」「止まる」の部分を破壊する恐れあり</a:t>
+            </a:r>
+            <a:endParaRPr lang="en-US" altLang="ja-JP" sz="2400" dirty="0"/>
+          </a:p>
+          <a:p>
+            <a:endParaRPr lang="en-US" altLang="ja-JP" sz="2400" dirty="0"/>
+          </a:p>
+          <a:p>
+            <a:r>
+              <a:rPr lang="ja-JP" altLang="en-US" sz="2800" b="1" u="sng" dirty="0">
                 <a:solidFill>
-                  <a:schemeClr val="bg1"/>
+                  <a:srgbClr val="FF0000"/>
                 </a:solidFill>
               </a:rPr>
-              <a:t>上手く再利用すれば作業効率が向上</a:t>
-            </a:r>
+              <a:t>「車」をあらかじめ用意すれば基本的な機能の中身を考えず、追加したい機能のみに集中可能 </a:t>
+            </a:r>
+            <a:endParaRPr lang="en-US" altLang="ja-JP" sz="2800" b="1" u="sng" dirty="0">
+              <a:solidFill>
+                <a:srgbClr val="FF0000"/>
+              </a:solidFill>
+            </a:endParaRPr>
           </a:p>
         </p:txBody>
       </p:sp>
     </p:spTree>
     <p:extLst>
       <p:ext uri="{BB962C8B-B14F-4D97-AF65-F5344CB8AC3E}">
-        <p14:creationId xmlns:p14="http://schemas.microsoft.com/office/powerpoint/2010/main" val="4142132538"/>
+        <p14:creationId xmlns:p14="http://schemas.microsoft.com/office/powerpoint/2010/main" val="4196006838"/>
       </p:ext>
     </p:extLst>
   </p:cSld>
@@ -9305,184 +9601,10 @@
       </p:grpSpPr>
       <p:sp>
         <p:nvSpPr>
-          <p:cNvPr id="2" name="タイトル 1">
-            <a:extLst>
-              <a:ext uri="{FF2B5EF4-FFF2-40B4-BE49-F238E27FC236}">
-                <a16:creationId xmlns:a16="http://schemas.microsoft.com/office/drawing/2014/main" id="{4E196C5B-CBAA-4B6E-BB68-CF8CE09AC668}"/>
-              </a:ext>
-            </a:extLst>
-          </p:cNvPr>
-          <p:cNvSpPr>
-            <a:spLocks noGrp="1"/>
-          </p:cNvSpPr>
-          <p:nvPr>
-            <p:ph type="title"/>
-          </p:nvPr>
-        </p:nvSpPr>
-        <p:spPr/>
-        <p:txBody>
-          <a:bodyPr/>
-          <a:lstStyle/>
-          <a:p>
-            <a:r>
-              <a:rPr kumimoji="1" lang="ja-JP" altLang="en-US" dirty="0"/>
-              <a:t>クラス変数、インスタンス変数</a:t>
-            </a:r>
-          </a:p>
-        </p:txBody>
-      </p:sp>
-      <p:sp>
-        <p:nvSpPr>
-          <p:cNvPr id="3" name="コンテンツ プレースホルダー 2">
-            <a:extLst>
-              <a:ext uri="{FF2B5EF4-FFF2-40B4-BE49-F238E27FC236}">
-                <a16:creationId xmlns:a16="http://schemas.microsoft.com/office/drawing/2014/main" id="{030E4A60-88DD-4F37-823D-FB3521813E02}"/>
-              </a:ext>
-            </a:extLst>
-          </p:cNvPr>
-          <p:cNvSpPr>
-            <a:spLocks noGrp="1"/>
-          </p:cNvSpPr>
-          <p:nvPr>
-            <p:ph idx="1"/>
-          </p:nvPr>
-        </p:nvSpPr>
-        <p:spPr>
-          <a:xfrm>
-            <a:off x="449214" y="1299880"/>
-            <a:ext cx="11598241" cy="1476327"/>
-          </a:xfrm>
-        </p:spPr>
-        <p:txBody>
-          <a:bodyPr>
-            <a:normAutofit fontScale="85000" lnSpcReduction="10000"/>
-          </a:bodyPr>
-          <a:lstStyle/>
-          <a:p>
-            <a:r>
-              <a:rPr kumimoji="1" lang="ja-JP" altLang="en-US" dirty="0"/>
-              <a:t>クラス変数：クラス内にある変数（すべてのインスタンスに共通する変数）</a:t>
-            </a:r>
-            <a:endParaRPr kumimoji="1" lang="en-US" altLang="ja-JP" dirty="0"/>
-          </a:p>
-          <a:p>
-            <a:r>
-              <a:rPr lang="ja-JP" altLang="en-US" dirty="0"/>
-              <a:t>インスタンス変数：メソッド内にある変数（個々のインスタンスで異なる変数）</a:t>
-            </a:r>
-            <a:endParaRPr kumimoji="1" lang="ja-JP" altLang="en-US" dirty="0"/>
-          </a:p>
-        </p:txBody>
-      </p:sp>
-      <p:sp>
-        <p:nvSpPr>
-          <p:cNvPr id="4" name="スライド番号プレースホルダー 3">
-            <a:extLst>
-              <a:ext uri="{FF2B5EF4-FFF2-40B4-BE49-F238E27FC236}">
-                <a16:creationId xmlns:a16="http://schemas.microsoft.com/office/drawing/2014/main" id="{1B44C864-EB4D-4BE1-AA7D-2CB4A32AD4CD}"/>
-              </a:ext>
-            </a:extLst>
-          </p:cNvPr>
-          <p:cNvSpPr>
-            <a:spLocks noGrp="1"/>
-          </p:cNvSpPr>
-          <p:nvPr>
-            <p:ph type="sldNum" sz="quarter" idx="12"/>
-          </p:nvPr>
-        </p:nvSpPr>
-        <p:spPr/>
-        <p:txBody>
-          <a:bodyPr/>
-          <a:lstStyle/>
-          <a:p>
-            <a:fld id="{57021661-B2A8-457F-930E-F617AD024F3F}" type="slidenum">
-              <a:rPr lang="ja-JP" altLang="en-US" smtClean="0"/>
-              <a:pPr/>
-              <a:t>17</a:t>
-            </a:fld>
-            <a:endParaRPr lang="ja-JP" altLang="en-US" dirty="0"/>
-          </a:p>
-        </p:txBody>
-      </p:sp>
-      <p:sp>
-        <p:nvSpPr>
-          <p:cNvPr id="5" name="コンテンツ プレースホルダー 4">
-            <a:extLst>
-              <a:ext uri="{FF2B5EF4-FFF2-40B4-BE49-F238E27FC236}">
-                <a16:creationId xmlns:a16="http://schemas.microsoft.com/office/drawing/2014/main" id="{F2A8B657-46AE-45F1-AD4D-7A96B07B1176}"/>
-              </a:ext>
-            </a:extLst>
-          </p:cNvPr>
-          <p:cNvSpPr>
-            <a:spLocks noGrp="1"/>
-          </p:cNvSpPr>
-          <p:nvPr>
-            <p:ph sz="quarter" idx="13"/>
-          </p:nvPr>
-        </p:nvSpPr>
-        <p:spPr>
-          <a:xfrm>
-            <a:off x="7852528" y="6494710"/>
-            <a:ext cx="4335385" cy="365125"/>
-          </a:xfrm>
-        </p:spPr>
-        <p:txBody>
-          <a:bodyPr>
-            <a:normAutofit fontScale="92500"/>
-          </a:bodyPr>
-          <a:lstStyle/>
-          <a:p>
-            <a:r>
-              <a:rPr lang="en-US" altLang="ja-JP" dirty="0">
-                <a:hlinkClick r:id="rId2"/>
-              </a:rPr>
-              <a:t>https://python.atelierkobato.com/instance/</a:t>
-            </a:r>
-            <a:endParaRPr kumimoji="1" lang="ja-JP" altLang="en-US" dirty="0"/>
-          </a:p>
-        </p:txBody>
-      </p:sp>
-      <p:sp>
-        <p:nvSpPr>
-          <p:cNvPr id="6" name="テキスト ボックス 5">
-            <a:extLst>
-              <a:ext uri="{FF2B5EF4-FFF2-40B4-BE49-F238E27FC236}">
-                <a16:creationId xmlns:a16="http://schemas.microsoft.com/office/drawing/2014/main" id="{C1E420A6-40BC-4F06-B98A-81211FE770B4}"/>
-              </a:ext>
-            </a:extLst>
-          </p:cNvPr>
-          <p:cNvSpPr txBox="1"/>
-          <p:nvPr/>
-        </p:nvSpPr>
-        <p:spPr>
-          <a:xfrm>
-            <a:off x="571765" y="2700767"/>
-            <a:ext cx="2799761" cy="584775"/>
-          </a:xfrm>
-          <a:prstGeom prst="rect">
-            <a:avLst/>
-          </a:prstGeom>
-          <a:noFill/>
-        </p:spPr>
-        <p:txBody>
-          <a:bodyPr wrap="square" rtlCol="0">
-            <a:spAutoFit/>
-          </a:bodyPr>
-          <a:lstStyle/>
-          <a:p>
-            <a:r>
-              <a:rPr kumimoji="1" lang="ja-JP" altLang="en-US" sz="3200" dirty="0"/>
-              <a:t>例）円</a:t>
-            </a:r>
-          </a:p>
-        </p:txBody>
-      </p:sp>
-      <p:sp>
-        <p:nvSpPr>
-          <p:cNvPr id="7" name="楕円 6">
-            <a:extLst>
-              <a:ext uri="{FF2B5EF4-FFF2-40B4-BE49-F238E27FC236}">
-                <a16:creationId xmlns:a16="http://schemas.microsoft.com/office/drawing/2014/main" id="{DB72A65A-D816-418B-96DB-DDE86D25BA55}"/>
+          <p:cNvPr id="18" name="四角形: 角を丸くする 17">
+            <a:extLst>
+              <a:ext uri="{FF2B5EF4-FFF2-40B4-BE49-F238E27FC236}">
+                <a16:creationId xmlns:a16="http://schemas.microsoft.com/office/drawing/2014/main" id="{4CF46A20-4554-4C8A-B6F3-FE6459E71570}"/>
               </a:ext>
             </a:extLst>
           </p:cNvPr>
@@ -9491,10 +9613,10 @@
         </p:nvSpPr>
         <p:spPr>
           <a:xfrm>
-            <a:off x="1168729" y="3732966"/>
-            <a:ext cx="1728375" cy="1636065"/>
-          </a:xfrm>
-          <a:prstGeom prst="ellipse">
+            <a:off x="2508684" y="5626882"/>
+            <a:ext cx="6947555" cy="866681"/>
+          </a:xfrm>
+          <a:prstGeom prst="roundRect">
             <a:avLst/>
           </a:prstGeom>
         </p:spPr>
@@ -9519,87 +9641,258 @@
           <a:lstStyle/>
           <a:p>
             <a:pPr algn="ctr"/>
+            <a:endParaRPr kumimoji="1" lang="ja-JP" altLang="en-US"/>
+          </a:p>
+        </p:txBody>
+      </p:sp>
+      <p:sp>
+        <p:nvSpPr>
+          <p:cNvPr id="2" name="タイトル 1">
+            <a:extLst>
+              <a:ext uri="{FF2B5EF4-FFF2-40B4-BE49-F238E27FC236}">
+                <a16:creationId xmlns:a16="http://schemas.microsoft.com/office/drawing/2014/main" id="{2D880BFE-3285-46B4-B583-BE5F786477D2}"/>
+              </a:ext>
+            </a:extLst>
+          </p:cNvPr>
+          <p:cNvSpPr>
+            <a:spLocks noGrp="1"/>
+          </p:cNvSpPr>
+          <p:nvPr>
+            <p:ph type="title"/>
+          </p:nvPr>
+        </p:nvSpPr>
+        <p:spPr/>
+        <p:txBody>
+          <a:bodyPr/>
+          <a:lstStyle/>
+          <a:p>
+            <a:r>
+              <a:rPr lang="ja-JP" altLang="en-US" dirty="0"/>
+              <a:t>オブジェクト指向をする理由③</a:t>
+            </a:r>
             <a:endParaRPr kumimoji="1" lang="ja-JP" altLang="en-US" dirty="0"/>
           </a:p>
         </p:txBody>
       </p:sp>
       <p:sp>
         <p:nvSpPr>
-          <p:cNvPr id="8" name="テキスト ボックス 7">
-            <a:extLst>
-              <a:ext uri="{FF2B5EF4-FFF2-40B4-BE49-F238E27FC236}">
-                <a16:creationId xmlns:a16="http://schemas.microsoft.com/office/drawing/2014/main" id="{E2C95EE2-2FCD-48A4-A609-62CB1236195F}"/>
-              </a:ext>
-            </a:extLst>
-          </p:cNvPr>
-          <p:cNvSpPr txBox="1"/>
+          <p:cNvPr id="3" name="コンテンツ プレースホルダー 2">
+            <a:extLst>
+              <a:ext uri="{FF2B5EF4-FFF2-40B4-BE49-F238E27FC236}">
+                <a16:creationId xmlns:a16="http://schemas.microsoft.com/office/drawing/2014/main" id="{1C9BA683-BADE-49D1-8E96-487B57A6354A}"/>
+              </a:ext>
+            </a:extLst>
+          </p:cNvPr>
+          <p:cNvSpPr>
+            <a:spLocks noGrp="1"/>
+          </p:cNvSpPr>
+          <p:nvPr>
+            <p:ph idx="1"/>
+          </p:nvPr>
+        </p:nvSpPr>
+        <p:spPr>
+          <a:xfrm>
+            <a:off x="414036" y="1240431"/>
+            <a:ext cx="11029615" cy="835156"/>
+          </a:xfrm>
+        </p:spPr>
+        <p:txBody>
+          <a:bodyPr>
+            <a:normAutofit/>
+          </a:bodyPr>
+          <a:lstStyle/>
+          <a:p>
+            <a:r>
+              <a:rPr lang="ja-JP" altLang="en-US" b="1" dirty="0"/>
+              <a:t>同じようなモノを作りやすい</a:t>
+            </a:r>
+            <a:r>
+              <a:rPr lang="ja-JP" altLang="en-US" dirty="0"/>
+              <a:t>（車を例に説明）</a:t>
+            </a:r>
+            <a:endParaRPr lang="en-US" altLang="ja-JP" dirty="0"/>
+          </a:p>
+        </p:txBody>
+      </p:sp>
+      <p:sp>
+        <p:nvSpPr>
+          <p:cNvPr id="4" name="スライド番号プレースホルダー 3">
+            <a:extLst>
+              <a:ext uri="{FF2B5EF4-FFF2-40B4-BE49-F238E27FC236}">
+                <a16:creationId xmlns:a16="http://schemas.microsoft.com/office/drawing/2014/main" id="{AB6C9256-1725-4D61-8FA5-32260ECC9D57}"/>
+              </a:ext>
+            </a:extLst>
+          </p:cNvPr>
+          <p:cNvSpPr>
+            <a:spLocks noGrp="1"/>
+          </p:cNvSpPr>
+          <p:nvPr>
+            <p:ph type="sldNum" sz="quarter" idx="12"/>
+          </p:nvPr>
+        </p:nvSpPr>
+        <p:spPr/>
+        <p:txBody>
+          <a:bodyPr/>
+          <a:lstStyle/>
+          <a:p>
+            <a:fld id="{57021661-B2A8-457F-930E-F617AD024F3F}" type="slidenum">
+              <a:rPr lang="ja-JP" altLang="en-US" smtClean="0"/>
+              <a:pPr/>
+              <a:t>17</a:t>
+            </a:fld>
+            <a:endParaRPr lang="ja-JP" altLang="en-US" dirty="0"/>
+          </a:p>
+        </p:txBody>
+      </p:sp>
+      <p:sp>
+        <p:nvSpPr>
+          <p:cNvPr id="5" name="コンテンツ プレースホルダー 4">
+            <a:extLst>
+              <a:ext uri="{FF2B5EF4-FFF2-40B4-BE49-F238E27FC236}">
+                <a16:creationId xmlns:a16="http://schemas.microsoft.com/office/drawing/2014/main" id="{82BF6D1D-6D99-4E40-B0D8-866E99ADE8CA}"/>
+              </a:ext>
+            </a:extLst>
+          </p:cNvPr>
+          <p:cNvSpPr>
+            <a:spLocks noGrp="1"/>
+          </p:cNvSpPr>
+          <p:nvPr>
+            <p:ph sz="quarter" idx="13"/>
+          </p:nvPr>
+        </p:nvSpPr>
+        <p:spPr>
+          <a:xfrm>
+            <a:off x="8493551" y="6494710"/>
+            <a:ext cx="3694362" cy="365125"/>
+          </a:xfrm>
+        </p:spPr>
+        <p:txBody>
+          <a:bodyPr>
+            <a:normAutofit fontScale="92500"/>
+          </a:bodyPr>
+          <a:lstStyle/>
+          <a:p>
+            <a:r>
+              <a:rPr lang="en-US" altLang="ja-JP" dirty="0">
+                <a:hlinkClick r:id="rId2"/>
+              </a:rPr>
+              <a:t>https://eng-entrance.com/what-oop</a:t>
+            </a:r>
+            <a:endParaRPr kumimoji="1" lang="ja-JP" altLang="en-US" dirty="0"/>
+          </a:p>
+        </p:txBody>
+      </p:sp>
+      <p:pic>
+        <p:nvPicPr>
+          <p:cNvPr id="9" name="図 8">
+            <a:extLst>
+              <a:ext uri="{FF2B5EF4-FFF2-40B4-BE49-F238E27FC236}">
+                <a16:creationId xmlns:a16="http://schemas.microsoft.com/office/drawing/2014/main" id="{F1A154F3-8598-4BC0-A581-96E8C9A05D21}"/>
+              </a:ext>
+            </a:extLst>
+          </p:cNvPr>
+          <p:cNvPicPr>
+            <a:picLocks noChangeAspect="1"/>
+          </p:cNvPicPr>
           <p:nvPr/>
-        </p:nvSpPr>
-        <p:spPr>
-          <a:xfrm>
-            <a:off x="3836705" y="3794944"/>
-            <a:ext cx="8210751" cy="1938992"/>
+        </p:nvPicPr>
+        <p:blipFill rotWithShape="1">
+          <a:blip r:embed="rId3">
+            <a:extLst>
+              <a:ext uri="{28A0092B-C50C-407E-A947-70E740481C1C}">
+                <a14:useLocalDpi xmlns:a14="http://schemas.microsoft.com/office/drawing/2010/main" val="0"/>
+              </a:ext>
+            </a:extLst>
+          </a:blip>
+          <a:srcRect t="16878" b="14680"/>
+          <a:stretch/>
+        </p:blipFill>
+        <p:spPr>
+          <a:xfrm>
+            <a:off x="1819181" y="2551407"/>
+            <a:ext cx="2907744" cy="1990123"/>
           </a:xfrm>
           <a:prstGeom prst="rect">
             <a:avLst/>
           </a:prstGeom>
-          <a:noFill/>
-        </p:spPr>
-        <p:txBody>
-          <a:bodyPr wrap="square" rtlCol="0">
-            <a:spAutoFit/>
-          </a:bodyPr>
-          <a:lstStyle/>
-          <a:p>
-            <a:r>
-              <a:rPr kumimoji="1" lang="ja-JP" altLang="en-US" sz="2400" dirty="0"/>
-              <a:t>・クラス変数（</a:t>
-            </a:r>
-            <a:r>
-              <a:rPr lang="ja-JP" altLang="en-US" sz="2400" dirty="0"/>
-              <a:t>全ての円が共通した値をもつ変数）</a:t>
-            </a:r>
-            <a:r>
-              <a:rPr kumimoji="1" lang="ja-JP" altLang="en-US" sz="2400" dirty="0"/>
-              <a:t>：</a:t>
-            </a:r>
-            <a:endParaRPr kumimoji="1" lang="en-US" altLang="ja-JP" sz="2400" dirty="0"/>
-          </a:p>
-          <a:p>
-            <a:r>
-              <a:rPr lang="ja-JP" altLang="en-US" sz="2400" dirty="0"/>
-              <a:t>　円周率（</a:t>
-            </a:r>
-            <a:r>
-              <a:rPr lang="en-US" altLang="ja-JP" sz="2400" dirty="0"/>
-              <a:t>=3.141592653589793)</a:t>
-            </a:r>
-          </a:p>
-          <a:p>
-            <a:endParaRPr lang="en-US" altLang="ja-JP" sz="2400" dirty="0"/>
-          </a:p>
-          <a:p>
-            <a:r>
-              <a:rPr kumimoji="1" lang="ja-JP" altLang="en-US" sz="2400" dirty="0"/>
-              <a:t>・インスタンス変数（円によって異なる値を持つ変数）：</a:t>
-            </a:r>
-            <a:endParaRPr kumimoji="1" lang="en-US" altLang="ja-JP" sz="2400" dirty="0"/>
-          </a:p>
-          <a:p>
-            <a:r>
-              <a:rPr lang="ja-JP" altLang="en-US" sz="2400" dirty="0"/>
-              <a:t>　半径</a:t>
-            </a:r>
-            <a:endParaRPr kumimoji="1" lang="en-US" altLang="ja-JP" sz="2400" dirty="0"/>
-          </a:p>
-        </p:txBody>
-      </p:sp>
-      <p:sp>
-        <p:nvSpPr>
-          <p:cNvPr id="11" name="フレーム 10">
-            <a:extLst>
-              <a:ext uri="{FF2B5EF4-FFF2-40B4-BE49-F238E27FC236}">
-                <a16:creationId xmlns:a16="http://schemas.microsoft.com/office/drawing/2014/main" id="{ED9B8C57-63B2-4264-A032-98320B74CF6C}"/>
+        </p:spPr>
+      </p:pic>
+      <p:pic>
+        <p:nvPicPr>
+          <p:cNvPr id="11" name="図 10">
+            <a:extLst>
+              <a:ext uri="{FF2B5EF4-FFF2-40B4-BE49-F238E27FC236}">
+                <a16:creationId xmlns:a16="http://schemas.microsoft.com/office/drawing/2014/main" id="{87F89A6C-0A9A-46C6-B675-86202840BA5E}"/>
+              </a:ext>
+            </a:extLst>
+          </p:cNvPr>
+          <p:cNvPicPr>
+            <a:picLocks noChangeAspect="1"/>
+          </p:cNvPicPr>
+          <p:nvPr/>
+        </p:nvPicPr>
+        <p:blipFill rotWithShape="1">
+          <a:blip r:embed="rId4">
+            <a:extLst>
+              <a:ext uri="{28A0092B-C50C-407E-A947-70E740481C1C}">
+                <a14:useLocalDpi xmlns:a14="http://schemas.microsoft.com/office/drawing/2010/main" val="0"/>
+              </a:ext>
+            </a:extLst>
+          </a:blip>
+          <a:srcRect t="12635" b="11583"/>
+          <a:stretch/>
+        </p:blipFill>
+        <p:spPr>
+          <a:xfrm>
+            <a:off x="6325095" y="2129569"/>
+            <a:ext cx="2573216" cy="1189045"/>
+          </a:xfrm>
+          <a:prstGeom prst="rect">
+            <a:avLst/>
+          </a:prstGeom>
+        </p:spPr>
+      </p:pic>
+      <p:pic>
+        <p:nvPicPr>
+          <p:cNvPr id="13" name="図 12">
+            <a:extLst>
+              <a:ext uri="{FF2B5EF4-FFF2-40B4-BE49-F238E27FC236}">
+                <a16:creationId xmlns:a16="http://schemas.microsoft.com/office/drawing/2014/main" id="{7C0E77D0-967E-4767-8835-E1C557E0B67E}"/>
+              </a:ext>
+            </a:extLst>
+          </p:cNvPr>
+          <p:cNvPicPr>
+            <a:picLocks noChangeAspect="1"/>
+          </p:cNvPicPr>
+          <p:nvPr/>
+        </p:nvPicPr>
+        <p:blipFill rotWithShape="1">
+          <a:blip r:embed="rId5">
+            <a:extLst>
+              <a:ext uri="{28A0092B-C50C-407E-A947-70E740481C1C}">
+                <a14:useLocalDpi xmlns:a14="http://schemas.microsoft.com/office/drawing/2010/main" val="0"/>
+              </a:ext>
+            </a:extLst>
+          </a:blip>
+          <a:srcRect t="39536" b="22938"/>
+          <a:stretch/>
+        </p:blipFill>
+        <p:spPr>
+          <a:xfrm>
+            <a:off x="6204785" y="3417809"/>
+            <a:ext cx="2614997" cy="981297"/>
+          </a:xfrm>
+          <a:prstGeom prst="rect">
+            <a:avLst/>
+          </a:prstGeom>
+        </p:spPr>
+      </p:pic>
+      <p:sp>
+        <p:nvSpPr>
+          <p:cNvPr id="14" name="矢印: 右 13">
+            <a:extLst>
+              <a:ext uri="{FF2B5EF4-FFF2-40B4-BE49-F238E27FC236}">
+                <a16:creationId xmlns:a16="http://schemas.microsoft.com/office/drawing/2014/main" id="{519027F8-8993-4F88-9365-6395D6956ABA}"/>
               </a:ext>
             </a:extLst>
           </p:cNvPr>
@@ -9607,14 +9900,12 @@
           <p:nvPr/>
         </p:nvSpPr>
         <p:spPr>
-          <a:xfrm>
-            <a:off x="3836704" y="3311433"/>
-            <a:ext cx="8210751" cy="2702338"/>
-          </a:xfrm>
-          <a:prstGeom prst="frame">
-            <a:avLst>
-              <a:gd name="adj1" fmla="val 2929"/>
-            </a:avLst>
+          <a:xfrm rot="20691956">
+            <a:off x="4742632" y="2960103"/>
+            <a:ext cx="1150070" cy="429644"/>
+          </a:xfrm>
+          <a:prstGeom prst="rightArrow">
+            <a:avLst/>
           </a:prstGeom>
         </p:spPr>
         <p:style>
@@ -9638,66 +9929,62 @@
           <a:lstStyle/>
           <a:p>
             <a:pPr algn="ctr"/>
-            <a:endParaRPr kumimoji="1" lang="ja-JP" altLang="en-US">
-              <a:solidFill>
-                <a:schemeClr val="tx1"/>
-              </a:solidFill>
-            </a:endParaRPr>
-          </a:p>
-        </p:txBody>
-      </p:sp>
-      <p:cxnSp>
-        <p:nvCxnSpPr>
-          <p:cNvPr id="17" name="直線矢印コネクタ 16">
-            <a:extLst>
-              <a:ext uri="{FF2B5EF4-FFF2-40B4-BE49-F238E27FC236}">
-                <a16:creationId xmlns:a16="http://schemas.microsoft.com/office/drawing/2014/main" id="{E25086CF-365F-4F74-83A0-BA5FFE631B5D}"/>
-              </a:ext>
-            </a:extLst>
-          </p:cNvPr>
-          <p:cNvCxnSpPr>
-            <a:stCxn id="7" idx="3"/>
-            <a:endCxn id="7" idx="7"/>
-          </p:cNvCxnSpPr>
+            <a:endParaRPr kumimoji="1" lang="ja-JP" altLang="en-US"/>
+          </a:p>
+        </p:txBody>
+      </p:sp>
+      <p:sp>
+        <p:nvSpPr>
+          <p:cNvPr id="15" name="矢印: 右 14">
+            <a:extLst>
+              <a:ext uri="{FF2B5EF4-FFF2-40B4-BE49-F238E27FC236}">
+                <a16:creationId xmlns:a16="http://schemas.microsoft.com/office/drawing/2014/main" id="{F3C4D60C-F363-4CEF-839D-18F933BF7E44}"/>
+              </a:ext>
+            </a:extLst>
+          </p:cNvPr>
+          <p:cNvSpPr/>
           <p:nvPr/>
-        </p:nvCxnSpPr>
-        <p:spPr>
-          <a:xfrm flipV="1">
-            <a:off x="1421844" y="3972562"/>
-            <a:ext cx="1222145" cy="1156873"/>
-          </a:xfrm>
-          <a:prstGeom prst="straightConnector1">
+        </p:nvSpPr>
+        <p:spPr>
+          <a:xfrm>
+            <a:off x="4796250" y="3738348"/>
+            <a:ext cx="1150070" cy="417117"/>
+          </a:xfrm>
+          <a:prstGeom prst="rightArrow">
             <a:avLst/>
           </a:prstGeom>
-          <a:ln w="57150">
-            <a:solidFill>
-              <a:schemeClr val="tx1"/>
-            </a:solidFill>
-            <a:headEnd type="triangle"/>
-            <a:tailEnd type="triangle"/>
-          </a:ln>
         </p:spPr>
         <p:style>
-          <a:lnRef idx="1">
-            <a:schemeClr val="accent1"/>
+          <a:lnRef idx="2">
+            <a:schemeClr val="accent1">
+              <a:shade val="50000"/>
+            </a:schemeClr>
           </a:lnRef>
-          <a:fillRef idx="0">
+          <a:fillRef idx="1">
             <a:schemeClr val="accent1"/>
           </a:fillRef>
           <a:effectRef idx="0">
             <a:schemeClr val="accent1"/>
           </a:effectRef>
           <a:fontRef idx="minor">
-            <a:schemeClr val="tx1"/>
+            <a:schemeClr val="lt1"/>
           </a:fontRef>
         </p:style>
-      </p:cxnSp>
-      <p:sp>
-        <p:nvSpPr>
-          <p:cNvPr id="18" name="テキスト ボックス 17">
-            <a:extLst>
-              <a:ext uri="{FF2B5EF4-FFF2-40B4-BE49-F238E27FC236}">
-                <a16:creationId xmlns:a16="http://schemas.microsoft.com/office/drawing/2014/main" id="{22BBF291-E7B4-4B8E-95CF-F28141A9494F}"/>
+        <p:txBody>
+          <a:bodyPr rtlCol="0" anchor="ctr"/>
+          <a:lstStyle/>
+          <a:p>
+            <a:pPr algn="ctr"/>
+            <a:endParaRPr kumimoji="1" lang="ja-JP" altLang="en-US"/>
+          </a:p>
+        </p:txBody>
+      </p:sp>
+      <p:sp>
+        <p:nvSpPr>
+          <p:cNvPr id="16" name="テキスト ボックス 15">
+            <a:extLst>
+              <a:ext uri="{FF2B5EF4-FFF2-40B4-BE49-F238E27FC236}">
+                <a16:creationId xmlns:a16="http://schemas.microsoft.com/office/drawing/2014/main" id="{EEC59247-8891-4078-BF03-FC3F2493707D}"/>
               </a:ext>
             </a:extLst>
           </p:cNvPr>
@@ -9705,9 +9992,9 @@
           <p:nvPr/>
         </p:nvSpPr>
         <p:spPr>
-          <a:xfrm rot="18920528">
-            <a:off x="1467213" y="4109492"/>
-            <a:ext cx="1008863" cy="400110"/>
+          <a:xfrm>
+            <a:off x="1459567" y="4597496"/>
+            <a:ext cx="9536811" cy="830997"/>
           </a:xfrm>
           <a:prstGeom prst="rect">
             <a:avLst/>
@@ -9721,21 +10008,62 @@
           <a:lstStyle/>
           <a:p>
             <a:r>
-              <a:rPr kumimoji="1" lang="ja-JP" altLang="en-US" sz="2000" b="1" dirty="0"/>
-              <a:t>半径</a:t>
-            </a:r>
-            <a:r>
-              <a:rPr kumimoji="1" lang="en-US" altLang="ja-JP" sz="2000" b="1" dirty="0"/>
-              <a:t>r</a:t>
-            </a:r>
-            <a:endParaRPr kumimoji="1" lang="ja-JP" altLang="en-US" sz="2000" b="1" dirty="0"/>
+              <a:rPr kumimoji="1" lang="ja-JP" altLang="en-US" sz="2400" dirty="0"/>
+              <a:t>レージングカー、トラックのどちらも「走る」「止まる」は共通</a:t>
+            </a:r>
+            <a:endParaRPr lang="en-US" altLang="ja-JP" sz="2400" dirty="0"/>
+          </a:p>
+          <a:p>
+            <a:r>
+              <a:rPr lang="ja-JP" altLang="en-US" sz="2400" dirty="0"/>
+              <a:t>➡ 使用できる機能は再利用</a:t>
+            </a:r>
+            <a:endParaRPr lang="en-US" altLang="ja-JP" sz="2400" dirty="0"/>
+          </a:p>
+        </p:txBody>
+      </p:sp>
+      <p:sp>
+        <p:nvSpPr>
+          <p:cNvPr id="17" name="正方形/長方形 16">
+            <a:extLst>
+              <a:ext uri="{FF2B5EF4-FFF2-40B4-BE49-F238E27FC236}">
+                <a16:creationId xmlns:a16="http://schemas.microsoft.com/office/drawing/2014/main" id="{860FC652-B13D-4039-862F-9E24AD095D3E}"/>
+              </a:ext>
+            </a:extLst>
+          </p:cNvPr>
+          <p:cNvSpPr/>
+          <p:nvPr/>
+        </p:nvSpPr>
+        <p:spPr>
+          <a:xfrm>
+            <a:off x="2607178" y="5807464"/>
+            <a:ext cx="6750566" cy="584775"/>
+          </a:xfrm>
+          <a:prstGeom prst="rect">
+            <a:avLst/>
+          </a:prstGeom>
+        </p:spPr>
+        <p:txBody>
+          <a:bodyPr wrap="none">
+            <a:spAutoFit/>
+          </a:bodyPr>
+          <a:lstStyle/>
+          <a:p>
+            <a:r>
+              <a:rPr lang="ja-JP" altLang="en-US" sz="3200" b="1" dirty="0">
+                <a:solidFill>
+                  <a:schemeClr val="bg1"/>
+                </a:solidFill>
+              </a:rPr>
+              <a:t>上手く再利用すれば作業効率が向上</a:t>
+            </a:r>
           </a:p>
         </p:txBody>
       </p:sp>
     </p:spTree>
     <p:extLst>
       <p:ext uri="{BB962C8B-B14F-4D97-AF65-F5344CB8AC3E}">
-        <p14:creationId xmlns:p14="http://schemas.microsoft.com/office/powerpoint/2010/main" val="1530287610"/>
+        <p14:creationId xmlns:p14="http://schemas.microsoft.com/office/powerpoint/2010/main" val="4142132538"/>
       </p:ext>
     </p:extLst>
   </p:cSld>
@@ -9808,19 +10136,26 @@
         </p:nvSpPr>
         <p:spPr>
           <a:xfrm>
-            <a:off x="449215" y="1314161"/>
-            <a:ext cx="11598241" cy="726691"/>
+            <a:off x="449214" y="1299880"/>
+            <a:ext cx="11598241" cy="1476327"/>
           </a:xfrm>
         </p:spPr>
         <p:txBody>
           <a:bodyPr>
-            <a:normAutofit/>
+            <a:normAutofit fontScale="85000" lnSpcReduction="10000"/>
           </a:bodyPr>
           <a:lstStyle/>
           <a:p>
             <a:r>
+              <a:rPr kumimoji="1" lang="ja-JP" altLang="en-US" dirty="0"/>
+              <a:t>クラス変数：クラス内にある変数（すべてのインスタンスに共通する変数）</a:t>
+            </a:r>
+            <a:endParaRPr kumimoji="1" lang="en-US" altLang="ja-JP" dirty="0"/>
+          </a:p>
+          <a:p>
+            <a:r>
               <a:rPr lang="ja-JP" altLang="en-US" dirty="0"/>
-              <a:t>前ページをコードで記述</a:t>
+              <a:t>インスタンス変数：メソッド内にある変数（個々のインスタンスで異なる変数）</a:t>
             </a:r>
             <a:endParaRPr kumimoji="1" lang="ja-JP" altLang="en-US" dirty="0"/>
           </a:p>
@@ -9858,168 +10193,10 @@
       </p:sp>
       <p:sp>
         <p:nvSpPr>
-          <p:cNvPr id="15" name="正方形/長方形 14">
-            <a:extLst>
-              <a:ext uri="{FF2B5EF4-FFF2-40B4-BE49-F238E27FC236}">
-                <a16:creationId xmlns:a16="http://schemas.microsoft.com/office/drawing/2014/main" id="{22C63586-E6B3-4280-BAD6-0A4A61CE052A}"/>
-              </a:ext>
-            </a:extLst>
-          </p:cNvPr>
-          <p:cNvSpPr/>
-          <p:nvPr/>
-        </p:nvSpPr>
-        <p:spPr>
-          <a:xfrm>
-            <a:off x="593762" y="2404077"/>
-            <a:ext cx="5103173" cy="1938992"/>
-          </a:xfrm>
-          <a:prstGeom prst="rect">
-            <a:avLst/>
-          </a:prstGeom>
-          <a:solidFill>
-            <a:schemeClr val="accent1">
-              <a:lumMod val="20000"/>
-              <a:lumOff val="80000"/>
-            </a:schemeClr>
-          </a:solidFill>
-        </p:spPr>
-        <p:txBody>
-          <a:bodyPr wrap="square">
-            <a:spAutoFit/>
-          </a:bodyPr>
-          <a:lstStyle/>
-          <a:p>
-            <a:r>
-              <a:rPr lang="en-US" altLang="ja-JP" sz="2400" dirty="0"/>
-              <a:t>class Circles:</a:t>
-            </a:r>
-          </a:p>
-          <a:p>
-            <a:r>
-              <a:rPr lang="en-US" altLang="ja-JP" sz="2400" dirty="0"/>
-              <a:t>pi = 3.141592653589793</a:t>
-            </a:r>
-          </a:p>
-          <a:p>
-            <a:r>
-              <a:rPr lang="en-US" altLang="ja-JP" sz="2400" dirty="0"/>
-              <a:t>    </a:t>
-            </a:r>
-          </a:p>
-          <a:p>
-            <a:r>
-              <a:rPr lang="en-US" altLang="ja-JP" sz="2400" dirty="0"/>
-              <a:t>def __</a:t>
-            </a:r>
-            <a:r>
-              <a:rPr lang="en-US" altLang="ja-JP" sz="2400" dirty="0" err="1"/>
-              <a:t>init</a:t>
-            </a:r>
-            <a:r>
-              <a:rPr lang="en-US" altLang="ja-JP" sz="2400" dirty="0"/>
-              <a:t>__(self, r):</a:t>
-            </a:r>
-          </a:p>
-          <a:p>
-            <a:r>
-              <a:rPr lang="en-US" altLang="ja-JP" sz="2400" dirty="0"/>
-              <a:t>        </a:t>
-            </a:r>
-            <a:r>
-              <a:rPr lang="en-US" altLang="ja-JP" sz="2400" dirty="0" err="1"/>
-              <a:t>self.radius</a:t>
-            </a:r>
-            <a:r>
-              <a:rPr lang="en-US" altLang="ja-JP" sz="2400" dirty="0"/>
-              <a:t> = r</a:t>
-            </a:r>
-          </a:p>
-        </p:txBody>
-      </p:sp>
-      <p:sp>
-        <p:nvSpPr>
-          <p:cNvPr id="16" name="テキスト ボックス 15">
-            <a:extLst>
-              <a:ext uri="{FF2B5EF4-FFF2-40B4-BE49-F238E27FC236}">
-                <a16:creationId xmlns:a16="http://schemas.microsoft.com/office/drawing/2014/main" id="{1E5F9217-7C68-4655-B7B9-B87605AD3C79}"/>
-              </a:ext>
-            </a:extLst>
-          </p:cNvPr>
-          <p:cNvSpPr txBox="1"/>
-          <p:nvPr/>
-        </p:nvSpPr>
-        <p:spPr>
-          <a:xfrm>
-            <a:off x="6248335" y="2946433"/>
-            <a:ext cx="5329287" cy="2246769"/>
-          </a:xfrm>
-          <a:prstGeom prst="rect">
-            <a:avLst/>
-          </a:prstGeom>
-          <a:noFill/>
-        </p:spPr>
-        <p:txBody>
-          <a:bodyPr wrap="square" rtlCol="0">
-            <a:spAutoFit/>
-          </a:bodyPr>
-          <a:lstStyle/>
-          <a:p>
-            <a:r>
-              <a:rPr lang="en-US" altLang="ja-JP" sz="2800" dirty="0"/>
-              <a:t>pi = 3.141592653589793</a:t>
-            </a:r>
-          </a:p>
-          <a:p>
-            <a:r>
-              <a:rPr lang="ja-JP" altLang="en-US" sz="2800" dirty="0"/>
-              <a:t>をクラス変数として宣言</a:t>
-            </a:r>
-            <a:endParaRPr lang="en-US" altLang="ja-JP" sz="2800" dirty="0"/>
-          </a:p>
-          <a:p>
-            <a:endParaRPr lang="en-US" altLang="ja-JP" sz="2800" dirty="0"/>
-          </a:p>
-          <a:p>
-            <a:r>
-              <a:rPr kumimoji="1" lang="en-US" altLang="ja-JP" sz="2800" dirty="0" err="1"/>
-              <a:t>self.radius</a:t>
-            </a:r>
-            <a:r>
-              <a:rPr kumimoji="1" lang="ja-JP" altLang="en-US" sz="2800" dirty="0"/>
-              <a:t> </a:t>
-            </a:r>
-            <a:r>
-              <a:rPr kumimoji="1" lang="en-US" altLang="ja-JP" sz="2800" dirty="0"/>
-              <a:t>=</a:t>
-            </a:r>
-            <a:r>
-              <a:rPr kumimoji="1" lang="ja-JP" altLang="en-US" sz="2800" dirty="0"/>
-              <a:t> </a:t>
-            </a:r>
-            <a:r>
-              <a:rPr kumimoji="1" lang="en-US" altLang="ja-JP" sz="2800" dirty="0"/>
-              <a:t>r</a:t>
-            </a:r>
-            <a:r>
-              <a:rPr kumimoji="1" lang="ja-JP" altLang="en-US" sz="2800" dirty="0"/>
-              <a:t> </a:t>
-            </a:r>
-            <a:endParaRPr kumimoji="1" lang="en-US" altLang="ja-JP" sz="2800" dirty="0"/>
-          </a:p>
-          <a:p>
-            <a:r>
-              <a:rPr kumimoji="1" lang="ja-JP" altLang="en-US" sz="2800" dirty="0"/>
-              <a:t>をインスタンス変数として宣言</a:t>
-            </a:r>
-          </a:p>
-        </p:txBody>
-      </p:sp>
-      <p:sp>
-        <p:nvSpPr>
-          <p:cNvPr id="19" name="コンテンツ プレースホルダー 4">
-            <a:extLst>
-              <a:ext uri="{FF2B5EF4-FFF2-40B4-BE49-F238E27FC236}">
-                <a16:creationId xmlns:a16="http://schemas.microsoft.com/office/drawing/2014/main" id="{EC1C7159-51FD-42B2-81DB-8309826908D4}"/>
+          <p:cNvPr id="5" name="コンテンツ プレースホルダー 4">
+            <a:extLst>
+              <a:ext uri="{FF2B5EF4-FFF2-40B4-BE49-F238E27FC236}">
+                <a16:creationId xmlns:a16="http://schemas.microsoft.com/office/drawing/2014/main" id="{F2A8B657-46AE-45F1-AD4D-7A96B07B1176}"/>
               </a:ext>
             </a:extLst>
           </p:cNvPr>
@@ -10054,10 +10231,45 @@
       </p:sp>
       <p:sp>
         <p:nvSpPr>
-          <p:cNvPr id="20" name="楕円 19">
-            <a:extLst>
-              <a:ext uri="{FF2B5EF4-FFF2-40B4-BE49-F238E27FC236}">
-                <a16:creationId xmlns:a16="http://schemas.microsoft.com/office/drawing/2014/main" id="{6516AFE0-8C6E-4BD8-B102-E62B1EA51035}"/>
+          <p:cNvPr id="6" name="テキスト ボックス 5">
+            <a:extLst>
+              <a:ext uri="{FF2B5EF4-FFF2-40B4-BE49-F238E27FC236}">
+                <a16:creationId xmlns:a16="http://schemas.microsoft.com/office/drawing/2014/main" id="{C1E420A6-40BC-4F06-B98A-81211FE770B4}"/>
+              </a:ext>
+            </a:extLst>
+          </p:cNvPr>
+          <p:cNvSpPr txBox="1"/>
+          <p:nvPr/>
+        </p:nvSpPr>
+        <p:spPr>
+          <a:xfrm>
+            <a:off x="571765" y="2700767"/>
+            <a:ext cx="2799761" cy="584775"/>
+          </a:xfrm>
+          <a:prstGeom prst="rect">
+            <a:avLst/>
+          </a:prstGeom>
+          <a:noFill/>
+        </p:spPr>
+        <p:txBody>
+          <a:bodyPr wrap="square" rtlCol="0">
+            <a:spAutoFit/>
+          </a:bodyPr>
+          <a:lstStyle/>
+          <a:p>
+            <a:r>
+              <a:rPr kumimoji="1" lang="ja-JP" altLang="en-US" sz="3200" dirty="0"/>
+              <a:t>例）円</a:t>
+            </a:r>
+          </a:p>
+        </p:txBody>
+      </p:sp>
+      <p:sp>
+        <p:nvSpPr>
+          <p:cNvPr id="7" name="楕円 6">
+            <a:extLst>
+              <a:ext uri="{FF2B5EF4-FFF2-40B4-BE49-F238E27FC236}">
+                <a16:creationId xmlns:a16="http://schemas.microsoft.com/office/drawing/2014/main" id="{DB72A65A-D816-418B-96DB-DDE86D25BA55}"/>
               </a:ext>
             </a:extLst>
           </p:cNvPr>
@@ -10066,7 +10278,7 @@
         </p:nvSpPr>
         <p:spPr>
           <a:xfrm>
-            <a:off x="2271666" y="4625294"/>
+            <a:off x="1168729" y="3732966"/>
             <a:ext cx="1728375" cy="1636065"/>
           </a:xfrm>
           <a:prstGeom prst="ellipse">
@@ -10098,58 +10310,12 @@
           </a:p>
         </p:txBody>
       </p:sp>
-      <p:cxnSp>
-        <p:nvCxnSpPr>
-          <p:cNvPr id="21" name="直線矢印コネクタ 20">
-            <a:extLst>
-              <a:ext uri="{FF2B5EF4-FFF2-40B4-BE49-F238E27FC236}">
-                <a16:creationId xmlns:a16="http://schemas.microsoft.com/office/drawing/2014/main" id="{9F3B39AE-A75E-428F-87DB-69B3B450B091}"/>
-              </a:ext>
-            </a:extLst>
-          </p:cNvPr>
-          <p:cNvCxnSpPr>
-            <a:stCxn id="20" idx="3"/>
-            <a:endCxn id="20" idx="7"/>
-          </p:cNvCxnSpPr>
-          <p:nvPr/>
-        </p:nvCxnSpPr>
-        <p:spPr>
-          <a:xfrm flipV="1">
-            <a:off x="2524781" y="4864890"/>
-            <a:ext cx="1222145" cy="1156873"/>
-          </a:xfrm>
-          <a:prstGeom prst="straightConnector1">
-            <a:avLst/>
-          </a:prstGeom>
-          <a:ln w="57150">
-            <a:solidFill>
-              <a:schemeClr val="tx1"/>
-            </a:solidFill>
-            <a:headEnd type="triangle"/>
-            <a:tailEnd type="triangle"/>
-          </a:ln>
-        </p:spPr>
-        <p:style>
-          <a:lnRef idx="1">
-            <a:schemeClr val="accent1"/>
-          </a:lnRef>
-          <a:fillRef idx="0">
-            <a:schemeClr val="accent1"/>
-          </a:fillRef>
-          <a:effectRef idx="0">
-            <a:schemeClr val="accent1"/>
-          </a:effectRef>
-          <a:fontRef idx="minor">
-            <a:schemeClr val="tx1"/>
-          </a:fontRef>
-        </p:style>
-      </p:cxnSp>
-      <p:sp>
-        <p:nvSpPr>
-          <p:cNvPr id="22" name="テキスト ボックス 21">
-            <a:extLst>
-              <a:ext uri="{FF2B5EF4-FFF2-40B4-BE49-F238E27FC236}">
-                <a16:creationId xmlns:a16="http://schemas.microsoft.com/office/drawing/2014/main" id="{BCF8646B-0411-4DFD-991B-518612507CE0}"/>
+      <p:sp>
+        <p:nvSpPr>
+          <p:cNvPr id="8" name="テキスト ボックス 7">
+            <a:extLst>
+              <a:ext uri="{FF2B5EF4-FFF2-40B4-BE49-F238E27FC236}">
+                <a16:creationId xmlns:a16="http://schemas.microsoft.com/office/drawing/2014/main" id="{E2C95EE2-2FCD-48A4-A609-62CB1236195F}"/>
               </a:ext>
             </a:extLst>
           </p:cNvPr>
@@ -10157,9 +10323,9 @@
           <p:nvPr/>
         </p:nvSpPr>
         <p:spPr>
-          <a:xfrm rot="18920528">
-            <a:off x="2570150" y="5001820"/>
-            <a:ext cx="1008863" cy="400110"/>
+          <a:xfrm>
+            <a:off x="3836705" y="3794944"/>
+            <a:ext cx="8210751" cy="1938992"/>
           </a:xfrm>
           <a:prstGeom prst="rect">
             <a:avLst/>
@@ -10173,23 +10339,54 @@
           <a:lstStyle/>
           <a:p>
             <a:r>
-              <a:rPr kumimoji="1" lang="ja-JP" altLang="en-US" sz="2000" b="1" dirty="0"/>
-              <a:t>半径</a:t>
-            </a:r>
-            <a:r>
-              <a:rPr kumimoji="1" lang="en-US" altLang="ja-JP" sz="2000" b="1" dirty="0"/>
-              <a:t>r</a:t>
-            </a:r>
-            <a:endParaRPr kumimoji="1" lang="ja-JP" altLang="en-US" sz="2000" b="1" dirty="0"/>
-          </a:p>
-        </p:txBody>
-      </p:sp>
-      <p:sp>
-        <p:nvSpPr>
-          <p:cNvPr id="23" name="フレーム 22">
-            <a:extLst>
-              <a:ext uri="{FF2B5EF4-FFF2-40B4-BE49-F238E27FC236}">
-                <a16:creationId xmlns:a16="http://schemas.microsoft.com/office/drawing/2014/main" id="{5E216E71-5A1E-4595-941F-9E5BDD463F13}"/>
+              <a:rPr kumimoji="1" lang="ja-JP" altLang="en-US" sz="2400" dirty="0"/>
+              <a:t>・クラス変数（</a:t>
+            </a:r>
+            <a:r>
+              <a:rPr lang="ja-JP" altLang="en-US" sz="2400" dirty="0"/>
+              <a:t>全ての円が共通した値をもつ変数）</a:t>
+            </a:r>
+            <a:r>
+              <a:rPr kumimoji="1" lang="ja-JP" altLang="en-US" sz="2400" dirty="0"/>
+              <a:t>：</a:t>
+            </a:r>
+            <a:endParaRPr kumimoji="1" lang="en-US" altLang="ja-JP" sz="2400" dirty="0"/>
+          </a:p>
+          <a:p>
+            <a:r>
+              <a:rPr lang="ja-JP" altLang="en-US" sz="2400" dirty="0"/>
+              <a:t>　円周率（</a:t>
+            </a:r>
+            <a:r>
+              <a:rPr lang="en-US" altLang="ja-JP" sz="2400" dirty="0"/>
+              <a:t>=3.141592653589793)</a:t>
+            </a:r>
+          </a:p>
+          <a:p>
+            <a:endParaRPr lang="en-US" altLang="ja-JP" sz="2400" dirty="0"/>
+          </a:p>
+          <a:p>
+            <a:r>
+              <a:rPr kumimoji="1" lang="ja-JP" altLang="en-US" sz="2400" dirty="0"/>
+              <a:t>・インスタンス変数（円によって異なる値を持つ変数）：</a:t>
+            </a:r>
+            <a:endParaRPr kumimoji="1" lang="en-US" altLang="ja-JP" sz="2400" dirty="0"/>
+          </a:p>
+          <a:p>
+            <a:r>
+              <a:rPr lang="ja-JP" altLang="en-US" sz="2400" dirty="0"/>
+              <a:t>　半径</a:t>
+            </a:r>
+            <a:endParaRPr kumimoji="1" lang="en-US" altLang="ja-JP" sz="2400" dirty="0"/>
+          </a:p>
+        </p:txBody>
+      </p:sp>
+      <p:sp>
+        <p:nvSpPr>
+          <p:cNvPr id="11" name="フレーム 10">
+            <a:extLst>
+              <a:ext uri="{FF2B5EF4-FFF2-40B4-BE49-F238E27FC236}">
+                <a16:creationId xmlns:a16="http://schemas.microsoft.com/office/drawing/2014/main" id="{ED9B8C57-63B2-4264-A032-98320B74CF6C}"/>
               </a:ext>
             </a:extLst>
           </p:cNvPr>
@@ -10198,12 +10395,12 @@
         </p:nvSpPr>
         <p:spPr>
           <a:xfrm>
-            <a:off x="6000427" y="2535492"/>
-            <a:ext cx="5753619" cy="3068651"/>
+            <a:off x="3836704" y="3311433"/>
+            <a:ext cx="8210751" cy="2702338"/>
           </a:xfrm>
           <a:prstGeom prst="frame">
             <a:avLst>
-              <a:gd name="adj1" fmla="val 4206"/>
+              <a:gd name="adj1" fmla="val 2929"/>
             </a:avLst>
           </a:prstGeom>
         </p:spPr>
@@ -10236,10 +10433,96 @@
           </a:p>
         </p:txBody>
       </p:sp>
+      <p:cxnSp>
+        <p:nvCxnSpPr>
+          <p:cNvPr id="17" name="直線矢印コネクタ 16">
+            <a:extLst>
+              <a:ext uri="{FF2B5EF4-FFF2-40B4-BE49-F238E27FC236}">
+                <a16:creationId xmlns:a16="http://schemas.microsoft.com/office/drawing/2014/main" id="{E25086CF-365F-4F74-83A0-BA5FFE631B5D}"/>
+              </a:ext>
+            </a:extLst>
+          </p:cNvPr>
+          <p:cNvCxnSpPr>
+            <a:stCxn id="7" idx="3"/>
+            <a:endCxn id="7" idx="7"/>
+          </p:cNvCxnSpPr>
+          <p:nvPr/>
+        </p:nvCxnSpPr>
+        <p:spPr>
+          <a:xfrm flipV="1">
+            <a:off x="1421844" y="3972562"/>
+            <a:ext cx="1222145" cy="1156873"/>
+          </a:xfrm>
+          <a:prstGeom prst="straightConnector1">
+            <a:avLst/>
+          </a:prstGeom>
+          <a:ln w="57150">
+            <a:solidFill>
+              <a:schemeClr val="tx1"/>
+            </a:solidFill>
+            <a:headEnd type="triangle"/>
+            <a:tailEnd type="triangle"/>
+          </a:ln>
+        </p:spPr>
+        <p:style>
+          <a:lnRef idx="1">
+            <a:schemeClr val="accent1"/>
+          </a:lnRef>
+          <a:fillRef idx="0">
+            <a:schemeClr val="accent1"/>
+          </a:fillRef>
+          <a:effectRef idx="0">
+            <a:schemeClr val="accent1"/>
+          </a:effectRef>
+          <a:fontRef idx="minor">
+            <a:schemeClr val="tx1"/>
+          </a:fontRef>
+        </p:style>
+      </p:cxnSp>
+      <p:sp>
+        <p:nvSpPr>
+          <p:cNvPr id="18" name="テキスト ボックス 17">
+            <a:extLst>
+              <a:ext uri="{FF2B5EF4-FFF2-40B4-BE49-F238E27FC236}">
+                <a16:creationId xmlns:a16="http://schemas.microsoft.com/office/drawing/2014/main" id="{22BBF291-E7B4-4B8E-95CF-F28141A9494F}"/>
+              </a:ext>
+            </a:extLst>
+          </p:cNvPr>
+          <p:cNvSpPr txBox="1"/>
+          <p:nvPr/>
+        </p:nvSpPr>
+        <p:spPr>
+          <a:xfrm rot="18920528">
+            <a:off x="1467213" y="4109492"/>
+            <a:ext cx="1008863" cy="400110"/>
+          </a:xfrm>
+          <a:prstGeom prst="rect">
+            <a:avLst/>
+          </a:prstGeom>
+          <a:noFill/>
+        </p:spPr>
+        <p:txBody>
+          <a:bodyPr wrap="square" rtlCol="0">
+            <a:spAutoFit/>
+          </a:bodyPr>
+          <a:lstStyle/>
+          <a:p>
+            <a:r>
+              <a:rPr kumimoji="1" lang="ja-JP" altLang="en-US" sz="2000" b="1" dirty="0"/>
+              <a:t>半径</a:t>
+            </a:r>
+            <a:r>
+              <a:rPr kumimoji="1" lang="en-US" altLang="ja-JP" sz="2000" b="1" dirty="0"/>
+              <a:t>r</a:t>
+            </a:r>
+            <a:endParaRPr kumimoji="1" lang="ja-JP" altLang="en-US" sz="2000" b="1" dirty="0"/>
+          </a:p>
+        </p:txBody>
+      </p:sp>
     </p:spTree>
     <p:extLst>
       <p:ext uri="{BB962C8B-B14F-4D97-AF65-F5344CB8AC3E}">
-        <p14:creationId xmlns:p14="http://schemas.microsoft.com/office/powerpoint/2010/main" val="812960512"/>
+        <p14:creationId xmlns:p14="http://schemas.microsoft.com/office/powerpoint/2010/main" val="1530287610"/>
       </p:ext>
     </p:extLst>
   </p:cSld>
@@ -10312,7 +10595,7 @@
         </p:nvSpPr>
         <p:spPr>
           <a:xfrm>
-            <a:off x="430359" y="1118480"/>
+            <a:off x="449215" y="1314161"/>
             <a:ext cx="11598241" cy="726691"/>
           </a:xfrm>
         </p:spPr>
@@ -10324,7 +10607,7 @@
           <a:p>
             <a:r>
               <a:rPr lang="ja-JP" altLang="en-US" dirty="0"/>
-              <a:t>クラス変数、インスタンス変数、メソッド内の変数の比較</a:t>
+              <a:t>前ページをコードで記述</a:t>
             </a:r>
             <a:endParaRPr kumimoji="1" lang="ja-JP" altLang="en-US" dirty="0"/>
           </a:p>
@@ -10374,8 +10657,8 @@
         </p:nvSpPr>
         <p:spPr>
           <a:xfrm>
-            <a:off x="430361" y="2310040"/>
-            <a:ext cx="3594882" cy="2862322"/>
+            <a:off x="593762" y="2404077"/>
+            <a:ext cx="5103173" cy="1938992"/>
           </a:xfrm>
           <a:prstGeom prst="rect">
             <a:avLst/>
@@ -10394,87 +10677,136 @@
           <a:lstStyle/>
           <a:p>
             <a:r>
-              <a:rPr lang="en-US" altLang="ja-JP" sz="2000" dirty="0"/>
+              <a:rPr lang="en-US" altLang="ja-JP" sz="2400" dirty="0"/>
               <a:t>class Circles:</a:t>
             </a:r>
           </a:p>
           <a:p>
             <a:r>
-              <a:rPr lang="en-US" altLang="ja-JP" sz="2000" dirty="0"/>
+              <a:rPr lang="en-US" altLang="ja-JP" sz="2400" dirty="0"/>
               <a:t>pi = 3.141592653589793</a:t>
             </a:r>
           </a:p>
           <a:p>
             <a:r>
-              <a:rPr lang="en-US" altLang="ja-JP" sz="2000" dirty="0"/>
+              <a:rPr lang="en-US" altLang="ja-JP" sz="2400" dirty="0"/>
               <a:t>    </a:t>
             </a:r>
           </a:p>
           <a:p>
             <a:r>
-              <a:rPr lang="en-US" altLang="ja-JP" sz="2000" dirty="0"/>
+              <a:rPr lang="en-US" altLang="ja-JP" sz="2400" dirty="0"/>
               <a:t>def __</a:t>
             </a:r>
             <a:r>
-              <a:rPr lang="en-US" altLang="ja-JP" sz="2000" dirty="0" err="1"/>
+              <a:rPr lang="en-US" altLang="ja-JP" sz="2400" dirty="0" err="1"/>
               <a:t>init</a:t>
             </a:r>
             <a:r>
-              <a:rPr lang="en-US" altLang="ja-JP" sz="2000" dirty="0"/>
+              <a:rPr lang="en-US" altLang="ja-JP" sz="2400" dirty="0"/>
               <a:t>__(self, r):</a:t>
             </a:r>
           </a:p>
           <a:p>
             <a:r>
-              <a:rPr lang="en-US" altLang="ja-JP" sz="2000" dirty="0"/>
+              <a:rPr lang="en-US" altLang="ja-JP" sz="2400" dirty="0"/>
               <a:t>        </a:t>
             </a:r>
             <a:r>
-              <a:rPr lang="en-US" altLang="ja-JP" sz="2000" dirty="0" err="1"/>
+              <a:rPr lang="en-US" altLang="ja-JP" sz="2400" dirty="0" err="1"/>
               <a:t>self.radius</a:t>
             </a:r>
             <a:r>
-              <a:rPr lang="en-US" altLang="ja-JP" sz="2000" dirty="0"/>
+              <a:rPr lang="en-US" altLang="ja-JP" sz="2400" dirty="0"/>
               <a:t> = r</a:t>
             </a:r>
           </a:p>
-          <a:p>
-            <a:r>
-              <a:rPr lang="en-US" altLang="ja-JP" sz="2000" dirty="0"/>
-              <a:t>        </a:t>
-            </a:r>
-            <a:r>
-              <a:rPr lang="en-US" altLang="ja-JP" sz="2000" dirty="0" err="1"/>
-              <a:t>hoge</a:t>
-            </a:r>
-            <a:r>
-              <a:rPr lang="en-US" altLang="ja-JP" sz="2000" dirty="0"/>
-              <a:t> = 1</a:t>
-            </a:r>
-          </a:p>
-          <a:p>
-            <a:endParaRPr lang="en-US" altLang="ja-JP" sz="2000" dirty="0"/>
-          </a:p>
-          <a:p>
-            <a:r>
-              <a:rPr lang="fr-FR" altLang="ja-JP" sz="2000" dirty="0"/>
-              <a:t>circle_a = Circles(2)</a:t>
-            </a:r>
-          </a:p>
-          <a:p>
-            <a:r>
-              <a:rPr lang="fr-FR" altLang="ja-JP" sz="2000" dirty="0"/>
-              <a:t>print(circle_a.pi)</a:t>
-            </a:r>
-          </a:p>
-        </p:txBody>
-      </p:sp>
-      <p:sp>
-        <p:nvSpPr>
-          <p:cNvPr id="8" name="コンテンツ プレースホルダー 4">
-            <a:extLst>
-              <a:ext uri="{FF2B5EF4-FFF2-40B4-BE49-F238E27FC236}">
-                <a16:creationId xmlns:a16="http://schemas.microsoft.com/office/drawing/2014/main" id="{8D79E1A0-FC62-496B-A31A-D33FBCE9E83D}"/>
+        </p:txBody>
+      </p:sp>
+      <p:sp>
+        <p:nvSpPr>
+          <p:cNvPr id="16" name="テキスト ボックス 15">
+            <a:extLst>
+              <a:ext uri="{FF2B5EF4-FFF2-40B4-BE49-F238E27FC236}">
+                <a16:creationId xmlns:a16="http://schemas.microsoft.com/office/drawing/2014/main" id="{1E5F9217-7C68-4655-B7B9-B87605AD3C79}"/>
+              </a:ext>
+            </a:extLst>
+          </p:cNvPr>
+          <p:cNvSpPr txBox="1"/>
+          <p:nvPr/>
+        </p:nvSpPr>
+        <p:spPr>
+          <a:xfrm>
+            <a:off x="6248335" y="2946433"/>
+            <a:ext cx="5329287" cy="2246769"/>
+          </a:xfrm>
+          <a:prstGeom prst="rect">
+            <a:avLst/>
+          </a:prstGeom>
+          <a:noFill/>
+        </p:spPr>
+        <p:txBody>
+          <a:bodyPr wrap="square" rtlCol="0">
+            <a:spAutoFit/>
+          </a:bodyPr>
+          <a:lstStyle/>
+          <a:p>
+            <a:r>
+              <a:rPr lang="en-US" altLang="ja-JP" sz="2800" dirty="0"/>
+              <a:t>pi = 3.141592653589793</a:t>
+            </a:r>
+          </a:p>
+          <a:p>
+            <a:r>
+              <a:rPr lang="ja-JP" altLang="en-US" sz="2800" dirty="0"/>
+              <a:t>をクラス変数として宣言</a:t>
+            </a:r>
+            <a:endParaRPr lang="en-US" altLang="ja-JP" sz="2800" dirty="0"/>
+          </a:p>
+          <a:p>
+            <a:endParaRPr lang="en-US" altLang="ja-JP" sz="2800" dirty="0"/>
+          </a:p>
+          <a:p>
+            <a:r>
+              <a:rPr kumimoji="1" lang="en-US" altLang="ja-JP" sz="2800" dirty="0" err="1"/>
+              <a:t>self.radius</a:t>
+            </a:r>
+            <a:r>
+              <a:rPr kumimoji="1" lang="ja-JP" altLang="en-US" sz="2800" dirty="0"/>
+              <a:t> </a:t>
+            </a:r>
+            <a:r>
+              <a:rPr kumimoji="1" lang="en-US" altLang="ja-JP" sz="2800" dirty="0"/>
+              <a:t>=</a:t>
+            </a:r>
+            <a:r>
+              <a:rPr kumimoji="1" lang="ja-JP" altLang="en-US" sz="2800" dirty="0"/>
+              <a:t> </a:t>
+            </a:r>
+            <a:r>
+              <a:rPr kumimoji="1" lang="en-US" altLang="ja-JP" sz="2800" dirty="0"/>
+              <a:t>r</a:t>
+            </a:r>
+            <a:r>
+              <a:rPr kumimoji="1" lang="ja-JP" altLang="en-US" sz="2800" dirty="0"/>
+              <a:t> </a:t>
+            </a:r>
+            <a:endParaRPr kumimoji="1" lang="en-US" altLang="ja-JP" sz="2800" dirty="0"/>
+          </a:p>
+          <a:p>
+            <a:r>
+              <a:rPr kumimoji="1" lang="ja-JP" altLang="en-US" sz="2800" dirty="0"/>
+              <a:t>をインスタンス変数として宣言</a:t>
+            </a:r>
+          </a:p>
+        </p:txBody>
+      </p:sp>
+      <p:sp>
+        <p:nvSpPr>
+          <p:cNvPr id="19" name="コンテンツ プレースホルダー 4">
+            <a:extLst>
+              <a:ext uri="{FF2B5EF4-FFF2-40B4-BE49-F238E27FC236}">
+                <a16:creationId xmlns:a16="http://schemas.microsoft.com/office/drawing/2014/main" id="{EC1C7159-51FD-42B2-81DB-8309826908D4}"/>
               </a:ext>
             </a:extLst>
           </p:cNvPr>
@@ -10509,10 +10841,10 @@
       </p:sp>
       <p:sp>
         <p:nvSpPr>
-          <p:cNvPr id="10" name="正方形/長方形 9">
-            <a:extLst>
-              <a:ext uri="{FF2B5EF4-FFF2-40B4-BE49-F238E27FC236}">
-                <a16:creationId xmlns:a16="http://schemas.microsoft.com/office/drawing/2014/main" id="{A72AA448-A79D-4F8E-969F-7439A078BE38}"/>
+          <p:cNvPr id="20" name="楕円 19">
+            <a:extLst>
+              <a:ext uri="{FF2B5EF4-FFF2-40B4-BE49-F238E27FC236}">
+                <a16:creationId xmlns:a16="http://schemas.microsoft.com/office/drawing/2014/main" id="{6516AFE0-8C6E-4BD8-B102-E62B1EA51035}"/>
               </a:ext>
             </a:extLst>
           </p:cNvPr>
@@ -10521,583 +10853,12 @@
         </p:nvSpPr>
         <p:spPr>
           <a:xfrm>
-            <a:off x="4289067" y="2310040"/>
-            <a:ext cx="3594882" cy="2862322"/>
-          </a:xfrm>
-          <a:prstGeom prst="rect">
+            <a:off x="2271666" y="4625294"/>
+            <a:ext cx="1728375" cy="1636065"/>
+          </a:xfrm>
+          <a:prstGeom prst="ellipse">
             <a:avLst/>
           </a:prstGeom>
-          <a:solidFill>
-            <a:schemeClr val="accent1">
-              <a:lumMod val="20000"/>
-              <a:lumOff val="80000"/>
-            </a:schemeClr>
-          </a:solidFill>
-        </p:spPr>
-        <p:txBody>
-          <a:bodyPr wrap="square">
-            <a:spAutoFit/>
-          </a:bodyPr>
-          <a:lstStyle/>
-          <a:p>
-            <a:r>
-              <a:rPr lang="en-US" altLang="ja-JP" sz="2000" dirty="0"/>
-              <a:t>class Circles:</a:t>
-            </a:r>
-          </a:p>
-          <a:p>
-            <a:r>
-              <a:rPr lang="en-US" altLang="ja-JP" sz="2000" dirty="0"/>
-              <a:t>pi = 3.141592653589793</a:t>
-            </a:r>
-          </a:p>
-          <a:p>
-            <a:r>
-              <a:rPr lang="en-US" altLang="ja-JP" sz="2000" dirty="0"/>
-              <a:t>    </a:t>
-            </a:r>
-          </a:p>
-          <a:p>
-            <a:r>
-              <a:rPr lang="en-US" altLang="ja-JP" sz="2000" dirty="0"/>
-              <a:t>def __</a:t>
-            </a:r>
-            <a:r>
-              <a:rPr lang="en-US" altLang="ja-JP" sz="2000" dirty="0" err="1"/>
-              <a:t>init</a:t>
-            </a:r>
-            <a:r>
-              <a:rPr lang="en-US" altLang="ja-JP" sz="2000" dirty="0"/>
-              <a:t>__(self, r):</a:t>
-            </a:r>
-          </a:p>
-          <a:p>
-            <a:r>
-              <a:rPr lang="en-US" altLang="ja-JP" sz="2000" dirty="0"/>
-              <a:t>        </a:t>
-            </a:r>
-            <a:r>
-              <a:rPr lang="en-US" altLang="ja-JP" sz="2000" dirty="0" err="1"/>
-              <a:t>self.radius</a:t>
-            </a:r>
-            <a:r>
-              <a:rPr lang="en-US" altLang="ja-JP" sz="2000" dirty="0"/>
-              <a:t> = r</a:t>
-            </a:r>
-          </a:p>
-          <a:p>
-            <a:r>
-              <a:rPr lang="en-US" altLang="ja-JP" sz="2000" dirty="0"/>
-              <a:t>        </a:t>
-            </a:r>
-            <a:r>
-              <a:rPr lang="en-US" altLang="ja-JP" sz="2000" dirty="0" err="1"/>
-              <a:t>hoge</a:t>
-            </a:r>
-            <a:r>
-              <a:rPr lang="en-US" altLang="ja-JP" sz="2000" dirty="0"/>
-              <a:t> = 1</a:t>
-            </a:r>
-          </a:p>
-          <a:p>
-            <a:endParaRPr lang="en-US" altLang="ja-JP" sz="2000" dirty="0"/>
-          </a:p>
-          <a:p>
-            <a:r>
-              <a:rPr lang="fr-FR" altLang="ja-JP" sz="2000" dirty="0"/>
-              <a:t>circle_a = Circles(2)</a:t>
-            </a:r>
-          </a:p>
-          <a:p>
-            <a:r>
-              <a:rPr lang="fr-FR" altLang="ja-JP" sz="2000" dirty="0"/>
-              <a:t>print(circle_a.radius)</a:t>
-            </a:r>
-          </a:p>
-        </p:txBody>
-      </p:sp>
-      <p:sp>
-        <p:nvSpPr>
-          <p:cNvPr id="11" name="正方形/長方形 10">
-            <a:extLst>
-              <a:ext uri="{FF2B5EF4-FFF2-40B4-BE49-F238E27FC236}">
-                <a16:creationId xmlns:a16="http://schemas.microsoft.com/office/drawing/2014/main" id="{A218DE9B-4EC4-445C-BC0C-76E889C1DE10}"/>
-              </a:ext>
-            </a:extLst>
-          </p:cNvPr>
-          <p:cNvSpPr/>
-          <p:nvPr/>
-        </p:nvSpPr>
-        <p:spPr>
-          <a:xfrm>
-            <a:off x="8227899" y="2296143"/>
-            <a:ext cx="3594882" cy="2862322"/>
-          </a:xfrm>
-          <a:prstGeom prst="rect">
-            <a:avLst/>
-          </a:prstGeom>
-          <a:solidFill>
-            <a:schemeClr val="accent1">
-              <a:lumMod val="20000"/>
-              <a:lumOff val="80000"/>
-            </a:schemeClr>
-          </a:solidFill>
-        </p:spPr>
-        <p:txBody>
-          <a:bodyPr wrap="square">
-            <a:spAutoFit/>
-          </a:bodyPr>
-          <a:lstStyle/>
-          <a:p>
-            <a:r>
-              <a:rPr lang="en-US" altLang="ja-JP" sz="2000" dirty="0"/>
-              <a:t>class Circles:</a:t>
-            </a:r>
-          </a:p>
-          <a:p>
-            <a:r>
-              <a:rPr lang="en-US" altLang="ja-JP" sz="2000" dirty="0"/>
-              <a:t>pi = 3.141592653589793</a:t>
-            </a:r>
-          </a:p>
-          <a:p>
-            <a:r>
-              <a:rPr lang="en-US" altLang="ja-JP" sz="2000" dirty="0"/>
-              <a:t>    </a:t>
-            </a:r>
-          </a:p>
-          <a:p>
-            <a:r>
-              <a:rPr lang="en-US" altLang="ja-JP" sz="2000" dirty="0"/>
-              <a:t>def __</a:t>
-            </a:r>
-            <a:r>
-              <a:rPr lang="en-US" altLang="ja-JP" sz="2000" dirty="0" err="1"/>
-              <a:t>init</a:t>
-            </a:r>
-            <a:r>
-              <a:rPr lang="en-US" altLang="ja-JP" sz="2000" dirty="0"/>
-              <a:t>__(self, r):</a:t>
-            </a:r>
-          </a:p>
-          <a:p>
-            <a:r>
-              <a:rPr lang="en-US" altLang="ja-JP" sz="2000" dirty="0"/>
-              <a:t>        </a:t>
-            </a:r>
-            <a:r>
-              <a:rPr lang="en-US" altLang="ja-JP" sz="2000" dirty="0" err="1"/>
-              <a:t>self.radius</a:t>
-            </a:r>
-            <a:r>
-              <a:rPr lang="en-US" altLang="ja-JP" sz="2000" dirty="0"/>
-              <a:t> = r</a:t>
-            </a:r>
-          </a:p>
-          <a:p>
-            <a:r>
-              <a:rPr lang="en-US" altLang="ja-JP" sz="2000" dirty="0"/>
-              <a:t>        </a:t>
-            </a:r>
-            <a:r>
-              <a:rPr lang="en-US" altLang="ja-JP" sz="2000" dirty="0" err="1"/>
-              <a:t>hoge</a:t>
-            </a:r>
-            <a:r>
-              <a:rPr lang="en-US" altLang="ja-JP" sz="2000" dirty="0"/>
-              <a:t> = 1</a:t>
-            </a:r>
-          </a:p>
-          <a:p>
-            <a:endParaRPr lang="en-US" altLang="ja-JP" sz="2000" dirty="0"/>
-          </a:p>
-          <a:p>
-            <a:r>
-              <a:rPr lang="fr-FR" altLang="ja-JP" sz="2000" dirty="0"/>
-              <a:t>circle_a = Circles(2)</a:t>
-            </a:r>
-          </a:p>
-          <a:p>
-            <a:r>
-              <a:rPr lang="fr-FR" altLang="ja-JP" sz="2000" dirty="0"/>
-              <a:t>print(circle_a.hoge)</a:t>
-            </a:r>
-          </a:p>
-        </p:txBody>
-      </p:sp>
-      <p:sp>
-        <p:nvSpPr>
-          <p:cNvPr id="6" name="テキスト ボックス 5">
-            <a:extLst>
-              <a:ext uri="{FF2B5EF4-FFF2-40B4-BE49-F238E27FC236}">
-                <a16:creationId xmlns:a16="http://schemas.microsoft.com/office/drawing/2014/main" id="{F09D1E13-A2D9-490B-A33C-9F57867E4890}"/>
-              </a:ext>
-            </a:extLst>
-          </p:cNvPr>
-          <p:cNvSpPr txBox="1"/>
-          <p:nvPr/>
-        </p:nvSpPr>
-        <p:spPr>
-          <a:xfrm>
-            <a:off x="776053" y="1856425"/>
-            <a:ext cx="2735725" cy="461665"/>
-          </a:xfrm>
-          <a:prstGeom prst="rect">
-            <a:avLst/>
-          </a:prstGeom>
-          <a:noFill/>
-        </p:spPr>
-        <p:txBody>
-          <a:bodyPr wrap="square" rtlCol="0">
-            <a:spAutoFit/>
-          </a:bodyPr>
-          <a:lstStyle/>
-          <a:p>
-            <a:r>
-              <a:rPr lang="ja-JP" altLang="en-US" sz="2400" b="1" dirty="0"/>
-              <a:t>クラス変数の参照</a:t>
-            </a:r>
-          </a:p>
-        </p:txBody>
-      </p:sp>
-      <p:sp>
-        <p:nvSpPr>
-          <p:cNvPr id="13" name="テキスト ボックス 12">
-            <a:extLst>
-              <a:ext uri="{FF2B5EF4-FFF2-40B4-BE49-F238E27FC236}">
-                <a16:creationId xmlns:a16="http://schemas.microsoft.com/office/drawing/2014/main" id="{5DCD49AC-7391-4972-A2E0-E1816D5DCB6D}"/>
-              </a:ext>
-            </a:extLst>
-          </p:cNvPr>
-          <p:cNvSpPr txBox="1"/>
-          <p:nvPr/>
-        </p:nvSpPr>
-        <p:spPr>
-          <a:xfrm>
-            <a:off x="4223080" y="1848080"/>
-            <a:ext cx="3936254" cy="461665"/>
-          </a:xfrm>
-          <a:prstGeom prst="rect">
-            <a:avLst/>
-          </a:prstGeom>
-          <a:noFill/>
-        </p:spPr>
-        <p:txBody>
-          <a:bodyPr wrap="square" rtlCol="0">
-            <a:spAutoFit/>
-          </a:bodyPr>
-          <a:lstStyle/>
-          <a:p>
-            <a:r>
-              <a:rPr lang="ja-JP" altLang="en-US" sz="2400" b="1" dirty="0"/>
-              <a:t>インスタンス変数の参照</a:t>
-            </a:r>
-          </a:p>
-        </p:txBody>
-      </p:sp>
-      <p:sp>
-        <p:nvSpPr>
-          <p:cNvPr id="17" name="テキスト ボックス 16">
-            <a:extLst>
-              <a:ext uri="{FF2B5EF4-FFF2-40B4-BE49-F238E27FC236}">
-                <a16:creationId xmlns:a16="http://schemas.microsoft.com/office/drawing/2014/main" id="{ED217F98-72B8-4C71-8050-BBFAACB8D24A}"/>
-              </a:ext>
-            </a:extLst>
-          </p:cNvPr>
-          <p:cNvSpPr txBox="1"/>
-          <p:nvPr/>
-        </p:nvSpPr>
-        <p:spPr>
-          <a:xfrm>
-            <a:off x="8227898" y="1848375"/>
-            <a:ext cx="3694796" cy="461665"/>
-          </a:xfrm>
-          <a:prstGeom prst="rect">
-            <a:avLst/>
-          </a:prstGeom>
-          <a:noFill/>
-        </p:spPr>
-        <p:txBody>
-          <a:bodyPr wrap="square" rtlCol="0">
-            <a:spAutoFit/>
-          </a:bodyPr>
-          <a:lstStyle/>
-          <a:p>
-            <a:r>
-              <a:rPr lang="ja-JP" altLang="en-US" sz="2400" b="1" dirty="0"/>
-              <a:t>メソッド内の変数の参照</a:t>
-            </a:r>
-          </a:p>
-        </p:txBody>
-      </p:sp>
-      <p:sp>
-        <p:nvSpPr>
-          <p:cNvPr id="7" name="テキスト ボックス 6">
-            <a:extLst>
-              <a:ext uri="{FF2B5EF4-FFF2-40B4-BE49-F238E27FC236}">
-                <a16:creationId xmlns:a16="http://schemas.microsoft.com/office/drawing/2014/main" id="{DABD4151-C8A7-4CDE-8E94-94E473F4D92F}"/>
-              </a:ext>
-            </a:extLst>
-          </p:cNvPr>
-          <p:cNvSpPr txBox="1"/>
-          <p:nvPr/>
-        </p:nvSpPr>
-        <p:spPr>
-          <a:xfrm>
-            <a:off x="364371" y="5302048"/>
-            <a:ext cx="2102178" cy="400110"/>
-          </a:xfrm>
-          <a:prstGeom prst="rect">
-            <a:avLst/>
-          </a:prstGeom>
-          <a:noFill/>
-        </p:spPr>
-        <p:txBody>
-          <a:bodyPr wrap="square" rtlCol="0">
-            <a:spAutoFit/>
-          </a:bodyPr>
-          <a:lstStyle/>
-          <a:p>
-            <a:r>
-              <a:rPr kumimoji="1" lang="ja-JP" altLang="en-US" sz="2000" b="1" dirty="0"/>
-              <a:t>結果</a:t>
-            </a:r>
-          </a:p>
-        </p:txBody>
-      </p:sp>
-      <p:sp>
-        <p:nvSpPr>
-          <p:cNvPr id="9" name="正方形/長方形 8">
-            <a:extLst>
-              <a:ext uri="{FF2B5EF4-FFF2-40B4-BE49-F238E27FC236}">
-                <a16:creationId xmlns:a16="http://schemas.microsoft.com/office/drawing/2014/main" id="{EA60CD71-424A-4267-8216-3B4B5401A0EF}"/>
-              </a:ext>
-            </a:extLst>
-          </p:cNvPr>
-          <p:cNvSpPr/>
-          <p:nvPr/>
-        </p:nvSpPr>
-        <p:spPr>
-          <a:xfrm>
-            <a:off x="430359" y="5643452"/>
-            <a:ext cx="3594881" cy="400110"/>
-          </a:xfrm>
-          <a:prstGeom prst="rect">
-            <a:avLst/>
-          </a:prstGeom>
-          <a:solidFill>
-            <a:schemeClr val="accent1">
-              <a:lumMod val="20000"/>
-              <a:lumOff val="80000"/>
-            </a:schemeClr>
-          </a:solidFill>
-        </p:spPr>
-        <p:txBody>
-          <a:bodyPr wrap="square">
-            <a:spAutoFit/>
-          </a:bodyPr>
-          <a:lstStyle/>
-          <a:p>
-            <a:r>
-              <a:rPr lang="ja-JP" altLang="en-US" sz="2000" dirty="0"/>
-              <a:t>3.141592653589793</a:t>
-            </a:r>
-          </a:p>
-        </p:txBody>
-      </p:sp>
-      <p:sp>
-        <p:nvSpPr>
-          <p:cNvPr id="18" name="テキスト ボックス 17">
-            <a:extLst>
-              <a:ext uri="{FF2B5EF4-FFF2-40B4-BE49-F238E27FC236}">
-                <a16:creationId xmlns:a16="http://schemas.microsoft.com/office/drawing/2014/main" id="{3BAC1C26-90DE-4780-8C49-CC33AF5AF736}"/>
-              </a:ext>
-            </a:extLst>
-          </p:cNvPr>
-          <p:cNvSpPr txBox="1"/>
-          <p:nvPr/>
-        </p:nvSpPr>
-        <p:spPr>
-          <a:xfrm>
-            <a:off x="4223080" y="5268363"/>
-            <a:ext cx="2102178" cy="400110"/>
-          </a:xfrm>
-          <a:prstGeom prst="rect">
-            <a:avLst/>
-          </a:prstGeom>
-          <a:noFill/>
-        </p:spPr>
-        <p:txBody>
-          <a:bodyPr wrap="square" rtlCol="0">
-            <a:spAutoFit/>
-          </a:bodyPr>
-          <a:lstStyle/>
-          <a:p>
-            <a:r>
-              <a:rPr kumimoji="1" lang="ja-JP" altLang="en-US" sz="2000" b="1" dirty="0"/>
-              <a:t>結果</a:t>
-            </a:r>
-          </a:p>
-        </p:txBody>
-      </p:sp>
-      <p:sp>
-        <p:nvSpPr>
-          <p:cNvPr id="19" name="正方形/長方形 18">
-            <a:extLst>
-              <a:ext uri="{FF2B5EF4-FFF2-40B4-BE49-F238E27FC236}">
-                <a16:creationId xmlns:a16="http://schemas.microsoft.com/office/drawing/2014/main" id="{6AC95AC7-3FB1-4C50-A376-C3CEF28D5146}"/>
-              </a:ext>
-            </a:extLst>
-          </p:cNvPr>
-          <p:cNvSpPr/>
-          <p:nvPr/>
-        </p:nvSpPr>
-        <p:spPr>
-          <a:xfrm>
-            <a:off x="4289068" y="5609767"/>
-            <a:ext cx="3594881" cy="400110"/>
-          </a:xfrm>
-          <a:prstGeom prst="rect">
-            <a:avLst/>
-          </a:prstGeom>
-          <a:solidFill>
-            <a:schemeClr val="accent1">
-              <a:lumMod val="20000"/>
-              <a:lumOff val="80000"/>
-            </a:schemeClr>
-          </a:solidFill>
-        </p:spPr>
-        <p:txBody>
-          <a:bodyPr wrap="square">
-            <a:spAutoFit/>
-          </a:bodyPr>
-          <a:lstStyle/>
-          <a:p>
-            <a:r>
-              <a:rPr lang="en-US" altLang="ja-JP" sz="2000" dirty="0"/>
-              <a:t>2</a:t>
-            </a:r>
-            <a:endParaRPr lang="ja-JP" altLang="en-US" sz="2000" dirty="0"/>
-          </a:p>
-        </p:txBody>
-      </p:sp>
-      <p:sp>
-        <p:nvSpPr>
-          <p:cNvPr id="20" name="テキスト ボックス 19">
-            <a:extLst>
-              <a:ext uri="{FF2B5EF4-FFF2-40B4-BE49-F238E27FC236}">
-                <a16:creationId xmlns:a16="http://schemas.microsoft.com/office/drawing/2014/main" id="{A426815C-19CB-49A3-BAF3-48AC6EA55BE3}"/>
-              </a:ext>
-            </a:extLst>
-          </p:cNvPr>
-          <p:cNvSpPr txBox="1"/>
-          <p:nvPr/>
-        </p:nvSpPr>
-        <p:spPr>
-          <a:xfrm>
-            <a:off x="8227898" y="5280854"/>
-            <a:ext cx="3734713" cy="400110"/>
-          </a:xfrm>
-          <a:prstGeom prst="rect">
-            <a:avLst/>
-          </a:prstGeom>
-          <a:noFill/>
-        </p:spPr>
-        <p:txBody>
-          <a:bodyPr wrap="square" rtlCol="0">
-            <a:spAutoFit/>
-          </a:bodyPr>
-          <a:lstStyle/>
-          <a:p>
-            <a:r>
-              <a:rPr kumimoji="1" lang="ja-JP" altLang="en-US" sz="2000" b="1" dirty="0"/>
-              <a:t>結果</a:t>
-            </a:r>
-            <a:r>
-              <a:rPr lang="ja-JP" altLang="en-US" sz="2000" b="1" dirty="0"/>
-              <a:t>（エラーが発生）</a:t>
-            </a:r>
-            <a:endParaRPr kumimoji="1" lang="ja-JP" altLang="en-US" sz="2000" b="1" dirty="0"/>
-          </a:p>
-        </p:txBody>
-      </p:sp>
-      <p:sp>
-        <p:nvSpPr>
-          <p:cNvPr id="21" name="正方形/長方形 20">
-            <a:extLst>
-              <a:ext uri="{FF2B5EF4-FFF2-40B4-BE49-F238E27FC236}">
-                <a16:creationId xmlns:a16="http://schemas.microsoft.com/office/drawing/2014/main" id="{893A38D1-B12F-4C7D-AB20-E8CFE2C59C5B}"/>
-              </a:ext>
-            </a:extLst>
-          </p:cNvPr>
-          <p:cNvSpPr/>
-          <p:nvPr/>
-        </p:nvSpPr>
-        <p:spPr>
-          <a:xfrm>
-            <a:off x="8260891" y="5674292"/>
-            <a:ext cx="3668725" cy="338554"/>
-          </a:xfrm>
-          <a:prstGeom prst="rect">
-            <a:avLst/>
-          </a:prstGeom>
-          <a:solidFill>
-            <a:schemeClr val="accent1">
-              <a:lumMod val="20000"/>
-              <a:lumOff val="80000"/>
-            </a:schemeClr>
-          </a:solidFill>
-        </p:spPr>
-        <p:txBody>
-          <a:bodyPr wrap="square">
-            <a:spAutoFit/>
-          </a:bodyPr>
-          <a:lstStyle/>
-          <a:p>
-            <a:r>
-              <a:rPr lang="en-US" altLang="ja-JP" sz="1600" dirty="0"/>
-              <a:t>'Circles' object has no attribute '</a:t>
-            </a:r>
-            <a:r>
-              <a:rPr lang="en-US" altLang="ja-JP" sz="1600" dirty="0" err="1"/>
-              <a:t>hoge</a:t>
-            </a:r>
-            <a:r>
-              <a:rPr lang="en-US" altLang="ja-JP" sz="1600" dirty="0"/>
-              <a:t>'</a:t>
-            </a:r>
-            <a:endParaRPr lang="ja-JP" altLang="en-US" dirty="0"/>
-          </a:p>
-        </p:txBody>
-      </p:sp>
-      <p:sp>
-        <p:nvSpPr>
-          <p:cNvPr id="12" name="フレーム 11">
-            <a:extLst>
-              <a:ext uri="{FF2B5EF4-FFF2-40B4-BE49-F238E27FC236}">
-                <a16:creationId xmlns:a16="http://schemas.microsoft.com/office/drawing/2014/main" id="{2409B387-F9FF-4505-A00F-606C9E0FC796}"/>
-              </a:ext>
-            </a:extLst>
-          </p:cNvPr>
-          <p:cNvSpPr/>
-          <p:nvPr/>
-        </p:nvSpPr>
-        <p:spPr>
-          <a:xfrm>
-            <a:off x="8234051" y="4751014"/>
-            <a:ext cx="2333396" cy="473188"/>
-          </a:xfrm>
-          <a:prstGeom prst="frame">
-            <a:avLst/>
-          </a:prstGeom>
-          <a:solidFill>
-            <a:srgbClr val="FF0000"/>
-          </a:solidFill>
-          <a:ln>
-            <a:solidFill>
-              <a:srgbClr val="C00000"/>
-            </a:solidFill>
-          </a:ln>
         </p:spPr>
         <p:style>
           <a:lnRef idx="2">
@@ -11120,20 +10881,102 @@
           <a:lstStyle/>
           <a:p>
             <a:pPr algn="ctr"/>
-            <a:endParaRPr kumimoji="1" lang="ja-JP" altLang="en-US">
-              <a:solidFill>
-                <a:schemeClr val="tx1"/>
-              </a:solidFill>
-            </a:endParaRPr>
-          </a:p>
-        </p:txBody>
-      </p:sp>
-      <p:sp>
-        <p:nvSpPr>
-          <p:cNvPr id="22" name="フレーム 21">
-            <a:extLst>
-              <a:ext uri="{FF2B5EF4-FFF2-40B4-BE49-F238E27FC236}">
-                <a16:creationId xmlns:a16="http://schemas.microsoft.com/office/drawing/2014/main" id="{6529721A-AF94-4D43-8791-AB5430963FA3}"/>
+            <a:endParaRPr kumimoji="1" lang="ja-JP" altLang="en-US" dirty="0"/>
+          </a:p>
+        </p:txBody>
+      </p:sp>
+      <p:cxnSp>
+        <p:nvCxnSpPr>
+          <p:cNvPr id="21" name="直線矢印コネクタ 20">
+            <a:extLst>
+              <a:ext uri="{FF2B5EF4-FFF2-40B4-BE49-F238E27FC236}">
+                <a16:creationId xmlns:a16="http://schemas.microsoft.com/office/drawing/2014/main" id="{9F3B39AE-A75E-428F-87DB-69B3B450B091}"/>
+              </a:ext>
+            </a:extLst>
+          </p:cNvPr>
+          <p:cNvCxnSpPr>
+            <a:stCxn id="20" idx="3"/>
+            <a:endCxn id="20" idx="7"/>
+          </p:cNvCxnSpPr>
+          <p:nvPr/>
+        </p:nvCxnSpPr>
+        <p:spPr>
+          <a:xfrm flipV="1">
+            <a:off x="2524781" y="4864890"/>
+            <a:ext cx="1222145" cy="1156873"/>
+          </a:xfrm>
+          <a:prstGeom prst="straightConnector1">
+            <a:avLst/>
+          </a:prstGeom>
+          <a:ln w="57150">
+            <a:solidFill>
+              <a:schemeClr val="tx1"/>
+            </a:solidFill>
+            <a:headEnd type="triangle"/>
+            <a:tailEnd type="triangle"/>
+          </a:ln>
+        </p:spPr>
+        <p:style>
+          <a:lnRef idx="1">
+            <a:schemeClr val="accent1"/>
+          </a:lnRef>
+          <a:fillRef idx="0">
+            <a:schemeClr val="accent1"/>
+          </a:fillRef>
+          <a:effectRef idx="0">
+            <a:schemeClr val="accent1"/>
+          </a:effectRef>
+          <a:fontRef idx="minor">
+            <a:schemeClr val="tx1"/>
+          </a:fontRef>
+        </p:style>
+      </p:cxnSp>
+      <p:sp>
+        <p:nvSpPr>
+          <p:cNvPr id="22" name="テキスト ボックス 21">
+            <a:extLst>
+              <a:ext uri="{FF2B5EF4-FFF2-40B4-BE49-F238E27FC236}">
+                <a16:creationId xmlns:a16="http://schemas.microsoft.com/office/drawing/2014/main" id="{BCF8646B-0411-4DFD-991B-518612507CE0}"/>
+              </a:ext>
+            </a:extLst>
+          </p:cNvPr>
+          <p:cNvSpPr txBox="1"/>
+          <p:nvPr/>
+        </p:nvSpPr>
+        <p:spPr>
+          <a:xfrm rot="18920528">
+            <a:off x="2570150" y="5001820"/>
+            <a:ext cx="1008863" cy="400110"/>
+          </a:xfrm>
+          <a:prstGeom prst="rect">
+            <a:avLst/>
+          </a:prstGeom>
+          <a:noFill/>
+        </p:spPr>
+        <p:txBody>
+          <a:bodyPr wrap="square" rtlCol="0">
+            <a:spAutoFit/>
+          </a:bodyPr>
+          <a:lstStyle/>
+          <a:p>
+            <a:r>
+              <a:rPr kumimoji="1" lang="ja-JP" altLang="en-US" sz="2000" b="1" dirty="0"/>
+              <a:t>半径</a:t>
+            </a:r>
+            <a:r>
+              <a:rPr kumimoji="1" lang="en-US" altLang="ja-JP" sz="2000" b="1" dirty="0"/>
+              <a:t>r</a:t>
+            </a:r>
+            <a:endParaRPr kumimoji="1" lang="ja-JP" altLang="en-US" sz="2000" b="1" dirty="0"/>
+          </a:p>
+        </p:txBody>
+      </p:sp>
+      <p:sp>
+        <p:nvSpPr>
+          <p:cNvPr id="23" name="フレーム 22">
+            <a:extLst>
+              <a:ext uri="{FF2B5EF4-FFF2-40B4-BE49-F238E27FC236}">
+                <a16:creationId xmlns:a16="http://schemas.microsoft.com/office/drawing/2014/main" id="{5E216E71-5A1E-4595-941F-9E5BDD463F13}"/>
               </a:ext>
             </a:extLst>
           </p:cNvPr>
@@ -11142,20 +10985,14 @@
         </p:nvSpPr>
         <p:spPr>
           <a:xfrm>
-            <a:off x="4289066" y="4756602"/>
-            <a:ext cx="2413391" cy="473188"/>
+            <a:off x="6000427" y="2535492"/>
+            <a:ext cx="5753619" cy="3068651"/>
           </a:xfrm>
           <a:prstGeom prst="frame">
-            <a:avLst/>
+            <a:avLst>
+              <a:gd name="adj1" fmla="val 4206"/>
+            </a:avLst>
           </a:prstGeom>
-          <a:solidFill>
-            <a:srgbClr val="FF0000"/>
-          </a:solidFill>
-          <a:ln>
-            <a:solidFill>
-              <a:srgbClr val="C00000"/>
-            </a:solidFill>
-          </a:ln>
         </p:spPr>
         <p:style>
           <a:lnRef idx="2">
@@ -11186,117 +11023,10 @@
           </a:p>
         </p:txBody>
       </p:sp>
-      <p:sp>
-        <p:nvSpPr>
-          <p:cNvPr id="23" name="フレーム 22">
-            <a:extLst>
-              <a:ext uri="{FF2B5EF4-FFF2-40B4-BE49-F238E27FC236}">
-                <a16:creationId xmlns:a16="http://schemas.microsoft.com/office/drawing/2014/main" id="{780D64E1-8EC6-41E7-A609-FF3C286E29AE}"/>
-              </a:ext>
-            </a:extLst>
-          </p:cNvPr>
-          <p:cNvSpPr/>
-          <p:nvPr/>
-        </p:nvSpPr>
-        <p:spPr>
-          <a:xfrm>
-            <a:off x="453666" y="4747897"/>
-            <a:ext cx="2046402" cy="473188"/>
-          </a:xfrm>
-          <a:prstGeom prst="frame">
-            <a:avLst/>
-          </a:prstGeom>
-          <a:solidFill>
-            <a:srgbClr val="FF0000"/>
-          </a:solidFill>
-          <a:ln>
-            <a:solidFill>
-              <a:srgbClr val="C00000"/>
-            </a:solidFill>
-          </a:ln>
-        </p:spPr>
-        <p:style>
-          <a:lnRef idx="2">
-            <a:schemeClr val="accent1">
-              <a:shade val="50000"/>
-            </a:schemeClr>
-          </a:lnRef>
-          <a:fillRef idx="1">
-            <a:schemeClr val="accent1"/>
-          </a:fillRef>
-          <a:effectRef idx="0">
-            <a:schemeClr val="accent1"/>
-          </a:effectRef>
-          <a:fontRef idx="minor">
-            <a:schemeClr val="lt1"/>
-          </a:fontRef>
-        </p:style>
-        <p:txBody>
-          <a:bodyPr rtlCol="0" anchor="ctr"/>
-          <a:lstStyle/>
-          <a:p>
-            <a:pPr algn="ctr"/>
-            <a:endParaRPr kumimoji="1" lang="ja-JP" altLang="en-US">
-              <a:solidFill>
-                <a:schemeClr val="tx1"/>
-              </a:solidFill>
-            </a:endParaRPr>
-          </a:p>
-        </p:txBody>
-      </p:sp>
-      <p:sp>
-        <p:nvSpPr>
-          <p:cNvPr id="24" name="四角形: 角を丸くする 23">
-            <a:extLst>
-              <a:ext uri="{FF2B5EF4-FFF2-40B4-BE49-F238E27FC236}">
-                <a16:creationId xmlns:a16="http://schemas.microsoft.com/office/drawing/2014/main" id="{CAC996EF-6527-4A7D-B58E-8594D788900F}"/>
-              </a:ext>
-            </a:extLst>
-          </p:cNvPr>
-          <p:cNvSpPr/>
-          <p:nvPr/>
-        </p:nvSpPr>
-        <p:spPr>
-          <a:xfrm>
-            <a:off x="1835333" y="6192676"/>
-            <a:ext cx="4907466" cy="546506"/>
-          </a:xfrm>
-          <a:prstGeom prst="roundRect">
-            <a:avLst/>
-          </a:prstGeom>
-        </p:spPr>
-        <p:style>
-          <a:lnRef idx="2">
-            <a:schemeClr val="accent1">
-              <a:shade val="50000"/>
-            </a:schemeClr>
-          </a:lnRef>
-          <a:fillRef idx="1">
-            <a:schemeClr val="accent1"/>
-          </a:fillRef>
-          <a:effectRef idx="0">
-            <a:schemeClr val="accent1"/>
-          </a:effectRef>
-          <a:fontRef idx="minor">
-            <a:schemeClr val="lt1"/>
-          </a:fontRef>
-        </p:style>
-        <p:txBody>
-          <a:bodyPr rtlCol="0" anchor="ctr"/>
-          <a:lstStyle/>
-          <a:p>
-            <a:pPr algn="ctr"/>
-            <a:r>
-              <a:rPr kumimoji="1" lang="ja-JP" altLang="en-US" sz="2400" dirty="0"/>
-              <a:t>変数の種類によって特徴が違う </a:t>
-            </a:r>
-          </a:p>
-        </p:txBody>
-      </p:sp>
     </p:spTree>
     <p:extLst>
       <p:ext uri="{BB962C8B-B14F-4D97-AF65-F5344CB8AC3E}">
-        <p14:creationId xmlns:p14="http://schemas.microsoft.com/office/powerpoint/2010/main" val="1657693475"/>
+        <p14:creationId xmlns:p14="http://schemas.microsoft.com/office/powerpoint/2010/main" val="812960512"/>
       </p:ext>
     </p:extLst>
   </p:cSld>
@@ -11954,7 +11684,7 @@
           <p:cNvPr id="2" name="タイトル 1">
             <a:extLst>
               <a:ext uri="{FF2B5EF4-FFF2-40B4-BE49-F238E27FC236}">
-                <a16:creationId xmlns:a16="http://schemas.microsoft.com/office/drawing/2014/main" id="{F11D8D80-6D97-4065-8AA7-46B31507CD76}"/>
+                <a16:creationId xmlns:a16="http://schemas.microsoft.com/office/drawing/2014/main" id="{4E196C5B-CBAA-4B6E-BB68-CF8CE09AC668}"/>
               </a:ext>
             </a:extLst>
           </p:cNvPr>
@@ -11972,7 +11702,7 @@
           <a:p>
             <a:r>
               <a:rPr kumimoji="1" lang="ja-JP" altLang="en-US" dirty="0"/>
-              <a:t>練習問題</a:t>
+              <a:t>クラス変数、インスタンス変数</a:t>
             </a:r>
           </a:p>
         </p:txBody>
@@ -11982,7 +11712,7 @@
           <p:cNvPr id="3" name="コンテンツ プレースホルダー 2">
             <a:extLst>
               <a:ext uri="{FF2B5EF4-FFF2-40B4-BE49-F238E27FC236}">
-                <a16:creationId xmlns:a16="http://schemas.microsoft.com/office/drawing/2014/main" id="{6E83333B-49FA-4A50-8D32-E580AE89A1C0}"/>
+                <a16:creationId xmlns:a16="http://schemas.microsoft.com/office/drawing/2014/main" id="{030E4A60-88DD-4F37-823D-FB3521813E02}"/>
               </a:ext>
             </a:extLst>
           </p:cNvPr>
@@ -11995,8 +11725,8 @@
         </p:nvSpPr>
         <p:spPr>
           <a:xfrm>
-            <a:off x="449215" y="1183596"/>
-            <a:ext cx="11518196" cy="5674404"/>
+            <a:off x="430359" y="1118480"/>
+            <a:ext cx="11598241" cy="726691"/>
           </a:xfrm>
         </p:spPr>
         <p:txBody>
@@ -12006,182 +11736,10 @@
           <a:lstStyle/>
           <a:p>
             <a:r>
-              <a:rPr kumimoji="1" lang="ja-JP" altLang="en-US" dirty="0"/>
-              <a:t>クラス</a:t>
-            </a:r>
-            <a:r>
-              <a:rPr kumimoji="1" lang="en-US" altLang="ja-JP" dirty="0"/>
-              <a:t>Triangle</a:t>
-            </a:r>
-            <a:r>
-              <a:rPr kumimoji="1" lang="ja-JP" altLang="en-US" dirty="0"/>
-              <a:t>を作成</a:t>
-            </a:r>
-            <a:endParaRPr lang="en-US" altLang="ja-JP" dirty="0"/>
-          </a:p>
-          <a:p>
-            <a:r>
-              <a:rPr kumimoji="1" lang="en-US" altLang="ja-JP" dirty="0"/>
-              <a:t>Triangle</a:t>
-            </a:r>
-            <a:r>
-              <a:rPr kumimoji="1" lang="ja-JP" altLang="en-US" dirty="0"/>
-              <a:t>内に三角形の面積を求めるメソッドを作成</a:t>
-            </a:r>
-            <a:endParaRPr kumimoji="1" lang="en-US" altLang="ja-JP" dirty="0"/>
-          </a:p>
-          <a:p>
-            <a:r>
               <a:rPr lang="ja-JP" altLang="en-US" dirty="0"/>
-              <a:t>底辺 </a:t>
-            </a:r>
-            <a:r>
-              <a:rPr lang="en-US" altLang="ja-JP" dirty="0"/>
-              <a:t>= 6</a:t>
-            </a:r>
-            <a:r>
-              <a:rPr lang="ja-JP" altLang="en-US" dirty="0" err="1"/>
-              <a:t>、</a:t>
-            </a:r>
-            <a:r>
-              <a:rPr lang="ja-JP" altLang="en-US" dirty="0"/>
-              <a:t>高さ </a:t>
-            </a:r>
-            <a:r>
-              <a:rPr lang="en-US" altLang="ja-JP" dirty="0"/>
-              <a:t>= 10 </a:t>
-            </a:r>
-            <a:r>
-              <a:rPr lang="ja-JP" altLang="en-US" dirty="0"/>
-              <a:t>の三角形</a:t>
-            </a:r>
-            <a:r>
-              <a:rPr lang="en-US" altLang="ja-JP" dirty="0"/>
-              <a:t>triangle1</a:t>
-            </a:r>
-          </a:p>
-          <a:p>
-            <a:r>
-              <a:rPr kumimoji="1" lang="ja-JP" altLang="en-US" dirty="0"/>
-              <a:t>底辺 </a:t>
-            </a:r>
-            <a:r>
-              <a:rPr kumimoji="1" lang="en-US" altLang="ja-JP" dirty="0"/>
-              <a:t>= 2</a:t>
-            </a:r>
-            <a:r>
-              <a:rPr kumimoji="1" lang="ja-JP" altLang="en-US" dirty="0" err="1"/>
-              <a:t>、</a:t>
-            </a:r>
-            <a:r>
-              <a:rPr kumimoji="1" lang="ja-JP" altLang="en-US" dirty="0"/>
-              <a:t>高さ </a:t>
-            </a:r>
-            <a:r>
-              <a:rPr kumimoji="1" lang="en-US" altLang="ja-JP" dirty="0"/>
-              <a:t>= 5 </a:t>
-            </a:r>
-            <a:r>
-              <a:rPr kumimoji="1" lang="ja-JP" altLang="en-US" dirty="0"/>
-              <a:t>の三角形</a:t>
-            </a:r>
-            <a:r>
-              <a:rPr kumimoji="1" lang="en-US" altLang="ja-JP" dirty="0"/>
-              <a:t>triangle2</a:t>
-            </a:r>
-            <a:r>
-              <a:rPr kumimoji="1" lang="ja-JP" altLang="en-US" dirty="0"/>
-              <a:t>　　</a:t>
-            </a:r>
-            <a:r>
-              <a:rPr lang="ja-JP" altLang="en-US" dirty="0"/>
-              <a:t>を作成</a:t>
-            </a:r>
-            <a:endParaRPr lang="en-US" altLang="ja-JP" dirty="0"/>
-          </a:p>
-          <a:p>
-            <a:r>
-              <a:rPr kumimoji="1" lang="en-US" altLang="ja-JP" dirty="0" err="1"/>
-              <a:t>learn_python</a:t>
-            </a:r>
-            <a:r>
-              <a:rPr kumimoji="1" lang="en-US" altLang="ja-JP" dirty="0"/>
-              <a:t>/</a:t>
-            </a:r>
-            <a:r>
-              <a:rPr kumimoji="1" lang="en-US" altLang="ja-JP" dirty="0" err="1"/>
-              <a:t>kadai</a:t>
-            </a:r>
-            <a:r>
-              <a:rPr lang="en-US" altLang="ja-JP" dirty="0"/>
-              <a:t>/day3</a:t>
-            </a:r>
-            <a:r>
-              <a:rPr lang="ja-JP" altLang="en-US" dirty="0"/>
-              <a:t>内に</a:t>
-            </a:r>
-            <a:r>
-              <a:rPr lang="en-US" altLang="ja-JP" dirty="0"/>
-              <a:t>【2019/12/04【</a:t>
-            </a:r>
-            <a:r>
-              <a:rPr lang="ja-JP" altLang="en-US" dirty="0"/>
-              <a:t>自分の名前</a:t>
-            </a:r>
-            <a:r>
-              <a:rPr lang="en-US" altLang="ja-JP" dirty="0"/>
-              <a:t>】.</a:t>
-            </a:r>
-            <a:r>
-              <a:rPr lang="en-US" altLang="ja-JP" dirty="0" err="1"/>
-              <a:t>py</a:t>
-            </a:r>
-            <a:r>
-              <a:rPr lang="en-US" altLang="ja-JP" dirty="0"/>
-              <a:t>】</a:t>
-            </a:r>
-            <a:r>
-              <a:rPr lang="ja-JP" altLang="en-US" dirty="0"/>
-              <a:t>を</a:t>
-            </a:r>
-            <a:endParaRPr lang="en-US" altLang="ja-JP" dirty="0"/>
-          </a:p>
-          <a:p>
-            <a:r>
-              <a:rPr lang="en-US" altLang="ja-JP" dirty="0"/>
-              <a:t>pull request </a:t>
-            </a:r>
-            <a:r>
-              <a:rPr lang="ja-JP" altLang="en-US" dirty="0"/>
-              <a:t>する</a:t>
-            </a:r>
-            <a:endParaRPr lang="en-US" altLang="ja-JP" dirty="0"/>
-          </a:p>
-          <a:p>
-            <a:r>
-              <a:rPr kumimoji="1" lang="en-US" altLang="ja-JP" dirty="0"/>
-              <a:t>pull request</a:t>
-            </a:r>
-            <a:r>
-              <a:rPr kumimoji="1" lang="ja-JP" altLang="en-US" dirty="0"/>
-              <a:t>したら</a:t>
-            </a:r>
-            <a:r>
-              <a:rPr kumimoji="1" lang="en-US" altLang="ja-JP" dirty="0"/>
-              <a:t>issue【2019/12/04 </a:t>
-            </a:r>
-            <a:r>
-              <a:rPr kumimoji="1" lang="ja-JP" altLang="en-US" dirty="0"/>
-              <a:t>課題</a:t>
-            </a:r>
-            <a:r>
-              <a:rPr kumimoji="1" lang="en-US" altLang="ja-JP" dirty="0"/>
-              <a:t>】</a:t>
-            </a:r>
-            <a:r>
-              <a:rPr kumimoji="1" lang="ja-JP" altLang="en-US" dirty="0"/>
-              <a:t>にコメント</a:t>
-            </a:r>
+              <a:t>クラス変数、インスタンス変数、メソッド内の変数の比較</a:t>
+            </a:r>
+            <a:endParaRPr kumimoji="1" lang="ja-JP" altLang="en-US" dirty="0"/>
           </a:p>
         </p:txBody>
       </p:sp>
@@ -12190,7 +11748,7 @@
           <p:cNvPr id="4" name="スライド番号プレースホルダー 3">
             <a:extLst>
               <a:ext uri="{FF2B5EF4-FFF2-40B4-BE49-F238E27FC236}">
-                <a16:creationId xmlns:a16="http://schemas.microsoft.com/office/drawing/2014/main" id="{4FD84D7E-0987-4C58-A59C-1807BBE4C484}"/>
+                <a16:creationId xmlns:a16="http://schemas.microsoft.com/office/drawing/2014/main" id="{1B44C864-EB4D-4BE1-AA7D-2CB4A32AD4CD}"/>
               </a:ext>
             </a:extLst>
           </p:cNvPr>
@@ -12210,6 +11768,1235 @@
               <a:rPr lang="ja-JP" altLang="en-US" smtClean="0"/>
               <a:pPr/>
               <a:t>20</a:t>
+            </a:fld>
+            <a:endParaRPr lang="ja-JP" altLang="en-US" dirty="0"/>
+          </a:p>
+        </p:txBody>
+      </p:sp>
+      <p:sp>
+        <p:nvSpPr>
+          <p:cNvPr id="15" name="正方形/長方形 14">
+            <a:extLst>
+              <a:ext uri="{FF2B5EF4-FFF2-40B4-BE49-F238E27FC236}">
+                <a16:creationId xmlns:a16="http://schemas.microsoft.com/office/drawing/2014/main" id="{22C63586-E6B3-4280-BAD6-0A4A61CE052A}"/>
+              </a:ext>
+            </a:extLst>
+          </p:cNvPr>
+          <p:cNvSpPr/>
+          <p:nvPr/>
+        </p:nvSpPr>
+        <p:spPr>
+          <a:xfrm>
+            <a:off x="430361" y="2310040"/>
+            <a:ext cx="3594882" cy="2862322"/>
+          </a:xfrm>
+          <a:prstGeom prst="rect">
+            <a:avLst/>
+          </a:prstGeom>
+          <a:solidFill>
+            <a:schemeClr val="accent1">
+              <a:lumMod val="20000"/>
+              <a:lumOff val="80000"/>
+            </a:schemeClr>
+          </a:solidFill>
+        </p:spPr>
+        <p:txBody>
+          <a:bodyPr wrap="square">
+            <a:spAutoFit/>
+          </a:bodyPr>
+          <a:lstStyle/>
+          <a:p>
+            <a:r>
+              <a:rPr lang="en-US" altLang="ja-JP" sz="2000" dirty="0"/>
+              <a:t>class Circles:</a:t>
+            </a:r>
+          </a:p>
+          <a:p>
+            <a:r>
+              <a:rPr lang="en-US" altLang="ja-JP" sz="2000" dirty="0"/>
+              <a:t>pi = 3.141592653589793</a:t>
+            </a:r>
+          </a:p>
+          <a:p>
+            <a:r>
+              <a:rPr lang="en-US" altLang="ja-JP" sz="2000" dirty="0"/>
+              <a:t>    </a:t>
+            </a:r>
+          </a:p>
+          <a:p>
+            <a:r>
+              <a:rPr lang="en-US" altLang="ja-JP" sz="2000" dirty="0"/>
+              <a:t>def __</a:t>
+            </a:r>
+            <a:r>
+              <a:rPr lang="en-US" altLang="ja-JP" sz="2000" dirty="0" err="1"/>
+              <a:t>init</a:t>
+            </a:r>
+            <a:r>
+              <a:rPr lang="en-US" altLang="ja-JP" sz="2000" dirty="0"/>
+              <a:t>__(self, r):</a:t>
+            </a:r>
+          </a:p>
+          <a:p>
+            <a:r>
+              <a:rPr lang="en-US" altLang="ja-JP" sz="2000" dirty="0"/>
+              <a:t>        </a:t>
+            </a:r>
+            <a:r>
+              <a:rPr lang="en-US" altLang="ja-JP" sz="2000" dirty="0" err="1"/>
+              <a:t>self.radius</a:t>
+            </a:r>
+            <a:r>
+              <a:rPr lang="en-US" altLang="ja-JP" sz="2000" dirty="0"/>
+              <a:t> = r</a:t>
+            </a:r>
+          </a:p>
+          <a:p>
+            <a:r>
+              <a:rPr lang="en-US" altLang="ja-JP" sz="2000" dirty="0"/>
+              <a:t>        </a:t>
+            </a:r>
+            <a:r>
+              <a:rPr lang="en-US" altLang="ja-JP" sz="2000" dirty="0" err="1"/>
+              <a:t>hoge</a:t>
+            </a:r>
+            <a:r>
+              <a:rPr lang="en-US" altLang="ja-JP" sz="2000" dirty="0"/>
+              <a:t> = 1</a:t>
+            </a:r>
+          </a:p>
+          <a:p>
+            <a:endParaRPr lang="en-US" altLang="ja-JP" sz="2000" dirty="0"/>
+          </a:p>
+          <a:p>
+            <a:r>
+              <a:rPr lang="fr-FR" altLang="ja-JP" sz="2000" dirty="0"/>
+              <a:t>circle_a = Circles(2)</a:t>
+            </a:r>
+          </a:p>
+          <a:p>
+            <a:r>
+              <a:rPr lang="fr-FR" altLang="ja-JP" sz="2000" dirty="0"/>
+              <a:t>print(circle_a.pi)</a:t>
+            </a:r>
+          </a:p>
+        </p:txBody>
+      </p:sp>
+      <p:sp>
+        <p:nvSpPr>
+          <p:cNvPr id="8" name="コンテンツ プレースホルダー 4">
+            <a:extLst>
+              <a:ext uri="{FF2B5EF4-FFF2-40B4-BE49-F238E27FC236}">
+                <a16:creationId xmlns:a16="http://schemas.microsoft.com/office/drawing/2014/main" id="{8D79E1A0-FC62-496B-A31A-D33FBCE9E83D}"/>
+              </a:ext>
+            </a:extLst>
+          </p:cNvPr>
+          <p:cNvSpPr>
+            <a:spLocks noGrp="1"/>
+          </p:cNvSpPr>
+          <p:nvPr>
+            <p:ph sz="quarter" idx="13"/>
+          </p:nvPr>
+        </p:nvSpPr>
+        <p:spPr>
+          <a:xfrm>
+            <a:off x="7852528" y="6494710"/>
+            <a:ext cx="4335385" cy="365125"/>
+          </a:xfrm>
+        </p:spPr>
+        <p:txBody>
+          <a:bodyPr>
+            <a:normAutofit fontScale="92500"/>
+          </a:bodyPr>
+          <a:lstStyle/>
+          <a:p>
+            <a:r>
+              <a:rPr lang="en-US" altLang="ja-JP" dirty="0">
+                <a:hlinkClick r:id="rId2"/>
+              </a:rPr>
+              <a:t>https://python.atelierkobato.com/instance/</a:t>
+            </a:r>
+            <a:endParaRPr kumimoji="1" lang="ja-JP" altLang="en-US" dirty="0"/>
+          </a:p>
+        </p:txBody>
+      </p:sp>
+      <p:sp>
+        <p:nvSpPr>
+          <p:cNvPr id="10" name="正方形/長方形 9">
+            <a:extLst>
+              <a:ext uri="{FF2B5EF4-FFF2-40B4-BE49-F238E27FC236}">
+                <a16:creationId xmlns:a16="http://schemas.microsoft.com/office/drawing/2014/main" id="{A72AA448-A79D-4F8E-969F-7439A078BE38}"/>
+              </a:ext>
+            </a:extLst>
+          </p:cNvPr>
+          <p:cNvSpPr/>
+          <p:nvPr/>
+        </p:nvSpPr>
+        <p:spPr>
+          <a:xfrm>
+            <a:off x="4289067" y="2310040"/>
+            <a:ext cx="3594882" cy="2862322"/>
+          </a:xfrm>
+          <a:prstGeom prst="rect">
+            <a:avLst/>
+          </a:prstGeom>
+          <a:solidFill>
+            <a:schemeClr val="accent1">
+              <a:lumMod val="20000"/>
+              <a:lumOff val="80000"/>
+            </a:schemeClr>
+          </a:solidFill>
+        </p:spPr>
+        <p:txBody>
+          <a:bodyPr wrap="square">
+            <a:spAutoFit/>
+          </a:bodyPr>
+          <a:lstStyle/>
+          <a:p>
+            <a:r>
+              <a:rPr lang="en-US" altLang="ja-JP" sz="2000" dirty="0"/>
+              <a:t>class Circles:</a:t>
+            </a:r>
+          </a:p>
+          <a:p>
+            <a:r>
+              <a:rPr lang="en-US" altLang="ja-JP" sz="2000" dirty="0"/>
+              <a:t>pi = 3.141592653589793</a:t>
+            </a:r>
+          </a:p>
+          <a:p>
+            <a:r>
+              <a:rPr lang="en-US" altLang="ja-JP" sz="2000" dirty="0"/>
+              <a:t>    </a:t>
+            </a:r>
+          </a:p>
+          <a:p>
+            <a:r>
+              <a:rPr lang="en-US" altLang="ja-JP" sz="2000" dirty="0"/>
+              <a:t>def __</a:t>
+            </a:r>
+            <a:r>
+              <a:rPr lang="en-US" altLang="ja-JP" sz="2000" dirty="0" err="1"/>
+              <a:t>init</a:t>
+            </a:r>
+            <a:r>
+              <a:rPr lang="en-US" altLang="ja-JP" sz="2000" dirty="0"/>
+              <a:t>__(self, r):</a:t>
+            </a:r>
+          </a:p>
+          <a:p>
+            <a:r>
+              <a:rPr lang="en-US" altLang="ja-JP" sz="2000" dirty="0"/>
+              <a:t>        </a:t>
+            </a:r>
+            <a:r>
+              <a:rPr lang="en-US" altLang="ja-JP" sz="2000" dirty="0" err="1"/>
+              <a:t>self.radius</a:t>
+            </a:r>
+            <a:r>
+              <a:rPr lang="en-US" altLang="ja-JP" sz="2000" dirty="0"/>
+              <a:t> = r</a:t>
+            </a:r>
+          </a:p>
+          <a:p>
+            <a:r>
+              <a:rPr lang="en-US" altLang="ja-JP" sz="2000" dirty="0"/>
+              <a:t>        </a:t>
+            </a:r>
+            <a:r>
+              <a:rPr lang="en-US" altLang="ja-JP" sz="2000" dirty="0" err="1"/>
+              <a:t>hoge</a:t>
+            </a:r>
+            <a:r>
+              <a:rPr lang="en-US" altLang="ja-JP" sz="2000" dirty="0"/>
+              <a:t> = 1</a:t>
+            </a:r>
+          </a:p>
+          <a:p>
+            <a:endParaRPr lang="en-US" altLang="ja-JP" sz="2000" dirty="0"/>
+          </a:p>
+          <a:p>
+            <a:r>
+              <a:rPr lang="fr-FR" altLang="ja-JP" sz="2000" dirty="0"/>
+              <a:t>circle_a = Circles(2)</a:t>
+            </a:r>
+          </a:p>
+          <a:p>
+            <a:r>
+              <a:rPr lang="fr-FR" altLang="ja-JP" sz="2000" dirty="0"/>
+              <a:t>print(circle_a.radius)</a:t>
+            </a:r>
+          </a:p>
+        </p:txBody>
+      </p:sp>
+      <p:sp>
+        <p:nvSpPr>
+          <p:cNvPr id="11" name="正方形/長方形 10">
+            <a:extLst>
+              <a:ext uri="{FF2B5EF4-FFF2-40B4-BE49-F238E27FC236}">
+                <a16:creationId xmlns:a16="http://schemas.microsoft.com/office/drawing/2014/main" id="{A218DE9B-4EC4-445C-BC0C-76E889C1DE10}"/>
+              </a:ext>
+            </a:extLst>
+          </p:cNvPr>
+          <p:cNvSpPr/>
+          <p:nvPr/>
+        </p:nvSpPr>
+        <p:spPr>
+          <a:xfrm>
+            <a:off x="8227899" y="2296143"/>
+            <a:ext cx="3594882" cy="2862322"/>
+          </a:xfrm>
+          <a:prstGeom prst="rect">
+            <a:avLst/>
+          </a:prstGeom>
+          <a:solidFill>
+            <a:schemeClr val="accent1">
+              <a:lumMod val="20000"/>
+              <a:lumOff val="80000"/>
+            </a:schemeClr>
+          </a:solidFill>
+        </p:spPr>
+        <p:txBody>
+          <a:bodyPr wrap="square">
+            <a:spAutoFit/>
+          </a:bodyPr>
+          <a:lstStyle/>
+          <a:p>
+            <a:r>
+              <a:rPr lang="en-US" altLang="ja-JP" sz="2000" dirty="0"/>
+              <a:t>class Circles:</a:t>
+            </a:r>
+          </a:p>
+          <a:p>
+            <a:r>
+              <a:rPr lang="en-US" altLang="ja-JP" sz="2000" dirty="0"/>
+              <a:t>pi = 3.141592653589793</a:t>
+            </a:r>
+          </a:p>
+          <a:p>
+            <a:r>
+              <a:rPr lang="en-US" altLang="ja-JP" sz="2000" dirty="0"/>
+              <a:t>    </a:t>
+            </a:r>
+          </a:p>
+          <a:p>
+            <a:r>
+              <a:rPr lang="en-US" altLang="ja-JP" sz="2000" dirty="0"/>
+              <a:t>def __</a:t>
+            </a:r>
+            <a:r>
+              <a:rPr lang="en-US" altLang="ja-JP" sz="2000" dirty="0" err="1"/>
+              <a:t>init</a:t>
+            </a:r>
+            <a:r>
+              <a:rPr lang="en-US" altLang="ja-JP" sz="2000" dirty="0"/>
+              <a:t>__(self, r):</a:t>
+            </a:r>
+          </a:p>
+          <a:p>
+            <a:r>
+              <a:rPr lang="en-US" altLang="ja-JP" sz="2000" dirty="0"/>
+              <a:t>        </a:t>
+            </a:r>
+            <a:r>
+              <a:rPr lang="en-US" altLang="ja-JP" sz="2000" dirty="0" err="1"/>
+              <a:t>self.radius</a:t>
+            </a:r>
+            <a:r>
+              <a:rPr lang="en-US" altLang="ja-JP" sz="2000" dirty="0"/>
+              <a:t> = r</a:t>
+            </a:r>
+          </a:p>
+          <a:p>
+            <a:r>
+              <a:rPr lang="en-US" altLang="ja-JP" sz="2000" dirty="0"/>
+              <a:t>        </a:t>
+            </a:r>
+            <a:r>
+              <a:rPr lang="en-US" altLang="ja-JP" sz="2000" dirty="0" err="1"/>
+              <a:t>hoge</a:t>
+            </a:r>
+            <a:r>
+              <a:rPr lang="en-US" altLang="ja-JP" sz="2000" dirty="0"/>
+              <a:t> = 1</a:t>
+            </a:r>
+          </a:p>
+          <a:p>
+            <a:endParaRPr lang="en-US" altLang="ja-JP" sz="2000" dirty="0"/>
+          </a:p>
+          <a:p>
+            <a:r>
+              <a:rPr lang="fr-FR" altLang="ja-JP" sz="2000" dirty="0"/>
+              <a:t>circle_a = Circles(2)</a:t>
+            </a:r>
+          </a:p>
+          <a:p>
+            <a:r>
+              <a:rPr lang="fr-FR" altLang="ja-JP" sz="2000" dirty="0"/>
+              <a:t>print(circle_a.hoge)</a:t>
+            </a:r>
+          </a:p>
+        </p:txBody>
+      </p:sp>
+      <p:sp>
+        <p:nvSpPr>
+          <p:cNvPr id="6" name="テキスト ボックス 5">
+            <a:extLst>
+              <a:ext uri="{FF2B5EF4-FFF2-40B4-BE49-F238E27FC236}">
+                <a16:creationId xmlns:a16="http://schemas.microsoft.com/office/drawing/2014/main" id="{F09D1E13-A2D9-490B-A33C-9F57867E4890}"/>
+              </a:ext>
+            </a:extLst>
+          </p:cNvPr>
+          <p:cNvSpPr txBox="1"/>
+          <p:nvPr/>
+        </p:nvSpPr>
+        <p:spPr>
+          <a:xfrm>
+            <a:off x="776053" y="1856425"/>
+            <a:ext cx="2735725" cy="461665"/>
+          </a:xfrm>
+          <a:prstGeom prst="rect">
+            <a:avLst/>
+          </a:prstGeom>
+          <a:noFill/>
+        </p:spPr>
+        <p:txBody>
+          <a:bodyPr wrap="square" rtlCol="0">
+            <a:spAutoFit/>
+          </a:bodyPr>
+          <a:lstStyle/>
+          <a:p>
+            <a:r>
+              <a:rPr lang="ja-JP" altLang="en-US" sz="2400" b="1" dirty="0"/>
+              <a:t>クラス変数の参照</a:t>
+            </a:r>
+          </a:p>
+        </p:txBody>
+      </p:sp>
+      <p:sp>
+        <p:nvSpPr>
+          <p:cNvPr id="13" name="テキスト ボックス 12">
+            <a:extLst>
+              <a:ext uri="{FF2B5EF4-FFF2-40B4-BE49-F238E27FC236}">
+                <a16:creationId xmlns:a16="http://schemas.microsoft.com/office/drawing/2014/main" id="{5DCD49AC-7391-4972-A2E0-E1816D5DCB6D}"/>
+              </a:ext>
+            </a:extLst>
+          </p:cNvPr>
+          <p:cNvSpPr txBox="1"/>
+          <p:nvPr/>
+        </p:nvSpPr>
+        <p:spPr>
+          <a:xfrm>
+            <a:off x="4223080" y="1848080"/>
+            <a:ext cx="3936254" cy="461665"/>
+          </a:xfrm>
+          <a:prstGeom prst="rect">
+            <a:avLst/>
+          </a:prstGeom>
+          <a:noFill/>
+        </p:spPr>
+        <p:txBody>
+          <a:bodyPr wrap="square" rtlCol="0">
+            <a:spAutoFit/>
+          </a:bodyPr>
+          <a:lstStyle/>
+          <a:p>
+            <a:r>
+              <a:rPr lang="ja-JP" altLang="en-US" sz="2400" b="1" dirty="0"/>
+              <a:t>インスタンス変数の参照</a:t>
+            </a:r>
+          </a:p>
+        </p:txBody>
+      </p:sp>
+      <p:sp>
+        <p:nvSpPr>
+          <p:cNvPr id="17" name="テキスト ボックス 16">
+            <a:extLst>
+              <a:ext uri="{FF2B5EF4-FFF2-40B4-BE49-F238E27FC236}">
+                <a16:creationId xmlns:a16="http://schemas.microsoft.com/office/drawing/2014/main" id="{ED217F98-72B8-4C71-8050-BBFAACB8D24A}"/>
+              </a:ext>
+            </a:extLst>
+          </p:cNvPr>
+          <p:cNvSpPr txBox="1"/>
+          <p:nvPr/>
+        </p:nvSpPr>
+        <p:spPr>
+          <a:xfrm>
+            <a:off x="8227898" y="1848375"/>
+            <a:ext cx="3694796" cy="461665"/>
+          </a:xfrm>
+          <a:prstGeom prst="rect">
+            <a:avLst/>
+          </a:prstGeom>
+          <a:noFill/>
+        </p:spPr>
+        <p:txBody>
+          <a:bodyPr wrap="square" rtlCol="0">
+            <a:spAutoFit/>
+          </a:bodyPr>
+          <a:lstStyle/>
+          <a:p>
+            <a:r>
+              <a:rPr lang="ja-JP" altLang="en-US" sz="2400" b="1" dirty="0"/>
+              <a:t>メソッド内の変数の参照</a:t>
+            </a:r>
+          </a:p>
+        </p:txBody>
+      </p:sp>
+      <p:sp>
+        <p:nvSpPr>
+          <p:cNvPr id="7" name="テキスト ボックス 6">
+            <a:extLst>
+              <a:ext uri="{FF2B5EF4-FFF2-40B4-BE49-F238E27FC236}">
+                <a16:creationId xmlns:a16="http://schemas.microsoft.com/office/drawing/2014/main" id="{DABD4151-C8A7-4CDE-8E94-94E473F4D92F}"/>
+              </a:ext>
+            </a:extLst>
+          </p:cNvPr>
+          <p:cNvSpPr txBox="1"/>
+          <p:nvPr/>
+        </p:nvSpPr>
+        <p:spPr>
+          <a:xfrm>
+            <a:off x="364371" y="5302048"/>
+            <a:ext cx="2102178" cy="400110"/>
+          </a:xfrm>
+          <a:prstGeom prst="rect">
+            <a:avLst/>
+          </a:prstGeom>
+          <a:noFill/>
+        </p:spPr>
+        <p:txBody>
+          <a:bodyPr wrap="square" rtlCol="0">
+            <a:spAutoFit/>
+          </a:bodyPr>
+          <a:lstStyle/>
+          <a:p>
+            <a:r>
+              <a:rPr kumimoji="1" lang="ja-JP" altLang="en-US" sz="2000" b="1" dirty="0"/>
+              <a:t>結果</a:t>
+            </a:r>
+          </a:p>
+        </p:txBody>
+      </p:sp>
+      <p:sp>
+        <p:nvSpPr>
+          <p:cNvPr id="9" name="正方形/長方形 8">
+            <a:extLst>
+              <a:ext uri="{FF2B5EF4-FFF2-40B4-BE49-F238E27FC236}">
+                <a16:creationId xmlns:a16="http://schemas.microsoft.com/office/drawing/2014/main" id="{EA60CD71-424A-4267-8216-3B4B5401A0EF}"/>
+              </a:ext>
+            </a:extLst>
+          </p:cNvPr>
+          <p:cNvSpPr/>
+          <p:nvPr/>
+        </p:nvSpPr>
+        <p:spPr>
+          <a:xfrm>
+            <a:off x="430359" y="5643452"/>
+            <a:ext cx="3594881" cy="400110"/>
+          </a:xfrm>
+          <a:prstGeom prst="rect">
+            <a:avLst/>
+          </a:prstGeom>
+          <a:solidFill>
+            <a:schemeClr val="accent1">
+              <a:lumMod val="20000"/>
+              <a:lumOff val="80000"/>
+            </a:schemeClr>
+          </a:solidFill>
+        </p:spPr>
+        <p:txBody>
+          <a:bodyPr wrap="square">
+            <a:spAutoFit/>
+          </a:bodyPr>
+          <a:lstStyle/>
+          <a:p>
+            <a:r>
+              <a:rPr lang="ja-JP" altLang="en-US" sz="2000" dirty="0"/>
+              <a:t>3.141592653589793</a:t>
+            </a:r>
+          </a:p>
+        </p:txBody>
+      </p:sp>
+      <p:sp>
+        <p:nvSpPr>
+          <p:cNvPr id="18" name="テキスト ボックス 17">
+            <a:extLst>
+              <a:ext uri="{FF2B5EF4-FFF2-40B4-BE49-F238E27FC236}">
+                <a16:creationId xmlns:a16="http://schemas.microsoft.com/office/drawing/2014/main" id="{3BAC1C26-90DE-4780-8C49-CC33AF5AF736}"/>
+              </a:ext>
+            </a:extLst>
+          </p:cNvPr>
+          <p:cNvSpPr txBox="1"/>
+          <p:nvPr/>
+        </p:nvSpPr>
+        <p:spPr>
+          <a:xfrm>
+            <a:off x="4223080" y="5268363"/>
+            <a:ext cx="2102178" cy="400110"/>
+          </a:xfrm>
+          <a:prstGeom prst="rect">
+            <a:avLst/>
+          </a:prstGeom>
+          <a:noFill/>
+        </p:spPr>
+        <p:txBody>
+          <a:bodyPr wrap="square" rtlCol="0">
+            <a:spAutoFit/>
+          </a:bodyPr>
+          <a:lstStyle/>
+          <a:p>
+            <a:r>
+              <a:rPr kumimoji="1" lang="ja-JP" altLang="en-US" sz="2000" b="1" dirty="0"/>
+              <a:t>結果</a:t>
+            </a:r>
+          </a:p>
+        </p:txBody>
+      </p:sp>
+      <p:sp>
+        <p:nvSpPr>
+          <p:cNvPr id="19" name="正方形/長方形 18">
+            <a:extLst>
+              <a:ext uri="{FF2B5EF4-FFF2-40B4-BE49-F238E27FC236}">
+                <a16:creationId xmlns:a16="http://schemas.microsoft.com/office/drawing/2014/main" id="{6AC95AC7-3FB1-4C50-A376-C3CEF28D5146}"/>
+              </a:ext>
+            </a:extLst>
+          </p:cNvPr>
+          <p:cNvSpPr/>
+          <p:nvPr/>
+        </p:nvSpPr>
+        <p:spPr>
+          <a:xfrm>
+            <a:off x="4289068" y="5609767"/>
+            <a:ext cx="3594881" cy="400110"/>
+          </a:xfrm>
+          <a:prstGeom prst="rect">
+            <a:avLst/>
+          </a:prstGeom>
+          <a:solidFill>
+            <a:schemeClr val="accent1">
+              <a:lumMod val="20000"/>
+              <a:lumOff val="80000"/>
+            </a:schemeClr>
+          </a:solidFill>
+        </p:spPr>
+        <p:txBody>
+          <a:bodyPr wrap="square">
+            <a:spAutoFit/>
+          </a:bodyPr>
+          <a:lstStyle/>
+          <a:p>
+            <a:r>
+              <a:rPr lang="en-US" altLang="ja-JP" sz="2000" dirty="0"/>
+              <a:t>2</a:t>
+            </a:r>
+            <a:endParaRPr lang="ja-JP" altLang="en-US" sz="2000" dirty="0"/>
+          </a:p>
+        </p:txBody>
+      </p:sp>
+      <p:sp>
+        <p:nvSpPr>
+          <p:cNvPr id="20" name="テキスト ボックス 19">
+            <a:extLst>
+              <a:ext uri="{FF2B5EF4-FFF2-40B4-BE49-F238E27FC236}">
+                <a16:creationId xmlns:a16="http://schemas.microsoft.com/office/drawing/2014/main" id="{A426815C-19CB-49A3-BAF3-48AC6EA55BE3}"/>
+              </a:ext>
+            </a:extLst>
+          </p:cNvPr>
+          <p:cNvSpPr txBox="1"/>
+          <p:nvPr/>
+        </p:nvSpPr>
+        <p:spPr>
+          <a:xfrm>
+            <a:off x="8227898" y="5280854"/>
+            <a:ext cx="3734713" cy="400110"/>
+          </a:xfrm>
+          <a:prstGeom prst="rect">
+            <a:avLst/>
+          </a:prstGeom>
+          <a:noFill/>
+        </p:spPr>
+        <p:txBody>
+          <a:bodyPr wrap="square" rtlCol="0">
+            <a:spAutoFit/>
+          </a:bodyPr>
+          <a:lstStyle/>
+          <a:p>
+            <a:r>
+              <a:rPr kumimoji="1" lang="ja-JP" altLang="en-US" sz="2000" b="1" dirty="0"/>
+              <a:t>結果</a:t>
+            </a:r>
+            <a:r>
+              <a:rPr lang="ja-JP" altLang="en-US" sz="2000" b="1" dirty="0"/>
+              <a:t>（エラーが発生）</a:t>
+            </a:r>
+            <a:endParaRPr kumimoji="1" lang="ja-JP" altLang="en-US" sz="2000" b="1" dirty="0"/>
+          </a:p>
+        </p:txBody>
+      </p:sp>
+      <p:sp>
+        <p:nvSpPr>
+          <p:cNvPr id="21" name="正方形/長方形 20">
+            <a:extLst>
+              <a:ext uri="{FF2B5EF4-FFF2-40B4-BE49-F238E27FC236}">
+                <a16:creationId xmlns:a16="http://schemas.microsoft.com/office/drawing/2014/main" id="{893A38D1-B12F-4C7D-AB20-E8CFE2C59C5B}"/>
+              </a:ext>
+            </a:extLst>
+          </p:cNvPr>
+          <p:cNvSpPr/>
+          <p:nvPr/>
+        </p:nvSpPr>
+        <p:spPr>
+          <a:xfrm>
+            <a:off x="8260891" y="5674292"/>
+            <a:ext cx="3668725" cy="338554"/>
+          </a:xfrm>
+          <a:prstGeom prst="rect">
+            <a:avLst/>
+          </a:prstGeom>
+          <a:solidFill>
+            <a:schemeClr val="accent1">
+              <a:lumMod val="20000"/>
+              <a:lumOff val="80000"/>
+            </a:schemeClr>
+          </a:solidFill>
+        </p:spPr>
+        <p:txBody>
+          <a:bodyPr wrap="square">
+            <a:spAutoFit/>
+          </a:bodyPr>
+          <a:lstStyle/>
+          <a:p>
+            <a:r>
+              <a:rPr lang="en-US" altLang="ja-JP" sz="1600" dirty="0"/>
+              <a:t>'Circles' object has no attribute '</a:t>
+            </a:r>
+            <a:r>
+              <a:rPr lang="en-US" altLang="ja-JP" sz="1600" dirty="0" err="1"/>
+              <a:t>hoge</a:t>
+            </a:r>
+            <a:r>
+              <a:rPr lang="en-US" altLang="ja-JP" sz="1600" dirty="0"/>
+              <a:t>'</a:t>
+            </a:r>
+            <a:endParaRPr lang="ja-JP" altLang="en-US" dirty="0"/>
+          </a:p>
+        </p:txBody>
+      </p:sp>
+      <p:sp>
+        <p:nvSpPr>
+          <p:cNvPr id="12" name="フレーム 11">
+            <a:extLst>
+              <a:ext uri="{FF2B5EF4-FFF2-40B4-BE49-F238E27FC236}">
+                <a16:creationId xmlns:a16="http://schemas.microsoft.com/office/drawing/2014/main" id="{2409B387-F9FF-4505-A00F-606C9E0FC796}"/>
+              </a:ext>
+            </a:extLst>
+          </p:cNvPr>
+          <p:cNvSpPr/>
+          <p:nvPr/>
+        </p:nvSpPr>
+        <p:spPr>
+          <a:xfrm>
+            <a:off x="8234051" y="4751014"/>
+            <a:ext cx="2333396" cy="473188"/>
+          </a:xfrm>
+          <a:prstGeom prst="frame">
+            <a:avLst/>
+          </a:prstGeom>
+          <a:solidFill>
+            <a:srgbClr val="FF0000"/>
+          </a:solidFill>
+          <a:ln>
+            <a:solidFill>
+              <a:srgbClr val="C00000"/>
+            </a:solidFill>
+          </a:ln>
+        </p:spPr>
+        <p:style>
+          <a:lnRef idx="2">
+            <a:schemeClr val="accent1">
+              <a:shade val="50000"/>
+            </a:schemeClr>
+          </a:lnRef>
+          <a:fillRef idx="1">
+            <a:schemeClr val="accent1"/>
+          </a:fillRef>
+          <a:effectRef idx="0">
+            <a:schemeClr val="accent1"/>
+          </a:effectRef>
+          <a:fontRef idx="minor">
+            <a:schemeClr val="lt1"/>
+          </a:fontRef>
+        </p:style>
+        <p:txBody>
+          <a:bodyPr rtlCol="0" anchor="ctr"/>
+          <a:lstStyle/>
+          <a:p>
+            <a:pPr algn="ctr"/>
+            <a:endParaRPr kumimoji="1" lang="ja-JP" altLang="en-US">
+              <a:solidFill>
+                <a:schemeClr val="tx1"/>
+              </a:solidFill>
+            </a:endParaRPr>
+          </a:p>
+        </p:txBody>
+      </p:sp>
+      <p:sp>
+        <p:nvSpPr>
+          <p:cNvPr id="22" name="フレーム 21">
+            <a:extLst>
+              <a:ext uri="{FF2B5EF4-FFF2-40B4-BE49-F238E27FC236}">
+                <a16:creationId xmlns:a16="http://schemas.microsoft.com/office/drawing/2014/main" id="{6529721A-AF94-4D43-8791-AB5430963FA3}"/>
+              </a:ext>
+            </a:extLst>
+          </p:cNvPr>
+          <p:cNvSpPr/>
+          <p:nvPr/>
+        </p:nvSpPr>
+        <p:spPr>
+          <a:xfrm>
+            <a:off x="4289066" y="4756602"/>
+            <a:ext cx="2413391" cy="473188"/>
+          </a:xfrm>
+          <a:prstGeom prst="frame">
+            <a:avLst/>
+          </a:prstGeom>
+          <a:solidFill>
+            <a:srgbClr val="FF0000"/>
+          </a:solidFill>
+          <a:ln>
+            <a:solidFill>
+              <a:srgbClr val="C00000"/>
+            </a:solidFill>
+          </a:ln>
+        </p:spPr>
+        <p:style>
+          <a:lnRef idx="2">
+            <a:schemeClr val="accent1">
+              <a:shade val="50000"/>
+            </a:schemeClr>
+          </a:lnRef>
+          <a:fillRef idx="1">
+            <a:schemeClr val="accent1"/>
+          </a:fillRef>
+          <a:effectRef idx="0">
+            <a:schemeClr val="accent1"/>
+          </a:effectRef>
+          <a:fontRef idx="minor">
+            <a:schemeClr val="lt1"/>
+          </a:fontRef>
+        </p:style>
+        <p:txBody>
+          <a:bodyPr rtlCol="0" anchor="ctr"/>
+          <a:lstStyle/>
+          <a:p>
+            <a:pPr algn="ctr"/>
+            <a:endParaRPr kumimoji="1" lang="ja-JP" altLang="en-US">
+              <a:solidFill>
+                <a:schemeClr val="tx1"/>
+              </a:solidFill>
+            </a:endParaRPr>
+          </a:p>
+        </p:txBody>
+      </p:sp>
+      <p:sp>
+        <p:nvSpPr>
+          <p:cNvPr id="23" name="フレーム 22">
+            <a:extLst>
+              <a:ext uri="{FF2B5EF4-FFF2-40B4-BE49-F238E27FC236}">
+                <a16:creationId xmlns:a16="http://schemas.microsoft.com/office/drawing/2014/main" id="{780D64E1-8EC6-41E7-A609-FF3C286E29AE}"/>
+              </a:ext>
+            </a:extLst>
+          </p:cNvPr>
+          <p:cNvSpPr/>
+          <p:nvPr/>
+        </p:nvSpPr>
+        <p:spPr>
+          <a:xfrm>
+            <a:off x="453666" y="4747897"/>
+            <a:ext cx="2046402" cy="473188"/>
+          </a:xfrm>
+          <a:prstGeom prst="frame">
+            <a:avLst/>
+          </a:prstGeom>
+          <a:solidFill>
+            <a:srgbClr val="FF0000"/>
+          </a:solidFill>
+          <a:ln>
+            <a:solidFill>
+              <a:srgbClr val="C00000"/>
+            </a:solidFill>
+          </a:ln>
+        </p:spPr>
+        <p:style>
+          <a:lnRef idx="2">
+            <a:schemeClr val="accent1">
+              <a:shade val="50000"/>
+            </a:schemeClr>
+          </a:lnRef>
+          <a:fillRef idx="1">
+            <a:schemeClr val="accent1"/>
+          </a:fillRef>
+          <a:effectRef idx="0">
+            <a:schemeClr val="accent1"/>
+          </a:effectRef>
+          <a:fontRef idx="minor">
+            <a:schemeClr val="lt1"/>
+          </a:fontRef>
+        </p:style>
+        <p:txBody>
+          <a:bodyPr rtlCol="0" anchor="ctr"/>
+          <a:lstStyle/>
+          <a:p>
+            <a:pPr algn="ctr"/>
+            <a:endParaRPr kumimoji="1" lang="ja-JP" altLang="en-US">
+              <a:solidFill>
+                <a:schemeClr val="tx1"/>
+              </a:solidFill>
+            </a:endParaRPr>
+          </a:p>
+        </p:txBody>
+      </p:sp>
+      <p:sp>
+        <p:nvSpPr>
+          <p:cNvPr id="24" name="四角形: 角を丸くする 23">
+            <a:extLst>
+              <a:ext uri="{FF2B5EF4-FFF2-40B4-BE49-F238E27FC236}">
+                <a16:creationId xmlns:a16="http://schemas.microsoft.com/office/drawing/2014/main" id="{CAC996EF-6527-4A7D-B58E-8594D788900F}"/>
+              </a:ext>
+            </a:extLst>
+          </p:cNvPr>
+          <p:cNvSpPr/>
+          <p:nvPr/>
+        </p:nvSpPr>
+        <p:spPr>
+          <a:xfrm>
+            <a:off x="1835333" y="6192676"/>
+            <a:ext cx="4907466" cy="546506"/>
+          </a:xfrm>
+          <a:prstGeom prst="roundRect">
+            <a:avLst/>
+          </a:prstGeom>
+        </p:spPr>
+        <p:style>
+          <a:lnRef idx="2">
+            <a:schemeClr val="accent1">
+              <a:shade val="50000"/>
+            </a:schemeClr>
+          </a:lnRef>
+          <a:fillRef idx="1">
+            <a:schemeClr val="accent1"/>
+          </a:fillRef>
+          <a:effectRef idx="0">
+            <a:schemeClr val="accent1"/>
+          </a:effectRef>
+          <a:fontRef idx="minor">
+            <a:schemeClr val="lt1"/>
+          </a:fontRef>
+        </p:style>
+        <p:txBody>
+          <a:bodyPr rtlCol="0" anchor="ctr"/>
+          <a:lstStyle/>
+          <a:p>
+            <a:pPr algn="ctr"/>
+            <a:r>
+              <a:rPr kumimoji="1" lang="ja-JP" altLang="en-US" sz="2400" dirty="0"/>
+              <a:t>変数の種類によって特徴が違う </a:t>
+            </a:r>
+          </a:p>
+        </p:txBody>
+      </p:sp>
+    </p:spTree>
+    <p:extLst>
+      <p:ext uri="{BB962C8B-B14F-4D97-AF65-F5344CB8AC3E}">
+        <p14:creationId xmlns:p14="http://schemas.microsoft.com/office/powerpoint/2010/main" val="1657693475"/>
+      </p:ext>
+    </p:extLst>
+  </p:cSld>
+  <p:clrMapOvr>
+    <a:masterClrMapping/>
+  </p:clrMapOvr>
+</p:sld>
+</file>
+
+<file path=ppt/slides/slide21.xml><?xml version="1.0" encoding="utf-8"?>
+<p:sld xmlns:a="http://schemas.openxmlformats.org/drawingml/2006/main" xmlns:r="http://schemas.openxmlformats.org/officeDocument/2006/relationships" xmlns:p="http://schemas.openxmlformats.org/presentationml/2006/main">
+  <p:cSld>
+    <p:spTree>
+      <p:nvGrpSpPr>
+        <p:cNvPr id="1" name=""/>
+        <p:cNvGrpSpPr/>
+        <p:nvPr/>
+      </p:nvGrpSpPr>
+      <p:grpSpPr>
+        <a:xfrm>
+          <a:off x="0" y="0"/>
+          <a:ext cx="0" cy="0"/>
+          <a:chOff x="0" y="0"/>
+          <a:chExt cx="0" cy="0"/>
+        </a:xfrm>
+      </p:grpSpPr>
+      <p:sp>
+        <p:nvSpPr>
+          <p:cNvPr id="2" name="タイトル 1">
+            <a:extLst>
+              <a:ext uri="{FF2B5EF4-FFF2-40B4-BE49-F238E27FC236}">
+                <a16:creationId xmlns:a16="http://schemas.microsoft.com/office/drawing/2014/main" id="{F11D8D80-6D97-4065-8AA7-46B31507CD76}"/>
+              </a:ext>
+            </a:extLst>
+          </p:cNvPr>
+          <p:cNvSpPr>
+            <a:spLocks noGrp="1"/>
+          </p:cNvSpPr>
+          <p:nvPr>
+            <p:ph type="title"/>
+          </p:nvPr>
+        </p:nvSpPr>
+        <p:spPr/>
+        <p:txBody>
+          <a:bodyPr/>
+          <a:lstStyle/>
+          <a:p>
+            <a:r>
+              <a:rPr kumimoji="1" lang="ja-JP" altLang="en-US" dirty="0"/>
+              <a:t>練習問題</a:t>
+            </a:r>
+          </a:p>
+        </p:txBody>
+      </p:sp>
+      <p:sp>
+        <p:nvSpPr>
+          <p:cNvPr id="3" name="コンテンツ プレースホルダー 2">
+            <a:extLst>
+              <a:ext uri="{FF2B5EF4-FFF2-40B4-BE49-F238E27FC236}">
+                <a16:creationId xmlns:a16="http://schemas.microsoft.com/office/drawing/2014/main" id="{6E83333B-49FA-4A50-8D32-E580AE89A1C0}"/>
+              </a:ext>
+            </a:extLst>
+          </p:cNvPr>
+          <p:cNvSpPr>
+            <a:spLocks noGrp="1"/>
+          </p:cNvSpPr>
+          <p:nvPr>
+            <p:ph idx="1"/>
+          </p:nvPr>
+        </p:nvSpPr>
+        <p:spPr>
+          <a:xfrm>
+            <a:off x="449215" y="1183596"/>
+            <a:ext cx="11518196" cy="5674404"/>
+          </a:xfrm>
+        </p:spPr>
+        <p:txBody>
+          <a:bodyPr>
+            <a:normAutofit/>
+          </a:bodyPr>
+          <a:lstStyle/>
+          <a:p>
+            <a:r>
+              <a:rPr kumimoji="1" lang="ja-JP" altLang="en-US" dirty="0"/>
+              <a:t>クラス</a:t>
+            </a:r>
+            <a:r>
+              <a:rPr kumimoji="1" lang="en-US" altLang="ja-JP" dirty="0"/>
+              <a:t>Triangle</a:t>
+            </a:r>
+            <a:r>
+              <a:rPr kumimoji="1" lang="ja-JP" altLang="en-US" dirty="0"/>
+              <a:t>を作成</a:t>
+            </a:r>
+            <a:endParaRPr lang="en-US" altLang="ja-JP" dirty="0"/>
+          </a:p>
+          <a:p>
+            <a:r>
+              <a:rPr kumimoji="1" lang="en-US" altLang="ja-JP" dirty="0"/>
+              <a:t>Triangle</a:t>
+            </a:r>
+            <a:r>
+              <a:rPr kumimoji="1" lang="ja-JP" altLang="en-US" dirty="0"/>
+              <a:t>内に三角形の面積を求めるメソッドを作成</a:t>
+            </a:r>
+            <a:endParaRPr kumimoji="1" lang="en-US" altLang="ja-JP" dirty="0"/>
+          </a:p>
+          <a:p>
+            <a:r>
+              <a:rPr lang="ja-JP" altLang="en-US" dirty="0"/>
+              <a:t>底辺 </a:t>
+            </a:r>
+            <a:r>
+              <a:rPr lang="en-US" altLang="ja-JP" dirty="0"/>
+              <a:t>= 6</a:t>
+            </a:r>
+            <a:r>
+              <a:rPr lang="ja-JP" altLang="en-US" dirty="0" err="1"/>
+              <a:t>、</a:t>
+            </a:r>
+            <a:r>
+              <a:rPr lang="ja-JP" altLang="en-US" dirty="0"/>
+              <a:t>高さ </a:t>
+            </a:r>
+            <a:r>
+              <a:rPr lang="en-US" altLang="ja-JP" dirty="0"/>
+              <a:t>= 10 </a:t>
+            </a:r>
+            <a:r>
+              <a:rPr lang="ja-JP" altLang="en-US" dirty="0"/>
+              <a:t>の三角形</a:t>
+            </a:r>
+            <a:r>
+              <a:rPr lang="en-US" altLang="ja-JP" dirty="0"/>
+              <a:t>triangle1</a:t>
+            </a:r>
+          </a:p>
+          <a:p>
+            <a:r>
+              <a:rPr kumimoji="1" lang="ja-JP" altLang="en-US" dirty="0"/>
+              <a:t>底辺 </a:t>
+            </a:r>
+            <a:r>
+              <a:rPr kumimoji="1" lang="en-US" altLang="ja-JP" dirty="0"/>
+              <a:t>= 2</a:t>
+            </a:r>
+            <a:r>
+              <a:rPr kumimoji="1" lang="ja-JP" altLang="en-US" dirty="0" err="1"/>
+              <a:t>、</a:t>
+            </a:r>
+            <a:r>
+              <a:rPr kumimoji="1" lang="ja-JP" altLang="en-US" dirty="0"/>
+              <a:t>高さ </a:t>
+            </a:r>
+            <a:r>
+              <a:rPr kumimoji="1" lang="en-US" altLang="ja-JP" dirty="0"/>
+              <a:t>= 5 </a:t>
+            </a:r>
+            <a:r>
+              <a:rPr kumimoji="1" lang="ja-JP" altLang="en-US" dirty="0"/>
+              <a:t>の三角形</a:t>
+            </a:r>
+            <a:r>
+              <a:rPr kumimoji="1" lang="en-US" altLang="ja-JP" dirty="0"/>
+              <a:t>triangle2</a:t>
+            </a:r>
+            <a:r>
+              <a:rPr kumimoji="1" lang="ja-JP" altLang="en-US" dirty="0"/>
+              <a:t>　　</a:t>
+            </a:r>
+            <a:r>
+              <a:rPr lang="ja-JP" altLang="en-US" dirty="0"/>
+              <a:t>を作成</a:t>
+            </a:r>
+            <a:endParaRPr lang="en-US" altLang="ja-JP" dirty="0"/>
+          </a:p>
+          <a:p>
+            <a:r>
+              <a:rPr kumimoji="1" lang="en-US" altLang="ja-JP" dirty="0" err="1"/>
+              <a:t>learn_python</a:t>
+            </a:r>
+            <a:r>
+              <a:rPr kumimoji="1" lang="en-US" altLang="ja-JP" dirty="0"/>
+              <a:t>/</a:t>
+            </a:r>
+            <a:r>
+              <a:rPr kumimoji="1" lang="en-US" altLang="ja-JP" dirty="0" err="1"/>
+              <a:t>kadai</a:t>
+            </a:r>
+            <a:r>
+              <a:rPr lang="en-US" altLang="ja-JP" dirty="0"/>
+              <a:t>/day3</a:t>
+            </a:r>
+            <a:r>
+              <a:rPr lang="ja-JP" altLang="en-US" dirty="0"/>
+              <a:t>内に</a:t>
+            </a:r>
+            <a:r>
+              <a:rPr lang="en-US" altLang="ja-JP" dirty="0"/>
+              <a:t>【2019/12/04【</a:t>
+            </a:r>
+            <a:r>
+              <a:rPr lang="ja-JP" altLang="en-US" dirty="0"/>
+              <a:t>自分の名前</a:t>
+            </a:r>
+            <a:r>
+              <a:rPr lang="en-US" altLang="ja-JP" dirty="0"/>
+              <a:t>】.</a:t>
+            </a:r>
+            <a:r>
+              <a:rPr lang="en-US" altLang="ja-JP" dirty="0" err="1"/>
+              <a:t>py</a:t>
+            </a:r>
+            <a:r>
+              <a:rPr lang="en-US" altLang="ja-JP" dirty="0"/>
+              <a:t>】</a:t>
+            </a:r>
+            <a:r>
+              <a:rPr lang="ja-JP" altLang="en-US" dirty="0"/>
+              <a:t>を</a:t>
+            </a:r>
+            <a:endParaRPr lang="en-US" altLang="ja-JP" dirty="0"/>
+          </a:p>
+          <a:p>
+            <a:r>
+              <a:rPr lang="en-US" altLang="ja-JP" dirty="0"/>
+              <a:t>pull request </a:t>
+            </a:r>
+            <a:r>
+              <a:rPr lang="ja-JP" altLang="en-US" dirty="0"/>
+              <a:t>する</a:t>
+            </a:r>
+            <a:endParaRPr lang="en-US" altLang="ja-JP" dirty="0"/>
+          </a:p>
+          <a:p>
+            <a:r>
+              <a:rPr kumimoji="1" lang="en-US" altLang="ja-JP" dirty="0"/>
+              <a:t>pull request</a:t>
+            </a:r>
+            <a:r>
+              <a:rPr kumimoji="1" lang="ja-JP" altLang="en-US" dirty="0"/>
+              <a:t>したら</a:t>
+            </a:r>
+            <a:r>
+              <a:rPr kumimoji="1" lang="en-US" altLang="ja-JP" dirty="0"/>
+              <a:t>issue【2019/12/04 </a:t>
+            </a:r>
+            <a:r>
+              <a:rPr kumimoji="1" lang="ja-JP" altLang="en-US" dirty="0"/>
+              <a:t>課題</a:t>
+            </a:r>
+            <a:r>
+              <a:rPr kumimoji="1" lang="en-US" altLang="ja-JP" dirty="0"/>
+              <a:t>】</a:t>
+            </a:r>
+            <a:r>
+              <a:rPr kumimoji="1" lang="ja-JP" altLang="en-US" dirty="0"/>
+              <a:t>にコメント</a:t>
+            </a:r>
+          </a:p>
+        </p:txBody>
+      </p:sp>
+      <p:sp>
+        <p:nvSpPr>
+          <p:cNvPr id="4" name="スライド番号プレースホルダー 3">
+            <a:extLst>
+              <a:ext uri="{FF2B5EF4-FFF2-40B4-BE49-F238E27FC236}">
+                <a16:creationId xmlns:a16="http://schemas.microsoft.com/office/drawing/2014/main" id="{4FD84D7E-0987-4C58-A59C-1807BBE4C484}"/>
+              </a:ext>
+            </a:extLst>
+          </p:cNvPr>
+          <p:cNvSpPr>
+            <a:spLocks noGrp="1"/>
+          </p:cNvSpPr>
+          <p:nvPr>
+            <p:ph type="sldNum" sz="quarter" idx="12"/>
+          </p:nvPr>
+        </p:nvSpPr>
+        <p:spPr/>
+        <p:txBody>
+          <a:bodyPr/>
+          <a:lstStyle/>
+          <a:p>
+            <a:fld id="{57021661-B2A8-457F-930E-F617AD024F3F}" type="slidenum">
+              <a:rPr lang="ja-JP" altLang="en-US" smtClean="0"/>
+              <a:pPr/>
+              <a:t>21</a:t>
             </a:fld>
             <a:endParaRPr lang="ja-JP" altLang="en-US" dirty="0"/>
           </a:p>

--- a/powerpoint/第6回　クラス①.pptx
+++ b/powerpoint/第6回　クラス①.pptx
@@ -230,7 +230,7 @@
           <a:p>
             <a:fld id="{C05D3741-4BF1-4174-BB12-98FD157D24BE}" type="datetimeFigureOut">
               <a:rPr kumimoji="1" lang="ja-JP" altLang="en-US" smtClean="0"/>
-              <a:t>2019/12/6</a:t>
+              <a:t>2019/12/10</a:t>
             </a:fld>
             <a:endParaRPr kumimoji="1" lang="ja-JP" altLang="en-US"/>
           </a:p>
@@ -395,7 +395,7 @@
           <a:p>
             <a:fld id="{4133F667-6584-408D-AD7E-D18D0869DE33}" type="datetimeFigureOut">
               <a:rPr kumimoji="1" lang="ja-JP" altLang="en-US" smtClean="0"/>
-              <a:t>2019/12/6</a:t>
+              <a:t>2019/12/10</a:t>
             </a:fld>
             <a:endParaRPr kumimoji="1" lang="ja-JP" altLang="en-US"/>
           </a:p>
@@ -1161,7 +1161,7 @@
           <a:p>
             <a:fld id="{58A231F8-05F8-4D04-8D8F-8D36F813C960}" type="datetime1">
               <a:rPr kumimoji="1" lang="ja-JP" altLang="en-US" smtClean="0"/>
-              <a:t>2019/12/6</a:t>
+              <a:t>2019/12/10</a:t>
             </a:fld>
             <a:endParaRPr kumimoji="1" lang="ja-JP" altLang="en-US" dirty="0"/>
           </a:p>
@@ -1506,7 +1506,7 @@
           <a:p>
             <a:fld id="{7EAA7B6B-D7DB-4F50-8363-5CAEA241D462}" type="datetime1">
               <a:rPr kumimoji="1" lang="ja-JP" altLang="en-US" smtClean="0"/>
-              <a:t>2019/12/6</a:t>
+              <a:t>2019/12/10</a:t>
             </a:fld>
             <a:endParaRPr kumimoji="1" lang="ja-JP" altLang="en-US"/>
           </a:p>
@@ -1768,7 +1768,7 @@
           <a:p>
             <a:fld id="{575A211C-F59B-4698-A055-613DBD159966}" type="datetime1">
               <a:rPr kumimoji="1" lang="ja-JP" altLang="en-US" smtClean="0"/>
-              <a:t>2019/12/6</a:t>
+              <a:t>2019/12/10</a:t>
             </a:fld>
             <a:endParaRPr kumimoji="1" lang="ja-JP" altLang="en-US"/>
           </a:p>
@@ -2035,7 +2035,7 @@
           <a:p>
             <a:fld id="{6C64430C-D7C9-451F-BB5A-4067700317EA}" type="datetime1">
               <a:rPr kumimoji="1" lang="ja-JP" altLang="en-US" smtClean="0"/>
-              <a:t>2019/12/6</a:t>
+              <a:t>2019/12/10</a:t>
             </a:fld>
             <a:endParaRPr kumimoji="1" lang="ja-JP" altLang="en-US"/>
           </a:p>
@@ -2376,7 +2376,7 @@
           <a:p>
             <a:fld id="{3BA0A93C-43D0-4C25-A999-C90A412EB384}" type="datetime1">
               <a:rPr kumimoji="1" lang="ja-JP" altLang="en-US" smtClean="0"/>
-              <a:t>2019/12/6</a:t>
+              <a:t>2019/12/10</a:t>
             </a:fld>
             <a:endParaRPr kumimoji="1" lang="ja-JP" altLang="en-US"/>
           </a:p>
@@ -2778,7 +2778,7 @@
           <a:p>
             <a:fld id="{17080468-DCD8-4552-92F2-26A66A1920AE}" type="datetime1">
               <a:rPr kumimoji="1" lang="ja-JP" altLang="en-US" smtClean="0"/>
-              <a:t>2019/12/6</a:t>
+              <a:t>2019/12/10</a:t>
             </a:fld>
             <a:endParaRPr kumimoji="1" lang="ja-JP" altLang="en-US"/>
           </a:p>
@@ -3144,7 +3144,7 @@
           <a:p>
             <a:fld id="{CF0BF97F-6A36-45BD-B261-185AD2EFD4F1}" type="datetime1">
               <a:rPr kumimoji="1" lang="ja-JP" altLang="en-US" smtClean="0"/>
-              <a:t>2019/12/6</a:t>
+              <a:t>2019/12/10</a:t>
             </a:fld>
             <a:endParaRPr kumimoji="1" lang="ja-JP" altLang="en-US"/>
           </a:p>
@@ -3630,7 +3630,7 @@
           <a:p>
             <a:fld id="{E187A37F-063B-4BF2-AE47-16D6CC460300}" type="datetime1">
               <a:rPr kumimoji="1" lang="ja-JP" altLang="en-US" smtClean="0"/>
-              <a:t>2019/12/6</a:t>
+              <a:t>2019/12/10</a:t>
             </a:fld>
             <a:endParaRPr kumimoji="1" lang="ja-JP" altLang="en-US"/>
           </a:p>
@@ -3725,7 +3725,7 @@
           <a:p>
             <a:fld id="{37A6803A-338A-4D1E-9AEA-3938A412C9D0}" type="datetime1">
               <a:rPr kumimoji="1" lang="ja-JP" altLang="en-US" smtClean="0"/>
-              <a:t>2019/12/6</a:t>
+              <a:t>2019/12/10</a:t>
             </a:fld>
             <a:endParaRPr kumimoji="1" lang="ja-JP" altLang="en-US"/>
           </a:p>
@@ -3887,7 +3887,7 @@
           <a:p>
             <a:fld id="{176F41DB-9FE4-4BC2-AA18-F04C127911AB}" type="datetime1">
               <a:rPr kumimoji="1" lang="ja-JP" altLang="en-US" smtClean="0"/>
-              <a:t>2019/12/6</a:t>
+              <a:t>2019/12/10</a:t>
             </a:fld>
             <a:endParaRPr kumimoji="1" lang="ja-JP" altLang="en-US"/>
           </a:p>
@@ -3982,7 +3982,7 @@
           <a:p>
             <a:fld id="{176F41DB-9FE4-4BC2-AA18-F04C127911AB}" type="datetime1">
               <a:rPr kumimoji="1" lang="ja-JP" altLang="en-US" smtClean="0"/>
-              <a:t>2019/12/6</a:t>
+              <a:t>2019/12/10</a:t>
             </a:fld>
             <a:endParaRPr kumimoji="1" lang="ja-JP" altLang="en-US"/>
           </a:p>
@@ -4458,7 +4458,7 @@
           <a:p>
             <a:fld id="{2EA862FE-B9D9-42A4-9B96-9BF43C1C92F4}" type="datetime1">
               <a:rPr kumimoji="1" lang="ja-JP" altLang="en-US" smtClean="0"/>
-              <a:t>2019/12/6</a:t>
+              <a:t>2019/12/10</a:t>
             </a:fld>
             <a:endParaRPr kumimoji="1" lang="ja-JP" altLang="en-US"/>
           </a:p>
@@ -4723,7 +4723,7 @@
           <a:p>
             <a:fld id="{DB38D941-B664-458C-B9FE-B4BFA20B7DB2}" type="datetime1">
               <a:rPr kumimoji="1" lang="ja-JP" altLang="en-US" smtClean="0"/>
-              <a:t>2019/12/6</a:t>
+              <a:t>2019/12/10</a:t>
             </a:fld>
             <a:endParaRPr kumimoji="1" lang="ja-JP" altLang="en-US"/>
           </a:p>
@@ -16459,10 +16459,10 @@
       </p:grpSpPr>
       <p:sp>
         <p:nvSpPr>
-          <p:cNvPr id="28" name="正方形/長方形 27">
-            <a:extLst>
-              <a:ext uri="{FF2B5EF4-FFF2-40B4-BE49-F238E27FC236}">
-                <a16:creationId xmlns:a16="http://schemas.microsoft.com/office/drawing/2014/main" id="{8CB34F3C-14FE-4DEF-99A0-B75EEB45688C}"/>
+          <p:cNvPr id="18" name="正方形/長方形 17">
+            <a:extLst>
+              <a:ext uri="{FF2B5EF4-FFF2-40B4-BE49-F238E27FC236}">
+                <a16:creationId xmlns:a16="http://schemas.microsoft.com/office/drawing/2014/main" id="{7E2228EA-2F26-4041-80FC-8F760E96038A}"/>
               </a:ext>
             </a:extLst>
           </p:cNvPr>
@@ -16471,8 +16471,8 @@
         </p:nvSpPr>
         <p:spPr>
           <a:xfrm>
-            <a:off x="392023" y="1427276"/>
-            <a:ext cx="4764439" cy="3630566"/>
+            <a:off x="142027" y="1427276"/>
+            <a:ext cx="5265015" cy="3630566"/>
           </a:xfrm>
           <a:prstGeom prst="rect">
             <a:avLst/>
@@ -16618,8 +16618,8 @@
         </p:nvSpPr>
         <p:spPr>
           <a:xfrm>
-            <a:off x="1064048" y="2527150"/>
-            <a:ext cx="3225145" cy="1015663"/>
+            <a:off x="1074946" y="2133864"/>
+            <a:ext cx="3225145" cy="1292662"/>
           </a:xfrm>
           <a:prstGeom prst="rect">
             <a:avLst/>
@@ -16668,6 +16668,9 @@
             <a:endParaRPr kumimoji="1" lang="en-US" altLang="ja-JP" dirty="0"/>
           </a:p>
           <a:p>
+            <a:endParaRPr kumimoji="1" lang="en-US" altLang="ja-JP" dirty="0"/>
+          </a:p>
+          <a:p>
             <a:endParaRPr kumimoji="1" lang="en-US" altLang="ja-JP" sz="1100" dirty="0"/>
           </a:p>
           <a:p>
@@ -16689,8 +16692,8 @@
         </p:nvSpPr>
         <p:spPr>
           <a:xfrm>
-            <a:off x="1050497" y="3689835"/>
-            <a:ext cx="3225145" cy="1107996"/>
+            <a:off x="1074946" y="3482577"/>
+            <a:ext cx="3225145" cy="1538883"/>
           </a:xfrm>
           <a:prstGeom prst="rect">
             <a:avLst/>
@@ -16727,6 +16730,17 @@
             <a:endParaRPr lang="en-US" altLang="ja-JP" b="1" dirty="0"/>
           </a:p>
           <a:p>
+            <a:pPr>
+              <a:spcBef>
+                <a:spcPts val="600"/>
+              </a:spcBef>
+              <a:spcAft>
+                <a:spcPts val="600"/>
+              </a:spcAft>
+            </a:pPr>
+            <a:endParaRPr lang="en-US" altLang="ja-JP" b="1" dirty="0"/>
+          </a:p>
+          <a:p>
             <a:endParaRPr kumimoji="1" lang="en-US" altLang="ja-JP" dirty="0"/>
           </a:p>
           <a:p>
@@ -16748,14 +16762,14 @@
         </p:nvSpPr>
         <p:spPr>
           <a:xfrm>
-            <a:off x="1503574" y="4331160"/>
+            <a:off x="1450681" y="4083421"/>
             <a:ext cx="2306032" cy="375480"/>
           </a:xfrm>
           <a:prstGeom prst="rect">
             <a:avLst/>
           </a:prstGeom>
           <a:solidFill>
-            <a:schemeClr val="bg1"/>
+            <a:srgbClr val="FFC000"/>
           </a:solidFill>
           <a:ln>
             <a:solidFill>
@@ -16809,8 +16823,8 @@
         </p:nvSpPr>
         <p:spPr>
           <a:xfrm>
-            <a:off x="1741643" y="1764773"/>
-            <a:ext cx="1717943" cy="605505"/>
+            <a:off x="1741643" y="1688668"/>
+            <a:ext cx="1717943" cy="395896"/>
           </a:xfrm>
           <a:prstGeom prst="rect">
             <a:avLst/>
@@ -17225,14 +17239,14 @@
         </p:nvSpPr>
         <p:spPr>
           <a:xfrm>
-            <a:off x="1447599" y="2993693"/>
+            <a:off x="1445537" y="2959357"/>
             <a:ext cx="2306032" cy="375480"/>
           </a:xfrm>
           <a:prstGeom prst="rect">
             <a:avLst/>
           </a:prstGeom>
           <a:solidFill>
-            <a:schemeClr val="bg1"/>
+            <a:srgbClr val="7030A0"/>
           </a:solidFill>
           <a:ln>
             <a:solidFill>
@@ -17264,10 +17278,132 @@
             <a:r>
               <a:rPr kumimoji="1" lang="ja-JP" altLang="en-US" sz="2000" b="1" dirty="0">
                 <a:solidFill>
+                  <a:schemeClr val="bg1"/>
+                </a:solidFill>
+              </a:rPr>
+              <a:t>ローカル変数</a:t>
+            </a:r>
+          </a:p>
+        </p:txBody>
+      </p:sp>
+      <p:sp>
+        <p:nvSpPr>
+          <p:cNvPr id="16" name="正方形/長方形 15">
+            <a:extLst>
+              <a:ext uri="{FF2B5EF4-FFF2-40B4-BE49-F238E27FC236}">
+                <a16:creationId xmlns:a16="http://schemas.microsoft.com/office/drawing/2014/main" id="{54E45778-7225-41A1-831C-6BFADE6C4F6E}"/>
+              </a:ext>
+            </a:extLst>
+          </p:cNvPr>
+          <p:cNvSpPr/>
+          <p:nvPr/>
+        </p:nvSpPr>
+        <p:spPr>
+          <a:xfrm>
+            <a:off x="1447598" y="2549964"/>
+            <a:ext cx="2306032" cy="375480"/>
+          </a:xfrm>
+          <a:prstGeom prst="rect">
+            <a:avLst/>
+          </a:prstGeom>
+          <a:solidFill>
+            <a:srgbClr val="FFC000"/>
+          </a:solidFill>
+          <a:ln>
+            <a:solidFill>
+              <a:schemeClr val="tx1"/>
+            </a:solidFill>
+          </a:ln>
+        </p:spPr>
+        <p:style>
+          <a:lnRef idx="2">
+            <a:schemeClr val="accent1">
+              <a:shade val="50000"/>
+            </a:schemeClr>
+          </a:lnRef>
+          <a:fillRef idx="1">
+            <a:schemeClr val="accent1"/>
+          </a:fillRef>
+          <a:effectRef idx="0">
+            <a:schemeClr val="accent1"/>
+          </a:effectRef>
+          <a:fontRef idx="minor">
+            <a:schemeClr val="lt1"/>
+          </a:fontRef>
+        </p:style>
+        <p:txBody>
+          <a:bodyPr rtlCol="0" anchor="ctr"/>
+          <a:lstStyle/>
+          <a:p>
+            <a:pPr algn="ctr"/>
+            <a:r>
+              <a:rPr kumimoji="1" lang="ja-JP" altLang="en-US" sz="2000" b="1" dirty="0">
+                <a:solidFill>
                   <a:schemeClr val="tx1"/>
                 </a:solidFill>
               </a:rPr>
               <a:t>インスタンス変数</a:t>
+            </a:r>
+          </a:p>
+        </p:txBody>
+      </p:sp>
+      <p:sp>
+        <p:nvSpPr>
+          <p:cNvPr id="17" name="正方形/長方形 16">
+            <a:extLst>
+              <a:ext uri="{FF2B5EF4-FFF2-40B4-BE49-F238E27FC236}">
+                <a16:creationId xmlns:a16="http://schemas.microsoft.com/office/drawing/2014/main" id="{9DF01624-5911-4C02-A781-2E880A7E38EF}"/>
+              </a:ext>
+            </a:extLst>
+          </p:cNvPr>
+          <p:cNvSpPr/>
+          <p:nvPr/>
+        </p:nvSpPr>
+        <p:spPr>
+          <a:xfrm>
+            <a:off x="1445537" y="4541233"/>
+            <a:ext cx="2306032" cy="375480"/>
+          </a:xfrm>
+          <a:prstGeom prst="rect">
+            <a:avLst/>
+          </a:prstGeom>
+          <a:solidFill>
+            <a:srgbClr val="7030A0"/>
+          </a:solidFill>
+          <a:ln>
+            <a:solidFill>
+              <a:schemeClr val="tx1"/>
+            </a:solidFill>
+          </a:ln>
+        </p:spPr>
+        <p:style>
+          <a:lnRef idx="2">
+            <a:schemeClr val="accent1">
+              <a:shade val="50000"/>
+            </a:schemeClr>
+          </a:lnRef>
+          <a:fillRef idx="1">
+            <a:schemeClr val="accent1"/>
+          </a:fillRef>
+          <a:effectRef idx="0">
+            <a:schemeClr val="accent1"/>
+          </a:effectRef>
+          <a:fontRef idx="minor">
+            <a:schemeClr val="lt1"/>
+          </a:fontRef>
+        </p:style>
+        <p:txBody>
+          <a:bodyPr rtlCol="0" anchor="ctr"/>
+          <a:lstStyle/>
+          <a:p>
+            <a:pPr algn="ctr"/>
+            <a:r>
+              <a:rPr kumimoji="1" lang="ja-JP" altLang="en-US" sz="2000" b="1" dirty="0">
+                <a:solidFill>
+                  <a:schemeClr val="bg1"/>
+                </a:solidFill>
+              </a:rPr>
+              <a:t>ローカル変数</a:t>
             </a:r>
           </a:p>
         </p:txBody>
@@ -17304,10 +17440,10 @@
       </p:grpSpPr>
       <p:sp>
         <p:nvSpPr>
-          <p:cNvPr id="19" name="正方形/長方形 18">
-            <a:extLst>
-              <a:ext uri="{FF2B5EF4-FFF2-40B4-BE49-F238E27FC236}">
-                <a16:creationId xmlns:a16="http://schemas.microsoft.com/office/drawing/2014/main" id="{77B3EC79-EC40-49D2-AF78-93B2975A36E2}"/>
+          <p:cNvPr id="12" name="正方形/長方形 11">
+            <a:extLst>
+              <a:ext uri="{FF2B5EF4-FFF2-40B4-BE49-F238E27FC236}">
+                <a16:creationId xmlns:a16="http://schemas.microsoft.com/office/drawing/2014/main" id="{4E29670C-311F-40A0-933C-10FED7DF9DBB}"/>
               </a:ext>
             </a:extLst>
           </p:cNvPr>
@@ -17316,8 +17452,8 @@
         </p:nvSpPr>
         <p:spPr>
           <a:xfrm>
-            <a:off x="392023" y="1427276"/>
-            <a:ext cx="4764439" cy="3630566"/>
+            <a:off x="142027" y="1427276"/>
+            <a:ext cx="5265015" cy="3630566"/>
           </a:xfrm>
           <a:prstGeom prst="rect">
             <a:avLst/>
@@ -17541,7 +17677,7 @@
             <a:avLst/>
           </a:prstGeom>
           <a:solidFill>
-            <a:schemeClr val="bg1"/>
+            <a:srgbClr val="FFC000"/>
           </a:solidFill>
           <a:ln>
             <a:solidFill>
@@ -17911,8 +18047,8 @@
         </p:nvSpPr>
         <p:spPr>
           <a:xfrm>
-            <a:off x="598221" y="3703851"/>
-            <a:ext cx="4352041" cy="1107996"/>
+            <a:off x="370123" y="3719061"/>
+            <a:ext cx="4808821" cy="1184940"/>
           </a:xfrm>
           <a:prstGeom prst="rect">
             <a:avLst/>
@@ -17946,6 +18082,11 @@
             <a:endParaRPr lang="en-US" altLang="ja-JP" b="1" dirty="0"/>
           </a:p>
           <a:p>
+            <a:pPr>
+              <a:spcAft>
+                <a:spcPts val="600"/>
+              </a:spcAft>
+            </a:pPr>
             <a:r>
               <a:rPr lang="en-US" altLang="ja-JP" dirty="0"/>
               <a:t> def area(self):</a:t>
@@ -17962,7 +18103,7 @@
             </a:r>
             <a:r>
               <a:rPr lang="en-US" altLang="ja-JP" dirty="0"/>
-              <a:t> * </a:t>
+              <a:t>          *  </a:t>
             </a:r>
             <a:r>
               <a:rPr lang="en-US" altLang="ja-JP" dirty="0" err="1"/>
@@ -17970,12 +18111,98 @@
             </a:r>
             <a:r>
               <a:rPr lang="en-US" altLang="ja-JP" dirty="0"/>
-              <a:t> ** 2</a:t>
+              <a:t>          ** 2</a:t>
             </a:r>
             <a:endParaRPr kumimoji="1" lang="en-US" altLang="ja-JP" dirty="0"/>
           </a:p>
           <a:p>
             <a:endParaRPr kumimoji="1" lang="ja-JP" altLang="en-US" sz="1200" dirty="0"/>
+          </a:p>
+        </p:txBody>
+      </p:sp>
+      <p:sp>
+        <p:nvSpPr>
+          <p:cNvPr id="3" name="テキスト ボックス 2">
+            <a:extLst>
+              <a:ext uri="{FF2B5EF4-FFF2-40B4-BE49-F238E27FC236}">
+                <a16:creationId xmlns:a16="http://schemas.microsoft.com/office/drawing/2014/main" id="{DC3D997D-4670-45A6-BF20-4E08EEE70A68}"/>
+              </a:ext>
+            </a:extLst>
+          </p:cNvPr>
+          <p:cNvSpPr txBox="1"/>
+          <p:nvPr/>
+        </p:nvSpPr>
+        <p:spPr>
+          <a:xfrm>
+            <a:off x="1615955" y="4326741"/>
+            <a:ext cx="1166236" cy="369332"/>
+          </a:xfrm>
+          <a:prstGeom prst="rect">
+            <a:avLst/>
+          </a:prstGeom>
+          <a:solidFill>
+            <a:schemeClr val="bg1"/>
+          </a:solidFill>
+          <a:ln w="19050">
+            <a:solidFill>
+              <a:schemeClr val="tx1"/>
+            </a:solidFill>
+          </a:ln>
+        </p:spPr>
+        <p:txBody>
+          <a:bodyPr wrap="square" rtlCol="0">
+            <a:spAutoFit/>
+          </a:bodyPr>
+          <a:lstStyle/>
+          <a:p>
+            <a:r>
+              <a:rPr kumimoji="1" lang="en-US" altLang="ja-JP" b="1" dirty="0" err="1"/>
+              <a:t>self.pi</a:t>
+            </a:r>
+            <a:endParaRPr kumimoji="1" lang="ja-JP" altLang="en-US" b="1" dirty="0"/>
+          </a:p>
+        </p:txBody>
+      </p:sp>
+      <p:sp>
+        <p:nvSpPr>
+          <p:cNvPr id="14" name="テキスト ボックス 13">
+            <a:extLst>
+              <a:ext uri="{FF2B5EF4-FFF2-40B4-BE49-F238E27FC236}">
+                <a16:creationId xmlns:a16="http://schemas.microsoft.com/office/drawing/2014/main" id="{DAEC3570-1F1D-4398-BE6D-1F61725388ED}"/>
+              </a:ext>
+            </a:extLst>
+          </p:cNvPr>
+          <p:cNvSpPr txBox="1"/>
+          <p:nvPr/>
+        </p:nvSpPr>
+        <p:spPr>
+          <a:xfrm>
+            <a:off x="2935191" y="4311369"/>
+            <a:ext cx="1656357" cy="369332"/>
+          </a:xfrm>
+          <a:prstGeom prst="rect">
+            <a:avLst/>
+          </a:prstGeom>
+          <a:solidFill>
+            <a:srgbClr val="FFC000"/>
+          </a:solidFill>
+          <a:ln w="19050">
+            <a:solidFill>
+              <a:schemeClr val="tx1"/>
+            </a:solidFill>
+          </a:ln>
+        </p:spPr>
+        <p:txBody>
+          <a:bodyPr wrap="square" rtlCol="0">
+            <a:spAutoFit/>
+          </a:bodyPr>
+          <a:lstStyle/>
+          <a:p>
+            <a:r>
+              <a:rPr kumimoji="1" lang="en-US" altLang="ja-JP" b="1" dirty="0" err="1"/>
+              <a:t>self.radius</a:t>
+            </a:r>
+            <a:endParaRPr kumimoji="1" lang="ja-JP" altLang="en-US" b="1" dirty="0"/>
           </a:p>
         </p:txBody>
       </p:sp>
@@ -18011,10 +18238,10 @@
       </p:grpSpPr>
       <p:sp>
         <p:nvSpPr>
-          <p:cNvPr id="37" name="正方形/長方形 36">
-            <a:extLst>
-              <a:ext uri="{FF2B5EF4-FFF2-40B4-BE49-F238E27FC236}">
-                <a16:creationId xmlns:a16="http://schemas.microsoft.com/office/drawing/2014/main" id="{795DE89A-E30E-4D8B-A11D-52BCD41826F9}"/>
+          <p:cNvPr id="20" name="正方形/長方形 19">
+            <a:extLst>
+              <a:ext uri="{FF2B5EF4-FFF2-40B4-BE49-F238E27FC236}">
+                <a16:creationId xmlns:a16="http://schemas.microsoft.com/office/drawing/2014/main" id="{22F687D9-0249-4F8B-B4DF-9F39D5E41123}"/>
               </a:ext>
             </a:extLst>
           </p:cNvPr>
@@ -18023,8 +18250,8 @@
         </p:nvSpPr>
         <p:spPr>
           <a:xfrm>
-            <a:off x="392023" y="1427276"/>
-            <a:ext cx="4764439" cy="3630566"/>
+            <a:off x="142027" y="1427276"/>
+            <a:ext cx="5265015" cy="3630566"/>
           </a:xfrm>
           <a:prstGeom prst="rect">
             <a:avLst/>
@@ -18158,81 +18385,10 @@
       </p:sp>
       <p:sp>
         <p:nvSpPr>
-          <p:cNvPr id="10" name="テキスト ボックス 9">
-            <a:extLst>
-              <a:ext uri="{FF2B5EF4-FFF2-40B4-BE49-F238E27FC236}">
-                <a16:creationId xmlns:a16="http://schemas.microsoft.com/office/drawing/2014/main" id="{A7B5B74F-4300-4F94-9F23-CB955C4D3091}"/>
-              </a:ext>
-            </a:extLst>
-          </p:cNvPr>
-          <p:cNvSpPr txBox="1"/>
-          <p:nvPr/>
-        </p:nvSpPr>
-        <p:spPr>
-          <a:xfrm>
-            <a:off x="1064048" y="2527150"/>
-            <a:ext cx="3225145" cy="1015663"/>
-          </a:xfrm>
-          <a:prstGeom prst="rect">
-            <a:avLst/>
-          </a:prstGeom>
-          <a:solidFill>
-            <a:schemeClr val="accent6">
-              <a:lumMod val="40000"/>
-              <a:lumOff val="60000"/>
-            </a:schemeClr>
-          </a:solidFill>
-          <a:ln w="38100">
-            <a:solidFill>
-              <a:schemeClr val="tx1"/>
-            </a:solidFill>
-          </a:ln>
-        </p:spPr>
-        <p:txBody>
-          <a:bodyPr wrap="square" rtlCol="0">
-            <a:spAutoFit/>
-          </a:bodyPr>
-          <a:lstStyle/>
-          <a:p>
-            <a:r>
-              <a:rPr lang="en-US" altLang="ja-JP" b="1" dirty="0"/>
-              <a:t>__</a:t>
-            </a:r>
-            <a:r>
-              <a:rPr lang="en-US" altLang="ja-JP" b="1" dirty="0" err="1"/>
-              <a:t>init</a:t>
-            </a:r>
-            <a:r>
-              <a:rPr lang="en-US" altLang="ja-JP" b="1" dirty="0"/>
-              <a:t>__</a:t>
-            </a:r>
-            <a:r>
-              <a:rPr lang="ja-JP" altLang="en-US" b="1" dirty="0"/>
-              <a:t>メソッド（初期化</a:t>
-            </a:r>
-            <a:r>
-              <a:rPr lang="ja-JP" altLang="en-US" sz="2000" b="1" dirty="0"/>
-              <a:t>）</a:t>
-            </a:r>
-            <a:endParaRPr lang="en-US" altLang="ja-JP" sz="2000" b="1" dirty="0"/>
-          </a:p>
-          <a:p>
-            <a:endParaRPr kumimoji="1" lang="en-US" altLang="ja-JP" dirty="0"/>
-          </a:p>
-          <a:p>
-            <a:endParaRPr kumimoji="1" lang="en-US" altLang="ja-JP" sz="1100" dirty="0"/>
-          </a:p>
-          <a:p>
-            <a:endParaRPr kumimoji="1" lang="ja-JP" altLang="en-US" sz="1100" dirty="0"/>
-          </a:p>
-        </p:txBody>
-      </p:sp>
-      <p:sp>
-        <p:nvSpPr>
-          <p:cNvPr id="11" name="正方形/長方形 10">
-            <a:extLst>
-              <a:ext uri="{FF2B5EF4-FFF2-40B4-BE49-F238E27FC236}">
-                <a16:creationId xmlns:a16="http://schemas.microsoft.com/office/drawing/2014/main" id="{7FD993D0-D257-4983-A432-044EECAF290B}"/>
+          <p:cNvPr id="25" name="正方形/長方形 24">
+            <a:extLst>
+              <a:ext uri="{FF2B5EF4-FFF2-40B4-BE49-F238E27FC236}">
+                <a16:creationId xmlns:a16="http://schemas.microsoft.com/office/drawing/2014/main" id="{2D979391-B867-4D4B-A97A-C63C896BF636}"/>
               </a:ext>
             </a:extLst>
           </p:cNvPr>
@@ -18241,8 +18397,8 @@
         </p:nvSpPr>
         <p:spPr>
           <a:xfrm>
-            <a:off x="1503574" y="2985141"/>
-            <a:ext cx="2306032" cy="359503"/>
+            <a:off x="1074947" y="1803590"/>
+            <a:ext cx="3225144" cy="600698"/>
           </a:xfrm>
           <a:prstGeom prst="rect">
             <a:avLst/>
@@ -18276,45 +18432,23 @@
           <a:bodyPr rtlCol="0" anchor="ctr"/>
           <a:lstStyle/>
           <a:p>
-            <a:pPr algn="ctr"/>
-            <a:r>
-              <a:rPr lang="en-US" altLang="ja-JP" sz="2000" b="1" dirty="0">
-                <a:solidFill>
-                  <a:srgbClr val="FF0000"/>
-                </a:solidFill>
-              </a:rPr>
-              <a:t>circle1</a:t>
-            </a:r>
             <a:r>
               <a:rPr lang="en-US" altLang="ja-JP" sz="2000" b="1" dirty="0">
                 <a:solidFill>
                   <a:schemeClr val="tx1"/>
                 </a:solidFill>
               </a:rPr>
-              <a:t>.radius = </a:t>
-            </a:r>
-            <a:r>
-              <a:rPr lang="en-US" altLang="ja-JP" sz="2000" b="1" dirty="0">
-                <a:solidFill>
-                  <a:srgbClr val="FF0000"/>
-                </a:solidFill>
-              </a:rPr>
-              <a:t>2</a:t>
-            </a:r>
-            <a:endParaRPr kumimoji="1" lang="ja-JP" altLang="en-US" sz="2000" b="1" dirty="0">
-              <a:solidFill>
-                <a:srgbClr val="FF0000"/>
-              </a:solidFill>
-            </a:endParaRPr>
-          </a:p>
-        </p:txBody>
-      </p:sp>
-      <p:sp>
-        <p:nvSpPr>
-          <p:cNvPr id="25" name="正方形/長方形 24">
-            <a:extLst>
-              <a:ext uri="{FF2B5EF4-FFF2-40B4-BE49-F238E27FC236}">
-                <a16:creationId xmlns:a16="http://schemas.microsoft.com/office/drawing/2014/main" id="{2D979391-B867-4D4B-A97A-C63C896BF636}"/>
+              <a:t>pi = 3.141592653589793</a:t>
+            </a:r>
+          </a:p>
+        </p:txBody>
+      </p:sp>
+      <p:sp>
+        <p:nvSpPr>
+          <p:cNvPr id="6" name="矢印: 下 5">
+            <a:extLst>
+              <a:ext uri="{FF2B5EF4-FFF2-40B4-BE49-F238E27FC236}">
+                <a16:creationId xmlns:a16="http://schemas.microsoft.com/office/drawing/2014/main" id="{C78C3759-2775-4A4B-AAB3-FD15B647497F}"/>
               </a:ext>
             </a:extLst>
           </p:cNvPr>
@@ -18323,20 +18457,15 @@
         </p:nvSpPr>
         <p:spPr>
           <a:xfrm>
-            <a:off x="1074947" y="1803590"/>
-            <a:ext cx="3225144" cy="600698"/>
-          </a:xfrm>
-          <a:prstGeom prst="rect">
-            <a:avLst/>
-          </a:prstGeom>
-          <a:solidFill>
-            <a:schemeClr val="bg1"/>
-          </a:solidFill>
-          <a:ln>
-            <a:solidFill>
-              <a:schemeClr val="tx1"/>
-            </a:solidFill>
-          </a:ln>
+            <a:off x="2285996" y="5156191"/>
+            <a:ext cx="754144" cy="839256"/>
+          </a:xfrm>
+          <a:prstGeom prst="downArrow">
+            <a:avLst>
+              <a:gd name="adj1" fmla="val 50000"/>
+              <a:gd name="adj2" fmla="val 35000"/>
+            </a:avLst>
+          </a:prstGeom>
         </p:spPr>
         <p:style>
           <a:lnRef idx="2">
@@ -18358,23 +18487,17 @@
           <a:bodyPr rtlCol="0" anchor="ctr"/>
           <a:lstStyle/>
           <a:p>
-            <a:r>
-              <a:rPr lang="en-US" altLang="ja-JP" sz="2000" b="1" dirty="0">
-                <a:solidFill>
-                  <a:schemeClr val="tx1"/>
-                </a:solidFill>
-              </a:rPr>
-              <a:t>pi = 3.141592653589793</a:t>
-            </a:r>
-          </a:p>
-        </p:txBody>
-      </p:sp>
-      <p:sp>
-        <p:nvSpPr>
-          <p:cNvPr id="6" name="矢印: 下 5">
-            <a:extLst>
-              <a:ext uri="{FF2B5EF4-FFF2-40B4-BE49-F238E27FC236}">
-                <a16:creationId xmlns:a16="http://schemas.microsoft.com/office/drawing/2014/main" id="{C78C3759-2775-4A4B-AAB3-FD15B647497F}"/>
+            <a:pPr algn="ctr"/>
+            <a:endParaRPr kumimoji="1" lang="ja-JP" altLang="en-US"/>
+          </a:p>
+        </p:txBody>
+      </p:sp>
+      <p:sp>
+        <p:nvSpPr>
+          <p:cNvPr id="7" name="四角形: 角を丸くする 6">
+            <a:extLst>
+              <a:ext uri="{FF2B5EF4-FFF2-40B4-BE49-F238E27FC236}">
+                <a16:creationId xmlns:a16="http://schemas.microsoft.com/office/drawing/2014/main" id="{30FAB96E-1A5D-43C6-B2B9-6C199907663C}"/>
               </a:ext>
             </a:extLst>
           </p:cNvPr>
@@ -18383,14 +18506,11 @@
         </p:nvSpPr>
         <p:spPr>
           <a:xfrm>
-            <a:off x="2285996" y="5156191"/>
-            <a:ext cx="754144" cy="839256"/>
-          </a:xfrm>
-          <a:prstGeom prst="downArrow">
-            <a:avLst>
-              <a:gd name="adj1" fmla="val 50000"/>
-              <a:gd name="adj2" fmla="val 35000"/>
-            </a:avLst>
+            <a:off x="884936" y="6069059"/>
+            <a:ext cx="3556263" cy="628125"/>
+          </a:xfrm>
+          <a:prstGeom prst="roundRect">
+            <a:avLst/>
           </a:prstGeom>
         </p:spPr>
         <p:style>
@@ -18414,16 +18534,20 @@
           <a:lstStyle/>
           <a:p>
             <a:pPr algn="ctr"/>
-            <a:endParaRPr kumimoji="1" lang="ja-JP" altLang="en-US"/>
-          </a:p>
-        </p:txBody>
-      </p:sp>
-      <p:sp>
-        <p:nvSpPr>
-          <p:cNvPr id="7" name="四角形: 角を丸くする 6">
-            <a:extLst>
-              <a:ext uri="{FF2B5EF4-FFF2-40B4-BE49-F238E27FC236}">
-                <a16:creationId xmlns:a16="http://schemas.microsoft.com/office/drawing/2014/main" id="{30FAB96E-1A5D-43C6-B2B9-6C199907663C}"/>
+            <a:r>
+              <a:rPr lang="ja-JP" altLang="en-US" sz="2000" b="1" dirty="0"/>
+              <a:t>インスタンスを生成</a:t>
+            </a:r>
+            <a:endParaRPr kumimoji="1" lang="ja-JP" altLang="en-US" sz="2000" b="1" dirty="0"/>
+          </a:p>
+        </p:txBody>
+      </p:sp>
+      <p:sp>
+        <p:nvSpPr>
+          <p:cNvPr id="13" name="正方形/長方形 12">
+            <a:extLst>
+              <a:ext uri="{FF2B5EF4-FFF2-40B4-BE49-F238E27FC236}">
+                <a16:creationId xmlns:a16="http://schemas.microsoft.com/office/drawing/2014/main" id="{2E1F626D-C303-4282-8E92-7E6AA606CDC0}"/>
               </a:ext>
             </a:extLst>
           </p:cNvPr>
@@ -18432,11 +18556,265 @@
         </p:nvSpPr>
         <p:spPr>
           <a:xfrm>
-            <a:off x="884936" y="6069059"/>
-            <a:ext cx="3556263" cy="628125"/>
-          </a:xfrm>
-          <a:prstGeom prst="roundRect">
+            <a:off x="1463800" y="5255787"/>
+            <a:ext cx="2447437" cy="369332"/>
+          </a:xfrm>
+          <a:prstGeom prst="rect">
             <a:avLst/>
+          </a:prstGeom>
+          <a:solidFill>
+            <a:schemeClr val="accent1">
+              <a:lumMod val="20000"/>
+              <a:lumOff val="80000"/>
+            </a:schemeClr>
+          </a:solidFill>
+        </p:spPr>
+        <p:txBody>
+          <a:bodyPr wrap="square">
+            <a:spAutoFit/>
+          </a:bodyPr>
+          <a:lstStyle/>
+          <a:p>
+            <a:r>
+              <a:rPr lang="en-US" altLang="ja-JP" dirty="0"/>
+              <a:t>circle1</a:t>
+            </a:r>
+            <a:r>
+              <a:rPr lang="ja-JP" altLang="en-US" dirty="0"/>
+              <a:t> </a:t>
+            </a:r>
+            <a:r>
+              <a:rPr lang="en-US" altLang="ja-JP" dirty="0"/>
+              <a:t>= Circles</a:t>
+            </a:r>
+            <a:r>
+              <a:rPr lang="ja-JP" altLang="en-US" dirty="0"/>
+              <a:t>（</a:t>
+            </a:r>
+            <a:r>
+              <a:rPr lang="en-US" altLang="ja-JP" dirty="0"/>
+              <a:t>2</a:t>
+            </a:r>
+            <a:r>
+              <a:rPr lang="ja-JP" altLang="en-US" dirty="0"/>
+              <a:t>）</a:t>
+            </a:r>
+            <a:endParaRPr lang="en-US" altLang="ja-JP" dirty="0"/>
+          </a:p>
+        </p:txBody>
+      </p:sp>
+      <p:sp>
+        <p:nvSpPr>
+          <p:cNvPr id="5" name="テキスト ボックス 4">
+            <a:extLst>
+              <a:ext uri="{FF2B5EF4-FFF2-40B4-BE49-F238E27FC236}">
+                <a16:creationId xmlns:a16="http://schemas.microsoft.com/office/drawing/2014/main" id="{9508F5B1-7EA1-462A-85E5-97D7F187A4DC}"/>
+              </a:ext>
+            </a:extLst>
+          </p:cNvPr>
+          <p:cNvSpPr txBox="1"/>
+          <p:nvPr/>
+        </p:nvSpPr>
+        <p:spPr>
+          <a:xfrm>
+            <a:off x="5659025" y="1875934"/>
+            <a:ext cx="6075175" cy="3970318"/>
+          </a:xfrm>
+          <a:prstGeom prst="rect">
+            <a:avLst/>
+          </a:prstGeom>
+          <a:noFill/>
+        </p:spPr>
+        <p:txBody>
+          <a:bodyPr wrap="square" rtlCol="0">
+            <a:spAutoFit/>
+          </a:bodyPr>
+          <a:lstStyle/>
+          <a:p>
+            <a:pPr>
+              <a:spcBef>
+                <a:spcPts val="600"/>
+              </a:spcBef>
+              <a:spcAft>
+                <a:spcPts val="1200"/>
+              </a:spcAft>
+            </a:pPr>
+            <a:r>
+              <a:rPr kumimoji="1" lang="ja-JP" altLang="en-US" sz="2400" b="1" dirty="0"/>
+              <a:t>クラス</a:t>
+            </a:r>
+            <a:r>
+              <a:rPr kumimoji="1" lang="ja-JP" altLang="en-US" sz="2400" dirty="0"/>
+              <a:t>：</a:t>
+            </a:r>
+            <a:r>
+              <a:rPr kumimoji="1" lang="en-US" altLang="ja-JP" sz="2400" dirty="0"/>
+              <a:t>Circles</a:t>
+            </a:r>
+          </a:p>
+          <a:p>
+            <a:pPr>
+              <a:spcBef>
+                <a:spcPts val="600"/>
+              </a:spcBef>
+              <a:spcAft>
+                <a:spcPts val="1200"/>
+              </a:spcAft>
+            </a:pPr>
+            <a:r>
+              <a:rPr lang="ja-JP" altLang="en-US" sz="2400" b="1" dirty="0"/>
+              <a:t>クラス変数</a:t>
+            </a:r>
+            <a:r>
+              <a:rPr lang="ja-JP" altLang="en-US" sz="2400" dirty="0"/>
+              <a:t>：円周率</a:t>
+            </a:r>
+            <a:r>
+              <a:rPr lang="en-US" altLang="ja-JP" sz="2400" dirty="0"/>
+              <a:t>pi</a:t>
+            </a:r>
+            <a:r>
+              <a:rPr lang="ja-JP" altLang="en-US" sz="2400" dirty="0"/>
+              <a:t>（どの円を作成するときにも共通する値）</a:t>
+            </a:r>
+            <a:endParaRPr lang="en-US" altLang="ja-JP" sz="2400" dirty="0"/>
+          </a:p>
+          <a:p>
+            <a:pPr>
+              <a:spcBef>
+                <a:spcPts val="600"/>
+              </a:spcBef>
+              <a:spcAft>
+                <a:spcPts val="1200"/>
+              </a:spcAft>
+            </a:pPr>
+            <a:r>
+              <a:rPr kumimoji="1" lang="ja-JP" altLang="en-US" sz="2400" b="1" dirty="0"/>
+              <a:t>インスタンス変数</a:t>
+            </a:r>
+            <a:r>
+              <a:rPr kumimoji="1" lang="ja-JP" altLang="en-US" sz="2400" dirty="0"/>
+              <a:t>：半径</a:t>
+            </a:r>
+            <a:r>
+              <a:rPr kumimoji="1" lang="en-US" altLang="ja-JP" sz="2400" dirty="0" err="1"/>
+              <a:t>self.radius</a:t>
+            </a:r>
+            <a:r>
+              <a:rPr kumimoji="1" lang="ja-JP" altLang="en-US" sz="2400" dirty="0"/>
+              <a:t>（作成する円によって値が変わる）</a:t>
+            </a:r>
+            <a:endParaRPr kumimoji="1" lang="en-US" altLang="ja-JP" sz="2400" dirty="0"/>
+          </a:p>
+          <a:p>
+            <a:pPr>
+              <a:spcBef>
+                <a:spcPts val="600"/>
+              </a:spcBef>
+              <a:spcAft>
+                <a:spcPts val="1200"/>
+              </a:spcAft>
+            </a:pPr>
+            <a:r>
+              <a:rPr lang="en-US" altLang="ja-JP" sz="2400" b="1" dirty="0"/>
+              <a:t>__</a:t>
+            </a:r>
+            <a:r>
+              <a:rPr lang="en-US" altLang="ja-JP" sz="2400" b="1" dirty="0" err="1"/>
+              <a:t>init</a:t>
+            </a:r>
+            <a:r>
+              <a:rPr lang="en-US" altLang="ja-JP" sz="2400" b="1" dirty="0"/>
+              <a:t>__</a:t>
+            </a:r>
+            <a:r>
+              <a:rPr lang="ja-JP" altLang="en-US" sz="2400" b="1" dirty="0"/>
+              <a:t>メソッド（初期化）</a:t>
+            </a:r>
+            <a:r>
+              <a:rPr lang="ja-JP" altLang="en-US" sz="2400" dirty="0"/>
+              <a:t>：インスタンス生成時、</a:t>
+            </a:r>
+            <a:r>
+              <a:rPr lang="en-US" altLang="ja-JP" sz="2400" dirty="0"/>
+              <a:t>self</a:t>
+            </a:r>
+            <a:r>
+              <a:rPr lang="ja-JP" altLang="en-US" sz="2400" dirty="0"/>
+              <a:t>に</a:t>
+            </a:r>
+            <a:r>
+              <a:rPr lang="en-US" altLang="ja-JP" sz="2400" dirty="0"/>
+              <a:t>circle1</a:t>
+            </a:r>
+            <a:r>
+              <a:rPr lang="ja-JP" altLang="en-US" sz="2400" dirty="0" err="1"/>
+              <a:t>、</a:t>
+            </a:r>
+            <a:r>
+              <a:rPr lang="en-US" altLang="ja-JP" sz="2400" dirty="0"/>
+              <a:t>r</a:t>
+            </a:r>
+            <a:r>
+              <a:rPr lang="ja-JP" altLang="en-US" sz="2400" dirty="0"/>
+              <a:t>に</a:t>
+            </a:r>
+            <a:r>
+              <a:rPr lang="en-US" altLang="ja-JP" sz="2400" dirty="0"/>
+              <a:t>2</a:t>
+            </a:r>
+            <a:r>
+              <a:rPr lang="ja-JP" altLang="en-US" sz="2400" dirty="0"/>
+              <a:t>を代入</a:t>
+            </a:r>
+            <a:endParaRPr lang="en-US" altLang="ja-JP" sz="2400" dirty="0"/>
+          </a:p>
+          <a:p>
+            <a:pPr>
+              <a:spcBef>
+                <a:spcPts val="600"/>
+              </a:spcBef>
+              <a:spcAft>
+                <a:spcPts val="1200"/>
+              </a:spcAft>
+            </a:pPr>
+            <a:r>
+              <a:rPr kumimoji="1" lang="ja-JP" altLang="en-US" sz="2400" b="1" dirty="0"/>
+              <a:t>インスタンス</a:t>
+            </a:r>
+            <a:r>
+              <a:rPr kumimoji="1" lang="ja-JP" altLang="en-US" sz="2400" dirty="0"/>
+              <a:t>：</a:t>
+            </a:r>
+            <a:r>
+              <a:rPr kumimoji="1" lang="en-US" altLang="ja-JP" sz="2400" dirty="0"/>
+              <a:t>circle1</a:t>
+            </a:r>
+            <a:endParaRPr kumimoji="1" lang="ja-JP" altLang="en-US" sz="2400" dirty="0"/>
+          </a:p>
+        </p:txBody>
+      </p:sp>
+      <p:sp>
+        <p:nvSpPr>
+          <p:cNvPr id="9" name="フレーム 8">
+            <a:extLst>
+              <a:ext uri="{FF2B5EF4-FFF2-40B4-BE49-F238E27FC236}">
+                <a16:creationId xmlns:a16="http://schemas.microsoft.com/office/drawing/2014/main" id="{FF33D322-5EB1-413D-820E-8BFFBA729908}"/>
+              </a:ext>
+            </a:extLst>
+          </p:cNvPr>
+          <p:cNvSpPr/>
+          <p:nvPr/>
+        </p:nvSpPr>
+        <p:spPr>
+          <a:xfrm>
+            <a:off x="5560042" y="1627447"/>
+            <a:ext cx="6327158" cy="4736820"/>
+          </a:xfrm>
+          <a:prstGeom prst="frame">
+            <a:avLst>
+              <a:gd name="adj1" fmla="val 1703"/>
+            </a:avLst>
           </a:prstGeom>
         </p:spPr>
         <p:style>
@@ -18460,96 +18838,45 @@
           <a:lstStyle/>
           <a:p>
             <a:pPr algn="ctr"/>
-            <a:r>
-              <a:rPr lang="ja-JP" altLang="en-US" sz="2000" b="1" dirty="0"/>
-              <a:t>インスタンスを生成</a:t>
-            </a:r>
-            <a:endParaRPr kumimoji="1" lang="ja-JP" altLang="en-US" sz="2000" b="1" dirty="0"/>
-          </a:p>
-        </p:txBody>
-      </p:sp>
-      <p:sp>
-        <p:nvSpPr>
-          <p:cNvPr id="13" name="正方形/長方形 12">
-            <a:extLst>
-              <a:ext uri="{FF2B5EF4-FFF2-40B4-BE49-F238E27FC236}">
-                <a16:creationId xmlns:a16="http://schemas.microsoft.com/office/drawing/2014/main" id="{2E1F626D-C303-4282-8E92-7E6AA606CDC0}"/>
-              </a:ext>
-            </a:extLst>
-          </p:cNvPr>
-          <p:cNvSpPr/>
+            <a:endParaRPr kumimoji="1" lang="ja-JP" altLang="en-US">
+              <a:solidFill>
+                <a:schemeClr val="tx1"/>
+              </a:solidFill>
+            </a:endParaRPr>
+          </a:p>
+        </p:txBody>
+      </p:sp>
+      <p:sp>
+        <p:nvSpPr>
+          <p:cNvPr id="21" name="テキスト ボックス 20">
+            <a:extLst>
+              <a:ext uri="{FF2B5EF4-FFF2-40B4-BE49-F238E27FC236}">
+                <a16:creationId xmlns:a16="http://schemas.microsoft.com/office/drawing/2014/main" id="{20A28EC8-CF6E-4C91-97D2-967B7B39C9C8}"/>
+              </a:ext>
+            </a:extLst>
+          </p:cNvPr>
+          <p:cNvSpPr txBox="1"/>
           <p:nvPr/>
         </p:nvSpPr>
         <p:spPr>
           <a:xfrm>
-            <a:off x="1463800" y="5255787"/>
-            <a:ext cx="2447437" cy="369332"/>
+            <a:off x="1064048" y="2527150"/>
+            <a:ext cx="3225145" cy="1015663"/>
           </a:xfrm>
           <a:prstGeom prst="rect">
             <a:avLst/>
           </a:prstGeom>
           <a:solidFill>
-            <a:schemeClr val="accent1">
-              <a:lumMod val="20000"/>
-              <a:lumOff val="80000"/>
+            <a:schemeClr val="accent6">
+              <a:lumMod val="40000"/>
+              <a:lumOff val="60000"/>
             </a:schemeClr>
           </a:solidFill>
-        </p:spPr>
-        <p:txBody>
-          <a:bodyPr wrap="square">
-            <a:spAutoFit/>
-          </a:bodyPr>
-          <a:lstStyle/>
-          <a:p>
-            <a:r>
-              <a:rPr lang="en-US" altLang="ja-JP" dirty="0"/>
-              <a:t>circle1</a:t>
-            </a:r>
-            <a:r>
-              <a:rPr lang="ja-JP" altLang="en-US" dirty="0"/>
-              <a:t> </a:t>
-            </a:r>
-            <a:r>
-              <a:rPr lang="en-US" altLang="ja-JP" dirty="0"/>
-              <a:t>= Circles</a:t>
-            </a:r>
-            <a:r>
-              <a:rPr lang="ja-JP" altLang="en-US" dirty="0"/>
-              <a:t>（</a:t>
-            </a:r>
-            <a:r>
-              <a:rPr lang="en-US" altLang="ja-JP" dirty="0"/>
-              <a:t>2</a:t>
-            </a:r>
-            <a:r>
-              <a:rPr lang="ja-JP" altLang="en-US" dirty="0"/>
-              <a:t>）</a:t>
-            </a:r>
-            <a:endParaRPr lang="en-US" altLang="ja-JP" dirty="0"/>
-          </a:p>
-        </p:txBody>
-      </p:sp>
-      <p:sp>
-        <p:nvSpPr>
-          <p:cNvPr id="5" name="テキスト ボックス 4">
-            <a:extLst>
-              <a:ext uri="{FF2B5EF4-FFF2-40B4-BE49-F238E27FC236}">
-                <a16:creationId xmlns:a16="http://schemas.microsoft.com/office/drawing/2014/main" id="{9508F5B1-7EA1-462A-85E5-97D7F187A4DC}"/>
-              </a:ext>
-            </a:extLst>
-          </p:cNvPr>
-          <p:cNvSpPr txBox="1"/>
-          <p:nvPr/>
-        </p:nvSpPr>
-        <p:spPr>
-          <a:xfrm>
-            <a:off x="5659025" y="1875934"/>
-            <a:ext cx="6075175" cy="3970318"/>
-          </a:xfrm>
-          <a:prstGeom prst="rect">
-            <a:avLst/>
-          </a:prstGeom>
-          <a:noFill/>
+          <a:ln w="38100">
+            <a:solidFill>
+              <a:schemeClr val="tx1"/>
+            </a:solidFill>
+          </a:ln>
         </p:spPr>
         <p:txBody>
           <a:bodyPr wrap="square" rtlCol="0">
@@ -18557,175 +18884,45 @@
           </a:bodyPr>
           <a:lstStyle/>
           <a:p>
-            <a:pPr>
-              <a:spcBef>
-                <a:spcPts val="600"/>
-              </a:spcBef>
-              <a:spcAft>
-                <a:spcPts val="1200"/>
-              </a:spcAft>
-            </a:pPr>
-            <a:r>
-              <a:rPr kumimoji="1" lang="ja-JP" altLang="en-US" sz="2400" b="1" dirty="0"/>
-              <a:t>クラス</a:t>
-            </a:r>
-            <a:r>
-              <a:rPr kumimoji="1" lang="ja-JP" altLang="en-US" sz="2400" dirty="0"/>
-              <a:t>：</a:t>
-            </a:r>
-            <a:r>
-              <a:rPr kumimoji="1" lang="en-US" altLang="ja-JP" sz="2400" dirty="0"/>
-              <a:t>Circles</a:t>
-            </a:r>
-          </a:p>
-          <a:p>
-            <a:pPr>
-              <a:spcBef>
-                <a:spcPts val="600"/>
-              </a:spcBef>
-              <a:spcAft>
-                <a:spcPts val="1200"/>
-              </a:spcAft>
-            </a:pPr>
-            <a:r>
-              <a:rPr lang="ja-JP" altLang="en-US" sz="2400" b="1" dirty="0"/>
-              <a:t>クラス変数</a:t>
-            </a:r>
-            <a:r>
-              <a:rPr lang="ja-JP" altLang="en-US" sz="2400" dirty="0"/>
-              <a:t>：円周率</a:t>
-            </a:r>
-            <a:r>
-              <a:rPr lang="en-US" altLang="ja-JP" sz="2400" dirty="0"/>
-              <a:t>pi</a:t>
-            </a:r>
-            <a:r>
-              <a:rPr lang="ja-JP" altLang="en-US" sz="2400" dirty="0"/>
-              <a:t>（どの円を作成するときにも共通する値）</a:t>
-            </a:r>
-            <a:endParaRPr lang="en-US" altLang="ja-JP" sz="2400" dirty="0"/>
-          </a:p>
-          <a:p>
-            <a:pPr>
-              <a:spcBef>
-                <a:spcPts val="600"/>
-              </a:spcBef>
-              <a:spcAft>
-                <a:spcPts val="1200"/>
-              </a:spcAft>
-            </a:pPr>
-            <a:r>
-              <a:rPr kumimoji="1" lang="ja-JP" altLang="en-US" sz="2400" b="1" dirty="0"/>
-              <a:t>インスタンス変数</a:t>
-            </a:r>
-            <a:r>
-              <a:rPr kumimoji="1" lang="ja-JP" altLang="en-US" sz="2400" dirty="0"/>
-              <a:t>：半径</a:t>
-            </a:r>
-            <a:r>
-              <a:rPr kumimoji="1" lang="en-US" altLang="ja-JP" sz="2400" dirty="0" err="1"/>
-              <a:t>self.radius</a:t>
-            </a:r>
-            <a:r>
-              <a:rPr kumimoji="1" lang="ja-JP" altLang="en-US" sz="2400" dirty="0"/>
-              <a:t>（作成する円によって値が変わる）</a:t>
-            </a:r>
-            <a:endParaRPr kumimoji="1" lang="en-US" altLang="ja-JP" sz="2400" dirty="0"/>
-          </a:p>
-          <a:p>
-            <a:pPr>
-              <a:spcBef>
-                <a:spcPts val="600"/>
-              </a:spcBef>
-              <a:spcAft>
-                <a:spcPts val="1200"/>
-              </a:spcAft>
-            </a:pPr>
-            <a:r>
-              <a:rPr lang="en-US" altLang="ja-JP" sz="2400" b="1" dirty="0"/>
+            <a:r>
+              <a:rPr lang="en-US" altLang="ja-JP" b="1" dirty="0"/>
               <a:t>__</a:t>
             </a:r>
             <a:r>
-              <a:rPr lang="en-US" altLang="ja-JP" sz="2400" b="1" dirty="0" err="1"/>
+              <a:rPr lang="en-US" altLang="ja-JP" b="1" dirty="0" err="1"/>
               <a:t>init</a:t>
             </a:r>
             <a:r>
-              <a:rPr lang="en-US" altLang="ja-JP" sz="2400" b="1" dirty="0"/>
+              <a:rPr lang="en-US" altLang="ja-JP" b="1" dirty="0"/>
               <a:t>__</a:t>
             </a:r>
             <a:r>
-              <a:rPr lang="ja-JP" altLang="en-US" sz="2400" b="1" dirty="0"/>
-              <a:t>メソッド（初期化）</a:t>
-            </a:r>
-            <a:r>
-              <a:rPr lang="ja-JP" altLang="en-US" sz="2400" dirty="0"/>
-              <a:t>：インスタンス生成時、</a:t>
-            </a:r>
-            <a:r>
-              <a:rPr lang="en-US" altLang="ja-JP" sz="2400" dirty="0"/>
-              <a:t>self</a:t>
-            </a:r>
-            <a:r>
-              <a:rPr lang="ja-JP" altLang="en-US" sz="2400" dirty="0"/>
-              <a:t>に</a:t>
-            </a:r>
-            <a:r>
-              <a:rPr lang="en-US" altLang="ja-JP" sz="2400" dirty="0"/>
-              <a:t>circle1</a:t>
-            </a:r>
-            <a:r>
-              <a:rPr lang="ja-JP" altLang="en-US" sz="2400" dirty="0" err="1"/>
-              <a:t>、</a:t>
-            </a:r>
-            <a:r>
-              <a:rPr lang="en-US" altLang="ja-JP" sz="2400" dirty="0"/>
-              <a:t>r</a:t>
-            </a:r>
-            <a:r>
-              <a:rPr lang="ja-JP" altLang="en-US" sz="2400" dirty="0"/>
-              <a:t>に</a:t>
-            </a:r>
-            <a:r>
-              <a:rPr lang="en-US" altLang="ja-JP" sz="2400" dirty="0"/>
-              <a:t>2</a:t>
-            </a:r>
-            <a:r>
-              <a:rPr lang="ja-JP" altLang="en-US" sz="2400" dirty="0"/>
-              <a:t>を代入</a:t>
-            </a:r>
-            <a:endParaRPr lang="en-US" altLang="ja-JP" sz="2400" dirty="0"/>
-          </a:p>
-          <a:p>
-            <a:pPr>
-              <a:spcBef>
-                <a:spcPts val="600"/>
-              </a:spcBef>
-              <a:spcAft>
-                <a:spcPts val="1200"/>
-              </a:spcAft>
-            </a:pPr>
-            <a:r>
-              <a:rPr kumimoji="1" lang="ja-JP" altLang="en-US" sz="2400" b="1" dirty="0"/>
-              <a:t>インスタンス</a:t>
-            </a:r>
-            <a:r>
-              <a:rPr kumimoji="1" lang="ja-JP" altLang="en-US" sz="2400" dirty="0"/>
-              <a:t>：</a:t>
-            </a:r>
-            <a:r>
-              <a:rPr kumimoji="1" lang="en-US" altLang="ja-JP" sz="2400" dirty="0"/>
-              <a:t>circle1</a:t>
-            </a:r>
-            <a:endParaRPr kumimoji="1" lang="ja-JP" altLang="en-US" sz="2400" dirty="0"/>
-          </a:p>
-        </p:txBody>
-      </p:sp>
-      <p:sp>
-        <p:nvSpPr>
-          <p:cNvPr id="9" name="フレーム 8">
-            <a:extLst>
-              <a:ext uri="{FF2B5EF4-FFF2-40B4-BE49-F238E27FC236}">
-                <a16:creationId xmlns:a16="http://schemas.microsoft.com/office/drawing/2014/main" id="{FF33D322-5EB1-413D-820E-8BFFBA729908}"/>
+              <a:rPr lang="ja-JP" altLang="en-US" b="1" dirty="0"/>
+              <a:t>メソッド（初期化</a:t>
+            </a:r>
+            <a:r>
+              <a:rPr lang="ja-JP" altLang="en-US" sz="2000" b="1" dirty="0"/>
+              <a:t>）</a:t>
+            </a:r>
+            <a:endParaRPr lang="en-US" altLang="ja-JP" sz="2000" b="1" dirty="0"/>
+          </a:p>
+          <a:p>
+            <a:endParaRPr kumimoji="1" lang="en-US" altLang="ja-JP" dirty="0"/>
+          </a:p>
+          <a:p>
+            <a:endParaRPr kumimoji="1" lang="en-US" altLang="ja-JP" sz="1100" dirty="0"/>
+          </a:p>
+          <a:p>
+            <a:endParaRPr kumimoji="1" lang="ja-JP" altLang="en-US" sz="1100" dirty="0"/>
+          </a:p>
+        </p:txBody>
+      </p:sp>
+      <p:sp>
+        <p:nvSpPr>
+          <p:cNvPr id="22" name="正方形/長方形 21">
+            <a:extLst>
+              <a:ext uri="{FF2B5EF4-FFF2-40B4-BE49-F238E27FC236}">
+                <a16:creationId xmlns:a16="http://schemas.microsoft.com/office/drawing/2014/main" id="{4B62D5AA-2A7F-43B7-8588-0004577F059E}"/>
               </a:ext>
             </a:extLst>
           </p:cNvPr>
@@ -18734,14 +18931,20 @@
         </p:nvSpPr>
         <p:spPr>
           <a:xfrm>
-            <a:off x="5560042" y="1627447"/>
-            <a:ext cx="6327158" cy="4736820"/>
-          </a:xfrm>
-          <a:prstGeom prst="frame">
-            <a:avLst>
-              <a:gd name="adj1" fmla="val 1703"/>
-            </a:avLst>
-          </a:prstGeom>
+            <a:off x="1503574" y="2985141"/>
+            <a:ext cx="2306032" cy="359503"/>
+          </a:xfrm>
+          <a:prstGeom prst="rect">
+            <a:avLst/>
+          </a:prstGeom>
+          <a:solidFill>
+            <a:srgbClr val="FFC000"/>
+          </a:solidFill>
+          <a:ln>
+            <a:solidFill>
+              <a:schemeClr val="tx1"/>
+            </a:solidFill>
+          </a:ln>
         </p:spPr>
         <p:style>
           <a:lnRef idx="2">
@@ -18764,9 +18967,33 @@
           <a:lstStyle/>
           <a:p>
             <a:pPr algn="ctr"/>
-            <a:endParaRPr kumimoji="1" lang="ja-JP" altLang="en-US">
+            <a:r>
+              <a:rPr lang="en-US" altLang="ja-JP" sz="2000" b="1" dirty="0">
+                <a:solidFill>
+                  <a:srgbClr val="FF0000"/>
+                </a:solidFill>
+              </a:rPr>
+              <a:t>circle1</a:t>
+            </a:r>
+            <a:r>
+              <a:rPr lang="en-US" altLang="ja-JP" sz="2000" b="1" dirty="0">
+                <a:solidFill>
+                  <a:schemeClr val="tx1"/>
+                </a:solidFill>
+              </a:rPr>
+              <a:t>.radius = </a:t>
+            </a:r>
+            <a:r>
+              <a:rPr lang="en-US" altLang="ja-JP" sz="2000" b="1" dirty="0">
+                <a:solidFill>
+                  <a:srgbClr val="FF0000"/>
+                </a:solidFill>
+              </a:rPr>
+              <a:t>2</a:t>
+            </a:r>
+            <a:endParaRPr kumimoji="1" lang="ja-JP" altLang="en-US" sz="2000" b="1" dirty="0">
               <a:solidFill>
-                <a:schemeClr val="tx1"/>
+                <a:srgbClr val="FF0000"/>
               </a:solidFill>
             </a:endParaRPr>
           </a:p>
@@ -18774,10 +19001,10 @@
       </p:sp>
       <p:sp>
         <p:nvSpPr>
-          <p:cNvPr id="16" name="テキスト ボックス 15">
-            <a:extLst>
-              <a:ext uri="{FF2B5EF4-FFF2-40B4-BE49-F238E27FC236}">
-                <a16:creationId xmlns:a16="http://schemas.microsoft.com/office/drawing/2014/main" id="{D5AFF322-AF12-42E1-A49A-CD4BC8D59A48}"/>
+          <p:cNvPr id="23" name="テキスト ボックス 22">
+            <a:extLst>
+              <a:ext uri="{FF2B5EF4-FFF2-40B4-BE49-F238E27FC236}">
+                <a16:creationId xmlns:a16="http://schemas.microsoft.com/office/drawing/2014/main" id="{E899F4B2-C1B8-4B30-BC36-E96D65A9361D}"/>
               </a:ext>
             </a:extLst>
           </p:cNvPr>
@@ -18786,8 +19013,8 @@
         </p:nvSpPr>
         <p:spPr>
           <a:xfrm>
-            <a:off x="598221" y="3703851"/>
-            <a:ext cx="4352041" cy="1107996"/>
+            <a:off x="370123" y="3719061"/>
+            <a:ext cx="4808821" cy="1184940"/>
           </a:xfrm>
           <a:prstGeom prst="rect">
             <a:avLst/>
@@ -18821,10 +19048,79 @@
             <a:endParaRPr lang="en-US" altLang="ja-JP" b="1" dirty="0"/>
           </a:p>
           <a:p>
+            <a:pPr>
+              <a:spcAft>
+                <a:spcPts val="600"/>
+              </a:spcAft>
+            </a:pPr>
             <a:r>
               <a:rPr lang="en-US" altLang="ja-JP" dirty="0"/>
-              <a:t> def area(</a:t>
-            </a:r>
+              <a:t> def area(self):</a:t>
+            </a:r>
+          </a:p>
+          <a:p>
+            <a:r>
+              <a:rPr lang="en-US" altLang="ja-JP" dirty="0"/>
+              <a:t>        return </a:t>
+            </a:r>
+            <a:r>
+              <a:rPr lang="en-US" altLang="ja-JP" dirty="0" err="1"/>
+              <a:t>self.pi</a:t>
+            </a:r>
+            <a:r>
+              <a:rPr lang="en-US" altLang="ja-JP" dirty="0"/>
+              <a:t>          *  </a:t>
+            </a:r>
+            <a:r>
+              <a:rPr lang="en-US" altLang="ja-JP" dirty="0" err="1"/>
+              <a:t>self.radius</a:t>
+            </a:r>
+            <a:r>
+              <a:rPr lang="en-US" altLang="ja-JP" dirty="0"/>
+              <a:t>          ** 2</a:t>
+            </a:r>
+            <a:endParaRPr kumimoji="1" lang="en-US" altLang="ja-JP" dirty="0"/>
+          </a:p>
+          <a:p>
+            <a:endParaRPr kumimoji="1" lang="ja-JP" altLang="en-US" sz="1200" dirty="0"/>
+          </a:p>
+        </p:txBody>
+      </p:sp>
+      <p:sp>
+        <p:nvSpPr>
+          <p:cNvPr id="24" name="テキスト ボックス 23">
+            <a:extLst>
+              <a:ext uri="{FF2B5EF4-FFF2-40B4-BE49-F238E27FC236}">
+                <a16:creationId xmlns:a16="http://schemas.microsoft.com/office/drawing/2014/main" id="{423F22E1-54A0-4BE8-B37E-0FCE28FD116C}"/>
+              </a:ext>
+            </a:extLst>
+          </p:cNvPr>
+          <p:cNvSpPr txBox="1"/>
+          <p:nvPr/>
+        </p:nvSpPr>
+        <p:spPr>
+          <a:xfrm>
+            <a:off x="1615955" y="4326741"/>
+            <a:ext cx="1166236" cy="369332"/>
+          </a:xfrm>
+          <a:prstGeom prst="rect">
+            <a:avLst/>
+          </a:prstGeom>
+          <a:solidFill>
+            <a:schemeClr val="bg1"/>
+          </a:solidFill>
+          <a:ln w="19050">
+            <a:solidFill>
+              <a:schemeClr val="tx1"/>
+            </a:solidFill>
+          </a:ln>
+        </p:spPr>
+        <p:txBody>
+          <a:bodyPr wrap="square" rtlCol="0">
+            <a:spAutoFit/>
+          </a:bodyPr>
+          <a:lstStyle/>
+          <a:p>
             <a:r>
               <a:rPr lang="en-US" altLang="ja-JP" b="1" dirty="0">
                 <a:solidFill>
@@ -18834,17 +19130,50 @@
               <a:t>circle1</a:t>
             </a:r>
             <a:r>
-              <a:rPr lang="en-US" altLang="ja-JP" dirty="0"/>
-              <a:t>):</a:t>
-            </a:r>
-          </a:p>
-          <a:p>
-            <a:r>
-              <a:rPr lang="en-US" altLang="ja-JP" dirty="0"/>
-              <a:t>        return </a:t>
-            </a:r>
-            <a:r>
-              <a:rPr lang="en-US" altLang="ja-JP" b="1" dirty="0">
+              <a:rPr kumimoji="1" lang="en-US" altLang="ja-JP" b="1" dirty="0"/>
+              <a:t>.pi</a:t>
+            </a:r>
+            <a:endParaRPr kumimoji="1" lang="ja-JP" altLang="en-US" b="1" dirty="0"/>
+          </a:p>
+        </p:txBody>
+      </p:sp>
+      <p:sp>
+        <p:nvSpPr>
+          <p:cNvPr id="26" name="テキスト ボックス 25">
+            <a:extLst>
+              <a:ext uri="{FF2B5EF4-FFF2-40B4-BE49-F238E27FC236}">
+                <a16:creationId xmlns:a16="http://schemas.microsoft.com/office/drawing/2014/main" id="{58090B31-A704-499B-819E-D7ABE753E8D0}"/>
+              </a:ext>
+            </a:extLst>
+          </p:cNvPr>
+          <p:cNvSpPr txBox="1"/>
+          <p:nvPr/>
+        </p:nvSpPr>
+        <p:spPr>
+          <a:xfrm>
+            <a:off x="2935191" y="4311369"/>
+            <a:ext cx="1656357" cy="369332"/>
+          </a:xfrm>
+          <a:prstGeom prst="rect">
+            <a:avLst/>
+          </a:prstGeom>
+          <a:solidFill>
+            <a:srgbClr val="FFC000"/>
+          </a:solidFill>
+          <a:ln w="19050">
+            <a:solidFill>
+              <a:schemeClr val="tx1"/>
+            </a:solidFill>
+          </a:ln>
+        </p:spPr>
+        <p:txBody>
+          <a:bodyPr wrap="square" rtlCol="0">
+            <a:spAutoFit/>
+          </a:bodyPr>
+          <a:lstStyle/>
+          <a:p>
+            <a:r>
+              <a:rPr kumimoji="1" lang="en-US" altLang="ja-JP" b="1" dirty="0">
                 <a:solidFill>
                   <a:srgbClr val="FF0000"/>
                 </a:solidFill>
@@ -18852,25 +19181,10 @@
               <a:t>circle1</a:t>
             </a:r>
             <a:r>
-              <a:rPr lang="en-US" altLang="ja-JP" dirty="0"/>
-              <a:t>.pi * </a:t>
-            </a:r>
-            <a:r>
-              <a:rPr lang="en-US" altLang="ja-JP" b="1" dirty="0">
-                <a:solidFill>
-                  <a:srgbClr val="FF0000"/>
-                </a:solidFill>
-              </a:rPr>
-              <a:t>circle1</a:t>
-            </a:r>
-            <a:r>
-              <a:rPr lang="en-US" altLang="ja-JP" dirty="0"/>
-              <a:t>.radius ** 2</a:t>
-            </a:r>
-            <a:endParaRPr kumimoji="1" lang="en-US" altLang="ja-JP" dirty="0"/>
-          </a:p>
-          <a:p>
-            <a:endParaRPr kumimoji="1" lang="ja-JP" altLang="en-US" sz="1200" dirty="0"/>
+              <a:rPr kumimoji="1" lang="en-US" altLang="ja-JP" b="1" dirty="0"/>
+              <a:t>.radius</a:t>
+            </a:r>
+            <a:endParaRPr kumimoji="1" lang="ja-JP" altLang="en-US" b="1" dirty="0"/>
           </a:p>
         </p:txBody>
       </p:sp>

--- a/powerpoint/第6回　クラス①.pptx
+++ b/powerpoint/第6回　クラス①.pptx
@@ -230,7 +230,7 @@
           <a:p>
             <a:fld id="{C05D3741-4BF1-4174-BB12-98FD157D24BE}" type="datetimeFigureOut">
               <a:rPr kumimoji="1" lang="ja-JP" altLang="en-US" smtClean="0"/>
-              <a:t>2019/12/10</a:t>
+              <a:t>2019/12/11</a:t>
             </a:fld>
             <a:endParaRPr kumimoji="1" lang="ja-JP" altLang="en-US"/>
           </a:p>
@@ -395,7 +395,7 @@
           <a:p>
             <a:fld id="{4133F667-6584-408D-AD7E-D18D0869DE33}" type="datetimeFigureOut">
               <a:rPr kumimoji="1" lang="ja-JP" altLang="en-US" smtClean="0"/>
-              <a:t>2019/12/10</a:t>
+              <a:t>2019/12/11</a:t>
             </a:fld>
             <a:endParaRPr kumimoji="1" lang="ja-JP" altLang="en-US"/>
           </a:p>
@@ -1161,7 +1161,7 @@
           <a:p>
             <a:fld id="{58A231F8-05F8-4D04-8D8F-8D36F813C960}" type="datetime1">
               <a:rPr kumimoji="1" lang="ja-JP" altLang="en-US" smtClean="0"/>
-              <a:t>2019/12/10</a:t>
+              <a:t>2019/12/11</a:t>
             </a:fld>
             <a:endParaRPr kumimoji="1" lang="ja-JP" altLang="en-US" dirty="0"/>
           </a:p>
@@ -1506,7 +1506,7 @@
           <a:p>
             <a:fld id="{7EAA7B6B-D7DB-4F50-8363-5CAEA241D462}" type="datetime1">
               <a:rPr kumimoji="1" lang="ja-JP" altLang="en-US" smtClean="0"/>
-              <a:t>2019/12/10</a:t>
+              <a:t>2019/12/11</a:t>
             </a:fld>
             <a:endParaRPr kumimoji="1" lang="ja-JP" altLang="en-US"/>
           </a:p>
@@ -1768,7 +1768,7 @@
           <a:p>
             <a:fld id="{575A211C-F59B-4698-A055-613DBD159966}" type="datetime1">
               <a:rPr kumimoji="1" lang="ja-JP" altLang="en-US" smtClean="0"/>
-              <a:t>2019/12/10</a:t>
+              <a:t>2019/12/11</a:t>
             </a:fld>
             <a:endParaRPr kumimoji="1" lang="ja-JP" altLang="en-US"/>
           </a:p>
@@ -2035,7 +2035,7 @@
           <a:p>
             <a:fld id="{6C64430C-D7C9-451F-BB5A-4067700317EA}" type="datetime1">
               <a:rPr kumimoji="1" lang="ja-JP" altLang="en-US" smtClean="0"/>
-              <a:t>2019/12/10</a:t>
+              <a:t>2019/12/11</a:t>
             </a:fld>
             <a:endParaRPr kumimoji="1" lang="ja-JP" altLang="en-US"/>
           </a:p>
@@ -2376,7 +2376,7 @@
           <a:p>
             <a:fld id="{3BA0A93C-43D0-4C25-A999-C90A412EB384}" type="datetime1">
               <a:rPr kumimoji="1" lang="ja-JP" altLang="en-US" smtClean="0"/>
-              <a:t>2019/12/10</a:t>
+              <a:t>2019/12/11</a:t>
             </a:fld>
             <a:endParaRPr kumimoji="1" lang="ja-JP" altLang="en-US"/>
           </a:p>
@@ -2778,7 +2778,7 @@
           <a:p>
             <a:fld id="{17080468-DCD8-4552-92F2-26A66A1920AE}" type="datetime1">
               <a:rPr kumimoji="1" lang="ja-JP" altLang="en-US" smtClean="0"/>
-              <a:t>2019/12/10</a:t>
+              <a:t>2019/12/11</a:t>
             </a:fld>
             <a:endParaRPr kumimoji="1" lang="ja-JP" altLang="en-US"/>
           </a:p>
@@ -3144,7 +3144,7 @@
           <a:p>
             <a:fld id="{CF0BF97F-6A36-45BD-B261-185AD2EFD4F1}" type="datetime1">
               <a:rPr kumimoji="1" lang="ja-JP" altLang="en-US" smtClean="0"/>
-              <a:t>2019/12/10</a:t>
+              <a:t>2019/12/11</a:t>
             </a:fld>
             <a:endParaRPr kumimoji="1" lang="ja-JP" altLang="en-US"/>
           </a:p>
@@ -3630,7 +3630,7 @@
           <a:p>
             <a:fld id="{E187A37F-063B-4BF2-AE47-16D6CC460300}" type="datetime1">
               <a:rPr kumimoji="1" lang="ja-JP" altLang="en-US" smtClean="0"/>
-              <a:t>2019/12/10</a:t>
+              <a:t>2019/12/11</a:t>
             </a:fld>
             <a:endParaRPr kumimoji="1" lang="ja-JP" altLang="en-US"/>
           </a:p>
@@ -3725,7 +3725,7 @@
           <a:p>
             <a:fld id="{37A6803A-338A-4D1E-9AEA-3938A412C9D0}" type="datetime1">
               <a:rPr kumimoji="1" lang="ja-JP" altLang="en-US" smtClean="0"/>
-              <a:t>2019/12/10</a:t>
+              <a:t>2019/12/11</a:t>
             </a:fld>
             <a:endParaRPr kumimoji="1" lang="ja-JP" altLang="en-US"/>
           </a:p>
@@ -3887,7 +3887,7 @@
           <a:p>
             <a:fld id="{176F41DB-9FE4-4BC2-AA18-F04C127911AB}" type="datetime1">
               <a:rPr kumimoji="1" lang="ja-JP" altLang="en-US" smtClean="0"/>
-              <a:t>2019/12/10</a:t>
+              <a:t>2019/12/11</a:t>
             </a:fld>
             <a:endParaRPr kumimoji="1" lang="ja-JP" altLang="en-US"/>
           </a:p>
@@ -3982,7 +3982,7 @@
           <a:p>
             <a:fld id="{176F41DB-9FE4-4BC2-AA18-F04C127911AB}" type="datetime1">
               <a:rPr kumimoji="1" lang="ja-JP" altLang="en-US" smtClean="0"/>
-              <a:t>2019/12/10</a:t>
+              <a:t>2019/12/11</a:t>
             </a:fld>
             <a:endParaRPr kumimoji="1" lang="ja-JP" altLang="en-US"/>
           </a:p>
@@ -4458,7 +4458,7 @@
           <a:p>
             <a:fld id="{2EA862FE-B9D9-42A4-9B96-9BF43C1C92F4}" type="datetime1">
               <a:rPr kumimoji="1" lang="ja-JP" altLang="en-US" smtClean="0"/>
-              <a:t>2019/12/10</a:t>
+              <a:t>2019/12/11</a:t>
             </a:fld>
             <a:endParaRPr kumimoji="1" lang="ja-JP" altLang="en-US"/>
           </a:p>
@@ -4723,7 +4723,7 @@
           <a:p>
             <a:fld id="{DB38D941-B664-458C-B9FE-B4BFA20B7DB2}" type="datetime1">
               <a:rPr kumimoji="1" lang="ja-JP" altLang="en-US" smtClean="0"/>
-              <a:t>2019/12/10</a:t>
+              <a:t>2019/12/11</a:t>
             </a:fld>
             <a:endParaRPr kumimoji="1" lang="ja-JP" altLang="en-US"/>
           </a:p>
@@ -19390,8 +19390,12 @@
               <a:t>内に</a:t>
             </a:r>
             <a:r>
+              <a:rPr lang="en-US" altLang="ja-JP"/>
+              <a:t>【2019_12_04</a:t>
+            </a:r>
+            <a:r>
               <a:rPr lang="en-US" altLang="ja-JP" dirty="0"/>
-              <a:t>【2019/12/04【</a:t>
+              <a:t>【</a:t>
             </a:r>
             <a:r>
               <a:rPr lang="ja-JP" altLang="en-US" dirty="0"/>

--- a/powerpoint/第6回　クラス①.pptx
+++ b/powerpoint/第6回　クラス①.pptx
@@ -23246,8 +23246,8 @@
         </p:nvSpPr>
         <p:spPr>
           <a:xfrm>
-            <a:off x="5402725" y="2741609"/>
-            <a:ext cx="6517724" cy="3046988"/>
+            <a:off x="5402725" y="2407753"/>
+            <a:ext cx="6517724" cy="3785652"/>
           </a:xfrm>
           <a:prstGeom prst="rect">
             <a:avLst/>
@@ -23304,6 +23304,25 @@
               <a:t>に書かれたコードはインスタンス作成時に必ず実行</a:t>
             </a:r>
             <a:endParaRPr lang="en-US" altLang="ja-JP" sz="2400" dirty="0"/>
+          </a:p>
+          <a:p>
+            <a:r>
+              <a:rPr lang="en-US" altLang="ja-JP" sz="2400" b="1" dirty="0"/>
+              <a:t>※__</a:t>
+            </a:r>
+            <a:r>
+              <a:rPr lang="en-US" altLang="ja-JP" sz="2400" b="1" dirty="0" err="1"/>
+              <a:t>init</a:t>
+            </a:r>
+            <a:r>
+              <a:rPr lang="en-US" altLang="ja-JP" sz="2400" b="1" dirty="0"/>
+              <a:t>__</a:t>
+            </a:r>
+            <a:r>
+              <a:rPr lang="ja-JP" altLang="en-US" sz="2400" b="1" dirty="0"/>
+              <a:t>のアンダーバーは二つであることに注意</a:t>
+            </a:r>
+            <a:endParaRPr lang="en-US" altLang="ja-JP" sz="2400" b="1" dirty="0"/>
           </a:p>
           <a:p>
             <a:endParaRPr lang="en-US" altLang="ja-JP" sz="2400" dirty="0"/>
